--- a/RISK_MACAW_Hack the Future.pptx
+++ b/RISK_MACAW_Hack the Future.pptx
@@ -6,20 +6,22 @@
     <p:sldMasterId id="2147483794" r:id="rId5"/>
   </p:sldMasterIdLst>
   <p:notesMasterIdLst>
-    <p:notesMasterId r:id="rId14"/>
+    <p:notesMasterId r:id="rId16"/>
   </p:notesMasterIdLst>
   <p:handoutMasterIdLst>
-    <p:handoutMasterId r:id="rId15"/>
+    <p:handoutMasterId r:id="rId17"/>
   </p:handoutMasterIdLst>
   <p:sldIdLst>
     <p:sldId id="491" r:id="rId6"/>
     <p:sldId id="469" r:id="rId7"/>
     <p:sldId id="472" r:id="rId8"/>
-    <p:sldId id="492" r:id="rId9"/>
-    <p:sldId id="488" r:id="rId10"/>
-    <p:sldId id="489" r:id="rId11"/>
-    <p:sldId id="490" r:id="rId12"/>
-    <p:sldId id="481" r:id="rId13"/>
+    <p:sldId id="493" r:id="rId9"/>
+    <p:sldId id="494" r:id="rId10"/>
+    <p:sldId id="492" r:id="rId11"/>
+    <p:sldId id="488" r:id="rId12"/>
+    <p:sldId id="489" r:id="rId13"/>
+    <p:sldId id="490" r:id="rId14"/>
+    <p:sldId id="481" r:id="rId15"/>
   </p:sldIdLst>
   <p:sldSz cx="9144000" cy="5143500" type="screen16x9"/>
   <p:notesSz cx="7010400" cy="9236075"/>
@@ -150,7 +152,7 @@
   </p:defaultTextStyle>
   <p:extLst>
     <p:ext uri="{EFAFB233-063F-42B5-8137-9DF3F51BA10A}">
-      <p15:sldGuideLst xmlns:p15="http://schemas.microsoft.com/office/powerpoint/2012/main" xmlns="">
+      <p15:sldGuideLst xmlns="" xmlns:p15="http://schemas.microsoft.com/office/powerpoint/2012/main">
         <p15:guide id="20" pos="2208" userDrawn="1">
           <p15:clr>
             <a:srgbClr val="A4A3A4"/>
@@ -194,7 +196,7 @@
       </p15:sldGuideLst>
     </p:ext>
     <p:ext uri="{2D200454-40CA-4A62-9FC3-DE9A4176ACB9}">
-      <p15:notesGuideLst xmlns:p15="http://schemas.microsoft.com/office/powerpoint/2012/main" xmlns="">
+      <p15:notesGuideLst xmlns="" xmlns:p15="http://schemas.microsoft.com/office/powerpoint/2012/main">
         <p15:guide id="1" orient="horz" pos="2909">
           <p15:clr>
             <a:srgbClr val="A4A3A4"/>
@@ -260,14 +262,14 @@
           </a:ln>
           <a:extLst>
             <a:ext uri="{909E8E84-426E-40DD-AFC4-6F175D3DCCD1}">
-              <a14:hiddenFill xmlns:a14="http://schemas.microsoft.com/office/drawing/2010/main" xmlns="">
+              <a14:hiddenFill xmlns="" xmlns:a14="http://schemas.microsoft.com/office/drawing/2010/main">
                 <a:solidFill>
                   <a:srgbClr val="FFFFFF"/>
                 </a:solidFill>
               </a14:hiddenFill>
             </a:ext>
             <a:ext uri="{91240B29-F687-4F45-9708-019B960494DF}">
-              <a14:hiddenLine xmlns:a14="http://schemas.microsoft.com/office/drawing/2010/main" xmlns="" w="9525">
+              <a14:hiddenLine xmlns="" xmlns:a14="http://schemas.microsoft.com/office/drawing/2010/main" w="9525">
                 <a:solidFill>
                   <a:srgbClr val="000000"/>
                 </a:solidFill>
@@ -321,14 +323,14 @@
           </a:ln>
           <a:extLst>
             <a:ext uri="{909E8E84-426E-40DD-AFC4-6F175D3DCCD1}">
-              <a14:hiddenFill xmlns:a14="http://schemas.microsoft.com/office/drawing/2010/main" xmlns="">
+              <a14:hiddenFill xmlns="" xmlns:a14="http://schemas.microsoft.com/office/drawing/2010/main">
                 <a:solidFill>
                   <a:srgbClr val="FFFFFF"/>
                 </a:solidFill>
               </a14:hiddenFill>
             </a:ext>
             <a:ext uri="{91240B29-F687-4F45-9708-019B960494DF}">
-              <a14:hiddenLine xmlns:a14="http://schemas.microsoft.com/office/drawing/2010/main" xmlns="" w="9525">
+              <a14:hiddenLine xmlns="" xmlns:a14="http://schemas.microsoft.com/office/drawing/2010/main" w="9525">
                 <a:solidFill>
                   <a:srgbClr val="000000"/>
                 </a:solidFill>
@@ -382,14 +384,14 @@
           </a:ln>
           <a:extLst>
             <a:ext uri="{909E8E84-426E-40DD-AFC4-6F175D3DCCD1}">
-              <a14:hiddenFill xmlns:a14="http://schemas.microsoft.com/office/drawing/2010/main" xmlns="">
+              <a14:hiddenFill xmlns="" xmlns:a14="http://schemas.microsoft.com/office/drawing/2010/main">
                 <a:solidFill>
                   <a:srgbClr val="FFFFFF"/>
                 </a:solidFill>
               </a14:hiddenFill>
             </a:ext>
             <a:ext uri="{91240B29-F687-4F45-9708-019B960494DF}">
-              <a14:hiddenLine xmlns:a14="http://schemas.microsoft.com/office/drawing/2010/main" xmlns="" w="9525">
+              <a14:hiddenLine xmlns="" xmlns:a14="http://schemas.microsoft.com/office/drawing/2010/main" w="9525">
                 <a:solidFill>
                   <a:srgbClr val="000000"/>
                 </a:solidFill>
@@ -443,14 +445,14 @@
           </a:ln>
           <a:extLst>
             <a:ext uri="{909E8E84-426E-40DD-AFC4-6F175D3DCCD1}">
-              <a14:hiddenFill xmlns:a14="http://schemas.microsoft.com/office/drawing/2010/main" xmlns="">
+              <a14:hiddenFill xmlns="" xmlns:a14="http://schemas.microsoft.com/office/drawing/2010/main">
                 <a:solidFill>
                   <a:srgbClr val="FFFFFF"/>
                 </a:solidFill>
               </a14:hiddenFill>
             </a:ext>
             <a:ext uri="{91240B29-F687-4F45-9708-019B960494DF}">
-              <a14:hiddenLine xmlns:a14="http://schemas.microsoft.com/office/drawing/2010/main" xmlns="" w="9525">
+              <a14:hiddenLine xmlns="" xmlns:a14="http://schemas.microsoft.com/office/drawing/2010/main" w="9525">
                 <a:solidFill>
                   <a:srgbClr val="000000"/>
                 </a:solidFill>
@@ -490,7 +492,7 @@
     </p:spTree>
     <p:extLst>
       <p:ext uri="{BB962C8B-B14F-4D97-AF65-F5344CB8AC3E}">
-        <p14:creationId xmlns:p14="http://schemas.microsoft.com/office/powerpoint/2010/main" xmlns="" val="2105072336"/>
+        <p14:creationId xmlns="" xmlns:p14="http://schemas.microsoft.com/office/powerpoint/2010/main" val="2105072336"/>
       </p:ext>
     </p:extLst>
   </p:cSld>
@@ -548,14 +550,14 @@
           </a:ln>
           <a:extLst>
             <a:ext uri="{909E8E84-426E-40DD-AFC4-6F175D3DCCD1}">
-              <a14:hiddenFill xmlns:a14="http://schemas.microsoft.com/office/drawing/2010/main" xmlns="">
+              <a14:hiddenFill xmlns="" xmlns:a14="http://schemas.microsoft.com/office/drawing/2010/main">
                 <a:solidFill>
                   <a:srgbClr val="FFFFFF"/>
                 </a:solidFill>
               </a14:hiddenFill>
             </a:ext>
             <a:ext uri="{91240B29-F687-4F45-9708-019B960494DF}">
-              <a14:hiddenLine xmlns:a14="http://schemas.microsoft.com/office/drawing/2010/main" xmlns="" w="9525">
+              <a14:hiddenLine xmlns="" xmlns:a14="http://schemas.microsoft.com/office/drawing/2010/main" w="9525">
                 <a:solidFill>
                   <a:srgbClr val="000000"/>
                 </a:solidFill>
@@ -609,14 +611,14 @@
           </a:ln>
           <a:extLst>
             <a:ext uri="{909E8E84-426E-40DD-AFC4-6F175D3DCCD1}">
-              <a14:hiddenFill xmlns:a14="http://schemas.microsoft.com/office/drawing/2010/main" xmlns="">
+              <a14:hiddenFill xmlns="" xmlns:a14="http://schemas.microsoft.com/office/drawing/2010/main">
                 <a:solidFill>
                   <a:srgbClr val="FFFFFF"/>
                 </a:solidFill>
               </a14:hiddenFill>
             </a:ext>
             <a:ext uri="{91240B29-F687-4F45-9708-019B960494DF}">
-              <a14:hiddenLine xmlns:a14="http://schemas.microsoft.com/office/drawing/2010/main" xmlns="" w="9525">
+              <a14:hiddenLine xmlns="" xmlns:a14="http://schemas.microsoft.com/office/drawing/2010/main" w="9525">
                 <a:solidFill>
                   <a:srgbClr val="000000"/>
                 </a:solidFill>
@@ -675,7 +677,7 @@
           </a:ln>
           <a:extLst>
             <a:ext uri="{909E8E84-426E-40DD-AFC4-6F175D3DCCD1}">
-              <a14:hiddenFill xmlns:a14="http://schemas.microsoft.com/office/drawing/2010/main" xmlns="">
+              <a14:hiddenFill xmlns="" xmlns:a14="http://schemas.microsoft.com/office/drawing/2010/main">
                 <a:solidFill>
                   <a:srgbClr val="FFFFFF"/>
                 </a:solidFill>
@@ -708,14 +710,14 @@
           </a:ln>
           <a:extLst>
             <a:ext uri="{909E8E84-426E-40DD-AFC4-6F175D3DCCD1}">
-              <a14:hiddenFill xmlns:a14="http://schemas.microsoft.com/office/drawing/2010/main" xmlns="">
+              <a14:hiddenFill xmlns="" xmlns:a14="http://schemas.microsoft.com/office/drawing/2010/main">
                 <a:solidFill>
                   <a:srgbClr val="FFFFFF"/>
                 </a:solidFill>
               </a14:hiddenFill>
             </a:ext>
             <a:ext uri="{91240B29-F687-4F45-9708-019B960494DF}">
-              <a14:hiddenLine xmlns:a14="http://schemas.microsoft.com/office/drawing/2010/main" xmlns="" w="9525">
+              <a14:hiddenLine xmlns="" xmlns:a14="http://schemas.microsoft.com/office/drawing/2010/main" w="9525">
                 <a:solidFill>
                   <a:srgbClr val="000000"/>
                 </a:solidFill>
@@ -794,14 +796,14 @@
           </a:ln>
           <a:extLst>
             <a:ext uri="{909E8E84-426E-40DD-AFC4-6F175D3DCCD1}">
-              <a14:hiddenFill xmlns:a14="http://schemas.microsoft.com/office/drawing/2010/main" xmlns="">
+              <a14:hiddenFill xmlns="" xmlns:a14="http://schemas.microsoft.com/office/drawing/2010/main">
                 <a:solidFill>
                   <a:srgbClr val="FFFFFF"/>
                 </a:solidFill>
               </a14:hiddenFill>
             </a:ext>
             <a:ext uri="{91240B29-F687-4F45-9708-019B960494DF}">
-              <a14:hiddenLine xmlns:a14="http://schemas.microsoft.com/office/drawing/2010/main" xmlns="" w="9525">
+              <a14:hiddenLine xmlns="" xmlns:a14="http://schemas.microsoft.com/office/drawing/2010/main" w="9525">
                 <a:solidFill>
                   <a:srgbClr val="000000"/>
                 </a:solidFill>
@@ -855,14 +857,14 @@
           </a:ln>
           <a:extLst>
             <a:ext uri="{909E8E84-426E-40DD-AFC4-6F175D3DCCD1}">
-              <a14:hiddenFill xmlns:a14="http://schemas.microsoft.com/office/drawing/2010/main" xmlns="">
+              <a14:hiddenFill xmlns="" xmlns:a14="http://schemas.microsoft.com/office/drawing/2010/main">
                 <a:solidFill>
                   <a:srgbClr val="FFFFFF"/>
                 </a:solidFill>
               </a14:hiddenFill>
             </a:ext>
             <a:ext uri="{91240B29-F687-4F45-9708-019B960494DF}">
-              <a14:hiddenLine xmlns:a14="http://schemas.microsoft.com/office/drawing/2010/main" xmlns="" w="9525">
+              <a14:hiddenLine xmlns="" xmlns:a14="http://schemas.microsoft.com/office/drawing/2010/main" w="9525">
                 <a:solidFill>
                   <a:srgbClr val="000000"/>
                 </a:solidFill>
@@ -902,7 +904,7 @@
     </p:spTree>
     <p:extLst>
       <p:ext uri="{BB962C8B-B14F-4D97-AF65-F5344CB8AC3E}">
-        <p14:creationId xmlns:p14="http://schemas.microsoft.com/office/powerpoint/2010/main" xmlns="" val="337644907"/>
+        <p14:creationId xmlns="" xmlns:p14="http://schemas.microsoft.com/office/powerpoint/2010/main" val="337644907"/>
       </p:ext>
     </p:extLst>
   </p:cSld>
@@ -1055,7 +1057,7 @@
           <p:cNvPr id="3" name="Slide Number Placeholder 9">
             <a:extLst>
               <a:ext uri="{FF2B5EF4-FFF2-40B4-BE49-F238E27FC236}">
-                <a16:creationId xmlns:a16="http://schemas.microsoft.com/office/drawing/2014/main" xmlns="" id="{0824B341-A537-41D0-9C5E-E90A67A899E3}"/>
+                <a16:creationId xmlns="" xmlns:a16="http://schemas.microsoft.com/office/drawing/2014/main" id="{0824B341-A537-41D0-9C5E-E90A67A899E3}"/>
               </a:ext>
             </a:extLst>
           </p:cNvPr>
@@ -1100,7 +1102,7 @@
     </p:spTree>
     <p:extLst>
       <p:ext uri="{BB962C8B-B14F-4D97-AF65-F5344CB8AC3E}">
-        <p14:creationId xmlns:p14="http://schemas.microsoft.com/office/powerpoint/2010/main" xmlns="" val="2929055857"/>
+        <p14:creationId xmlns="" xmlns:p14="http://schemas.microsoft.com/office/powerpoint/2010/main" val="2929055857"/>
       </p:ext>
     </p:extLst>
   </p:cSld>
@@ -1168,7 +1170,7 @@
             <a:fld id="{C764DE79-268F-4C1A-8933-263129D2AF90}" type="datetimeFigureOut">
               <a:rPr lang="en-US" dirty="0"/>
               <a:pPr/>
-              <a:t>9/6/2020</a:t>
+              <a:t>9/8/2020</a:t>
             </a:fld>
             <a:endParaRPr lang="en-US" dirty="0"/>
           </a:p>
@@ -1220,7 +1222,7 @@
     </p:spTree>
     <p:extLst>
       <p:ext uri="{BB962C8B-B14F-4D97-AF65-F5344CB8AC3E}">
-        <p14:creationId xmlns:p14="http://schemas.microsoft.com/office/powerpoint/2010/main" xmlns="" val="2910757607"/>
+        <p14:creationId xmlns="" xmlns:p14="http://schemas.microsoft.com/office/powerpoint/2010/main" val="2910757607"/>
       </p:ext>
     </p:extLst>
   </p:cSld>
@@ -1266,7 +1268,7 @@
             <a:fld id="{C764DE79-268F-4C1A-8933-263129D2AF90}" type="datetimeFigureOut">
               <a:rPr lang="en-US" dirty="0"/>
               <a:pPr/>
-              <a:t>9/6/2020</a:t>
+              <a:t>9/8/2020</a:t>
             </a:fld>
             <a:endParaRPr lang="en-US" dirty="0"/>
           </a:p>
@@ -1318,7 +1320,7 @@
     </p:spTree>
     <p:extLst>
       <p:ext uri="{BB962C8B-B14F-4D97-AF65-F5344CB8AC3E}">
-        <p14:creationId xmlns:p14="http://schemas.microsoft.com/office/powerpoint/2010/main" xmlns="" val="2654930218"/>
+        <p14:creationId xmlns="" xmlns:p14="http://schemas.microsoft.com/office/powerpoint/2010/main" val="2654930218"/>
       </p:ext>
     </p:extLst>
   </p:cSld>
@@ -1545,7 +1547,7 @@
             <a:fld id="{C764DE79-268F-4C1A-8933-263129D2AF90}" type="datetimeFigureOut">
               <a:rPr lang="en-US" dirty="0"/>
               <a:pPr/>
-              <a:t>9/6/2020</a:t>
+              <a:t>9/8/2020</a:t>
             </a:fld>
             <a:endParaRPr lang="en-US" dirty="0"/>
           </a:p>
@@ -1597,7 +1599,7 @@
     </p:spTree>
     <p:extLst>
       <p:ext uri="{BB962C8B-B14F-4D97-AF65-F5344CB8AC3E}">
-        <p14:creationId xmlns:p14="http://schemas.microsoft.com/office/powerpoint/2010/main" xmlns="" val="1725405766"/>
+        <p14:creationId xmlns="" xmlns:p14="http://schemas.microsoft.com/office/powerpoint/2010/main" val="1725405766"/>
       </p:ext>
     </p:extLst>
   </p:cSld>
@@ -1805,7 +1807,7 @@
             <a:fld id="{C764DE79-268F-4C1A-8933-263129D2AF90}" type="datetimeFigureOut">
               <a:rPr lang="en-US" dirty="0"/>
               <a:pPr/>
-              <a:t>9/6/2020</a:t>
+              <a:t>9/8/2020</a:t>
             </a:fld>
             <a:endParaRPr lang="en-US" dirty="0"/>
           </a:p>
@@ -1857,7 +1859,7 @@
     </p:spTree>
     <p:extLst>
       <p:ext uri="{BB962C8B-B14F-4D97-AF65-F5344CB8AC3E}">
-        <p14:creationId xmlns:p14="http://schemas.microsoft.com/office/powerpoint/2010/main" xmlns="" val="2803994566"/>
+        <p14:creationId xmlns="" xmlns:p14="http://schemas.microsoft.com/office/powerpoint/2010/main" val="2803994566"/>
       </p:ext>
     </p:extLst>
   </p:cSld>
@@ -1978,7 +1980,7 @@
             <a:fld id="{C764DE79-268F-4C1A-8933-263129D2AF90}" type="datetimeFigureOut">
               <a:rPr lang="en-US" dirty="0"/>
               <a:pPr/>
-              <a:t>9/6/2020</a:t>
+              <a:t>9/8/2020</a:t>
             </a:fld>
             <a:endParaRPr lang="en-US" dirty="0"/>
           </a:p>
@@ -2030,7 +2032,7 @@
     </p:spTree>
     <p:extLst>
       <p:ext uri="{BB962C8B-B14F-4D97-AF65-F5344CB8AC3E}">
-        <p14:creationId xmlns:p14="http://schemas.microsoft.com/office/powerpoint/2010/main" xmlns="" val="1139302145"/>
+        <p14:creationId xmlns="" xmlns:p14="http://schemas.microsoft.com/office/powerpoint/2010/main" val="1139302145"/>
       </p:ext>
     </p:extLst>
   </p:cSld>
@@ -2161,7 +2163,7 @@
             <a:fld id="{C764DE79-268F-4C1A-8933-263129D2AF90}" type="datetimeFigureOut">
               <a:rPr lang="en-US" dirty="0"/>
               <a:pPr/>
-              <a:t>9/6/2020</a:t>
+              <a:t>9/8/2020</a:t>
             </a:fld>
             <a:endParaRPr lang="en-US" dirty="0"/>
           </a:p>
@@ -2213,7 +2215,7 @@
     </p:spTree>
     <p:extLst>
       <p:ext uri="{BB962C8B-B14F-4D97-AF65-F5344CB8AC3E}">
-        <p14:creationId xmlns:p14="http://schemas.microsoft.com/office/powerpoint/2010/main" xmlns="" val="3120758450"/>
+        <p14:creationId xmlns="" xmlns:p14="http://schemas.microsoft.com/office/powerpoint/2010/main" val="3120758450"/>
       </p:ext>
     </p:extLst>
   </p:cSld>
@@ -2253,7 +2255,7 @@
           <a:blip r:embed="rId2">
             <a:extLst>
               <a:ext uri="{28A0092B-C50C-407E-A947-70E740481C1C}">
-                <a14:useLocalDpi xmlns:a14="http://schemas.microsoft.com/office/drawing/2010/main" xmlns=""/>
+                <a14:useLocalDpi xmlns="" xmlns:a14="http://schemas.microsoft.com/office/drawing/2010/main"/>
               </a:ext>
             </a:extLst>
           </a:blip>
@@ -2274,7 +2276,7 @@
     </p:spTree>
     <p:extLst>
       <p:ext uri="{BB962C8B-B14F-4D97-AF65-F5344CB8AC3E}">
-        <p14:creationId xmlns:p14="http://schemas.microsoft.com/office/powerpoint/2010/main" xmlns="" val="2044740177"/>
+        <p14:creationId xmlns="" xmlns:p14="http://schemas.microsoft.com/office/powerpoint/2010/main" val="2044740177"/>
       </p:ext>
     </p:extLst>
   </p:cSld>
@@ -2405,7 +2407,7 @@
           <a:blip r:embed="rId2">
             <a:extLst>
               <a:ext uri="{28A0092B-C50C-407E-A947-70E740481C1C}">
-                <a14:useLocalDpi xmlns:a14="http://schemas.microsoft.com/office/drawing/2010/main" xmlns="" val="0"/>
+                <a14:useLocalDpi xmlns="" xmlns:a14="http://schemas.microsoft.com/office/drawing/2010/main" val="0"/>
               </a:ext>
             </a:extLst>
           </a:blip>
@@ -2425,7 +2427,7 @@
           <a:noFill/>
           <a:extLst>
             <a:ext uri="{909E8E84-426E-40DD-AFC4-6F175D3DCCD1}">
-              <a14:hiddenFill xmlns:a14="http://schemas.microsoft.com/office/drawing/2010/main" xmlns="">
+              <a14:hiddenFill xmlns="" xmlns:a14="http://schemas.microsoft.com/office/drawing/2010/main">
                 <a:solidFill>
                   <a:srgbClr val="FFFFFF"/>
                 </a:solidFill>
@@ -2533,7 +2535,7 @@
           <a:blip r:embed="rId3">
             <a:extLst>
               <a:ext uri="{28A0092B-C50C-407E-A947-70E740481C1C}">
-                <a14:useLocalDpi xmlns:a14="http://schemas.microsoft.com/office/drawing/2010/main" xmlns="" val="0"/>
+                <a14:useLocalDpi xmlns="" xmlns:a14="http://schemas.microsoft.com/office/drawing/2010/main" val="0"/>
               </a:ext>
             </a:extLst>
           </a:blip>
@@ -2553,7 +2555,7 @@
           <a:noFill/>
           <a:extLst>
             <a:ext uri="{909E8E84-426E-40DD-AFC4-6F175D3DCCD1}">
-              <a14:hiddenFill xmlns:a14="http://schemas.microsoft.com/office/drawing/2010/main" xmlns="">
+              <a14:hiddenFill xmlns="" xmlns:a14="http://schemas.microsoft.com/office/drawing/2010/main">
                 <a:solidFill>
                   <a:srgbClr val="FFFFFF"/>
                 </a:solidFill>
@@ -2647,7 +2649,7 @@
           <a:blip r:embed="rId4">
             <a:extLst>
               <a:ext uri="{28A0092B-C50C-407E-A947-70E740481C1C}">
-                <a14:useLocalDpi xmlns:a14="http://schemas.microsoft.com/office/drawing/2010/main" xmlns="" val="0"/>
+                <a14:useLocalDpi xmlns="" xmlns:a14="http://schemas.microsoft.com/office/drawing/2010/main" val="0"/>
               </a:ext>
             </a:extLst>
           </a:blip>
@@ -2668,7 +2670,7 @@
     </p:spTree>
     <p:extLst>
       <p:ext uri="{BB962C8B-B14F-4D97-AF65-F5344CB8AC3E}">
-        <p14:creationId xmlns:p14="http://schemas.microsoft.com/office/powerpoint/2010/main" xmlns="" val="2294743319"/>
+        <p14:creationId xmlns="" xmlns:p14="http://schemas.microsoft.com/office/powerpoint/2010/main" val="2294743319"/>
       </p:ext>
     </p:extLst>
   </p:cSld>
@@ -2707,7 +2709,7 @@
           <a:blip r:embed="rId2">
             <a:extLst>
               <a:ext uri="{28A0092B-C50C-407E-A947-70E740481C1C}">
-                <a14:useLocalDpi xmlns:a14="http://schemas.microsoft.com/office/drawing/2010/main" xmlns=""/>
+                <a14:useLocalDpi xmlns="" xmlns:a14="http://schemas.microsoft.com/office/drawing/2010/main"/>
               </a:ext>
             </a:extLst>
           </a:blip>
@@ -2728,7 +2730,7 @@
     </p:spTree>
     <p:extLst>
       <p:ext uri="{BB962C8B-B14F-4D97-AF65-F5344CB8AC3E}">
-        <p14:creationId xmlns:p14="http://schemas.microsoft.com/office/powerpoint/2010/main" xmlns="" val="2952437865"/>
+        <p14:creationId xmlns="" xmlns:p14="http://schemas.microsoft.com/office/powerpoint/2010/main" val="2952437865"/>
       </p:ext>
     </p:extLst>
   </p:cSld>
@@ -2767,7 +2769,7 @@
           <a:blip r:embed="rId2">
             <a:extLst>
               <a:ext uri="{28A0092B-C50C-407E-A947-70E740481C1C}">
-                <a14:useLocalDpi xmlns:a14="http://schemas.microsoft.com/office/drawing/2010/main" xmlns=""/>
+                <a14:useLocalDpi xmlns="" xmlns:a14="http://schemas.microsoft.com/office/drawing/2010/main"/>
               </a:ext>
             </a:extLst>
           </a:blip>
@@ -2788,7 +2790,7 @@
     </p:spTree>
     <p:extLst>
       <p:ext uri="{BB962C8B-B14F-4D97-AF65-F5344CB8AC3E}">
-        <p14:creationId xmlns:p14="http://schemas.microsoft.com/office/powerpoint/2010/main" xmlns="" val="1459302520"/>
+        <p14:creationId xmlns="" xmlns:p14="http://schemas.microsoft.com/office/powerpoint/2010/main" val="1459302520"/>
       </p:ext>
     </p:extLst>
   </p:cSld>
@@ -2827,7 +2829,7 @@
           <a:blip r:embed="rId2">
             <a:extLst>
               <a:ext uri="{28A0092B-C50C-407E-A947-70E740481C1C}">
-                <a14:useLocalDpi xmlns:a14="http://schemas.microsoft.com/office/drawing/2010/main" xmlns=""/>
+                <a14:useLocalDpi xmlns="" xmlns:a14="http://schemas.microsoft.com/office/drawing/2010/main"/>
               </a:ext>
             </a:extLst>
           </a:blip>
@@ -2848,7 +2850,7 @@
     </p:spTree>
     <p:extLst>
       <p:ext uri="{BB962C8B-B14F-4D97-AF65-F5344CB8AC3E}">
-        <p14:creationId xmlns:p14="http://schemas.microsoft.com/office/powerpoint/2010/main" xmlns="" val="4144934148"/>
+        <p14:creationId xmlns="" xmlns:p14="http://schemas.microsoft.com/office/powerpoint/2010/main" val="4144934148"/>
       </p:ext>
     </p:extLst>
   </p:cSld>
@@ -2990,7 +2992,7 @@
             <a:fld id="{C764DE79-268F-4C1A-8933-263129D2AF90}" type="datetimeFigureOut">
               <a:rPr lang="en-US" dirty="0"/>
               <a:pPr/>
-              <a:t>9/6/2020</a:t>
+              <a:t>9/8/2020</a:t>
             </a:fld>
             <a:endParaRPr lang="en-US" dirty="0"/>
           </a:p>
@@ -3042,7 +3044,7 @@
     </p:spTree>
     <p:extLst>
       <p:ext uri="{BB962C8B-B14F-4D97-AF65-F5344CB8AC3E}">
-        <p14:creationId xmlns:p14="http://schemas.microsoft.com/office/powerpoint/2010/main" xmlns="" val="3197210111"/>
+        <p14:creationId xmlns="" xmlns:p14="http://schemas.microsoft.com/office/powerpoint/2010/main" val="3197210111"/>
       </p:ext>
     </p:extLst>
   </p:cSld>
@@ -3163,7 +3165,7 @@
             <a:fld id="{C764DE79-268F-4C1A-8933-263129D2AF90}" type="datetimeFigureOut">
               <a:rPr lang="en-US" dirty="0"/>
               <a:pPr/>
-              <a:t>9/6/2020</a:t>
+              <a:t>9/8/2020</a:t>
             </a:fld>
             <a:endParaRPr lang="en-US" dirty="0"/>
           </a:p>
@@ -3215,7 +3217,7 @@
     </p:spTree>
     <p:extLst>
       <p:ext uri="{BB962C8B-B14F-4D97-AF65-F5344CB8AC3E}">
-        <p14:creationId xmlns:p14="http://schemas.microsoft.com/office/powerpoint/2010/main" xmlns="" val="821202767"/>
+        <p14:creationId xmlns="" xmlns:p14="http://schemas.microsoft.com/office/powerpoint/2010/main" val="821202767"/>
       </p:ext>
     </p:extLst>
   </p:cSld>
@@ -3412,7 +3414,7 @@
             <a:fld id="{C764DE79-268F-4C1A-8933-263129D2AF90}" type="datetimeFigureOut">
               <a:rPr lang="en-US" dirty="0"/>
               <a:pPr/>
-              <a:t>9/6/2020</a:t>
+              <a:t>9/8/2020</a:t>
             </a:fld>
             <a:endParaRPr lang="en-US" dirty="0"/>
           </a:p>
@@ -3464,7 +3466,7 @@
     </p:spTree>
     <p:extLst>
       <p:ext uri="{BB962C8B-B14F-4D97-AF65-F5344CB8AC3E}">
-        <p14:creationId xmlns:p14="http://schemas.microsoft.com/office/powerpoint/2010/main" xmlns="" val="3599131989"/>
+        <p14:creationId xmlns="" xmlns:p14="http://schemas.microsoft.com/office/powerpoint/2010/main" val="3599131989"/>
       </p:ext>
     </p:extLst>
   </p:cSld>
@@ -3647,7 +3649,7 @@
             <a:fld id="{C764DE79-268F-4C1A-8933-263129D2AF90}" type="datetimeFigureOut">
               <a:rPr lang="en-US" dirty="0"/>
               <a:pPr/>
-              <a:t>9/6/2020</a:t>
+              <a:t>9/8/2020</a:t>
             </a:fld>
             <a:endParaRPr lang="en-US" dirty="0"/>
           </a:p>
@@ -3699,7 +3701,7 @@
     </p:spTree>
     <p:extLst>
       <p:ext uri="{BB962C8B-B14F-4D97-AF65-F5344CB8AC3E}">
-        <p14:creationId xmlns:p14="http://schemas.microsoft.com/office/powerpoint/2010/main" xmlns="" val="2380911176"/>
+        <p14:creationId xmlns="" xmlns:p14="http://schemas.microsoft.com/office/powerpoint/2010/main" val="2380911176"/>
       </p:ext>
     </p:extLst>
   </p:cSld>
@@ -4017,7 +4019,7 @@
             <a:fld id="{C764DE79-268F-4C1A-8933-263129D2AF90}" type="datetimeFigureOut">
               <a:rPr lang="en-US" dirty="0"/>
               <a:pPr/>
-              <a:t>9/6/2020</a:t>
+              <a:t>9/8/2020</a:t>
             </a:fld>
             <a:endParaRPr lang="en-US" dirty="0"/>
           </a:p>
@@ -4069,7 +4071,7 @@
     </p:spTree>
     <p:extLst>
       <p:ext uri="{BB962C8B-B14F-4D97-AF65-F5344CB8AC3E}">
-        <p14:creationId xmlns:p14="http://schemas.microsoft.com/office/powerpoint/2010/main" xmlns="" val="2099577844"/>
+        <p14:creationId xmlns="" xmlns:p14="http://schemas.microsoft.com/office/powerpoint/2010/main" val="2099577844"/>
       </p:ext>
     </p:extLst>
   </p:cSld>
@@ -4107,7 +4109,7 @@
           <p:cNvPr id="11" name="Group 8">
             <a:extLst>
               <a:ext uri="{FF2B5EF4-FFF2-40B4-BE49-F238E27FC236}">
-                <a16:creationId xmlns:a16="http://schemas.microsoft.com/office/drawing/2014/main" xmlns="" id="{990C445C-8328-4EE5-8D40-D687DBD5F017}"/>
+                <a16:creationId xmlns="" xmlns:a16="http://schemas.microsoft.com/office/drawing/2014/main" id="{990C445C-8328-4EE5-8D40-D687DBD5F017}"/>
               </a:ext>
             </a:extLst>
           </p:cNvPr>
@@ -4132,7 +4134,7 @@
             <p:cNvPr id="12" name="Freeform 9">
               <a:extLst>
                 <a:ext uri="{FF2B5EF4-FFF2-40B4-BE49-F238E27FC236}">
-                  <a16:creationId xmlns:a16="http://schemas.microsoft.com/office/drawing/2014/main" xmlns="" id="{1FEA314E-6947-4DF2-9592-6BEE532F0D46}"/>
+                  <a16:creationId xmlns="" xmlns:a16="http://schemas.microsoft.com/office/drawing/2014/main" id="{1FEA314E-6947-4DF2-9592-6BEE532F0D46}"/>
                 </a:ext>
               </a:extLst>
             </p:cNvPr>
@@ -4270,7 +4272,7 @@
             </a:ln>
             <a:extLst>
               <a:ext uri="{91240B29-F687-4F45-9708-019B960494DF}">
-                <a14:hiddenLine xmlns:a14="http://schemas.microsoft.com/office/drawing/2010/main" xmlns="" w="9525">
+                <a14:hiddenLine xmlns="" xmlns:a14="http://schemas.microsoft.com/office/drawing/2010/main" w="9525">
                   <a:solidFill>
                     <a:srgbClr val="000000"/>
                   </a:solidFill>
@@ -4302,7 +4304,7 @@
             <p:cNvPr id="13" name="Freeform 10">
               <a:extLst>
                 <a:ext uri="{FF2B5EF4-FFF2-40B4-BE49-F238E27FC236}">
-                  <a16:creationId xmlns:a16="http://schemas.microsoft.com/office/drawing/2014/main" xmlns="" id="{C69ED7F0-571C-4EA8-848B-5F4469D00E18}"/>
+                  <a16:creationId xmlns="" xmlns:a16="http://schemas.microsoft.com/office/drawing/2014/main" id="{C69ED7F0-571C-4EA8-848B-5F4469D00E18}"/>
                 </a:ext>
               </a:extLst>
             </p:cNvPr>
@@ -4439,7 +4441,7 @@
             </a:ln>
             <a:extLst>
               <a:ext uri="{91240B29-F687-4F45-9708-019B960494DF}">
-                <a14:hiddenLine xmlns:a14="http://schemas.microsoft.com/office/drawing/2010/main" xmlns="" w="9525">
+                <a14:hiddenLine xmlns="" xmlns:a14="http://schemas.microsoft.com/office/drawing/2010/main" w="9525">
                   <a:solidFill>
                     <a:srgbClr val="000000"/>
                   </a:solidFill>
@@ -4471,7 +4473,7 @@
             <p:cNvPr id="14" name="Freeform 11">
               <a:extLst>
                 <a:ext uri="{FF2B5EF4-FFF2-40B4-BE49-F238E27FC236}">
-                  <a16:creationId xmlns:a16="http://schemas.microsoft.com/office/drawing/2014/main" xmlns="" id="{A68BAC78-5965-46F3-8C81-A57DFDA97597}"/>
+                  <a16:creationId xmlns="" xmlns:a16="http://schemas.microsoft.com/office/drawing/2014/main" id="{A68BAC78-5965-46F3-8C81-A57DFDA97597}"/>
                 </a:ext>
               </a:extLst>
             </p:cNvPr>
@@ -4569,7 +4571,7 @@
             </a:ln>
             <a:extLst>
               <a:ext uri="{91240B29-F687-4F45-9708-019B960494DF}">
-                <a14:hiddenLine xmlns:a14="http://schemas.microsoft.com/office/drawing/2010/main" xmlns="" w="9525">
+                <a14:hiddenLine xmlns="" xmlns:a14="http://schemas.microsoft.com/office/drawing/2010/main" w="9525">
                   <a:solidFill>
                     <a:srgbClr val="000000"/>
                   </a:solidFill>
@@ -4601,7 +4603,7 @@
             <p:cNvPr id="15" name="Freeform 12">
               <a:extLst>
                 <a:ext uri="{FF2B5EF4-FFF2-40B4-BE49-F238E27FC236}">
-                  <a16:creationId xmlns:a16="http://schemas.microsoft.com/office/drawing/2014/main" xmlns="" id="{244B9C07-B632-47BC-A88C-6A7254792D47}"/>
+                  <a16:creationId xmlns="" xmlns:a16="http://schemas.microsoft.com/office/drawing/2014/main" id="{244B9C07-B632-47BC-A88C-6A7254792D47}"/>
                 </a:ext>
               </a:extLst>
             </p:cNvPr>
@@ -4698,7 +4700,7 @@
             </a:ln>
             <a:extLst>
               <a:ext uri="{91240B29-F687-4F45-9708-019B960494DF}">
-                <a14:hiddenLine xmlns:a14="http://schemas.microsoft.com/office/drawing/2010/main" xmlns="" w="9525">
+                <a14:hiddenLine xmlns="" xmlns:a14="http://schemas.microsoft.com/office/drawing/2010/main" w="9525">
                   <a:solidFill>
                     <a:srgbClr val="000000"/>
                   </a:solidFill>
@@ -4730,7 +4732,7 @@
             <p:cNvPr id="16" name="Freeform 13">
               <a:extLst>
                 <a:ext uri="{FF2B5EF4-FFF2-40B4-BE49-F238E27FC236}">
-                  <a16:creationId xmlns:a16="http://schemas.microsoft.com/office/drawing/2014/main" xmlns="" id="{8CA8903B-D922-44EF-BA50-4BF135F263EB}"/>
+                  <a16:creationId xmlns="" xmlns:a16="http://schemas.microsoft.com/office/drawing/2014/main" id="{8CA8903B-D922-44EF-BA50-4BF135F263EB}"/>
                 </a:ext>
               </a:extLst>
             </p:cNvPr>
@@ -4876,7 +4878,7 @@
             </a:ln>
             <a:extLst>
               <a:ext uri="{91240B29-F687-4F45-9708-019B960494DF}">
-                <a14:hiddenLine xmlns:a14="http://schemas.microsoft.com/office/drawing/2010/main" xmlns="" w="9525">
+                <a14:hiddenLine xmlns="" xmlns:a14="http://schemas.microsoft.com/office/drawing/2010/main" w="9525">
                   <a:solidFill>
                     <a:srgbClr val="000000"/>
                   </a:solidFill>
@@ -4908,7 +4910,7 @@
             <p:cNvPr id="17" name="Freeform 14">
               <a:extLst>
                 <a:ext uri="{FF2B5EF4-FFF2-40B4-BE49-F238E27FC236}">
-                  <a16:creationId xmlns:a16="http://schemas.microsoft.com/office/drawing/2014/main" xmlns="" id="{AF7B5DE2-A000-4DFD-8F7E-20D8406AB895}"/>
+                  <a16:creationId xmlns="" xmlns:a16="http://schemas.microsoft.com/office/drawing/2014/main" id="{AF7B5DE2-A000-4DFD-8F7E-20D8406AB895}"/>
                 </a:ext>
               </a:extLst>
             </p:cNvPr>
@@ -5053,7 +5055,7 @@
             </a:ln>
             <a:extLst>
               <a:ext uri="{91240B29-F687-4F45-9708-019B960494DF}">
-                <a14:hiddenLine xmlns:a14="http://schemas.microsoft.com/office/drawing/2010/main" xmlns="" w="9525">
+                <a14:hiddenLine xmlns="" xmlns:a14="http://schemas.microsoft.com/office/drawing/2010/main" w="9525">
                   <a:solidFill>
                     <a:srgbClr val="000000"/>
                   </a:solidFill>
@@ -5085,7 +5087,7 @@
             <p:cNvPr id="18" name="Freeform 15">
               <a:extLst>
                 <a:ext uri="{FF2B5EF4-FFF2-40B4-BE49-F238E27FC236}">
-                  <a16:creationId xmlns:a16="http://schemas.microsoft.com/office/drawing/2014/main" xmlns="" id="{4CBEF8A8-1508-462A-BC3D-95D084C0156B}"/>
+                  <a16:creationId xmlns="" xmlns:a16="http://schemas.microsoft.com/office/drawing/2014/main" id="{4CBEF8A8-1508-462A-BC3D-95D084C0156B}"/>
                 </a:ext>
               </a:extLst>
             </p:cNvPr>
@@ -5256,7 +5258,7 @@
             </a:ln>
             <a:extLst>
               <a:ext uri="{91240B29-F687-4F45-9708-019B960494DF}">
-                <a14:hiddenLine xmlns:a14="http://schemas.microsoft.com/office/drawing/2010/main" xmlns="" w="9525">
+                <a14:hiddenLine xmlns="" xmlns:a14="http://schemas.microsoft.com/office/drawing/2010/main" w="9525">
                   <a:solidFill>
                     <a:srgbClr val="000000"/>
                   </a:solidFill>
@@ -5288,7 +5290,7 @@
             <p:cNvPr id="19" name="Freeform 16">
               <a:extLst>
                 <a:ext uri="{FF2B5EF4-FFF2-40B4-BE49-F238E27FC236}">
-                  <a16:creationId xmlns:a16="http://schemas.microsoft.com/office/drawing/2014/main" xmlns="" id="{6CD96781-6FAB-419E-969D-11E6DBB3397D}"/>
+                  <a16:creationId xmlns="" xmlns:a16="http://schemas.microsoft.com/office/drawing/2014/main" id="{6CD96781-6FAB-419E-969D-11E6DBB3397D}"/>
                 </a:ext>
               </a:extLst>
             </p:cNvPr>
@@ -5457,7 +5459,7 @@
             </a:ln>
             <a:extLst>
               <a:ext uri="{91240B29-F687-4F45-9708-019B960494DF}">
-                <a14:hiddenLine xmlns:a14="http://schemas.microsoft.com/office/drawing/2010/main" xmlns="" w="9525">
+                <a14:hiddenLine xmlns="" xmlns:a14="http://schemas.microsoft.com/office/drawing/2010/main" w="9525">
                   <a:solidFill>
                     <a:srgbClr val="000000"/>
                   </a:solidFill>
@@ -5489,7 +5491,7 @@
             <p:cNvPr id="20" name="Freeform 17">
               <a:extLst>
                 <a:ext uri="{FF2B5EF4-FFF2-40B4-BE49-F238E27FC236}">
-                  <a16:creationId xmlns:a16="http://schemas.microsoft.com/office/drawing/2014/main" xmlns="" id="{6E0F8BBD-9C30-4BF2-9143-0A5CB23756EE}"/>
+                  <a16:creationId xmlns="" xmlns:a16="http://schemas.microsoft.com/office/drawing/2014/main" id="{6E0F8BBD-9C30-4BF2-9143-0A5CB23756EE}"/>
                 </a:ext>
               </a:extLst>
             </p:cNvPr>
@@ -5675,7 +5677,7 @@
             </a:ln>
             <a:extLst>
               <a:ext uri="{91240B29-F687-4F45-9708-019B960494DF}">
-                <a14:hiddenLine xmlns:a14="http://schemas.microsoft.com/office/drawing/2010/main" xmlns="" w="9525">
+                <a14:hiddenLine xmlns="" xmlns:a14="http://schemas.microsoft.com/office/drawing/2010/main" w="9525">
                   <a:solidFill>
                     <a:srgbClr val="000000"/>
                   </a:solidFill>
@@ -5707,7 +5709,7 @@
             <p:cNvPr id="21" name="Freeform 18">
               <a:extLst>
                 <a:ext uri="{FF2B5EF4-FFF2-40B4-BE49-F238E27FC236}">
-                  <a16:creationId xmlns:a16="http://schemas.microsoft.com/office/drawing/2014/main" xmlns="" id="{20E63CD3-D0F2-4C20-BF21-5EA41A706D88}"/>
+                  <a16:creationId xmlns="" xmlns:a16="http://schemas.microsoft.com/office/drawing/2014/main" id="{20E63CD3-D0F2-4C20-BF21-5EA41A706D88}"/>
                 </a:ext>
               </a:extLst>
             </p:cNvPr>
@@ -5892,7 +5894,7 @@
             </a:ln>
             <a:extLst>
               <a:ext uri="{91240B29-F687-4F45-9708-019B960494DF}">
-                <a14:hiddenLine xmlns:a14="http://schemas.microsoft.com/office/drawing/2010/main" xmlns="" w="9525">
+                <a14:hiddenLine xmlns="" xmlns:a14="http://schemas.microsoft.com/office/drawing/2010/main" w="9525">
                   <a:solidFill>
                     <a:srgbClr val="000000"/>
                   </a:solidFill>
@@ -5924,7 +5926,7 @@
             <p:cNvPr id="22" name="Freeform 19">
               <a:extLst>
                 <a:ext uri="{FF2B5EF4-FFF2-40B4-BE49-F238E27FC236}">
-                  <a16:creationId xmlns:a16="http://schemas.microsoft.com/office/drawing/2014/main" xmlns="" id="{C7B5000D-D293-4953-ADCD-DFE2CAC40B98}"/>
+                  <a16:creationId xmlns="" xmlns:a16="http://schemas.microsoft.com/office/drawing/2014/main" id="{C7B5000D-D293-4953-ADCD-DFE2CAC40B98}"/>
                 </a:ext>
               </a:extLst>
             </p:cNvPr>
@@ -6030,7 +6032,7 @@
             </a:ln>
             <a:extLst>
               <a:ext uri="{91240B29-F687-4F45-9708-019B960494DF}">
-                <a14:hiddenLine xmlns:a14="http://schemas.microsoft.com/office/drawing/2010/main" xmlns="" w="9525">
+                <a14:hiddenLine xmlns="" xmlns:a14="http://schemas.microsoft.com/office/drawing/2010/main" w="9525">
                   <a:solidFill>
                     <a:srgbClr val="000000"/>
                   </a:solidFill>
@@ -6062,7 +6064,7 @@
             <p:cNvPr id="23" name="Freeform 20">
               <a:extLst>
                 <a:ext uri="{FF2B5EF4-FFF2-40B4-BE49-F238E27FC236}">
-                  <a16:creationId xmlns:a16="http://schemas.microsoft.com/office/drawing/2014/main" xmlns="" id="{63B54396-57CB-4FBB-8554-C17BFA4BDF02}"/>
+                  <a16:creationId xmlns="" xmlns:a16="http://schemas.microsoft.com/office/drawing/2014/main" id="{63B54396-57CB-4FBB-8554-C17BFA4BDF02}"/>
                 </a:ext>
               </a:extLst>
             </p:cNvPr>
@@ -6167,7 +6169,7 @@
             </a:ln>
             <a:extLst>
               <a:ext uri="{91240B29-F687-4F45-9708-019B960494DF}">
-                <a14:hiddenLine xmlns:a14="http://schemas.microsoft.com/office/drawing/2010/main" xmlns="" w="9525">
+                <a14:hiddenLine xmlns="" xmlns:a14="http://schemas.microsoft.com/office/drawing/2010/main" w="9525">
                   <a:solidFill>
                     <a:srgbClr val="000000"/>
                   </a:solidFill>
@@ -6199,7 +6201,7 @@
             <p:cNvPr id="24" name="Freeform 21">
               <a:extLst>
                 <a:ext uri="{FF2B5EF4-FFF2-40B4-BE49-F238E27FC236}">
-                  <a16:creationId xmlns:a16="http://schemas.microsoft.com/office/drawing/2014/main" xmlns="" id="{FC1EC044-DEB7-4F6D-8177-C2267C61DD73}"/>
+                  <a16:creationId xmlns="" xmlns:a16="http://schemas.microsoft.com/office/drawing/2014/main" id="{FC1EC044-DEB7-4F6D-8177-C2267C61DD73}"/>
                 </a:ext>
               </a:extLst>
             </p:cNvPr>
@@ -6473,7 +6475,7 @@
             </a:ln>
             <a:extLst>
               <a:ext uri="{91240B29-F687-4F45-9708-019B960494DF}">
-                <a14:hiddenLine xmlns:a14="http://schemas.microsoft.com/office/drawing/2010/main" xmlns="" w="9525">
+                <a14:hiddenLine xmlns="" xmlns:a14="http://schemas.microsoft.com/office/drawing/2010/main" w="9525">
                   <a:solidFill>
                     <a:srgbClr val="000000"/>
                   </a:solidFill>
@@ -6505,7 +6507,7 @@
             <p:cNvPr id="25" name="Freeform 22">
               <a:extLst>
                 <a:ext uri="{FF2B5EF4-FFF2-40B4-BE49-F238E27FC236}">
-                  <a16:creationId xmlns:a16="http://schemas.microsoft.com/office/drawing/2014/main" xmlns="" id="{E365BFA0-C9A2-4083-8CC2-D57C1B0622F0}"/>
+                  <a16:creationId xmlns="" xmlns:a16="http://schemas.microsoft.com/office/drawing/2014/main" id="{E365BFA0-C9A2-4083-8CC2-D57C1B0622F0}"/>
                 </a:ext>
               </a:extLst>
             </p:cNvPr>
@@ -6778,7 +6780,7 @@
             </a:ln>
             <a:extLst>
               <a:ext uri="{91240B29-F687-4F45-9708-019B960494DF}">
-                <a14:hiddenLine xmlns:a14="http://schemas.microsoft.com/office/drawing/2010/main" xmlns="" w="9525">
+                <a14:hiddenLine xmlns="" xmlns:a14="http://schemas.microsoft.com/office/drawing/2010/main" w="9525">
                   <a:solidFill>
                     <a:srgbClr val="000000"/>
                   </a:solidFill>
@@ -6810,7 +6812,7 @@
             <p:cNvPr id="26" name="Freeform 23">
               <a:extLst>
                 <a:ext uri="{FF2B5EF4-FFF2-40B4-BE49-F238E27FC236}">
-                  <a16:creationId xmlns:a16="http://schemas.microsoft.com/office/drawing/2014/main" xmlns="" id="{6192349E-7BE2-4688-ADA5-969DFE199D12}"/>
+                  <a16:creationId xmlns="" xmlns:a16="http://schemas.microsoft.com/office/drawing/2014/main" id="{6192349E-7BE2-4688-ADA5-969DFE199D12}"/>
                 </a:ext>
               </a:extLst>
             </p:cNvPr>
@@ -6916,7 +6918,7 @@
             </a:ln>
             <a:extLst>
               <a:ext uri="{91240B29-F687-4F45-9708-019B960494DF}">
-                <a14:hiddenLine xmlns:a14="http://schemas.microsoft.com/office/drawing/2010/main" xmlns="" w="9525">
+                <a14:hiddenLine xmlns="" xmlns:a14="http://schemas.microsoft.com/office/drawing/2010/main" w="9525">
                   <a:solidFill>
                     <a:srgbClr val="000000"/>
                   </a:solidFill>
@@ -6948,7 +6950,7 @@
             <p:cNvPr id="27" name="Freeform 24">
               <a:extLst>
                 <a:ext uri="{FF2B5EF4-FFF2-40B4-BE49-F238E27FC236}">
-                  <a16:creationId xmlns:a16="http://schemas.microsoft.com/office/drawing/2014/main" xmlns="" id="{8EED4AC1-7EE9-43E7-83BF-50CD15E873FC}"/>
+                  <a16:creationId xmlns="" xmlns:a16="http://schemas.microsoft.com/office/drawing/2014/main" id="{8EED4AC1-7EE9-43E7-83BF-50CD15E873FC}"/>
                 </a:ext>
               </a:extLst>
             </p:cNvPr>
@@ -7053,7 +7055,7 @@
             </a:ln>
             <a:extLst>
               <a:ext uri="{91240B29-F687-4F45-9708-019B960494DF}">
-                <a14:hiddenLine xmlns:a14="http://schemas.microsoft.com/office/drawing/2010/main" xmlns="" w="9525">
+                <a14:hiddenLine xmlns="" xmlns:a14="http://schemas.microsoft.com/office/drawing/2010/main" w="9525">
                   <a:solidFill>
                     <a:srgbClr val="000000"/>
                   </a:solidFill>
@@ -7085,7 +7087,7 @@
             <p:cNvPr id="28" name="Freeform 25">
               <a:extLst>
                 <a:ext uri="{FF2B5EF4-FFF2-40B4-BE49-F238E27FC236}">
-                  <a16:creationId xmlns:a16="http://schemas.microsoft.com/office/drawing/2014/main" xmlns="" id="{46E955A2-8DFF-4140-A14D-21CAF00DC967}"/>
+                  <a16:creationId xmlns="" xmlns:a16="http://schemas.microsoft.com/office/drawing/2014/main" id="{46E955A2-8DFF-4140-A14D-21CAF00DC967}"/>
                 </a:ext>
               </a:extLst>
             </p:cNvPr>
@@ -7199,7 +7201,7 @@
             </a:ln>
             <a:extLst>
               <a:ext uri="{91240B29-F687-4F45-9708-019B960494DF}">
-                <a14:hiddenLine xmlns:a14="http://schemas.microsoft.com/office/drawing/2010/main" xmlns="" w="9525">
+                <a14:hiddenLine xmlns="" xmlns:a14="http://schemas.microsoft.com/office/drawing/2010/main" w="9525">
                   <a:solidFill>
                     <a:srgbClr val="000000"/>
                   </a:solidFill>
@@ -7231,7 +7233,7 @@
             <p:cNvPr id="29" name="Freeform 26">
               <a:extLst>
                 <a:ext uri="{FF2B5EF4-FFF2-40B4-BE49-F238E27FC236}">
-                  <a16:creationId xmlns:a16="http://schemas.microsoft.com/office/drawing/2014/main" xmlns="" id="{A096D7D4-4242-4C09-8238-C3B6014BECA3}"/>
+                  <a16:creationId xmlns="" xmlns:a16="http://schemas.microsoft.com/office/drawing/2014/main" id="{A096D7D4-4242-4C09-8238-C3B6014BECA3}"/>
                 </a:ext>
               </a:extLst>
             </p:cNvPr>
@@ -7344,7 +7346,7 @@
             </a:ln>
             <a:extLst>
               <a:ext uri="{91240B29-F687-4F45-9708-019B960494DF}">
-                <a14:hiddenLine xmlns:a14="http://schemas.microsoft.com/office/drawing/2010/main" xmlns="" w="9525">
+                <a14:hiddenLine xmlns="" xmlns:a14="http://schemas.microsoft.com/office/drawing/2010/main" w="9525">
                   <a:solidFill>
                     <a:srgbClr val="000000"/>
                   </a:solidFill>
@@ -7376,7 +7378,7 @@
             <p:cNvPr id="30" name="Freeform 27">
               <a:extLst>
                 <a:ext uri="{FF2B5EF4-FFF2-40B4-BE49-F238E27FC236}">
-                  <a16:creationId xmlns:a16="http://schemas.microsoft.com/office/drawing/2014/main" xmlns="" id="{E1944DD0-F5EE-4786-9FCD-C302E1248441}"/>
+                  <a16:creationId xmlns="" xmlns:a16="http://schemas.microsoft.com/office/drawing/2014/main" id="{E1944DD0-F5EE-4786-9FCD-C302E1248441}"/>
                 </a:ext>
               </a:extLst>
             </p:cNvPr>
@@ -7538,7 +7540,7 @@
             </a:ln>
             <a:extLst>
               <a:ext uri="{91240B29-F687-4F45-9708-019B960494DF}">
-                <a14:hiddenLine xmlns:a14="http://schemas.microsoft.com/office/drawing/2010/main" xmlns="" w="9525">
+                <a14:hiddenLine xmlns="" xmlns:a14="http://schemas.microsoft.com/office/drawing/2010/main" w="9525">
                   <a:solidFill>
                     <a:srgbClr val="000000"/>
                   </a:solidFill>
@@ -7570,7 +7572,7 @@
             <p:cNvPr id="31" name="Freeform 28">
               <a:extLst>
                 <a:ext uri="{FF2B5EF4-FFF2-40B4-BE49-F238E27FC236}">
-                  <a16:creationId xmlns:a16="http://schemas.microsoft.com/office/drawing/2014/main" xmlns="" id="{08090AAD-07AA-455C-80EC-4290CE2707BA}"/>
+                  <a16:creationId xmlns="" xmlns:a16="http://schemas.microsoft.com/office/drawing/2014/main" id="{08090AAD-07AA-455C-80EC-4290CE2707BA}"/>
                 </a:ext>
               </a:extLst>
             </p:cNvPr>
@@ -7731,7 +7733,7 @@
             </a:ln>
             <a:extLst>
               <a:ext uri="{91240B29-F687-4F45-9708-019B960494DF}">
-                <a14:hiddenLine xmlns:a14="http://schemas.microsoft.com/office/drawing/2010/main" xmlns="" w="9525">
+                <a14:hiddenLine xmlns="" xmlns:a14="http://schemas.microsoft.com/office/drawing/2010/main" w="9525">
                   <a:solidFill>
                     <a:srgbClr val="000000"/>
                   </a:solidFill>
@@ -7763,7 +7765,7 @@
             <p:cNvPr id="32" name="Freeform 29">
               <a:extLst>
                 <a:ext uri="{FF2B5EF4-FFF2-40B4-BE49-F238E27FC236}">
-                  <a16:creationId xmlns:a16="http://schemas.microsoft.com/office/drawing/2014/main" xmlns="" id="{8CE15EC2-7298-4AF9-BA7C-6C2D951B749F}"/>
+                  <a16:creationId xmlns="" xmlns:a16="http://schemas.microsoft.com/office/drawing/2014/main" id="{8CE15EC2-7298-4AF9-BA7C-6C2D951B749F}"/>
                 </a:ext>
               </a:extLst>
             </p:cNvPr>
@@ -7950,7 +7952,7 @@
             </a:ln>
             <a:extLst>
               <a:ext uri="{91240B29-F687-4F45-9708-019B960494DF}">
-                <a14:hiddenLine xmlns:a14="http://schemas.microsoft.com/office/drawing/2010/main" xmlns="" w="9525">
+                <a14:hiddenLine xmlns="" xmlns:a14="http://schemas.microsoft.com/office/drawing/2010/main" w="9525">
                   <a:solidFill>
                     <a:srgbClr val="000000"/>
                   </a:solidFill>
@@ -7982,7 +7984,7 @@
             <p:cNvPr id="33" name="Freeform 30">
               <a:extLst>
                 <a:ext uri="{FF2B5EF4-FFF2-40B4-BE49-F238E27FC236}">
-                  <a16:creationId xmlns:a16="http://schemas.microsoft.com/office/drawing/2014/main" xmlns="" id="{1C0DE5BF-00F5-4D22-950E-FB1595916D81}"/>
+                  <a16:creationId xmlns="" xmlns:a16="http://schemas.microsoft.com/office/drawing/2014/main" id="{1C0DE5BF-00F5-4D22-950E-FB1595916D81}"/>
                 </a:ext>
               </a:extLst>
             </p:cNvPr>
@@ -8167,7 +8169,7 @@
             </a:ln>
             <a:extLst>
               <a:ext uri="{91240B29-F687-4F45-9708-019B960494DF}">
-                <a14:hiddenLine xmlns:a14="http://schemas.microsoft.com/office/drawing/2010/main" xmlns="" w="9525">
+                <a14:hiddenLine xmlns="" xmlns:a14="http://schemas.microsoft.com/office/drawing/2010/main" w="9525">
                   <a:solidFill>
                     <a:srgbClr val="000000"/>
                   </a:solidFill>
@@ -8199,7 +8201,7 @@
             <p:cNvPr id="34" name="Freeform 31">
               <a:extLst>
                 <a:ext uri="{FF2B5EF4-FFF2-40B4-BE49-F238E27FC236}">
-                  <a16:creationId xmlns:a16="http://schemas.microsoft.com/office/drawing/2014/main" xmlns="" id="{C36F9C55-84F3-4FB2-BFB4-09DABD59394A}"/>
+                  <a16:creationId xmlns="" xmlns:a16="http://schemas.microsoft.com/office/drawing/2014/main" id="{C36F9C55-84F3-4FB2-BFB4-09DABD59394A}"/>
                 </a:ext>
               </a:extLst>
             </p:cNvPr>
@@ -8273,7 +8275,7 @@
             </a:ln>
             <a:extLst>
               <a:ext uri="{91240B29-F687-4F45-9708-019B960494DF}">
-                <a14:hiddenLine xmlns:a14="http://schemas.microsoft.com/office/drawing/2010/main" xmlns="" w="9525">
+                <a14:hiddenLine xmlns="" xmlns:a14="http://schemas.microsoft.com/office/drawing/2010/main" w="9525">
                   <a:solidFill>
                     <a:srgbClr val="000000"/>
                   </a:solidFill>
@@ -8305,7 +8307,7 @@
             <p:cNvPr id="35" name="Freeform 32">
               <a:extLst>
                 <a:ext uri="{FF2B5EF4-FFF2-40B4-BE49-F238E27FC236}">
-                  <a16:creationId xmlns:a16="http://schemas.microsoft.com/office/drawing/2014/main" xmlns="" id="{86DCBB0C-B506-4002-8AE1-8D5D2C88C3C2}"/>
+                  <a16:creationId xmlns="" xmlns:a16="http://schemas.microsoft.com/office/drawing/2014/main" id="{86DCBB0C-B506-4002-8AE1-8D5D2C88C3C2}"/>
                 </a:ext>
               </a:extLst>
             </p:cNvPr>
@@ -8378,7 +8380,7 @@
             </a:ln>
             <a:extLst>
               <a:ext uri="{91240B29-F687-4F45-9708-019B960494DF}">
-                <a14:hiddenLine xmlns:a14="http://schemas.microsoft.com/office/drawing/2010/main" xmlns="" w="9525">
+                <a14:hiddenLine xmlns="" xmlns:a14="http://schemas.microsoft.com/office/drawing/2010/main" w="9525">
                   <a:solidFill>
                     <a:srgbClr val="000000"/>
                   </a:solidFill>
@@ -8410,7 +8412,7 @@
             <p:cNvPr id="36" name="Freeform 33">
               <a:extLst>
                 <a:ext uri="{FF2B5EF4-FFF2-40B4-BE49-F238E27FC236}">
-                  <a16:creationId xmlns:a16="http://schemas.microsoft.com/office/drawing/2014/main" xmlns="" id="{8551D65C-4F01-4471-A549-9B58F09C3DF4}"/>
+                  <a16:creationId xmlns="" xmlns:a16="http://schemas.microsoft.com/office/drawing/2014/main" id="{8551D65C-4F01-4471-A549-9B58F09C3DF4}"/>
                 </a:ext>
               </a:extLst>
             </p:cNvPr>
@@ -8581,7 +8583,7 @@
             </a:ln>
             <a:extLst>
               <a:ext uri="{91240B29-F687-4F45-9708-019B960494DF}">
-                <a14:hiddenLine xmlns:a14="http://schemas.microsoft.com/office/drawing/2010/main" xmlns="" w="9525">
+                <a14:hiddenLine xmlns="" xmlns:a14="http://schemas.microsoft.com/office/drawing/2010/main" w="9525">
                   <a:solidFill>
                     <a:srgbClr val="000000"/>
                   </a:solidFill>
@@ -8613,7 +8615,7 @@
             <p:cNvPr id="37" name="Freeform 34">
               <a:extLst>
                 <a:ext uri="{FF2B5EF4-FFF2-40B4-BE49-F238E27FC236}">
-                  <a16:creationId xmlns:a16="http://schemas.microsoft.com/office/drawing/2014/main" xmlns="" id="{3544D767-6834-4436-ABFA-BF3A4EA70E69}"/>
+                  <a16:creationId xmlns="" xmlns:a16="http://schemas.microsoft.com/office/drawing/2014/main" id="{3544D767-6834-4436-ABFA-BF3A4EA70E69}"/>
                 </a:ext>
               </a:extLst>
             </p:cNvPr>
@@ -8782,7 +8784,7 @@
             </a:ln>
             <a:extLst>
               <a:ext uri="{91240B29-F687-4F45-9708-019B960494DF}">
-                <a14:hiddenLine xmlns:a14="http://schemas.microsoft.com/office/drawing/2010/main" xmlns="" w="9525">
+                <a14:hiddenLine xmlns="" xmlns:a14="http://schemas.microsoft.com/office/drawing/2010/main" w="9525">
                   <a:solidFill>
                     <a:srgbClr val="000000"/>
                   </a:solidFill>
@@ -8814,7 +8816,7 @@
             <p:cNvPr id="38" name="Freeform 35">
               <a:extLst>
                 <a:ext uri="{FF2B5EF4-FFF2-40B4-BE49-F238E27FC236}">
-                  <a16:creationId xmlns:a16="http://schemas.microsoft.com/office/drawing/2014/main" xmlns="" id="{466AAF9F-DDCC-4DB5-A3C3-BDD1647420C9}"/>
+                  <a16:creationId xmlns="" xmlns:a16="http://schemas.microsoft.com/office/drawing/2014/main" id="{466AAF9F-DDCC-4DB5-A3C3-BDD1647420C9}"/>
                 </a:ext>
               </a:extLst>
             </p:cNvPr>
@@ -8920,7 +8922,7 @@
             </a:ln>
             <a:extLst>
               <a:ext uri="{91240B29-F687-4F45-9708-019B960494DF}">
-                <a14:hiddenLine xmlns:a14="http://schemas.microsoft.com/office/drawing/2010/main" xmlns="" w="9525">
+                <a14:hiddenLine xmlns="" xmlns:a14="http://schemas.microsoft.com/office/drawing/2010/main" w="9525">
                   <a:solidFill>
                     <a:srgbClr val="000000"/>
                   </a:solidFill>
@@ -8952,7 +8954,7 @@
             <p:cNvPr id="39" name="Freeform 36">
               <a:extLst>
                 <a:ext uri="{FF2B5EF4-FFF2-40B4-BE49-F238E27FC236}">
-                  <a16:creationId xmlns:a16="http://schemas.microsoft.com/office/drawing/2014/main" xmlns="" id="{FD46DFCE-F860-4163-8E8B-63C1CB744557}"/>
+                  <a16:creationId xmlns="" xmlns:a16="http://schemas.microsoft.com/office/drawing/2014/main" id="{FD46DFCE-F860-4163-8E8B-63C1CB744557}"/>
                 </a:ext>
               </a:extLst>
             </p:cNvPr>
@@ -9057,7 +9059,7 @@
             </a:ln>
             <a:extLst>
               <a:ext uri="{91240B29-F687-4F45-9708-019B960494DF}">
-                <a14:hiddenLine xmlns:a14="http://schemas.microsoft.com/office/drawing/2010/main" xmlns="" w="9525">
+                <a14:hiddenLine xmlns="" xmlns:a14="http://schemas.microsoft.com/office/drawing/2010/main" w="9525">
                   <a:solidFill>
                     <a:srgbClr val="000000"/>
                   </a:solidFill>
@@ -9089,7 +9091,7 @@
             <p:cNvPr id="40" name="Freeform 37">
               <a:extLst>
                 <a:ext uri="{FF2B5EF4-FFF2-40B4-BE49-F238E27FC236}">
-                  <a16:creationId xmlns:a16="http://schemas.microsoft.com/office/drawing/2014/main" xmlns="" id="{C1E56C6E-6CA3-4F30-B41F-B5096F5492F3}"/>
+                  <a16:creationId xmlns="" xmlns:a16="http://schemas.microsoft.com/office/drawing/2014/main" id="{C1E56C6E-6CA3-4F30-B41F-B5096F5492F3}"/>
                 </a:ext>
               </a:extLst>
             </p:cNvPr>
@@ -9195,7 +9197,7 @@
             </a:ln>
             <a:extLst>
               <a:ext uri="{91240B29-F687-4F45-9708-019B960494DF}">
-                <a14:hiddenLine xmlns:a14="http://schemas.microsoft.com/office/drawing/2010/main" xmlns="" w="9525">
+                <a14:hiddenLine xmlns="" xmlns:a14="http://schemas.microsoft.com/office/drawing/2010/main" w="9525">
                   <a:solidFill>
                     <a:srgbClr val="000000"/>
                   </a:solidFill>
@@ -9227,7 +9229,7 @@
             <p:cNvPr id="41" name="Freeform 38">
               <a:extLst>
                 <a:ext uri="{FF2B5EF4-FFF2-40B4-BE49-F238E27FC236}">
-                  <a16:creationId xmlns:a16="http://schemas.microsoft.com/office/drawing/2014/main" xmlns="" id="{78BD5980-C499-4A25-A2CF-F8200440D705}"/>
+                  <a16:creationId xmlns="" xmlns:a16="http://schemas.microsoft.com/office/drawing/2014/main" id="{78BD5980-C499-4A25-A2CF-F8200440D705}"/>
                 </a:ext>
               </a:extLst>
             </p:cNvPr>
@@ -9332,7 +9334,7 @@
             </a:ln>
             <a:extLst>
               <a:ext uri="{91240B29-F687-4F45-9708-019B960494DF}">
-                <a14:hiddenLine xmlns:a14="http://schemas.microsoft.com/office/drawing/2010/main" xmlns="" w="9525">
+                <a14:hiddenLine xmlns="" xmlns:a14="http://schemas.microsoft.com/office/drawing/2010/main" w="9525">
                   <a:solidFill>
                     <a:srgbClr val="000000"/>
                   </a:solidFill>
@@ -9364,7 +9366,7 @@
             <p:cNvPr id="42" name="Freeform 39">
               <a:extLst>
                 <a:ext uri="{FF2B5EF4-FFF2-40B4-BE49-F238E27FC236}">
-                  <a16:creationId xmlns:a16="http://schemas.microsoft.com/office/drawing/2014/main" xmlns="" id="{9BB29F3C-2FB3-4C55-B4F7-80F5743A238E}"/>
+                  <a16:creationId xmlns="" xmlns:a16="http://schemas.microsoft.com/office/drawing/2014/main" id="{9BB29F3C-2FB3-4C55-B4F7-80F5743A238E}"/>
                 </a:ext>
               </a:extLst>
             </p:cNvPr>
@@ -9486,7 +9488,7 @@
             </a:ln>
             <a:extLst>
               <a:ext uri="{91240B29-F687-4F45-9708-019B960494DF}">
-                <a14:hiddenLine xmlns:a14="http://schemas.microsoft.com/office/drawing/2010/main" xmlns="" w="9525">
+                <a14:hiddenLine xmlns="" xmlns:a14="http://schemas.microsoft.com/office/drawing/2010/main" w="9525">
                   <a:solidFill>
                     <a:srgbClr val="000000"/>
                   </a:solidFill>
@@ -9518,7 +9520,7 @@
             <p:cNvPr id="43" name="Freeform 40">
               <a:extLst>
                 <a:ext uri="{FF2B5EF4-FFF2-40B4-BE49-F238E27FC236}">
-                  <a16:creationId xmlns:a16="http://schemas.microsoft.com/office/drawing/2014/main" xmlns="" id="{4E46A4E2-9D69-4988-9AD3-F21598CEC38F}"/>
+                  <a16:creationId xmlns="" xmlns:a16="http://schemas.microsoft.com/office/drawing/2014/main" id="{4E46A4E2-9D69-4988-9AD3-F21598CEC38F}"/>
                 </a:ext>
               </a:extLst>
             </p:cNvPr>
@@ -9639,7 +9641,7 @@
             </a:ln>
             <a:extLst>
               <a:ext uri="{91240B29-F687-4F45-9708-019B960494DF}">
-                <a14:hiddenLine xmlns:a14="http://schemas.microsoft.com/office/drawing/2010/main" xmlns="" w="9525">
+                <a14:hiddenLine xmlns="" xmlns:a14="http://schemas.microsoft.com/office/drawing/2010/main" w="9525">
                   <a:solidFill>
                     <a:srgbClr val="000000"/>
                   </a:solidFill>
@@ -9671,7 +9673,7 @@
             <p:cNvPr id="44" name="Freeform 41">
               <a:extLst>
                 <a:ext uri="{FF2B5EF4-FFF2-40B4-BE49-F238E27FC236}">
-                  <a16:creationId xmlns:a16="http://schemas.microsoft.com/office/drawing/2014/main" xmlns="" id="{C17C7C2A-8638-4727-84D5-7C7F98825C34}"/>
+                  <a16:creationId xmlns="" xmlns:a16="http://schemas.microsoft.com/office/drawing/2014/main" id="{C17C7C2A-8638-4727-84D5-7C7F98825C34}"/>
                 </a:ext>
               </a:extLst>
             </p:cNvPr>
@@ -9777,7 +9779,7 @@
             </a:ln>
             <a:extLst>
               <a:ext uri="{91240B29-F687-4F45-9708-019B960494DF}">
-                <a14:hiddenLine xmlns:a14="http://schemas.microsoft.com/office/drawing/2010/main" xmlns="" w="9525">
+                <a14:hiddenLine xmlns="" xmlns:a14="http://schemas.microsoft.com/office/drawing/2010/main" w="9525">
                   <a:solidFill>
                     <a:srgbClr val="000000"/>
                   </a:solidFill>
@@ -9809,7 +9811,7 @@
             <p:cNvPr id="45" name="Freeform 42">
               <a:extLst>
                 <a:ext uri="{FF2B5EF4-FFF2-40B4-BE49-F238E27FC236}">
-                  <a16:creationId xmlns:a16="http://schemas.microsoft.com/office/drawing/2014/main" xmlns="" id="{36B0B241-2431-40E0-B9CE-A537CB7D5E3D}"/>
+                  <a16:creationId xmlns="" xmlns:a16="http://schemas.microsoft.com/office/drawing/2014/main" id="{36B0B241-2431-40E0-B9CE-A537CB7D5E3D}"/>
                 </a:ext>
               </a:extLst>
             </p:cNvPr>
@@ -9914,7 +9916,7 @@
             </a:ln>
             <a:extLst>
               <a:ext uri="{91240B29-F687-4F45-9708-019B960494DF}">
-                <a14:hiddenLine xmlns:a14="http://schemas.microsoft.com/office/drawing/2010/main" xmlns="" w="9525">
+                <a14:hiddenLine xmlns="" xmlns:a14="http://schemas.microsoft.com/office/drawing/2010/main" w="9525">
                   <a:solidFill>
                     <a:srgbClr val="000000"/>
                   </a:solidFill>
@@ -9946,7 +9948,7 @@
             <p:cNvPr id="46" name="Freeform 43">
               <a:extLst>
                 <a:ext uri="{FF2B5EF4-FFF2-40B4-BE49-F238E27FC236}">
-                  <a16:creationId xmlns:a16="http://schemas.microsoft.com/office/drawing/2014/main" xmlns="" id="{17197AD1-FBA3-470A-ABA4-6F3A0568AF11}"/>
+                  <a16:creationId xmlns="" xmlns:a16="http://schemas.microsoft.com/office/drawing/2014/main" id="{17197AD1-FBA3-470A-ABA4-6F3A0568AF11}"/>
                 </a:ext>
               </a:extLst>
             </p:cNvPr>
@@ -10076,7 +10078,7 @@
             </a:ln>
             <a:extLst>
               <a:ext uri="{91240B29-F687-4F45-9708-019B960494DF}">
-                <a14:hiddenLine xmlns:a14="http://schemas.microsoft.com/office/drawing/2010/main" xmlns="" w="9525">
+                <a14:hiddenLine xmlns="" xmlns:a14="http://schemas.microsoft.com/office/drawing/2010/main" w="9525">
                   <a:solidFill>
                     <a:srgbClr val="000000"/>
                   </a:solidFill>
@@ -10108,7 +10110,7 @@
             <p:cNvPr id="47" name="Freeform 44">
               <a:extLst>
                 <a:ext uri="{FF2B5EF4-FFF2-40B4-BE49-F238E27FC236}">
-                  <a16:creationId xmlns:a16="http://schemas.microsoft.com/office/drawing/2014/main" xmlns="" id="{8CF3D685-EEF2-4D9B-ACE5-F8550309D534}"/>
+                  <a16:creationId xmlns="" xmlns:a16="http://schemas.microsoft.com/office/drawing/2014/main" id="{8CF3D685-EEF2-4D9B-ACE5-F8550309D534}"/>
                 </a:ext>
               </a:extLst>
             </p:cNvPr>
@@ -10237,7 +10239,7 @@
             </a:ln>
             <a:extLst>
               <a:ext uri="{91240B29-F687-4F45-9708-019B960494DF}">
-                <a14:hiddenLine xmlns:a14="http://schemas.microsoft.com/office/drawing/2010/main" xmlns="" w="9525">
+                <a14:hiddenLine xmlns="" xmlns:a14="http://schemas.microsoft.com/office/drawing/2010/main" w="9525">
                   <a:solidFill>
                     <a:srgbClr val="000000"/>
                   </a:solidFill>
@@ -10269,7 +10271,7 @@
             <p:cNvPr id="48" name="Freeform 45">
               <a:extLst>
                 <a:ext uri="{FF2B5EF4-FFF2-40B4-BE49-F238E27FC236}">
-                  <a16:creationId xmlns:a16="http://schemas.microsoft.com/office/drawing/2014/main" xmlns="" id="{5128A1C4-25E2-414B-85E1-39F87DBC1523}"/>
+                  <a16:creationId xmlns="" xmlns:a16="http://schemas.microsoft.com/office/drawing/2014/main" id="{5128A1C4-25E2-414B-85E1-39F87DBC1523}"/>
                 </a:ext>
               </a:extLst>
             </p:cNvPr>
@@ -10375,7 +10377,7 @@
             </a:ln>
             <a:extLst>
               <a:ext uri="{91240B29-F687-4F45-9708-019B960494DF}">
-                <a14:hiddenLine xmlns:a14="http://schemas.microsoft.com/office/drawing/2010/main" xmlns="" w="9525">
+                <a14:hiddenLine xmlns="" xmlns:a14="http://schemas.microsoft.com/office/drawing/2010/main" w="9525">
                   <a:solidFill>
                     <a:srgbClr val="000000"/>
                   </a:solidFill>
@@ -10407,7 +10409,7 @@
             <p:cNvPr id="49" name="Freeform 46">
               <a:extLst>
                 <a:ext uri="{FF2B5EF4-FFF2-40B4-BE49-F238E27FC236}">
-                  <a16:creationId xmlns:a16="http://schemas.microsoft.com/office/drawing/2014/main" xmlns="" id="{2BEB0C5D-8EF8-4B3B-B5A2-4100F605C02D}"/>
+                  <a16:creationId xmlns="" xmlns:a16="http://schemas.microsoft.com/office/drawing/2014/main" id="{2BEB0C5D-8EF8-4B3B-B5A2-4100F605C02D}"/>
                 </a:ext>
               </a:extLst>
             </p:cNvPr>
@@ -10512,7 +10514,7 @@
             </a:ln>
             <a:extLst>
               <a:ext uri="{91240B29-F687-4F45-9708-019B960494DF}">
-                <a14:hiddenLine xmlns:a14="http://schemas.microsoft.com/office/drawing/2010/main" xmlns="" w="9525">
+                <a14:hiddenLine xmlns="" xmlns:a14="http://schemas.microsoft.com/office/drawing/2010/main" w="9525">
                   <a:solidFill>
                     <a:srgbClr val="000000"/>
                   </a:solidFill>
@@ -10544,7 +10546,7 @@
             <p:cNvPr id="50" name="Freeform 47">
               <a:extLst>
                 <a:ext uri="{FF2B5EF4-FFF2-40B4-BE49-F238E27FC236}">
-                  <a16:creationId xmlns:a16="http://schemas.microsoft.com/office/drawing/2014/main" xmlns="" id="{E1A8E5E6-12B2-41B7-A375-3878558DFEAA}"/>
+                  <a16:creationId xmlns="" xmlns:a16="http://schemas.microsoft.com/office/drawing/2014/main" id="{E1A8E5E6-12B2-41B7-A375-3878558DFEAA}"/>
                 </a:ext>
               </a:extLst>
             </p:cNvPr>
@@ -10618,7 +10620,7 @@
             </a:ln>
             <a:extLst>
               <a:ext uri="{91240B29-F687-4F45-9708-019B960494DF}">
-                <a14:hiddenLine xmlns:a14="http://schemas.microsoft.com/office/drawing/2010/main" xmlns="" w="9525">
+                <a14:hiddenLine xmlns="" xmlns:a14="http://schemas.microsoft.com/office/drawing/2010/main" w="9525">
                   <a:solidFill>
                     <a:srgbClr val="000000"/>
                   </a:solidFill>
@@ -10650,7 +10652,7 @@
             <p:cNvPr id="51" name="Freeform 48">
               <a:extLst>
                 <a:ext uri="{FF2B5EF4-FFF2-40B4-BE49-F238E27FC236}">
-                  <a16:creationId xmlns:a16="http://schemas.microsoft.com/office/drawing/2014/main" xmlns="" id="{EDE3E5F9-61F3-42A7-927B-52278150AD1C}"/>
+                  <a16:creationId xmlns="" xmlns:a16="http://schemas.microsoft.com/office/drawing/2014/main" id="{EDE3E5F9-61F3-42A7-927B-52278150AD1C}"/>
                 </a:ext>
               </a:extLst>
             </p:cNvPr>
@@ -10723,7 +10725,7 @@
             </a:ln>
             <a:extLst>
               <a:ext uri="{91240B29-F687-4F45-9708-019B960494DF}">
-                <a14:hiddenLine xmlns:a14="http://schemas.microsoft.com/office/drawing/2010/main" xmlns="" w="9525">
+                <a14:hiddenLine xmlns="" xmlns:a14="http://schemas.microsoft.com/office/drawing/2010/main" w="9525">
                   <a:solidFill>
                     <a:srgbClr val="000000"/>
                   </a:solidFill>
@@ -10755,7 +10757,7 @@
             <p:cNvPr id="52" name="Freeform 49">
               <a:extLst>
                 <a:ext uri="{FF2B5EF4-FFF2-40B4-BE49-F238E27FC236}">
-                  <a16:creationId xmlns:a16="http://schemas.microsoft.com/office/drawing/2014/main" xmlns="" id="{C8231393-6766-4234-BB5B-1E224B654C98}"/>
+                  <a16:creationId xmlns="" xmlns:a16="http://schemas.microsoft.com/office/drawing/2014/main" id="{C8231393-6766-4234-BB5B-1E224B654C98}"/>
                 </a:ext>
               </a:extLst>
             </p:cNvPr>
@@ -10845,7 +10847,7 @@
             </a:ln>
             <a:extLst>
               <a:ext uri="{91240B29-F687-4F45-9708-019B960494DF}">
-                <a14:hiddenLine xmlns:a14="http://schemas.microsoft.com/office/drawing/2010/main" xmlns="" w="9525">
+                <a14:hiddenLine xmlns="" xmlns:a14="http://schemas.microsoft.com/office/drawing/2010/main" w="9525">
                   <a:solidFill>
                     <a:srgbClr val="000000"/>
                   </a:solidFill>
@@ -10877,7 +10879,7 @@
             <p:cNvPr id="53" name="Freeform 50">
               <a:extLst>
                 <a:ext uri="{FF2B5EF4-FFF2-40B4-BE49-F238E27FC236}">
-                  <a16:creationId xmlns:a16="http://schemas.microsoft.com/office/drawing/2014/main" xmlns="" id="{7549C16C-08D5-44C6-800A-2F9F5F300CF0}"/>
+                  <a16:creationId xmlns="" xmlns:a16="http://schemas.microsoft.com/office/drawing/2014/main" id="{7549C16C-08D5-44C6-800A-2F9F5F300CF0}"/>
                 </a:ext>
               </a:extLst>
             </p:cNvPr>
@@ -10966,7 +10968,7 @@
             </a:ln>
             <a:extLst>
               <a:ext uri="{91240B29-F687-4F45-9708-019B960494DF}">
-                <a14:hiddenLine xmlns:a14="http://schemas.microsoft.com/office/drawing/2010/main" xmlns="" w="9525">
+                <a14:hiddenLine xmlns="" xmlns:a14="http://schemas.microsoft.com/office/drawing/2010/main" w="9525">
                   <a:solidFill>
                     <a:srgbClr val="000000"/>
                   </a:solidFill>
@@ -10998,7 +11000,7 @@
             <p:cNvPr id="54" name="Freeform 51">
               <a:extLst>
                 <a:ext uri="{FF2B5EF4-FFF2-40B4-BE49-F238E27FC236}">
-                  <a16:creationId xmlns:a16="http://schemas.microsoft.com/office/drawing/2014/main" xmlns="" id="{3202612E-33EC-4375-A7B6-C58E0AE5F373}"/>
+                  <a16:creationId xmlns="" xmlns:a16="http://schemas.microsoft.com/office/drawing/2014/main" id="{3202612E-33EC-4375-A7B6-C58E0AE5F373}"/>
                 </a:ext>
               </a:extLst>
             </p:cNvPr>
@@ -11136,7 +11138,7 @@
             </a:ln>
             <a:extLst>
               <a:ext uri="{91240B29-F687-4F45-9708-019B960494DF}">
-                <a14:hiddenLine xmlns:a14="http://schemas.microsoft.com/office/drawing/2010/main" xmlns="" w="9525">
+                <a14:hiddenLine xmlns="" xmlns:a14="http://schemas.microsoft.com/office/drawing/2010/main" w="9525">
                   <a:solidFill>
                     <a:srgbClr val="000000"/>
                   </a:solidFill>
@@ -11168,7 +11170,7 @@
             <p:cNvPr id="55" name="Freeform 52">
               <a:extLst>
                 <a:ext uri="{FF2B5EF4-FFF2-40B4-BE49-F238E27FC236}">
-                  <a16:creationId xmlns:a16="http://schemas.microsoft.com/office/drawing/2014/main" xmlns="" id="{4723D24C-E2A7-4EFA-9369-6EDAAB422CCD}"/>
+                  <a16:creationId xmlns="" xmlns:a16="http://schemas.microsoft.com/office/drawing/2014/main" id="{4723D24C-E2A7-4EFA-9369-6EDAAB422CCD}"/>
                 </a:ext>
               </a:extLst>
             </p:cNvPr>
@@ -11305,7 +11307,7 @@
             </a:ln>
             <a:extLst>
               <a:ext uri="{91240B29-F687-4F45-9708-019B960494DF}">
-                <a14:hiddenLine xmlns:a14="http://schemas.microsoft.com/office/drawing/2010/main" xmlns="" w="9525">
+                <a14:hiddenLine xmlns="" xmlns:a14="http://schemas.microsoft.com/office/drawing/2010/main" w="9525">
                   <a:solidFill>
                     <a:srgbClr val="000000"/>
                   </a:solidFill>
@@ -11337,7 +11339,7 @@
             <p:cNvPr id="56" name="Freeform 53">
               <a:extLst>
                 <a:ext uri="{FF2B5EF4-FFF2-40B4-BE49-F238E27FC236}">
-                  <a16:creationId xmlns:a16="http://schemas.microsoft.com/office/drawing/2014/main" xmlns="" id="{280CA15D-3C04-46C2-A2A0-CF8AAC2513A5}"/>
+                  <a16:creationId xmlns="" xmlns:a16="http://schemas.microsoft.com/office/drawing/2014/main" id="{280CA15D-3C04-46C2-A2A0-CF8AAC2513A5}"/>
                 </a:ext>
               </a:extLst>
             </p:cNvPr>
@@ -11427,7 +11429,7 @@
             </a:ln>
             <a:extLst>
               <a:ext uri="{91240B29-F687-4F45-9708-019B960494DF}">
-                <a14:hiddenLine xmlns:a14="http://schemas.microsoft.com/office/drawing/2010/main" xmlns="" w="9525">
+                <a14:hiddenLine xmlns="" xmlns:a14="http://schemas.microsoft.com/office/drawing/2010/main" w="9525">
                   <a:solidFill>
                     <a:srgbClr val="000000"/>
                   </a:solidFill>
@@ -11459,7 +11461,7 @@
             <p:cNvPr id="57" name="Freeform 54">
               <a:extLst>
                 <a:ext uri="{FF2B5EF4-FFF2-40B4-BE49-F238E27FC236}">
-                  <a16:creationId xmlns:a16="http://schemas.microsoft.com/office/drawing/2014/main" xmlns="" id="{EDBA826A-F54B-497B-AE18-D61BC9E969ED}"/>
+                  <a16:creationId xmlns="" xmlns:a16="http://schemas.microsoft.com/office/drawing/2014/main" id="{EDBA826A-F54B-497B-AE18-D61BC9E969ED}"/>
                 </a:ext>
               </a:extLst>
             </p:cNvPr>
@@ -11548,7 +11550,7 @@
             </a:ln>
             <a:extLst>
               <a:ext uri="{91240B29-F687-4F45-9708-019B960494DF}">
-                <a14:hiddenLine xmlns:a14="http://schemas.microsoft.com/office/drawing/2010/main" xmlns="" w="9525">
+                <a14:hiddenLine xmlns="" xmlns:a14="http://schemas.microsoft.com/office/drawing/2010/main" w="9525">
                   <a:solidFill>
                     <a:srgbClr val="000000"/>
                   </a:solidFill>
@@ -11580,7 +11582,7 @@
             <p:cNvPr id="58" name="Freeform 55">
               <a:extLst>
                 <a:ext uri="{FF2B5EF4-FFF2-40B4-BE49-F238E27FC236}">
-                  <a16:creationId xmlns:a16="http://schemas.microsoft.com/office/drawing/2014/main" xmlns="" id="{F1908B3D-6C0C-4EDA-85A1-CA0C5D90B29C}"/>
+                  <a16:creationId xmlns="" xmlns:a16="http://schemas.microsoft.com/office/drawing/2014/main" id="{F1908B3D-6C0C-4EDA-85A1-CA0C5D90B29C}"/>
                 </a:ext>
               </a:extLst>
             </p:cNvPr>
@@ -11726,7 +11728,7 @@
             </a:ln>
             <a:extLst>
               <a:ext uri="{91240B29-F687-4F45-9708-019B960494DF}">
-                <a14:hiddenLine xmlns:a14="http://schemas.microsoft.com/office/drawing/2010/main" xmlns="" w="9525">
+                <a14:hiddenLine xmlns="" xmlns:a14="http://schemas.microsoft.com/office/drawing/2010/main" w="9525">
                   <a:solidFill>
                     <a:srgbClr val="000000"/>
                   </a:solidFill>
@@ -11758,7 +11760,7 @@
             <p:cNvPr id="59" name="Freeform 56">
               <a:extLst>
                 <a:ext uri="{FF2B5EF4-FFF2-40B4-BE49-F238E27FC236}">
-                  <a16:creationId xmlns:a16="http://schemas.microsoft.com/office/drawing/2014/main" xmlns="" id="{4E042735-C2E8-48BD-A905-F0D116E3ADB3}"/>
+                  <a16:creationId xmlns="" xmlns:a16="http://schemas.microsoft.com/office/drawing/2014/main" id="{4E042735-C2E8-48BD-A905-F0D116E3ADB3}"/>
                 </a:ext>
               </a:extLst>
             </p:cNvPr>
@@ -11903,7 +11905,7 @@
             </a:ln>
             <a:extLst>
               <a:ext uri="{91240B29-F687-4F45-9708-019B960494DF}">
-                <a14:hiddenLine xmlns:a14="http://schemas.microsoft.com/office/drawing/2010/main" xmlns="" w="9525">
+                <a14:hiddenLine xmlns="" xmlns:a14="http://schemas.microsoft.com/office/drawing/2010/main" w="9525">
                   <a:solidFill>
                     <a:srgbClr val="000000"/>
                   </a:solidFill>
@@ -11935,7 +11937,7 @@
             <p:cNvPr id="60" name="Freeform 57">
               <a:extLst>
                 <a:ext uri="{FF2B5EF4-FFF2-40B4-BE49-F238E27FC236}">
-                  <a16:creationId xmlns:a16="http://schemas.microsoft.com/office/drawing/2014/main" xmlns="" id="{627419DF-AEDE-4975-B41E-02AD2739AA35}"/>
+                  <a16:creationId xmlns="" xmlns:a16="http://schemas.microsoft.com/office/drawing/2014/main" id="{627419DF-AEDE-4975-B41E-02AD2739AA35}"/>
                 </a:ext>
               </a:extLst>
             </p:cNvPr>
@@ -12106,7 +12108,7 @@
             </a:ln>
             <a:extLst>
               <a:ext uri="{91240B29-F687-4F45-9708-019B960494DF}">
-                <a14:hiddenLine xmlns:a14="http://schemas.microsoft.com/office/drawing/2010/main" xmlns="" w="9525">
+                <a14:hiddenLine xmlns="" xmlns:a14="http://schemas.microsoft.com/office/drawing/2010/main" w="9525">
                   <a:solidFill>
                     <a:srgbClr val="000000"/>
                   </a:solidFill>
@@ -12138,7 +12140,7 @@
             <p:cNvPr id="61" name="Freeform 58">
               <a:extLst>
                 <a:ext uri="{FF2B5EF4-FFF2-40B4-BE49-F238E27FC236}">
-                  <a16:creationId xmlns:a16="http://schemas.microsoft.com/office/drawing/2014/main" xmlns="" id="{19326F86-187A-4DFB-8921-038D5016696C}"/>
+                  <a16:creationId xmlns="" xmlns:a16="http://schemas.microsoft.com/office/drawing/2014/main" id="{19326F86-187A-4DFB-8921-038D5016696C}"/>
                 </a:ext>
               </a:extLst>
             </p:cNvPr>
@@ -12307,7 +12309,7 @@
             </a:ln>
             <a:extLst>
               <a:ext uri="{91240B29-F687-4F45-9708-019B960494DF}">
-                <a14:hiddenLine xmlns:a14="http://schemas.microsoft.com/office/drawing/2010/main" xmlns="" w="9525">
+                <a14:hiddenLine xmlns="" xmlns:a14="http://schemas.microsoft.com/office/drawing/2010/main" w="9525">
                   <a:solidFill>
                     <a:srgbClr val="000000"/>
                   </a:solidFill>
@@ -12339,7 +12341,7 @@
             <p:cNvPr id="62" name="Freeform 59">
               <a:extLst>
                 <a:ext uri="{FF2B5EF4-FFF2-40B4-BE49-F238E27FC236}">
-                  <a16:creationId xmlns:a16="http://schemas.microsoft.com/office/drawing/2014/main" xmlns="" id="{C6959FE0-D801-4731-A53A-88FFBDF08551}"/>
+                  <a16:creationId xmlns="" xmlns:a16="http://schemas.microsoft.com/office/drawing/2014/main" id="{C6959FE0-D801-4731-A53A-88FFBDF08551}"/>
                 </a:ext>
               </a:extLst>
             </p:cNvPr>
@@ -12525,7 +12527,7 @@
             </a:ln>
             <a:extLst>
               <a:ext uri="{91240B29-F687-4F45-9708-019B960494DF}">
-                <a14:hiddenLine xmlns:a14="http://schemas.microsoft.com/office/drawing/2010/main" xmlns="" w="9525">
+                <a14:hiddenLine xmlns="" xmlns:a14="http://schemas.microsoft.com/office/drawing/2010/main" w="9525">
                   <a:solidFill>
                     <a:srgbClr val="000000"/>
                   </a:solidFill>
@@ -12557,7 +12559,7 @@
             <p:cNvPr id="63" name="Freeform 60">
               <a:extLst>
                 <a:ext uri="{FF2B5EF4-FFF2-40B4-BE49-F238E27FC236}">
-                  <a16:creationId xmlns:a16="http://schemas.microsoft.com/office/drawing/2014/main" xmlns="" id="{B7540508-0D45-4C67-966A-438EF4B6939E}"/>
+                  <a16:creationId xmlns="" xmlns:a16="http://schemas.microsoft.com/office/drawing/2014/main" id="{B7540508-0D45-4C67-966A-438EF4B6939E}"/>
                 </a:ext>
               </a:extLst>
             </p:cNvPr>
@@ -12742,7 +12744,7 @@
             </a:ln>
             <a:extLst>
               <a:ext uri="{91240B29-F687-4F45-9708-019B960494DF}">
-                <a14:hiddenLine xmlns:a14="http://schemas.microsoft.com/office/drawing/2010/main" xmlns="" w="9525">
+                <a14:hiddenLine xmlns="" xmlns:a14="http://schemas.microsoft.com/office/drawing/2010/main" w="9525">
                   <a:solidFill>
                     <a:srgbClr val="000000"/>
                   </a:solidFill>
@@ -12774,7 +12776,7 @@
             <p:cNvPr id="64" name="Freeform 61">
               <a:extLst>
                 <a:ext uri="{FF2B5EF4-FFF2-40B4-BE49-F238E27FC236}">
-                  <a16:creationId xmlns:a16="http://schemas.microsoft.com/office/drawing/2014/main" xmlns="" id="{E3FC4B14-122E-4E00-820D-4DBC6D67BAED}"/>
+                  <a16:creationId xmlns="" xmlns:a16="http://schemas.microsoft.com/office/drawing/2014/main" id="{E3FC4B14-122E-4E00-820D-4DBC6D67BAED}"/>
                 </a:ext>
               </a:extLst>
             </p:cNvPr>
@@ -12880,7 +12882,7 @@
             </a:ln>
             <a:extLst>
               <a:ext uri="{91240B29-F687-4F45-9708-019B960494DF}">
-                <a14:hiddenLine xmlns:a14="http://schemas.microsoft.com/office/drawing/2010/main" xmlns="" w="9525">
+                <a14:hiddenLine xmlns="" xmlns:a14="http://schemas.microsoft.com/office/drawing/2010/main" w="9525">
                   <a:solidFill>
                     <a:srgbClr val="000000"/>
                   </a:solidFill>
@@ -12912,7 +12914,7 @@
             <p:cNvPr id="65" name="Freeform 62">
               <a:extLst>
                 <a:ext uri="{FF2B5EF4-FFF2-40B4-BE49-F238E27FC236}">
-                  <a16:creationId xmlns:a16="http://schemas.microsoft.com/office/drawing/2014/main" xmlns="" id="{05180D3E-3AAD-4C40-BF13-3D01226A8DF2}"/>
+                  <a16:creationId xmlns="" xmlns:a16="http://schemas.microsoft.com/office/drawing/2014/main" id="{05180D3E-3AAD-4C40-BF13-3D01226A8DF2}"/>
                 </a:ext>
               </a:extLst>
             </p:cNvPr>
@@ -13017,7 +13019,7 @@
             </a:ln>
             <a:extLst>
               <a:ext uri="{91240B29-F687-4F45-9708-019B960494DF}">
-                <a14:hiddenLine xmlns:a14="http://schemas.microsoft.com/office/drawing/2010/main" xmlns="" w="9525">
+                <a14:hiddenLine xmlns="" xmlns:a14="http://schemas.microsoft.com/office/drawing/2010/main" w="9525">
                   <a:solidFill>
                     <a:srgbClr val="000000"/>
                   </a:solidFill>
@@ -13049,7 +13051,7 @@
             <p:cNvPr id="66" name="Freeform 63">
               <a:extLst>
                 <a:ext uri="{FF2B5EF4-FFF2-40B4-BE49-F238E27FC236}">
-                  <a16:creationId xmlns:a16="http://schemas.microsoft.com/office/drawing/2014/main" xmlns="" id="{4C102723-08AC-4C64-B715-1651447605A2}"/>
+                  <a16:creationId xmlns="" xmlns:a16="http://schemas.microsoft.com/office/drawing/2014/main" id="{4C102723-08AC-4C64-B715-1651447605A2}"/>
                 </a:ext>
               </a:extLst>
             </p:cNvPr>
@@ -13323,7 +13325,7 @@
             </a:ln>
             <a:extLst>
               <a:ext uri="{91240B29-F687-4F45-9708-019B960494DF}">
-                <a14:hiddenLine xmlns:a14="http://schemas.microsoft.com/office/drawing/2010/main" xmlns="" w="9525">
+                <a14:hiddenLine xmlns="" xmlns:a14="http://schemas.microsoft.com/office/drawing/2010/main" w="9525">
                   <a:solidFill>
                     <a:srgbClr val="000000"/>
                   </a:solidFill>
@@ -13355,7 +13357,7 @@
             <p:cNvPr id="67" name="Freeform 64">
               <a:extLst>
                 <a:ext uri="{FF2B5EF4-FFF2-40B4-BE49-F238E27FC236}">
-                  <a16:creationId xmlns:a16="http://schemas.microsoft.com/office/drawing/2014/main" xmlns="" id="{DB7DA254-D0BC-4626-8D13-35A6C439FBDE}"/>
+                  <a16:creationId xmlns="" xmlns:a16="http://schemas.microsoft.com/office/drawing/2014/main" id="{DB7DA254-D0BC-4626-8D13-35A6C439FBDE}"/>
                 </a:ext>
               </a:extLst>
             </p:cNvPr>
@@ -13628,7 +13630,7 @@
             </a:ln>
             <a:extLst>
               <a:ext uri="{91240B29-F687-4F45-9708-019B960494DF}">
-                <a14:hiddenLine xmlns:a14="http://schemas.microsoft.com/office/drawing/2010/main" xmlns="" w="9525">
+                <a14:hiddenLine xmlns="" xmlns:a14="http://schemas.microsoft.com/office/drawing/2010/main" w="9525">
                   <a:solidFill>
                     <a:srgbClr val="000000"/>
                   </a:solidFill>
@@ -13660,7 +13662,7 @@
             <p:cNvPr id="68" name="Freeform 65">
               <a:extLst>
                 <a:ext uri="{FF2B5EF4-FFF2-40B4-BE49-F238E27FC236}">
-                  <a16:creationId xmlns:a16="http://schemas.microsoft.com/office/drawing/2014/main" xmlns="" id="{76253CE5-B902-4B0F-912D-7F0745A66C2F}"/>
+                  <a16:creationId xmlns="" xmlns:a16="http://schemas.microsoft.com/office/drawing/2014/main" id="{76253CE5-B902-4B0F-912D-7F0745A66C2F}"/>
                 </a:ext>
               </a:extLst>
             </p:cNvPr>
@@ -13799,7 +13801,7 @@
             </a:ln>
             <a:extLst>
               <a:ext uri="{91240B29-F687-4F45-9708-019B960494DF}">
-                <a14:hiddenLine xmlns:a14="http://schemas.microsoft.com/office/drawing/2010/main" xmlns="" w="9525">
+                <a14:hiddenLine xmlns="" xmlns:a14="http://schemas.microsoft.com/office/drawing/2010/main" w="9525">
                   <a:solidFill>
                     <a:srgbClr val="000000"/>
                   </a:solidFill>
@@ -13831,7 +13833,7 @@
             <p:cNvPr id="69" name="Freeform 66">
               <a:extLst>
                 <a:ext uri="{FF2B5EF4-FFF2-40B4-BE49-F238E27FC236}">
-                  <a16:creationId xmlns:a16="http://schemas.microsoft.com/office/drawing/2014/main" xmlns="" id="{4CA16E2F-0B7B-4E93-8099-7D2DFD899C8C}"/>
+                  <a16:creationId xmlns="" xmlns:a16="http://schemas.microsoft.com/office/drawing/2014/main" id="{4CA16E2F-0B7B-4E93-8099-7D2DFD899C8C}"/>
                 </a:ext>
               </a:extLst>
             </p:cNvPr>
@@ -13968,7 +13970,7 @@
             </a:ln>
             <a:extLst>
               <a:ext uri="{91240B29-F687-4F45-9708-019B960494DF}">
-                <a14:hiddenLine xmlns:a14="http://schemas.microsoft.com/office/drawing/2010/main" xmlns="" w="9525">
+                <a14:hiddenLine xmlns="" xmlns:a14="http://schemas.microsoft.com/office/drawing/2010/main" w="9525">
                   <a:solidFill>
                     <a:srgbClr val="000000"/>
                   </a:solidFill>
@@ -14000,7 +14002,7 @@
             <p:cNvPr id="70" name="Freeform 67">
               <a:extLst>
                 <a:ext uri="{FF2B5EF4-FFF2-40B4-BE49-F238E27FC236}">
-                  <a16:creationId xmlns:a16="http://schemas.microsoft.com/office/drawing/2014/main" xmlns="" id="{A4C24EE1-1CA1-4C34-A94A-D613C4C823C3}"/>
+                  <a16:creationId xmlns="" xmlns:a16="http://schemas.microsoft.com/office/drawing/2014/main" id="{A4C24EE1-1CA1-4C34-A94A-D613C4C823C3}"/>
                 </a:ext>
               </a:extLst>
             </p:cNvPr>
@@ -14106,7 +14108,7 @@
             </a:ln>
             <a:extLst>
               <a:ext uri="{91240B29-F687-4F45-9708-019B960494DF}">
-                <a14:hiddenLine xmlns:a14="http://schemas.microsoft.com/office/drawing/2010/main" xmlns="" w="9525">
+                <a14:hiddenLine xmlns="" xmlns:a14="http://schemas.microsoft.com/office/drawing/2010/main" w="9525">
                   <a:solidFill>
                     <a:srgbClr val="000000"/>
                   </a:solidFill>
@@ -14138,7 +14140,7 @@
             <p:cNvPr id="71" name="Freeform 68">
               <a:extLst>
                 <a:ext uri="{FF2B5EF4-FFF2-40B4-BE49-F238E27FC236}">
-                  <a16:creationId xmlns:a16="http://schemas.microsoft.com/office/drawing/2014/main" xmlns="" id="{CC4291B8-5781-4E97-BE76-DEEAE97489EA}"/>
+                  <a16:creationId xmlns="" xmlns:a16="http://schemas.microsoft.com/office/drawing/2014/main" id="{CC4291B8-5781-4E97-BE76-DEEAE97489EA}"/>
                 </a:ext>
               </a:extLst>
             </p:cNvPr>
@@ -14243,7 +14245,7 @@
             </a:ln>
             <a:extLst>
               <a:ext uri="{91240B29-F687-4F45-9708-019B960494DF}">
-                <a14:hiddenLine xmlns:a14="http://schemas.microsoft.com/office/drawing/2010/main" xmlns="" w="9525">
+                <a14:hiddenLine xmlns="" xmlns:a14="http://schemas.microsoft.com/office/drawing/2010/main" w="9525">
                   <a:solidFill>
                     <a:srgbClr val="000000"/>
                   </a:solidFill>
@@ -14275,7 +14277,7 @@
             <p:cNvPr id="72" name="Freeform 69">
               <a:extLst>
                 <a:ext uri="{FF2B5EF4-FFF2-40B4-BE49-F238E27FC236}">
-                  <a16:creationId xmlns:a16="http://schemas.microsoft.com/office/drawing/2014/main" xmlns="" id="{C295194B-02C7-4780-B56A-0CBAB5A2E80B}"/>
+                  <a16:creationId xmlns="" xmlns:a16="http://schemas.microsoft.com/office/drawing/2014/main" id="{C295194B-02C7-4780-B56A-0CBAB5A2E80B}"/>
                 </a:ext>
               </a:extLst>
             </p:cNvPr>
@@ -14445,7 +14447,7 @@
             </a:ln>
             <a:extLst>
               <a:ext uri="{91240B29-F687-4F45-9708-019B960494DF}">
-                <a14:hiddenLine xmlns:a14="http://schemas.microsoft.com/office/drawing/2010/main" xmlns="" w="9525">
+                <a14:hiddenLine xmlns="" xmlns:a14="http://schemas.microsoft.com/office/drawing/2010/main" w="9525">
                   <a:solidFill>
                     <a:srgbClr val="000000"/>
                   </a:solidFill>
@@ -14477,7 +14479,7 @@
             <p:cNvPr id="73" name="Freeform 70">
               <a:extLst>
                 <a:ext uri="{FF2B5EF4-FFF2-40B4-BE49-F238E27FC236}">
-                  <a16:creationId xmlns:a16="http://schemas.microsoft.com/office/drawing/2014/main" xmlns="" id="{DEA224C3-824C-4ADD-AA73-20B7BFB2699C}"/>
+                  <a16:creationId xmlns="" xmlns:a16="http://schemas.microsoft.com/office/drawing/2014/main" id="{DEA224C3-824C-4ADD-AA73-20B7BFB2699C}"/>
                 </a:ext>
               </a:extLst>
             </p:cNvPr>
@@ -14646,7 +14648,7 @@
             </a:ln>
             <a:extLst>
               <a:ext uri="{91240B29-F687-4F45-9708-019B960494DF}">
-                <a14:hiddenLine xmlns:a14="http://schemas.microsoft.com/office/drawing/2010/main" xmlns="" w="9525">
+                <a14:hiddenLine xmlns="" xmlns:a14="http://schemas.microsoft.com/office/drawing/2010/main" w="9525">
                   <a:solidFill>
                     <a:srgbClr val="000000"/>
                   </a:solidFill>
@@ -14678,7 +14680,7 @@
             <p:cNvPr id="74" name="Freeform 71">
               <a:extLst>
                 <a:ext uri="{FF2B5EF4-FFF2-40B4-BE49-F238E27FC236}">
-                  <a16:creationId xmlns:a16="http://schemas.microsoft.com/office/drawing/2014/main" xmlns="" id="{DE618FDB-D198-486B-80EA-D953ACDED55A}"/>
+                  <a16:creationId xmlns="" xmlns:a16="http://schemas.microsoft.com/office/drawing/2014/main" id="{DE618FDB-D198-486B-80EA-D953ACDED55A}"/>
                 </a:ext>
               </a:extLst>
             </p:cNvPr>
@@ -14857,7 +14859,7 @@
             </a:ln>
             <a:extLst>
               <a:ext uri="{91240B29-F687-4F45-9708-019B960494DF}">
-                <a14:hiddenLine xmlns:a14="http://schemas.microsoft.com/office/drawing/2010/main" xmlns="" w="9525">
+                <a14:hiddenLine xmlns="" xmlns:a14="http://schemas.microsoft.com/office/drawing/2010/main" w="9525">
                   <a:solidFill>
                     <a:srgbClr val="000000"/>
                   </a:solidFill>
@@ -14889,7 +14891,7 @@
             <p:cNvPr id="75" name="Freeform 72">
               <a:extLst>
                 <a:ext uri="{FF2B5EF4-FFF2-40B4-BE49-F238E27FC236}">
-                  <a16:creationId xmlns:a16="http://schemas.microsoft.com/office/drawing/2014/main" xmlns="" id="{96619D89-DCBE-4010-9263-2C932CBC628E}"/>
+                  <a16:creationId xmlns="" xmlns:a16="http://schemas.microsoft.com/office/drawing/2014/main" id="{96619D89-DCBE-4010-9263-2C932CBC628E}"/>
                 </a:ext>
               </a:extLst>
             </p:cNvPr>
@@ -15066,7 +15068,7 @@
             </a:ln>
             <a:extLst>
               <a:ext uri="{91240B29-F687-4F45-9708-019B960494DF}">
-                <a14:hiddenLine xmlns:a14="http://schemas.microsoft.com/office/drawing/2010/main" xmlns="" w="9525">
+                <a14:hiddenLine xmlns="" xmlns:a14="http://schemas.microsoft.com/office/drawing/2010/main" w="9525">
                   <a:solidFill>
                     <a:srgbClr val="000000"/>
                   </a:solidFill>
@@ -15098,7 +15100,7 @@
             <p:cNvPr id="76" name="Freeform 73">
               <a:extLst>
                 <a:ext uri="{FF2B5EF4-FFF2-40B4-BE49-F238E27FC236}">
-                  <a16:creationId xmlns:a16="http://schemas.microsoft.com/office/drawing/2014/main" xmlns="" id="{2A05754B-DAD3-457E-B6F3-1CB594D01F0F}"/>
+                  <a16:creationId xmlns="" xmlns:a16="http://schemas.microsoft.com/office/drawing/2014/main" id="{2A05754B-DAD3-457E-B6F3-1CB594D01F0F}"/>
                 </a:ext>
               </a:extLst>
             </p:cNvPr>
@@ -15172,7 +15174,7 @@
             </a:ln>
             <a:extLst>
               <a:ext uri="{91240B29-F687-4F45-9708-019B960494DF}">
-                <a14:hiddenLine xmlns:a14="http://schemas.microsoft.com/office/drawing/2010/main" xmlns="" w="9525">
+                <a14:hiddenLine xmlns="" xmlns:a14="http://schemas.microsoft.com/office/drawing/2010/main" w="9525">
                   <a:solidFill>
                     <a:srgbClr val="000000"/>
                   </a:solidFill>
@@ -15204,7 +15206,7 @@
             <p:cNvPr id="77" name="Freeform 74">
               <a:extLst>
                 <a:ext uri="{FF2B5EF4-FFF2-40B4-BE49-F238E27FC236}">
-                  <a16:creationId xmlns:a16="http://schemas.microsoft.com/office/drawing/2014/main" xmlns="" id="{E81E2A36-A958-4F09-8005-923A96D07D2C}"/>
+                  <a16:creationId xmlns="" xmlns:a16="http://schemas.microsoft.com/office/drawing/2014/main" id="{E81E2A36-A958-4F09-8005-923A96D07D2C}"/>
                 </a:ext>
               </a:extLst>
             </p:cNvPr>
@@ -15277,7 +15279,7 @@
             </a:ln>
             <a:extLst>
               <a:ext uri="{91240B29-F687-4F45-9708-019B960494DF}">
-                <a14:hiddenLine xmlns:a14="http://schemas.microsoft.com/office/drawing/2010/main" xmlns="" w="9525">
+                <a14:hiddenLine xmlns="" xmlns:a14="http://schemas.microsoft.com/office/drawing/2010/main" w="9525">
                   <a:solidFill>
                     <a:srgbClr val="000000"/>
                   </a:solidFill>
@@ -15309,7 +15311,7 @@
             <p:cNvPr id="78" name="Freeform 75">
               <a:extLst>
                 <a:ext uri="{FF2B5EF4-FFF2-40B4-BE49-F238E27FC236}">
-                  <a16:creationId xmlns:a16="http://schemas.microsoft.com/office/drawing/2014/main" xmlns="" id="{59B5AEE0-42A4-4653-B72C-BA68A68D36D5}"/>
+                  <a16:creationId xmlns="" xmlns:a16="http://schemas.microsoft.com/office/drawing/2014/main" id="{59B5AEE0-42A4-4653-B72C-BA68A68D36D5}"/>
                 </a:ext>
               </a:extLst>
             </p:cNvPr>
@@ -15455,7 +15457,7 @@
             </a:ln>
             <a:extLst>
               <a:ext uri="{91240B29-F687-4F45-9708-019B960494DF}">
-                <a14:hiddenLine xmlns:a14="http://schemas.microsoft.com/office/drawing/2010/main" xmlns="" w="9525">
+                <a14:hiddenLine xmlns="" xmlns:a14="http://schemas.microsoft.com/office/drawing/2010/main" w="9525">
                   <a:solidFill>
                     <a:srgbClr val="000000"/>
                   </a:solidFill>
@@ -15487,7 +15489,7 @@
             <p:cNvPr id="79" name="Freeform 76">
               <a:extLst>
                 <a:ext uri="{FF2B5EF4-FFF2-40B4-BE49-F238E27FC236}">
-                  <a16:creationId xmlns:a16="http://schemas.microsoft.com/office/drawing/2014/main" xmlns="" id="{6E693F0A-1950-4933-BE81-38FCA5DF9DB3}"/>
+                  <a16:creationId xmlns="" xmlns:a16="http://schemas.microsoft.com/office/drawing/2014/main" id="{6E693F0A-1950-4933-BE81-38FCA5DF9DB3}"/>
                 </a:ext>
               </a:extLst>
             </p:cNvPr>
@@ -15632,7 +15634,7 @@
             </a:ln>
             <a:extLst>
               <a:ext uri="{91240B29-F687-4F45-9708-019B960494DF}">
-                <a14:hiddenLine xmlns:a14="http://schemas.microsoft.com/office/drawing/2010/main" xmlns="" w="9525">
+                <a14:hiddenLine xmlns="" xmlns:a14="http://schemas.microsoft.com/office/drawing/2010/main" w="9525">
                   <a:solidFill>
                     <a:srgbClr val="000000"/>
                   </a:solidFill>
@@ -15664,7 +15666,7 @@
             <p:cNvPr id="80" name="Freeform 77">
               <a:extLst>
                 <a:ext uri="{FF2B5EF4-FFF2-40B4-BE49-F238E27FC236}">
-                  <a16:creationId xmlns:a16="http://schemas.microsoft.com/office/drawing/2014/main" xmlns="" id="{8A485052-72E7-4283-9086-548E3EBD42EF}"/>
+                  <a16:creationId xmlns="" xmlns:a16="http://schemas.microsoft.com/office/drawing/2014/main" id="{8A485052-72E7-4283-9086-548E3EBD42EF}"/>
                 </a:ext>
               </a:extLst>
             </p:cNvPr>
@@ -15770,7 +15772,7 @@
             </a:ln>
             <a:extLst>
               <a:ext uri="{91240B29-F687-4F45-9708-019B960494DF}">
-                <a14:hiddenLine xmlns:a14="http://schemas.microsoft.com/office/drawing/2010/main" xmlns="" w="9525">
+                <a14:hiddenLine xmlns="" xmlns:a14="http://schemas.microsoft.com/office/drawing/2010/main" w="9525">
                   <a:solidFill>
                     <a:srgbClr val="000000"/>
                   </a:solidFill>
@@ -15802,7 +15804,7 @@
             <p:cNvPr id="81" name="Freeform 78">
               <a:extLst>
                 <a:ext uri="{FF2B5EF4-FFF2-40B4-BE49-F238E27FC236}">
-                  <a16:creationId xmlns:a16="http://schemas.microsoft.com/office/drawing/2014/main" xmlns="" id="{ED8354EB-72FD-4958-85B5-F4C470834EF6}"/>
+                  <a16:creationId xmlns="" xmlns:a16="http://schemas.microsoft.com/office/drawing/2014/main" id="{ED8354EB-72FD-4958-85B5-F4C470834EF6}"/>
                 </a:ext>
               </a:extLst>
             </p:cNvPr>
@@ -15907,7 +15909,7 @@
             </a:ln>
             <a:extLst>
               <a:ext uri="{91240B29-F687-4F45-9708-019B960494DF}">
-                <a14:hiddenLine xmlns:a14="http://schemas.microsoft.com/office/drawing/2010/main" xmlns="" w="9525">
+                <a14:hiddenLine xmlns="" xmlns:a14="http://schemas.microsoft.com/office/drawing/2010/main" w="9525">
                   <a:solidFill>
                     <a:srgbClr val="000000"/>
                   </a:solidFill>
@@ -15939,7 +15941,7 @@
             <p:cNvPr id="82" name="Freeform 79">
               <a:extLst>
                 <a:ext uri="{FF2B5EF4-FFF2-40B4-BE49-F238E27FC236}">
-                  <a16:creationId xmlns:a16="http://schemas.microsoft.com/office/drawing/2014/main" xmlns="" id="{B3FF19FC-9674-4A47-ABF1-BF523E6A55E0}"/>
+                  <a16:creationId xmlns="" xmlns:a16="http://schemas.microsoft.com/office/drawing/2014/main" id="{B3FF19FC-9674-4A47-ABF1-BF523E6A55E0}"/>
                 </a:ext>
               </a:extLst>
             </p:cNvPr>
@@ -16045,7 +16047,7 @@
             </a:ln>
             <a:extLst>
               <a:ext uri="{91240B29-F687-4F45-9708-019B960494DF}">
-                <a14:hiddenLine xmlns:a14="http://schemas.microsoft.com/office/drawing/2010/main" xmlns="" w="9525">
+                <a14:hiddenLine xmlns="" xmlns:a14="http://schemas.microsoft.com/office/drawing/2010/main" w="9525">
                   <a:solidFill>
                     <a:srgbClr val="000000"/>
                   </a:solidFill>
@@ -16077,7 +16079,7 @@
             <p:cNvPr id="83" name="Freeform 80">
               <a:extLst>
                 <a:ext uri="{FF2B5EF4-FFF2-40B4-BE49-F238E27FC236}">
-                  <a16:creationId xmlns:a16="http://schemas.microsoft.com/office/drawing/2014/main" xmlns="" id="{6B596868-D3DC-4440-937A-57AFEFD1949F}"/>
+                  <a16:creationId xmlns="" xmlns:a16="http://schemas.microsoft.com/office/drawing/2014/main" id="{6B596868-D3DC-4440-937A-57AFEFD1949F}"/>
                 </a:ext>
               </a:extLst>
             </p:cNvPr>
@@ -16182,7 +16184,7 @@
             </a:ln>
             <a:extLst>
               <a:ext uri="{91240B29-F687-4F45-9708-019B960494DF}">
-                <a14:hiddenLine xmlns:a14="http://schemas.microsoft.com/office/drawing/2010/main" xmlns="" w="9525">
+                <a14:hiddenLine xmlns="" xmlns:a14="http://schemas.microsoft.com/office/drawing/2010/main" w="9525">
                   <a:solidFill>
                     <a:srgbClr val="000000"/>
                   </a:solidFill>
@@ -16214,7 +16216,7 @@
             <p:cNvPr id="84" name="Freeform 81">
               <a:extLst>
                 <a:ext uri="{FF2B5EF4-FFF2-40B4-BE49-F238E27FC236}">
-                  <a16:creationId xmlns:a16="http://schemas.microsoft.com/office/drawing/2014/main" xmlns="" id="{DEA93609-F7DE-4378-A90F-36264B1514AA}"/>
+                  <a16:creationId xmlns="" xmlns:a16="http://schemas.microsoft.com/office/drawing/2014/main" id="{DEA93609-F7DE-4378-A90F-36264B1514AA}"/>
                 </a:ext>
               </a:extLst>
             </p:cNvPr>
@@ -16336,7 +16338,7 @@
             </a:ln>
             <a:extLst>
               <a:ext uri="{91240B29-F687-4F45-9708-019B960494DF}">
-                <a14:hiddenLine xmlns:a14="http://schemas.microsoft.com/office/drawing/2010/main" xmlns="" w="9525">
+                <a14:hiddenLine xmlns="" xmlns:a14="http://schemas.microsoft.com/office/drawing/2010/main" w="9525">
                   <a:solidFill>
                     <a:srgbClr val="000000"/>
                   </a:solidFill>
@@ -16368,7 +16370,7 @@
             <p:cNvPr id="85" name="Freeform 82">
               <a:extLst>
                 <a:ext uri="{FF2B5EF4-FFF2-40B4-BE49-F238E27FC236}">
-                  <a16:creationId xmlns:a16="http://schemas.microsoft.com/office/drawing/2014/main" xmlns="" id="{7C65E01A-6ED0-4814-9CA1-868FADE1BCD2}"/>
+                  <a16:creationId xmlns="" xmlns:a16="http://schemas.microsoft.com/office/drawing/2014/main" id="{7C65E01A-6ED0-4814-9CA1-868FADE1BCD2}"/>
                 </a:ext>
               </a:extLst>
             </p:cNvPr>
@@ -16489,7 +16491,7 @@
             </a:ln>
             <a:extLst>
               <a:ext uri="{91240B29-F687-4F45-9708-019B960494DF}">
-                <a14:hiddenLine xmlns:a14="http://schemas.microsoft.com/office/drawing/2010/main" xmlns="" w="9525">
+                <a14:hiddenLine xmlns="" xmlns:a14="http://schemas.microsoft.com/office/drawing/2010/main" w="9525">
                   <a:solidFill>
                     <a:srgbClr val="000000"/>
                   </a:solidFill>
@@ -16521,7 +16523,7 @@
             <p:cNvPr id="86" name="Freeform 83">
               <a:extLst>
                 <a:ext uri="{FF2B5EF4-FFF2-40B4-BE49-F238E27FC236}">
-                  <a16:creationId xmlns:a16="http://schemas.microsoft.com/office/drawing/2014/main" xmlns="" id="{0D86D44C-DDB0-4B3C-B126-F4458194ABA3}"/>
+                  <a16:creationId xmlns="" xmlns:a16="http://schemas.microsoft.com/office/drawing/2014/main" id="{0D86D44C-DDB0-4B3C-B126-F4458194ABA3}"/>
                 </a:ext>
               </a:extLst>
             </p:cNvPr>
@@ -16627,7 +16629,7 @@
             </a:ln>
             <a:extLst>
               <a:ext uri="{91240B29-F687-4F45-9708-019B960494DF}">
-                <a14:hiddenLine xmlns:a14="http://schemas.microsoft.com/office/drawing/2010/main" xmlns="" w="9525">
+                <a14:hiddenLine xmlns="" xmlns:a14="http://schemas.microsoft.com/office/drawing/2010/main" w="9525">
                   <a:solidFill>
                     <a:srgbClr val="000000"/>
                   </a:solidFill>
@@ -16659,7 +16661,7 @@
             <p:cNvPr id="87" name="Freeform 84">
               <a:extLst>
                 <a:ext uri="{FF2B5EF4-FFF2-40B4-BE49-F238E27FC236}">
-                  <a16:creationId xmlns:a16="http://schemas.microsoft.com/office/drawing/2014/main" xmlns="" id="{75BE403B-5E9B-4F51-BC49-B6FD91B425A8}"/>
+                  <a16:creationId xmlns="" xmlns:a16="http://schemas.microsoft.com/office/drawing/2014/main" id="{75BE403B-5E9B-4F51-BC49-B6FD91B425A8}"/>
                 </a:ext>
               </a:extLst>
             </p:cNvPr>
@@ -16764,7 +16766,7 @@
             </a:ln>
             <a:extLst>
               <a:ext uri="{91240B29-F687-4F45-9708-019B960494DF}">
-                <a14:hiddenLine xmlns:a14="http://schemas.microsoft.com/office/drawing/2010/main" xmlns="" w="9525">
+                <a14:hiddenLine xmlns="" xmlns:a14="http://schemas.microsoft.com/office/drawing/2010/main" w="9525">
                   <a:solidFill>
                     <a:srgbClr val="000000"/>
                   </a:solidFill>
@@ -16796,7 +16798,7 @@
             <p:cNvPr id="88" name="Freeform 85">
               <a:extLst>
                 <a:ext uri="{FF2B5EF4-FFF2-40B4-BE49-F238E27FC236}">
-                  <a16:creationId xmlns:a16="http://schemas.microsoft.com/office/drawing/2014/main" xmlns="" id="{F8684EEA-2E89-4FCA-9ADA-2B69FB3FD743}"/>
+                  <a16:creationId xmlns="" xmlns:a16="http://schemas.microsoft.com/office/drawing/2014/main" id="{F8684EEA-2E89-4FCA-9ADA-2B69FB3FD743}"/>
                 </a:ext>
               </a:extLst>
             </p:cNvPr>
@@ -16934,7 +16936,7 @@
             </a:ln>
             <a:extLst>
               <a:ext uri="{91240B29-F687-4F45-9708-019B960494DF}">
-                <a14:hiddenLine xmlns:a14="http://schemas.microsoft.com/office/drawing/2010/main" xmlns="" w="9525">
+                <a14:hiddenLine xmlns="" xmlns:a14="http://schemas.microsoft.com/office/drawing/2010/main" w="9525">
                   <a:solidFill>
                     <a:srgbClr val="000000"/>
                   </a:solidFill>
@@ -16966,7 +16968,7 @@
             <p:cNvPr id="89" name="Freeform 86">
               <a:extLst>
                 <a:ext uri="{FF2B5EF4-FFF2-40B4-BE49-F238E27FC236}">
-                  <a16:creationId xmlns:a16="http://schemas.microsoft.com/office/drawing/2014/main" xmlns="" id="{3A9B96F6-190E-4317-96A3-5D97D473E234}"/>
+                  <a16:creationId xmlns="" xmlns:a16="http://schemas.microsoft.com/office/drawing/2014/main" id="{3A9B96F6-190E-4317-96A3-5D97D473E234}"/>
                 </a:ext>
               </a:extLst>
             </p:cNvPr>
@@ -17103,7 +17105,7 @@
             </a:ln>
             <a:extLst>
               <a:ext uri="{91240B29-F687-4F45-9708-019B960494DF}">
-                <a14:hiddenLine xmlns:a14="http://schemas.microsoft.com/office/drawing/2010/main" xmlns="" w="9525">
+                <a14:hiddenLine xmlns="" xmlns:a14="http://schemas.microsoft.com/office/drawing/2010/main" w="9525">
                   <a:solidFill>
                     <a:srgbClr val="000000"/>
                   </a:solidFill>
@@ -17135,7 +17137,7 @@
             <p:cNvPr id="90" name="Freeform 87">
               <a:extLst>
                 <a:ext uri="{FF2B5EF4-FFF2-40B4-BE49-F238E27FC236}">
-                  <a16:creationId xmlns:a16="http://schemas.microsoft.com/office/drawing/2014/main" xmlns="" id="{D0A71ACE-3EBE-42A0-A08B-441B8480E6DB}"/>
+                  <a16:creationId xmlns="" xmlns:a16="http://schemas.microsoft.com/office/drawing/2014/main" id="{D0A71ACE-3EBE-42A0-A08B-441B8480E6DB}"/>
                 </a:ext>
               </a:extLst>
             </p:cNvPr>
@@ -17241,7 +17243,7 @@
             </a:ln>
             <a:extLst>
               <a:ext uri="{91240B29-F687-4F45-9708-019B960494DF}">
-                <a14:hiddenLine xmlns:a14="http://schemas.microsoft.com/office/drawing/2010/main" xmlns="" w="9525">
+                <a14:hiddenLine xmlns="" xmlns:a14="http://schemas.microsoft.com/office/drawing/2010/main" w="9525">
                   <a:solidFill>
                     <a:srgbClr val="000000"/>
                   </a:solidFill>
@@ -17273,7 +17275,7 @@
             <p:cNvPr id="91" name="Freeform 88">
               <a:extLst>
                 <a:ext uri="{FF2B5EF4-FFF2-40B4-BE49-F238E27FC236}">
-                  <a16:creationId xmlns:a16="http://schemas.microsoft.com/office/drawing/2014/main" xmlns="" id="{3210EF04-97AC-410F-A682-EF447B605C65}"/>
+                  <a16:creationId xmlns="" xmlns:a16="http://schemas.microsoft.com/office/drawing/2014/main" id="{3210EF04-97AC-410F-A682-EF447B605C65}"/>
                 </a:ext>
               </a:extLst>
             </p:cNvPr>
@@ -17378,7 +17380,7 @@
             </a:ln>
             <a:extLst>
               <a:ext uri="{91240B29-F687-4F45-9708-019B960494DF}">
-                <a14:hiddenLine xmlns:a14="http://schemas.microsoft.com/office/drawing/2010/main" xmlns="" w="9525">
+                <a14:hiddenLine xmlns="" xmlns:a14="http://schemas.microsoft.com/office/drawing/2010/main" w="9525">
                   <a:solidFill>
                     <a:srgbClr val="000000"/>
                   </a:solidFill>
@@ -17410,7 +17412,7 @@
             <p:cNvPr id="92" name="Freeform 89">
               <a:extLst>
                 <a:ext uri="{FF2B5EF4-FFF2-40B4-BE49-F238E27FC236}">
-                  <a16:creationId xmlns:a16="http://schemas.microsoft.com/office/drawing/2014/main" xmlns="" id="{A2D529AC-C776-49C0-977E-7D82E467B75D}"/>
+                  <a16:creationId xmlns="" xmlns:a16="http://schemas.microsoft.com/office/drawing/2014/main" id="{A2D529AC-C776-49C0-977E-7D82E467B75D}"/>
                 </a:ext>
               </a:extLst>
             </p:cNvPr>
@@ -17484,7 +17486,7 @@
             </a:ln>
             <a:extLst>
               <a:ext uri="{91240B29-F687-4F45-9708-019B960494DF}">
-                <a14:hiddenLine xmlns:a14="http://schemas.microsoft.com/office/drawing/2010/main" xmlns="" w="9525">
+                <a14:hiddenLine xmlns="" xmlns:a14="http://schemas.microsoft.com/office/drawing/2010/main" w="9525">
                   <a:solidFill>
                     <a:srgbClr val="000000"/>
                   </a:solidFill>
@@ -17516,7 +17518,7 @@
             <p:cNvPr id="93" name="Freeform 90">
               <a:extLst>
                 <a:ext uri="{FF2B5EF4-FFF2-40B4-BE49-F238E27FC236}">
-                  <a16:creationId xmlns:a16="http://schemas.microsoft.com/office/drawing/2014/main" xmlns="" id="{C3251D33-9028-4819-B610-D62B5617761C}"/>
+                  <a16:creationId xmlns="" xmlns:a16="http://schemas.microsoft.com/office/drawing/2014/main" id="{C3251D33-9028-4819-B610-D62B5617761C}"/>
                 </a:ext>
               </a:extLst>
             </p:cNvPr>
@@ -17589,7 +17591,7 @@
             </a:ln>
             <a:extLst>
               <a:ext uri="{91240B29-F687-4F45-9708-019B960494DF}">
-                <a14:hiddenLine xmlns:a14="http://schemas.microsoft.com/office/drawing/2010/main" xmlns="" w="9525">
+                <a14:hiddenLine xmlns="" xmlns:a14="http://schemas.microsoft.com/office/drawing/2010/main" w="9525">
                   <a:solidFill>
                     <a:srgbClr val="000000"/>
                   </a:solidFill>
@@ -17621,7 +17623,7 @@
             <p:cNvPr id="94" name="Freeform 91">
               <a:extLst>
                 <a:ext uri="{FF2B5EF4-FFF2-40B4-BE49-F238E27FC236}">
-                  <a16:creationId xmlns:a16="http://schemas.microsoft.com/office/drawing/2014/main" xmlns="" id="{31F3BA53-E044-4239-8A48-7B968B2FB190}"/>
+                  <a16:creationId xmlns="" xmlns:a16="http://schemas.microsoft.com/office/drawing/2014/main" id="{31F3BA53-E044-4239-8A48-7B968B2FB190}"/>
                 </a:ext>
               </a:extLst>
             </p:cNvPr>
@@ -17711,7 +17713,7 @@
             </a:ln>
             <a:extLst>
               <a:ext uri="{91240B29-F687-4F45-9708-019B960494DF}">
-                <a14:hiddenLine xmlns:a14="http://schemas.microsoft.com/office/drawing/2010/main" xmlns="" w="9525">
+                <a14:hiddenLine xmlns="" xmlns:a14="http://schemas.microsoft.com/office/drawing/2010/main" w="9525">
                   <a:solidFill>
                     <a:srgbClr val="000000"/>
                   </a:solidFill>
@@ -17743,7 +17745,7 @@
             <p:cNvPr id="95" name="Freeform 92">
               <a:extLst>
                 <a:ext uri="{FF2B5EF4-FFF2-40B4-BE49-F238E27FC236}">
-                  <a16:creationId xmlns:a16="http://schemas.microsoft.com/office/drawing/2014/main" xmlns="" id="{0D241336-E462-48A6-A873-54E19207B28C}"/>
+                  <a16:creationId xmlns="" xmlns:a16="http://schemas.microsoft.com/office/drawing/2014/main" id="{0D241336-E462-48A6-A873-54E19207B28C}"/>
                 </a:ext>
               </a:extLst>
             </p:cNvPr>
@@ -17832,7 +17834,7 @@
             </a:ln>
             <a:extLst>
               <a:ext uri="{91240B29-F687-4F45-9708-019B960494DF}">
-                <a14:hiddenLine xmlns:a14="http://schemas.microsoft.com/office/drawing/2010/main" xmlns="" w="9525">
+                <a14:hiddenLine xmlns="" xmlns:a14="http://schemas.microsoft.com/office/drawing/2010/main" w="9525">
                   <a:solidFill>
                     <a:srgbClr val="000000"/>
                   </a:solidFill>
@@ -17916,7 +17918,7 @@
           <a:blip r:embed="rId6" cstate="email">
             <a:extLst>
               <a:ext uri="{28A0092B-C50C-407E-A947-70E740481C1C}">
-                <a14:useLocalDpi xmlns:a14="http://schemas.microsoft.com/office/drawing/2010/main" xmlns=""/>
+                <a14:useLocalDpi xmlns="" xmlns:a14="http://schemas.microsoft.com/office/drawing/2010/main"/>
               </a:ext>
             </a:extLst>
           </a:blip>
@@ -17936,7 +17938,7 @@
           <a:noFill/>
           <a:extLst>
             <a:ext uri="{909E8E84-426E-40DD-AFC4-6F175D3DCCD1}">
-              <a14:hiddenFill xmlns:a14="http://schemas.microsoft.com/office/drawing/2010/main" xmlns="">
+              <a14:hiddenFill xmlns="" xmlns:a14="http://schemas.microsoft.com/office/drawing/2010/main">
                 <a:solidFill>
                   <a:srgbClr val="FFFFFF"/>
                 </a:solidFill>
@@ -17950,7 +17952,7 @@
           <p:cNvPr id="3" name="Group 2">
             <a:extLst>
               <a:ext uri="{FF2B5EF4-FFF2-40B4-BE49-F238E27FC236}">
-                <a16:creationId xmlns:a16="http://schemas.microsoft.com/office/drawing/2014/main" xmlns="" id="{DE981F83-3A5B-4AEE-9903-3D63CEF5F1E0}"/>
+                <a16:creationId xmlns="" xmlns:a16="http://schemas.microsoft.com/office/drawing/2014/main" id="{DE981F83-3A5B-4AEE-9903-3D63CEF5F1E0}"/>
               </a:ext>
             </a:extLst>
           </p:cNvPr>
@@ -17970,7 +17972,7 @@
             <p:cNvPr id="97" name="Rectangle 96">
               <a:extLst>
                 <a:ext uri="{FF2B5EF4-FFF2-40B4-BE49-F238E27FC236}">
-                  <a16:creationId xmlns:a16="http://schemas.microsoft.com/office/drawing/2014/main" xmlns="" id="{1D9E15F2-5FDF-4700-8F0B-60913CCFD2DC}"/>
+                  <a16:creationId xmlns="" xmlns:a16="http://schemas.microsoft.com/office/drawing/2014/main" id="{1D9E15F2-5FDF-4700-8F0B-60913CCFD2DC}"/>
                 </a:ext>
               </a:extLst>
             </p:cNvPr>
@@ -18026,7 +18028,7 @@
             <p:cNvPr id="98" name="Picture 97">
               <a:extLst>
                 <a:ext uri="{FF2B5EF4-FFF2-40B4-BE49-F238E27FC236}">
-                  <a16:creationId xmlns:a16="http://schemas.microsoft.com/office/drawing/2014/main" xmlns="" id="{E34BE43C-F59A-4AED-BDAA-FC4C690704EC}"/>
+                  <a16:creationId xmlns="" xmlns:a16="http://schemas.microsoft.com/office/drawing/2014/main" id="{E34BE43C-F59A-4AED-BDAA-FC4C690704EC}"/>
                 </a:ext>
               </a:extLst>
             </p:cNvPr>
@@ -18039,7 +18041,7 @@
             <a:blip r:embed="rId7" cstate="print">
               <a:extLst>
                 <a:ext uri="{28A0092B-C50C-407E-A947-70E740481C1C}">
-                  <a14:useLocalDpi xmlns:a14="http://schemas.microsoft.com/office/drawing/2010/main" xmlns="" val="0"/>
+                  <a14:useLocalDpi xmlns="" xmlns:a14="http://schemas.microsoft.com/office/drawing/2010/main" val="0"/>
                 </a:ext>
               </a:extLst>
             </a:blip>
@@ -18062,7 +18064,7 @@
           <p:cNvPr id="101" name="Picture 100">
             <a:extLst>
               <a:ext uri="{FF2B5EF4-FFF2-40B4-BE49-F238E27FC236}">
-                <a16:creationId xmlns:a16="http://schemas.microsoft.com/office/drawing/2014/main" xmlns="" id="{DC0C0F92-B774-4741-B9EE-133D9AF8A454}"/>
+                <a16:creationId xmlns="" xmlns:a16="http://schemas.microsoft.com/office/drawing/2014/main" id="{DC0C0F92-B774-4741-B9EE-133D9AF8A454}"/>
               </a:ext>
             </a:extLst>
           </p:cNvPr>
@@ -18075,7 +18077,7 @@
           <a:blip r:embed="rId8" cstate="print">
             <a:extLst>
               <a:ext uri="{28A0092B-C50C-407E-A947-70E740481C1C}">
-                <a14:useLocalDpi xmlns:a14="http://schemas.microsoft.com/office/drawing/2010/main" xmlns="" val="0"/>
+                <a14:useLocalDpi xmlns="" xmlns:a14="http://schemas.microsoft.com/office/drawing/2010/main" val="0"/>
               </a:ext>
             </a:extLst>
           </a:blip>
@@ -18098,7 +18100,7 @@
           <p:cNvPr id="102" name="Title Placeholder 101">
             <a:extLst>
               <a:ext uri="{FF2B5EF4-FFF2-40B4-BE49-F238E27FC236}">
-                <a16:creationId xmlns:a16="http://schemas.microsoft.com/office/drawing/2014/main" xmlns="" id="{73CF99E0-4E37-4EDA-8339-FF575B89029E}"/>
+                <a16:creationId xmlns="" xmlns:a16="http://schemas.microsoft.com/office/drawing/2014/main" id="{73CF99E0-4E37-4EDA-8339-FF575B89029E}"/>
               </a:ext>
             </a:extLst>
           </p:cNvPr>
@@ -18136,7 +18138,7 @@
           <p:cNvPr id="103" name="Text Placeholder 102">
             <a:extLst>
               <a:ext uri="{FF2B5EF4-FFF2-40B4-BE49-F238E27FC236}">
-                <a16:creationId xmlns:a16="http://schemas.microsoft.com/office/drawing/2014/main" xmlns="" id="{312705AA-4205-4063-B2BB-9B12D91BA51F}"/>
+                <a16:creationId xmlns="" xmlns:a16="http://schemas.microsoft.com/office/drawing/2014/main" id="{312705AA-4205-4063-B2BB-9B12D91BA51F}"/>
               </a:ext>
             </a:extLst>
           </p:cNvPr>
@@ -18262,7 +18264,7 @@
     </p:spTree>
     <p:extLst>
       <p:ext uri="{BB962C8B-B14F-4D97-AF65-F5344CB8AC3E}">
-        <p14:creationId xmlns:p14="http://schemas.microsoft.com/office/powerpoint/2010/main" xmlns="" val="2820743984"/>
+        <p14:creationId xmlns="" xmlns:p14="http://schemas.microsoft.com/office/powerpoint/2010/main" val="2820743984"/>
       </p:ext>
     </p:extLst>
   </p:cSld>
@@ -18710,7 +18712,7 @@
             <a:fld id="{C764DE79-268F-4C1A-8933-263129D2AF90}" type="datetimeFigureOut">
               <a:rPr lang="en-US" dirty="0"/>
               <a:pPr/>
-              <a:t>9/6/2020</a:t>
+              <a:t>9/8/2020</a:t>
             </a:fld>
             <a:endParaRPr lang="en-US" dirty="0"/>
           </a:p>
@@ -18800,7 +18802,7 @@
           <p:cNvPr id="7" name="Group 8">
             <a:extLst>
               <a:ext uri="{FF2B5EF4-FFF2-40B4-BE49-F238E27FC236}">
-                <a16:creationId xmlns:a16="http://schemas.microsoft.com/office/drawing/2014/main" xmlns="" id="{990C445C-8328-4EE5-8D40-D687DBD5F017}"/>
+                <a16:creationId xmlns="" xmlns:a16="http://schemas.microsoft.com/office/drawing/2014/main" id="{990C445C-8328-4EE5-8D40-D687DBD5F017}"/>
               </a:ext>
             </a:extLst>
           </p:cNvPr>
@@ -18825,7 +18827,7 @@
             <p:cNvPr id="8" name="Freeform 9">
               <a:extLst>
                 <a:ext uri="{FF2B5EF4-FFF2-40B4-BE49-F238E27FC236}">
-                  <a16:creationId xmlns:a16="http://schemas.microsoft.com/office/drawing/2014/main" xmlns="" id="{1FEA314E-6947-4DF2-9592-6BEE532F0D46}"/>
+                  <a16:creationId xmlns="" xmlns:a16="http://schemas.microsoft.com/office/drawing/2014/main" id="{1FEA314E-6947-4DF2-9592-6BEE532F0D46}"/>
                 </a:ext>
               </a:extLst>
             </p:cNvPr>
@@ -18963,7 +18965,7 @@
             </a:ln>
             <a:extLst>
               <a:ext uri="{91240B29-F687-4F45-9708-019B960494DF}">
-                <a14:hiddenLine xmlns:a14="http://schemas.microsoft.com/office/drawing/2010/main" xmlns="" w="9525">
+                <a14:hiddenLine xmlns="" xmlns:a14="http://schemas.microsoft.com/office/drawing/2010/main" w="9525">
                   <a:solidFill>
                     <a:srgbClr val="000000"/>
                   </a:solidFill>
@@ -18995,7 +18997,7 @@
             <p:cNvPr id="9" name="Freeform 10">
               <a:extLst>
                 <a:ext uri="{FF2B5EF4-FFF2-40B4-BE49-F238E27FC236}">
-                  <a16:creationId xmlns:a16="http://schemas.microsoft.com/office/drawing/2014/main" xmlns="" id="{C69ED7F0-571C-4EA8-848B-5F4469D00E18}"/>
+                  <a16:creationId xmlns="" xmlns:a16="http://schemas.microsoft.com/office/drawing/2014/main" id="{C69ED7F0-571C-4EA8-848B-5F4469D00E18}"/>
                 </a:ext>
               </a:extLst>
             </p:cNvPr>
@@ -19132,7 +19134,7 @@
             </a:ln>
             <a:extLst>
               <a:ext uri="{91240B29-F687-4F45-9708-019B960494DF}">
-                <a14:hiddenLine xmlns:a14="http://schemas.microsoft.com/office/drawing/2010/main" xmlns="" w="9525">
+                <a14:hiddenLine xmlns="" xmlns:a14="http://schemas.microsoft.com/office/drawing/2010/main" w="9525">
                   <a:solidFill>
                     <a:srgbClr val="000000"/>
                   </a:solidFill>
@@ -19164,7 +19166,7 @@
             <p:cNvPr id="10" name="Freeform 11">
               <a:extLst>
                 <a:ext uri="{FF2B5EF4-FFF2-40B4-BE49-F238E27FC236}">
-                  <a16:creationId xmlns:a16="http://schemas.microsoft.com/office/drawing/2014/main" xmlns="" id="{A68BAC78-5965-46F3-8C81-A57DFDA97597}"/>
+                  <a16:creationId xmlns="" xmlns:a16="http://schemas.microsoft.com/office/drawing/2014/main" id="{A68BAC78-5965-46F3-8C81-A57DFDA97597}"/>
                 </a:ext>
               </a:extLst>
             </p:cNvPr>
@@ -19262,7 +19264,7 @@
             </a:ln>
             <a:extLst>
               <a:ext uri="{91240B29-F687-4F45-9708-019B960494DF}">
-                <a14:hiddenLine xmlns:a14="http://schemas.microsoft.com/office/drawing/2010/main" xmlns="" w="9525">
+                <a14:hiddenLine xmlns="" xmlns:a14="http://schemas.microsoft.com/office/drawing/2010/main" w="9525">
                   <a:solidFill>
                     <a:srgbClr val="000000"/>
                   </a:solidFill>
@@ -19294,7 +19296,7 @@
             <p:cNvPr id="11" name="Freeform 12">
               <a:extLst>
                 <a:ext uri="{FF2B5EF4-FFF2-40B4-BE49-F238E27FC236}">
-                  <a16:creationId xmlns:a16="http://schemas.microsoft.com/office/drawing/2014/main" xmlns="" id="{244B9C07-B632-47BC-A88C-6A7254792D47}"/>
+                  <a16:creationId xmlns="" xmlns:a16="http://schemas.microsoft.com/office/drawing/2014/main" id="{244B9C07-B632-47BC-A88C-6A7254792D47}"/>
                 </a:ext>
               </a:extLst>
             </p:cNvPr>
@@ -19391,7 +19393,7 @@
             </a:ln>
             <a:extLst>
               <a:ext uri="{91240B29-F687-4F45-9708-019B960494DF}">
-                <a14:hiddenLine xmlns:a14="http://schemas.microsoft.com/office/drawing/2010/main" xmlns="" w="9525">
+                <a14:hiddenLine xmlns="" xmlns:a14="http://schemas.microsoft.com/office/drawing/2010/main" w="9525">
                   <a:solidFill>
                     <a:srgbClr val="000000"/>
                   </a:solidFill>
@@ -19423,7 +19425,7 @@
             <p:cNvPr id="12" name="Freeform 13">
               <a:extLst>
                 <a:ext uri="{FF2B5EF4-FFF2-40B4-BE49-F238E27FC236}">
-                  <a16:creationId xmlns:a16="http://schemas.microsoft.com/office/drawing/2014/main" xmlns="" id="{8CA8903B-D922-44EF-BA50-4BF135F263EB}"/>
+                  <a16:creationId xmlns="" xmlns:a16="http://schemas.microsoft.com/office/drawing/2014/main" id="{8CA8903B-D922-44EF-BA50-4BF135F263EB}"/>
                 </a:ext>
               </a:extLst>
             </p:cNvPr>
@@ -19569,7 +19571,7 @@
             </a:ln>
             <a:extLst>
               <a:ext uri="{91240B29-F687-4F45-9708-019B960494DF}">
-                <a14:hiddenLine xmlns:a14="http://schemas.microsoft.com/office/drawing/2010/main" xmlns="" w="9525">
+                <a14:hiddenLine xmlns="" xmlns:a14="http://schemas.microsoft.com/office/drawing/2010/main" w="9525">
                   <a:solidFill>
                     <a:srgbClr val="000000"/>
                   </a:solidFill>
@@ -19601,7 +19603,7 @@
             <p:cNvPr id="13" name="Freeform 14">
               <a:extLst>
                 <a:ext uri="{FF2B5EF4-FFF2-40B4-BE49-F238E27FC236}">
-                  <a16:creationId xmlns:a16="http://schemas.microsoft.com/office/drawing/2014/main" xmlns="" id="{AF7B5DE2-A000-4DFD-8F7E-20D8406AB895}"/>
+                  <a16:creationId xmlns="" xmlns:a16="http://schemas.microsoft.com/office/drawing/2014/main" id="{AF7B5DE2-A000-4DFD-8F7E-20D8406AB895}"/>
                 </a:ext>
               </a:extLst>
             </p:cNvPr>
@@ -19746,7 +19748,7 @@
             </a:ln>
             <a:extLst>
               <a:ext uri="{91240B29-F687-4F45-9708-019B960494DF}">
-                <a14:hiddenLine xmlns:a14="http://schemas.microsoft.com/office/drawing/2010/main" xmlns="" w="9525">
+                <a14:hiddenLine xmlns="" xmlns:a14="http://schemas.microsoft.com/office/drawing/2010/main" w="9525">
                   <a:solidFill>
                     <a:srgbClr val="000000"/>
                   </a:solidFill>
@@ -19778,7 +19780,7 @@
             <p:cNvPr id="14" name="Freeform 15">
               <a:extLst>
                 <a:ext uri="{FF2B5EF4-FFF2-40B4-BE49-F238E27FC236}">
-                  <a16:creationId xmlns:a16="http://schemas.microsoft.com/office/drawing/2014/main" xmlns="" id="{4CBEF8A8-1508-462A-BC3D-95D084C0156B}"/>
+                  <a16:creationId xmlns="" xmlns:a16="http://schemas.microsoft.com/office/drawing/2014/main" id="{4CBEF8A8-1508-462A-BC3D-95D084C0156B}"/>
                 </a:ext>
               </a:extLst>
             </p:cNvPr>
@@ -19949,7 +19951,7 @@
             </a:ln>
             <a:extLst>
               <a:ext uri="{91240B29-F687-4F45-9708-019B960494DF}">
-                <a14:hiddenLine xmlns:a14="http://schemas.microsoft.com/office/drawing/2010/main" xmlns="" w="9525">
+                <a14:hiddenLine xmlns="" xmlns:a14="http://schemas.microsoft.com/office/drawing/2010/main" w="9525">
                   <a:solidFill>
                     <a:srgbClr val="000000"/>
                   </a:solidFill>
@@ -19981,7 +19983,7 @@
             <p:cNvPr id="15" name="Freeform 16">
               <a:extLst>
                 <a:ext uri="{FF2B5EF4-FFF2-40B4-BE49-F238E27FC236}">
-                  <a16:creationId xmlns:a16="http://schemas.microsoft.com/office/drawing/2014/main" xmlns="" id="{6CD96781-6FAB-419E-969D-11E6DBB3397D}"/>
+                  <a16:creationId xmlns="" xmlns:a16="http://schemas.microsoft.com/office/drawing/2014/main" id="{6CD96781-6FAB-419E-969D-11E6DBB3397D}"/>
                 </a:ext>
               </a:extLst>
             </p:cNvPr>
@@ -20150,7 +20152,7 @@
             </a:ln>
             <a:extLst>
               <a:ext uri="{91240B29-F687-4F45-9708-019B960494DF}">
-                <a14:hiddenLine xmlns:a14="http://schemas.microsoft.com/office/drawing/2010/main" xmlns="" w="9525">
+                <a14:hiddenLine xmlns="" xmlns:a14="http://schemas.microsoft.com/office/drawing/2010/main" w="9525">
                   <a:solidFill>
                     <a:srgbClr val="000000"/>
                   </a:solidFill>
@@ -20182,7 +20184,7 @@
             <p:cNvPr id="16" name="Freeform 17">
               <a:extLst>
                 <a:ext uri="{FF2B5EF4-FFF2-40B4-BE49-F238E27FC236}">
-                  <a16:creationId xmlns:a16="http://schemas.microsoft.com/office/drawing/2014/main" xmlns="" id="{6E0F8BBD-9C30-4BF2-9143-0A5CB23756EE}"/>
+                  <a16:creationId xmlns="" xmlns:a16="http://schemas.microsoft.com/office/drawing/2014/main" id="{6E0F8BBD-9C30-4BF2-9143-0A5CB23756EE}"/>
                 </a:ext>
               </a:extLst>
             </p:cNvPr>
@@ -20368,7 +20370,7 @@
             </a:ln>
             <a:extLst>
               <a:ext uri="{91240B29-F687-4F45-9708-019B960494DF}">
-                <a14:hiddenLine xmlns:a14="http://schemas.microsoft.com/office/drawing/2010/main" xmlns="" w="9525">
+                <a14:hiddenLine xmlns="" xmlns:a14="http://schemas.microsoft.com/office/drawing/2010/main" w="9525">
                   <a:solidFill>
                     <a:srgbClr val="000000"/>
                   </a:solidFill>
@@ -20400,7 +20402,7 @@
             <p:cNvPr id="17" name="Freeform 18">
               <a:extLst>
                 <a:ext uri="{FF2B5EF4-FFF2-40B4-BE49-F238E27FC236}">
-                  <a16:creationId xmlns:a16="http://schemas.microsoft.com/office/drawing/2014/main" xmlns="" id="{20E63CD3-D0F2-4C20-BF21-5EA41A706D88}"/>
+                  <a16:creationId xmlns="" xmlns:a16="http://schemas.microsoft.com/office/drawing/2014/main" id="{20E63CD3-D0F2-4C20-BF21-5EA41A706D88}"/>
                 </a:ext>
               </a:extLst>
             </p:cNvPr>
@@ -20585,7 +20587,7 @@
             </a:ln>
             <a:extLst>
               <a:ext uri="{91240B29-F687-4F45-9708-019B960494DF}">
-                <a14:hiddenLine xmlns:a14="http://schemas.microsoft.com/office/drawing/2010/main" xmlns="" w="9525">
+                <a14:hiddenLine xmlns="" xmlns:a14="http://schemas.microsoft.com/office/drawing/2010/main" w="9525">
                   <a:solidFill>
                     <a:srgbClr val="000000"/>
                   </a:solidFill>
@@ -20617,7 +20619,7 @@
             <p:cNvPr id="18" name="Freeform 19">
               <a:extLst>
                 <a:ext uri="{FF2B5EF4-FFF2-40B4-BE49-F238E27FC236}">
-                  <a16:creationId xmlns:a16="http://schemas.microsoft.com/office/drawing/2014/main" xmlns="" id="{C7B5000D-D293-4953-ADCD-DFE2CAC40B98}"/>
+                  <a16:creationId xmlns="" xmlns:a16="http://schemas.microsoft.com/office/drawing/2014/main" id="{C7B5000D-D293-4953-ADCD-DFE2CAC40B98}"/>
                 </a:ext>
               </a:extLst>
             </p:cNvPr>
@@ -20723,7 +20725,7 @@
             </a:ln>
             <a:extLst>
               <a:ext uri="{91240B29-F687-4F45-9708-019B960494DF}">
-                <a14:hiddenLine xmlns:a14="http://schemas.microsoft.com/office/drawing/2010/main" xmlns="" w="9525">
+                <a14:hiddenLine xmlns="" xmlns:a14="http://schemas.microsoft.com/office/drawing/2010/main" w="9525">
                   <a:solidFill>
                     <a:srgbClr val="000000"/>
                   </a:solidFill>
@@ -20755,7 +20757,7 @@
             <p:cNvPr id="19" name="Freeform 20">
               <a:extLst>
                 <a:ext uri="{FF2B5EF4-FFF2-40B4-BE49-F238E27FC236}">
-                  <a16:creationId xmlns:a16="http://schemas.microsoft.com/office/drawing/2014/main" xmlns="" id="{63B54396-57CB-4FBB-8554-C17BFA4BDF02}"/>
+                  <a16:creationId xmlns="" xmlns:a16="http://schemas.microsoft.com/office/drawing/2014/main" id="{63B54396-57CB-4FBB-8554-C17BFA4BDF02}"/>
                 </a:ext>
               </a:extLst>
             </p:cNvPr>
@@ -20860,7 +20862,7 @@
             </a:ln>
             <a:extLst>
               <a:ext uri="{91240B29-F687-4F45-9708-019B960494DF}">
-                <a14:hiddenLine xmlns:a14="http://schemas.microsoft.com/office/drawing/2010/main" xmlns="" w="9525">
+                <a14:hiddenLine xmlns="" xmlns:a14="http://schemas.microsoft.com/office/drawing/2010/main" w="9525">
                   <a:solidFill>
                     <a:srgbClr val="000000"/>
                   </a:solidFill>
@@ -20892,7 +20894,7 @@
             <p:cNvPr id="20" name="Freeform 21">
               <a:extLst>
                 <a:ext uri="{FF2B5EF4-FFF2-40B4-BE49-F238E27FC236}">
-                  <a16:creationId xmlns:a16="http://schemas.microsoft.com/office/drawing/2014/main" xmlns="" id="{FC1EC044-DEB7-4F6D-8177-C2267C61DD73}"/>
+                  <a16:creationId xmlns="" xmlns:a16="http://schemas.microsoft.com/office/drawing/2014/main" id="{FC1EC044-DEB7-4F6D-8177-C2267C61DD73}"/>
                 </a:ext>
               </a:extLst>
             </p:cNvPr>
@@ -21166,7 +21168,7 @@
             </a:ln>
             <a:extLst>
               <a:ext uri="{91240B29-F687-4F45-9708-019B960494DF}">
-                <a14:hiddenLine xmlns:a14="http://schemas.microsoft.com/office/drawing/2010/main" xmlns="" w="9525">
+                <a14:hiddenLine xmlns="" xmlns:a14="http://schemas.microsoft.com/office/drawing/2010/main" w="9525">
                   <a:solidFill>
                     <a:srgbClr val="000000"/>
                   </a:solidFill>
@@ -21198,7 +21200,7 @@
             <p:cNvPr id="21" name="Freeform 22">
               <a:extLst>
                 <a:ext uri="{FF2B5EF4-FFF2-40B4-BE49-F238E27FC236}">
-                  <a16:creationId xmlns:a16="http://schemas.microsoft.com/office/drawing/2014/main" xmlns="" id="{E365BFA0-C9A2-4083-8CC2-D57C1B0622F0}"/>
+                  <a16:creationId xmlns="" xmlns:a16="http://schemas.microsoft.com/office/drawing/2014/main" id="{E365BFA0-C9A2-4083-8CC2-D57C1B0622F0}"/>
                 </a:ext>
               </a:extLst>
             </p:cNvPr>
@@ -21471,7 +21473,7 @@
             </a:ln>
             <a:extLst>
               <a:ext uri="{91240B29-F687-4F45-9708-019B960494DF}">
-                <a14:hiddenLine xmlns:a14="http://schemas.microsoft.com/office/drawing/2010/main" xmlns="" w="9525">
+                <a14:hiddenLine xmlns="" xmlns:a14="http://schemas.microsoft.com/office/drawing/2010/main" w="9525">
                   <a:solidFill>
                     <a:srgbClr val="000000"/>
                   </a:solidFill>
@@ -21503,7 +21505,7 @@
             <p:cNvPr id="22" name="Freeform 23">
               <a:extLst>
                 <a:ext uri="{FF2B5EF4-FFF2-40B4-BE49-F238E27FC236}">
-                  <a16:creationId xmlns:a16="http://schemas.microsoft.com/office/drawing/2014/main" xmlns="" id="{6192349E-7BE2-4688-ADA5-969DFE199D12}"/>
+                  <a16:creationId xmlns="" xmlns:a16="http://schemas.microsoft.com/office/drawing/2014/main" id="{6192349E-7BE2-4688-ADA5-969DFE199D12}"/>
                 </a:ext>
               </a:extLst>
             </p:cNvPr>
@@ -21609,7 +21611,7 @@
             </a:ln>
             <a:extLst>
               <a:ext uri="{91240B29-F687-4F45-9708-019B960494DF}">
-                <a14:hiddenLine xmlns:a14="http://schemas.microsoft.com/office/drawing/2010/main" xmlns="" w="9525">
+                <a14:hiddenLine xmlns="" xmlns:a14="http://schemas.microsoft.com/office/drawing/2010/main" w="9525">
                   <a:solidFill>
                     <a:srgbClr val="000000"/>
                   </a:solidFill>
@@ -21641,7 +21643,7 @@
             <p:cNvPr id="23" name="Freeform 24">
               <a:extLst>
                 <a:ext uri="{FF2B5EF4-FFF2-40B4-BE49-F238E27FC236}">
-                  <a16:creationId xmlns:a16="http://schemas.microsoft.com/office/drawing/2014/main" xmlns="" id="{8EED4AC1-7EE9-43E7-83BF-50CD15E873FC}"/>
+                  <a16:creationId xmlns="" xmlns:a16="http://schemas.microsoft.com/office/drawing/2014/main" id="{8EED4AC1-7EE9-43E7-83BF-50CD15E873FC}"/>
                 </a:ext>
               </a:extLst>
             </p:cNvPr>
@@ -21746,7 +21748,7 @@
             </a:ln>
             <a:extLst>
               <a:ext uri="{91240B29-F687-4F45-9708-019B960494DF}">
-                <a14:hiddenLine xmlns:a14="http://schemas.microsoft.com/office/drawing/2010/main" xmlns="" w="9525">
+                <a14:hiddenLine xmlns="" xmlns:a14="http://schemas.microsoft.com/office/drawing/2010/main" w="9525">
                   <a:solidFill>
                     <a:srgbClr val="000000"/>
                   </a:solidFill>
@@ -21778,7 +21780,7 @@
             <p:cNvPr id="24" name="Freeform 25">
               <a:extLst>
                 <a:ext uri="{FF2B5EF4-FFF2-40B4-BE49-F238E27FC236}">
-                  <a16:creationId xmlns:a16="http://schemas.microsoft.com/office/drawing/2014/main" xmlns="" id="{46E955A2-8DFF-4140-A14D-21CAF00DC967}"/>
+                  <a16:creationId xmlns="" xmlns:a16="http://schemas.microsoft.com/office/drawing/2014/main" id="{46E955A2-8DFF-4140-A14D-21CAF00DC967}"/>
                 </a:ext>
               </a:extLst>
             </p:cNvPr>
@@ -21892,7 +21894,7 @@
             </a:ln>
             <a:extLst>
               <a:ext uri="{91240B29-F687-4F45-9708-019B960494DF}">
-                <a14:hiddenLine xmlns:a14="http://schemas.microsoft.com/office/drawing/2010/main" xmlns="" w="9525">
+                <a14:hiddenLine xmlns="" xmlns:a14="http://schemas.microsoft.com/office/drawing/2010/main" w="9525">
                   <a:solidFill>
                     <a:srgbClr val="000000"/>
                   </a:solidFill>
@@ -21924,7 +21926,7 @@
             <p:cNvPr id="25" name="Freeform 26">
               <a:extLst>
                 <a:ext uri="{FF2B5EF4-FFF2-40B4-BE49-F238E27FC236}">
-                  <a16:creationId xmlns:a16="http://schemas.microsoft.com/office/drawing/2014/main" xmlns="" id="{A096D7D4-4242-4C09-8238-C3B6014BECA3}"/>
+                  <a16:creationId xmlns="" xmlns:a16="http://schemas.microsoft.com/office/drawing/2014/main" id="{A096D7D4-4242-4C09-8238-C3B6014BECA3}"/>
                 </a:ext>
               </a:extLst>
             </p:cNvPr>
@@ -22037,7 +22039,7 @@
             </a:ln>
             <a:extLst>
               <a:ext uri="{91240B29-F687-4F45-9708-019B960494DF}">
-                <a14:hiddenLine xmlns:a14="http://schemas.microsoft.com/office/drawing/2010/main" xmlns="" w="9525">
+                <a14:hiddenLine xmlns="" xmlns:a14="http://schemas.microsoft.com/office/drawing/2010/main" w="9525">
                   <a:solidFill>
                     <a:srgbClr val="000000"/>
                   </a:solidFill>
@@ -22069,7 +22071,7 @@
             <p:cNvPr id="26" name="Freeform 27">
               <a:extLst>
                 <a:ext uri="{FF2B5EF4-FFF2-40B4-BE49-F238E27FC236}">
-                  <a16:creationId xmlns:a16="http://schemas.microsoft.com/office/drawing/2014/main" xmlns="" id="{E1944DD0-F5EE-4786-9FCD-C302E1248441}"/>
+                  <a16:creationId xmlns="" xmlns:a16="http://schemas.microsoft.com/office/drawing/2014/main" id="{E1944DD0-F5EE-4786-9FCD-C302E1248441}"/>
                 </a:ext>
               </a:extLst>
             </p:cNvPr>
@@ -22231,7 +22233,7 @@
             </a:ln>
             <a:extLst>
               <a:ext uri="{91240B29-F687-4F45-9708-019B960494DF}">
-                <a14:hiddenLine xmlns:a14="http://schemas.microsoft.com/office/drawing/2010/main" xmlns="" w="9525">
+                <a14:hiddenLine xmlns="" xmlns:a14="http://schemas.microsoft.com/office/drawing/2010/main" w="9525">
                   <a:solidFill>
                     <a:srgbClr val="000000"/>
                   </a:solidFill>
@@ -22263,7 +22265,7 @@
             <p:cNvPr id="27" name="Freeform 28">
               <a:extLst>
                 <a:ext uri="{FF2B5EF4-FFF2-40B4-BE49-F238E27FC236}">
-                  <a16:creationId xmlns:a16="http://schemas.microsoft.com/office/drawing/2014/main" xmlns="" id="{08090AAD-07AA-455C-80EC-4290CE2707BA}"/>
+                  <a16:creationId xmlns="" xmlns:a16="http://schemas.microsoft.com/office/drawing/2014/main" id="{08090AAD-07AA-455C-80EC-4290CE2707BA}"/>
                 </a:ext>
               </a:extLst>
             </p:cNvPr>
@@ -22424,7 +22426,7 @@
             </a:ln>
             <a:extLst>
               <a:ext uri="{91240B29-F687-4F45-9708-019B960494DF}">
-                <a14:hiddenLine xmlns:a14="http://schemas.microsoft.com/office/drawing/2010/main" xmlns="" w="9525">
+                <a14:hiddenLine xmlns="" xmlns:a14="http://schemas.microsoft.com/office/drawing/2010/main" w="9525">
                   <a:solidFill>
                     <a:srgbClr val="000000"/>
                   </a:solidFill>
@@ -22456,7 +22458,7 @@
             <p:cNvPr id="28" name="Freeform 29">
               <a:extLst>
                 <a:ext uri="{FF2B5EF4-FFF2-40B4-BE49-F238E27FC236}">
-                  <a16:creationId xmlns:a16="http://schemas.microsoft.com/office/drawing/2014/main" xmlns="" id="{8CE15EC2-7298-4AF9-BA7C-6C2D951B749F}"/>
+                  <a16:creationId xmlns="" xmlns:a16="http://schemas.microsoft.com/office/drawing/2014/main" id="{8CE15EC2-7298-4AF9-BA7C-6C2D951B749F}"/>
                 </a:ext>
               </a:extLst>
             </p:cNvPr>
@@ -22643,7 +22645,7 @@
             </a:ln>
             <a:extLst>
               <a:ext uri="{91240B29-F687-4F45-9708-019B960494DF}">
-                <a14:hiddenLine xmlns:a14="http://schemas.microsoft.com/office/drawing/2010/main" xmlns="" w="9525">
+                <a14:hiddenLine xmlns="" xmlns:a14="http://schemas.microsoft.com/office/drawing/2010/main" w="9525">
                   <a:solidFill>
                     <a:srgbClr val="000000"/>
                   </a:solidFill>
@@ -22675,7 +22677,7 @@
             <p:cNvPr id="29" name="Freeform 30">
               <a:extLst>
                 <a:ext uri="{FF2B5EF4-FFF2-40B4-BE49-F238E27FC236}">
-                  <a16:creationId xmlns:a16="http://schemas.microsoft.com/office/drawing/2014/main" xmlns="" id="{1C0DE5BF-00F5-4D22-950E-FB1595916D81}"/>
+                  <a16:creationId xmlns="" xmlns:a16="http://schemas.microsoft.com/office/drawing/2014/main" id="{1C0DE5BF-00F5-4D22-950E-FB1595916D81}"/>
                 </a:ext>
               </a:extLst>
             </p:cNvPr>
@@ -22860,7 +22862,7 @@
             </a:ln>
             <a:extLst>
               <a:ext uri="{91240B29-F687-4F45-9708-019B960494DF}">
-                <a14:hiddenLine xmlns:a14="http://schemas.microsoft.com/office/drawing/2010/main" xmlns="" w="9525">
+                <a14:hiddenLine xmlns="" xmlns:a14="http://schemas.microsoft.com/office/drawing/2010/main" w="9525">
                   <a:solidFill>
                     <a:srgbClr val="000000"/>
                   </a:solidFill>
@@ -22892,7 +22894,7 @@
             <p:cNvPr id="30" name="Freeform 31">
               <a:extLst>
                 <a:ext uri="{FF2B5EF4-FFF2-40B4-BE49-F238E27FC236}">
-                  <a16:creationId xmlns:a16="http://schemas.microsoft.com/office/drawing/2014/main" xmlns="" id="{C36F9C55-84F3-4FB2-BFB4-09DABD59394A}"/>
+                  <a16:creationId xmlns="" xmlns:a16="http://schemas.microsoft.com/office/drawing/2014/main" id="{C36F9C55-84F3-4FB2-BFB4-09DABD59394A}"/>
                 </a:ext>
               </a:extLst>
             </p:cNvPr>
@@ -22966,7 +22968,7 @@
             </a:ln>
             <a:extLst>
               <a:ext uri="{91240B29-F687-4F45-9708-019B960494DF}">
-                <a14:hiddenLine xmlns:a14="http://schemas.microsoft.com/office/drawing/2010/main" xmlns="" w="9525">
+                <a14:hiddenLine xmlns="" xmlns:a14="http://schemas.microsoft.com/office/drawing/2010/main" w="9525">
                   <a:solidFill>
                     <a:srgbClr val="000000"/>
                   </a:solidFill>
@@ -22998,7 +23000,7 @@
             <p:cNvPr id="31" name="Freeform 32">
               <a:extLst>
                 <a:ext uri="{FF2B5EF4-FFF2-40B4-BE49-F238E27FC236}">
-                  <a16:creationId xmlns:a16="http://schemas.microsoft.com/office/drawing/2014/main" xmlns="" id="{86DCBB0C-B506-4002-8AE1-8D5D2C88C3C2}"/>
+                  <a16:creationId xmlns="" xmlns:a16="http://schemas.microsoft.com/office/drawing/2014/main" id="{86DCBB0C-B506-4002-8AE1-8D5D2C88C3C2}"/>
                 </a:ext>
               </a:extLst>
             </p:cNvPr>
@@ -23071,7 +23073,7 @@
             </a:ln>
             <a:extLst>
               <a:ext uri="{91240B29-F687-4F45-9708-019B960494DF}">
-                <a14:hiddenLine xmlns:a14="http://schemas.microsoft.com/office/drawing/2010/main" xmlns="" w="9525">
+                <a14:hiddenLine xmlns="" xmlns:a14="http://schemas.microsoft.com/office/drawing/2010/main" w="9525">
                   <a:solidFill>
                     <a:srgbClr val="000000"/>
                   </a:solidFill>
@@ -23103,7 +23105,7 @@
             <p:cNvPr id="32" name="Freeform 33">
               <a:extLst>
                 <a:ext uri="{FF2B5EF4-FFF2-40B4-BE49-F238E27FC236}">
-                  <a16:creationId xmlns:a16="http://schemas.microsoft.com/office/drawing/2014/main" xmlns="" id="{8551D65C-4F01-4471-A549-9B58F09C3DF4}"/>
+                  <a16:creationId xmlns="" xmlns:a16="http://schemas.microsoft.com/office/drawing/2014/main" id="{8551D65C-4F01-4471-A549-9B58F09C3DF4}"/>
                 </a:ext>
               </a:extLst>
             </p:cNvPr>
@@ -23274,7 +23276,7 @@
             </a:ln>
             <a:extLst>
               <a:ext uri="{91240B29-F687-4F45-9708-019B960494DF}">
-                <a14:hiddenLine xmlns:a14="http://schemas.microsoft.com/office/drawing/2010/main" xmlns="" w="9525">
+                <a14:hiddenLine xmlns="" xmlns:a14="http://schemas.microsoft.com/office/drawing/2010/main" w="9525">
                   <a:solidFill>
                     <a:srgbClr val="000000"/>
                   </a:solidFill>
@@ -23306,7 +23308,7 @@
             <p:cNvPr id="33" name="Freeform 34">
               <a:extLst>
                 <a:ext uri="{FF2B5EF4-FFF2-40B4-BE49-F238E27FC236}">
-                  <a16:creationId xmlns:a16="http://schemas.microsoft.com/office/drawing/2014/main" xmlns="" id="{3544D767-6834-4436-ABFA-BF3A4EA70E69}"/>
+                  <a16:creationId xmlns="" xmlns:a16="http://schemas.microsoft.com/office/drawing/2014/main" id="{3544D767-6834-4436-ABFA-BF3A4EA70E69}"/>
                 </a:ext>
               </a:extLst>
             </p:cNvPr>
@@ -23475,7 +23477,7 @@
             </a:ln>
             <a:extLst>
               <a:ext uri="{91240B29-F687-4F45-9708-019B960494DF}">
-                <a14:hiddenLine xmlns:a14="http://schemas.microsoft.com/office/drawing/2010/main" xmlns="" w="9525">
+                <a14:hiddenLine xmlns="" xmlns:a14="http://schemas.microsoft.com/office/drawing/2010/main" w="9525">
                   <a:solidFill>
                     <a:srgbClr val="000000"/>
                   </a:solidFill>
@@ -23507,7 +23509,7 @@
             <p:cNvPr id="34" name="Freeform 35">
               <a:extLst>
                 <a:ext uri="{FF2B5EF4-FFF2-40B4-BE49-F238E27FC236}">
-                  <a16:creationId xmlns:a16="http://schemas.microsoft.com/office/drawing/2014/main" xmlns="" id="{466AAF9F-DDCC-4DB5-A3C3-BDD1647420C9}"/>
+                  <a16:creationId xmlns="" xmlns:a16="http://schemas.microsoft.com/office/drawing/2014/main" id="{466AAF9F-DDCC-4DB5-A3C3-BDD1647420C9}"/>
                 </a:ext>
               </a:extLst>
             </p:cNvPr>
@@ -23613,7 +23615,7 @@
             </a:ln>
             <a:extLst>
               <a:ext uri="{91240B29-F687-4F45-9708-019B960494DF}">
-                <a14:hiddenLine xmlns:a14="http://schemas.microsoft.com/office/drawing/2010/main" xmlns="" w="9525">
+                <a14:hiddenLine xmlns="" xmlns:a14="http://schemas.microsoft.com/office/drawing/2010/main" w="9525">
                   <a:solidFill>
                     <a:srgbClr val="000000"/>
                   </a:solidFill>
@@ -23645,7 +23647,7 @@
             <p:cNvPr id="35" name="Freeform 36">
               <a:extLst>
                 <a:ext uri="{FF2B5EF4-FFF2-40B4-BE49-F238E27FC236}">
-                  <a16:creationId xmlns:a16="http://schemas.microsoft.com/office/drawing/2014/main" xmlns="" id="{FD46DFCE-F860-4163-8E8B-63C1CB744557}"/>
+                  <a16:creationId xmlns="" xmlns:a16="http://schemas.microsoft.com/office/drawing/2014/main" id="{FD46DFCE-F860-4163-8E8B-63C1CB744557}"/>
                 </a:ext>
               </a:extLst>
             </p:cNvPr>
@@ -23750,7 +23752,7 @@
             </a:ln>
             <a:extLst>
               <a:ext uri="{91240B29-F687-4F45-9708-019B960494DF}">
-                <a14:hiddenLine xmlns:a14="http://schemas.microsoft.com/office/drawing/2010/main" xmlns="" w="9525">
+                <a14:hiddenLine xmlns="" xmlns:a14="http://schemas.microsoft.com/office/drawing/2010/main" w="9525">
                   <a:solidFill>
                     <a:srgbClr val="000000"/>
                   </a:solidFill>
@@ -23782,7 +23784,7 @@
             <p:cNvPr id="36" name="Freeform 37">
               <a:extLst>
                 <a:ext uri="{FF2B5EF4-FFF2-40B4-BE49-F238E27FC236}">
-                  <a16:creationId xmlns:a16="http://schemas.microsoft.com/office/drawing/2014/main" xmlns="" id="{C1E56C6E-6CA3-4F30-B41F-B5096F5492F3}"/>
+                  <a16:creationId xmlns="" xmlns:a16="http://schemas.microsoft.com/office/drawing/2014/main" id="{C1E56C6E-6CA3-4F30-B41F-B5096F5492F3}"/>
                 </a:ext>
               </a:extLst>
             </p:cNvPr>
@@ -23888,7 +23890,7 @@
             </a:ln>
             <a:extLst>
               <a:ext uri="{91240B29-F687-4F45-9708-019B960494DF}">
-                <a14:hiddenLine xmlns:a14="http://schemas.microsoft.com/office/drawing/2010/main" xmlns="" w="9525">
+                <a14:hiddenLine xmlns="" xmlns:a14="http://schemas.microsoft.com/office/drawing/2010/main" w="9525">
                   <a:solidFill>
                     <a:srgbClr val="000000"/>
                   </a:solidFill>
@@ -23920,7 +23922,7 @@
             <p:cNvPr id="37" name="Freeform 38">
               <a:extLst>
                 <a:ext uri="{FF2B5EF4-FFF2-40B4-BE49-F238E27FC236}">
-                  <a16:creationId xmlns:a16="http://schemas.microsoft.com/office/drawing/2014/main" xmlns="" id="{78BD5980-C499-4A25-A2CF-F8200440D705}"/>
+                  <a16:creationId xmlns="" xmlns:a16="http://schemas.microsoft.com/office/drawing/2014/main" id="{78BD5980-C499-4A25-A2CF-F8200440D705}"/>
                 </a:ext>
               </a:extLst>
             </p:cNvPr>
@@ -24025,7 +24027,7 @@
             </a:ln>
             <a:extLst>
               <a:ext uri="{91240B29-F687-4F45-9708-019B960494DF}">
-                <a14:hiddenLine xmlns:a14="http://schemas.microsoft.com/office/drawing/2010/main" xmlns="" w="9525">
+                <a14:hiddenLine xmlns="" xmlns:a14="http://schemas.microsoft.com/office/drawing/2010/main" w="9525">
                   <a:solidFill>
                     <a:srgbClr val="000000"/>
                   </a:solidFill>
@@ -24057,7 +24059,7 @@
             <p:cNvPr id="38" name="Freeform 39">
               <a:extLst>
                 <a:ext uri="{FF2B5EF4-FFF2-40B4-BE49-F238E27FC236}">
-                  <a16:creationId xmlns:a16="http://schemas.microsoft.com/office/drawing/2014/main" xmlns="" id="{9BB29F3C-2FB3-4C55-B4F7-80F5743A238E}"/>
+                  <a16:creationId xmlns="" xmlns:a16="http://schemas.microsoft.com/office/drawing/2014/main" id="{9BB29F3C-2FB3-4C55-B4F7-80F5743A238E}"/>
                 </a:ext>
               </a:extLst>
             </p:cNvPr>
@@ -24179,7 +24181,7 @@
             </a:ln>
             <a:extLst>
               <a:ext uri="{91240B29-F687-4F45-9708-019B960494DF}">
-                <a14:hiddenLine xmlns:a14="http://schemas.microsoft.com/office/drawing/2010/main" xmlns="" w="9525">
+                <a14:hiddenLine xmlns="" xmlns:a14="http://schemas.microsoft.com/office/drawing/2010/main" w="9525">
                   <a:solidFill>
                     <a:srgbClr val="000000"/>
                   </a:solidFill>
@@ -24211,7 +24213,7 @@
             <p:cNvPr id="39" name="Freeform 40">
               <a:extLst>
                 <a:ext uri="{FF2B5EF4-FFF2-40B4-BE49-F238E27FC236}">
-                  <a16:creationId xmlns:a16="http://schemas.microsoft.com/office/drawing/2014/main" xmlns="" id="{4E46A4E2-9D69-4988-9AD3-F21598CEC38F}"/>
+                  <a16:creationId xmlns="" xmlns:a16="http://schemas.microsoft.com/office/drawing/2014/main" id="{4E46A4E2-9D69-4988-9AD3-F21598CEC38F}"/>
                 </a:ext>
               </a:extLst>
             </p:cNvPr>
@@ -24332,7 +24334,7 @@
             </a:ln>
             <a:extLst>
               <a:ext uri="{91240B29-F687-4F45-9708-019B960494DF}">
-                <a14:hiddenLine xmlns:a14="http://schemas.microsoft.com/office/drawing/2010/main" xmlns="" w="9525">
+                <a14:hiddenLine xmlns="" xmlns:a14="http://schemas.microsoft.com/office/drawing/2010/main" w="9525">
                   <a:solidFill>
                     <a:srgbClr val="000000"/>
                   </a:solidFill>
@@ -24364,7 +24366,7 @@
             <p:cNvPr id="40" name="Freeform 41">
               <a:extLst>
                 <a:ext uri="{FF2B5EF4-FFF2-40B4-BE49-F238E27FC236}">
-                  <a16:creationId xmlns:a16="http://schemas.microsoft.com/office/drawing/2014/main" xmlns="" id="{C17C7C2A-8638-4727-84D5-7C7F98825C34}"/>
+                  <a16:creationId xmlns="" xmlns:a16="http://schemas.microsoft.com/office/drawing/2014/main" id="{C17C7C2A-8638-4727-84D5-7C7F98825C34}"/>
                 </a:ext>
               </a:extLst>
             </p:cNvPr>
@@ -24470,7 +24472,7 @@
             </a:ln>
             <a:extLst>
               <a:ext uri="{91240B29-F687-4F45-9708-019B960494DF}">
-                <a14:hiddenLine xmlns:a14="http://schemas.microsoft.com/office/drawing/2010/main" xmlns="" w="9525">
+                <a14:hiddenLine xmlns="" xmlns:a14="http://schemas.microsoft.com/office/drawing/2010/main" w="9525">
                   <a:solidFill>
                     <a:srgbClr val="000000"/>
                   </a:solidFill>
@@ -24502,7 +24504,7 @@
             <p:cNvPr id="41" name="Freeform 42">
               <a:extLst>
                 <a:ext uri="{FF2B5EF4-FFF2-40B4-BE49-F238E27FC236}">
-                  <a16:creationId xmlns:a16="http://schemas.microsoft.com/office/drawing/2014/main" xmlns="" id="{36B0B241-2431-40E0-B9CE-A537CB7D5E3D}"/>
+                  <a16:creationId xmlns="" xmlns:a16="http://schemas.microsoft.com/office/drawing/2014/main" id="{36B0B241-2431-40E0-B9CE-A537CB7D5E3D}"/>
                 </a:ext>
               </a:extLst>
             </p:cNvPr>
@@ -24607,7 +24609,7 @@
             </a:ln>
             <a:extLst>
               <a:ext uri="{91240B29-F687-4F45-9708-019B960494DF}">
-                <a14:hiddenLine xmlns:a14="http://schemas.microsoft.com/office/drawing/2010/main" xmlns="" w="9525">
+                <a14:hiddenLine xmlns="" xmlns:a14="http://schemas.microsoft.com/office/drawing/2010/main" w="9525">
                   <a:solidFill>
                     <a:srgbClr val="000000"/>
                   </a:solidFill>
@@ -24639,7 +24641,7 @@
             <p:cNvPr id="42" name="Freeform 43">
               <a:extLst>
                 <a:ext uri="{FF2B5EF4-FFF2-40B4-BE49-F238E27FC236}">
-                  <a16:creationId xmlns:a16="http://schemas.microsoft.com/office/drawing/2014/main" xmlns="" id="{17197AD1-FBA3-470A-ABA4-6F3A0568AF11}"/>
+                  <a16:creationId xmlns="" xmlns:a16="http://schemas.microsoft.com/office/drawing/2014/main" id="{17197AD1-FBA3-470A-ABA4-6F3A0568AF11}"/>
                 </a:ext>
               </a:extLst>
             </p:cNvPr>
@@ -24769,7 +24771,7 @@
             </a:ln>
             <a:extLst>
               <a:ext uri="{91240B29-F687-4F45-9708-019B960494DF}">
-                <a14:hiddenLine xmlns:a14="http://schemas.microsoft.com/office/drawing/2010/main" xmlns="" w="9525">
+                <a14:hiddenLine xmlns="" xmlns:a14="http://schemas.microsoft.com/office/drawing/2010/main" w="9525">
                   <a:solidFill>
                     <a:srgbClr val="000000"/>
                   </a:solidFill>
@@ -24801,7 +24803,7 @@
             <p:cNvPr id="43" name="Freeform 44">
               <a:extLst>
                 <a:ext uri="{FF2B5EF4-FFF2-40B4-BE49-F238E27FC236}">
-                  <a16:creationId xmlns:a16="http://schemas.microsoft.com/office/drawing/2014/main" xmlns="" id="{8CF3D685-EEF2-4D9B-ACE5-F8550309D534}"/>
+                  <a16:creationId xmlns="" xmlns:a16="http://schemas.microsoft.com/office/drawing/2014/main" id="{8CF3D685-EEF2-4D9B-ACE5-F8550309D534}"/>
                 </a:ext>
               </a:extLst>
             </p:cNvPr>
@@ -24930,7 +24932,7 @@
             </a:ln>
             <a:extLst>
               <a:ext uri="{91240B29-F687-4F45-9708-019B960494DF}">
-                <a14:hiddenLine xmlns:a14="http://schemas.microsoft.com/office/drawing/2010/main" xmlns="" w="9525">
+                <a14:hiddenLine xmlns="" xmlns:a14="http://schemas.microsoft.com/office/drawing/2010/main" w="9525">
                   <a:solidFill>
                     <a:srgbClr val="000000"/>
                   </a:solidFill>
@@ -24962,7 +24964,7 @@
             <p:cNvPr id="44" name="Freeform 45">
               <a:extLst>
                 <a:ext uri="{FF2B5EF4-FFF2-40B4-BE49-F238E27FC236}">
-                  <a16:creationId xmlns:a16="http://schemas.microsoft.com/office/drawing/2014/main" xmlns="" id="{5128A1C4-25E2-414B-85E1-39F87DBC1523}"/>
+                  <a16:creationId xmlns="" xmlns:a16="http://schemas.microsoft.com/office/drawing/2014/main" id="{5128A1C4-25E2-414B-85E1-39F87DBC1523}"/>
                 </a:ext>
               </a:extLst>
             </p:cNvPr>
@@ -25068,7 +25070,7 @@
             </a:ln>
             <a:extLst>
               <a:ext uri="{91240B29-F687-4F45-9708-019B960494DF}">
-                <a14:hiddenLine xmlns:a14="http://schemas.microsoft.com/office/drawing/2010/main" xmlns="" w="9525">
+                <a14:hiddenLine xmlns="" xmlns:a14="http://schemas.microsoft.com/office/drawing/2010/main" w="9525">
                   <a:solidFill>
                     <a:srgbClr val="000000"/>
                   </a:solidFill>
@@ -25100,7 +25102,7 @@
             <p:cNvPr id="45" name="Freeform 46">
               <a:extLst>
                 <a:ext uri="{FF2B5EF4-FFF2-40B4-BE49-F238E27FC236}">
-                  <a16:creationId xmlns:a16="http://schemas.microsoft.com/office/drawing/2014/main" xmlns="" id="{2BEB0C5D-8EF8-4B3B-B5A2-4100F605C02D}"/>
+                  <a16:creationId xmlns="" xmlns:a16="http://schemas.microsoft.com/office/drawing/2014/main" id="{2BEB0C5D-8EF8-4B3B-B5A2-4100F605C02D}"/>
                 </a:ext>
               </a:extLst>
             </p:cNvPr>
@@ -25205,7 +25207,7 @@
             </a:ln>
             <a:extLst>
               <a:ext uri="{91240B29-F687-4F45-9708-019B960494DF}">
-                <a14:hiddenLine xmlns:a14="http://schemas.microsoft.com/office/drawing/2010/main" xmlns="" w="9525">
+                <a14:hiddenLine xmlns="" xmlns:a14="http://schemas.microsoft.com/office/drawing/2010/main" w="9525">
                   <a:solidFill>
                     <a:srgbClr val="000000"/>
                   </a:solidFill>
@@ -25237,7 +25239,7 @@
             <p:cNvPr id="46" name="Freeform 47">
               <a:extLst>
                 <a:ext uri="{FF2B5EF4-FFF2-40B4-BE49-F238E27FC236}">
-                  <a16:creationId xmlns:a16="http://schemas.microsoft.com/office/drawing/2014/main" xmlns="" id="{E1A8E5E6-12B2-41B7-A375-3878558DFEAA}"/>
+                  <a16:creationId xmlns="" xmlns:a16="http://schemas.microsoft.com/office/drawing/2014/main" id="{E1A8E5E6-12B2-41B7-A375-3878558DFEAA}"/>
                 </a:ext>
               </a:extLst>
             </p:cNvPr>
@@ -25311,7 +25313,7 @@
             </a:ln>
             <a:extLst>
               <a:ext uri="{91240B29-F687-4F45-9708-019B960494DF}">
-                <a14:hiddenLine xmlns:a14="http://schemas.microsoft.com/office/drawing/2010/main" xmlns="" w="9525">
+                <a14:hiddenLine xmlns="" xmlns:a14="http://schemas.microsoft.com/office/drawing/2010/main" w="9525">
                   <a:solidFill>
                     <a:srgbClr val="000000"/>
                   </a:solidFill>
@@ -25343,7 +25345,7 @@
             <p:cNvPr id="47" name="Freeform 48">
               <a:extLst>
                 <a:ext uri="{FF2B5EF4-FFF2-40B4-BE49-F238E27FC236}">
-                  <a16:creationId xmlns:a16="http://schemas.microsoft.com/office/drawing/2014/main" xmlns="" id="{EDE3E5F9-61F3-42A7-927B-52278150AD1C}"/>
+                  <a16:creationId xmlns="" xmlns:a16="http://schemas.microsoft.com/office/drawing/2014/main" id="{EDE3E5F9-61F3-42A7-927B-52278150AD1C}"/>
                 </a:ext>
               </a:extLst>
             </p:cNvPr>
@@ -25416,7 +25418,7 @@
             </a:ln>
             <a:extLst>
               <a:ext uri="{91240B29-F687-4F45-9708-019B960494DF}">
-                <a14:hiddenLine xmlns:a14="http://schemas.microsoft.com/office/drawing/2010/main" xmlns="" w="9525">
+                <a14:hiddenLine xmlns="" xmlns:a14="http://schemas.microsoft.com/office/drawing/2010/main" w="9525">
                   <a:solidFill>
                     <a:srgbClr val="000000"/>
                   </a:solidFill>
@@ -25448,7 +25450,7 @@
             <p:cNvPr id="48" name="Freeform 49">
               <a:extLst>
                 <a:ext uri="{FF2B5EF4-FFF2-40B4-BE49-F238E27FC236}">
-                  <a16:creationId xmlns:a16="http://schemas.microsoft.com/office/drawing/2014/main" xmlns="" id="{C8231393-6766-4234-BB5B-1E224B654C98}"/>
+                  <a16:creationId xmlns="" xmlns:a16="http://schemas.microsoft.com/office/drawing/2014/main" id="{C8231393-6766-4234-BB5B-1E224B654C98}"/>
                 </a:ext>
               </a:extLst>
             </p:cNvPr>
@@ -25538,7 +25540,7 @@
             </a:ln>
             <a:extLst>
               <a:ext uri="{91240B29-F687-4F45-9708-019B960494DF}">
-                <a14:hiddenLine xmlns:a14="http://schemas.microsoft.com/office/drawing/2010/main" xmlns="" w="9525">
+                <a14:hiddenLine xmlns="" xmlns:a14="http://schemas.microsoft.com/office/drawing/2010/main" w="9525">
                   <a:solidFill>
                     <a:srgbClr val="000000"/>
                   </a:solidFill>
@@ -25570,7 +25572,7 @@
             <p:cNvPr id="49" name="Freeform 50">
               <a:extLst>
                 <a:ext uri="{FF2B5EF4-FFF2-40B4-BE49-F238E27FC236}">
-                  <a16:creationId xmlns:a16="http://schemas.microsoft.com/office/drawing/2014/main" xmlns="" id="{7549C16C-08D5-44C6-800A-2F9F5F300CF0}"/>
+                  <a16:creationId xmlns="" xmlns:a16="http://schemas.microsoft.com/office/drawing/2014/main" id="{7549C16C-08D5-44C6-800A-2F9F5F300CF0}"/>
                 </a:ext>
               </a:extLst>
             </p:cNvPr>
@@ -25659,7 +25661,7 @@
             </a:ln>
             <a:extLst>
               <a:ext uri="{91240B29-F687-4F45-9708-019B960494DF}">
-                <a14:hiddenLine xmlns:a14="http://schemas.microsoft.com/office/drawing/2010/main" xmlns="" w="9525">
+                <a14:hiddenLine xmlns="" xmlns:a14="http://schemas.microsoft.com/office/drawing/2010/main" w="9525">
                   <a:solidFill>
                     <a:srgbClr val="000000"/>
                   </a:solidFill>
@@ -25691,7 +25693,7 @@
             <p:cNvPr id="50" name="Freeform 51">
               <a:extLst>
                 <a:ext uri="{FF2B5EF4-FFF2-40B4-BE49-F238E27FC236}">
-                  <a16:creationId xmlns:a16="http://schemas.microsoft.com/office/drawing/2014/main" xmlns="" id="{3202612E-33EC-4375-A7B6-C58E0AE5F373}"/>
+                  <a16:creationId xmlns="" xmlns:a16="http://schemas.microsoft.com/office/drawing/2014/main" id="{3202612E-33EC-4375-A7B6-C58E0AE5F373}"/>
                 </a:ext>
               </a:extLst>
             </p:cNvPr>
@@ -25829,7 +25831,7 @@
             </a:ln>
             <a:extLst>
               <a:ext uri="{91240B29-F687-4F45-9708-019B960494DF}">
-                <a14:hiddenLine xmlns:a14="http://schemas.microsoft.com/office/drawing/2010/main" xmlns="" w="9525">
+                <a14:hiddenLine xmlns="" xmlns:a14="http://schemas.microsoft.com/office/drawing/2010/main" w="9525">
                   <a:solidFill>
                     <a:srgbClr val="000000"/>
                   </a:solidFill>
@@ -25861,7 +25863,7 @@
             <p:cNvPr id="51" name="Freeform 52">
               <a:extLst>
                 <a:ext uri="{FF2B5EF4-FFF2-40B4-BE49-F238E27FC236}">
-                  <a16:creationId xmlns:a16="http://schemas.microsoft.com/office/drawing/2014/main" xmlns="" id="{4723D24C-E2A7-4EFA-9369-6EDAAB422CCD}"/>
+                  <a16:creationId xmlns="" xmlns:a16="http://schemas.microsoft.com/office/drawing/2014/main" id="{4723D24C-E2A7-4EFA-9369-6EDAAB422CCD}"/>
                 </a:ext>
               </a:extLst>
             </p:cNvPr>
@@ -25998,7 +26000,7 @@
             </a:ln>
             <a:extLst>
               <a:ext uri="{91240B29-F687-4F45-9708-019B960494DF}">
-                <a14:hiddenLine xmlns:a14="http://schemas.microsoft.com/office/drawing/2010/main" xmlns="" w="9525">
+                <a14:hiddenLine xmlns="" xmlns:a14="http://schemas.microsoft.com/office/drawing/2010/main" w="9525">
                   <a:solidFill>
                     <a:srgbClr val="000000"/>
                   </a:solidFill>
@@ -26030,7 +26032,7 @@
             <p:cNvPr id="52" name="Freeform 53">
               <a:extLst>
                 <a:ext uri="{FF2B5EF4-FFF2-40B4-BE49-F238E27FC236}">
-                  <a16:creationId xmlns:a16="http://schemas.microsoft.com/office/drawing/2014/main" xmlns="" id="{280CA15D-3C04-46C2-A2A0-CF8AAC2513A5}"/>
+                  <a16:creationId xmlns="" xmlns:a16="http://schemas.microsoft.com/office/drawing/2014/main" id="{280CA15D-3C04-46C2-A2A0-CF8AAC2513A5}"/>
                 </a:ext>
               </a:extLst>
             </p:cNvPr>
@@ -26120,7 +26122,7 @@
             </a:ln>
             <a:extLst>
               <a:ext uri="{91240B29-F687-4F45-9708-019B960494DF}">
-                <a14:hiddenLine xmlns:a14="http://schemas.microsoft.com/office/drawing/2010/main" xmlns="" w="9525">
+                <a14:hiddenLine xmlns="" xmlns:a14="http://schemas.microsoft.com/office/drawing/2010/main" w="9525">
                   <a:solidFill>
                     <a:srgbClr val="000000"/>
                   </a:solidFill>
@@ -26152,7 +26154,7 @@
             <p:cNvPr id="53" name="Freeform 54">
               <a:extLst>
                 <a:ext uri="{FF2B5EF4-FFF2-40B4-BE49-F238E27FC236}">
-                  <a16:creationId xmlns:a16="http://schemas.microsoft.com/office/drawing/2014/main" xmlns="" id="{EDBA826A-F54B-497B-AE18-D61BC9E969ED}"/>
+                  <a16:creationId xmlns="" xmlns:a16="http://schemas.microsoft.com/office/drawing/2014/main" id="{EDBA826A-F54B-497B-AE18-D61BC9E969ED}"/>
                 </a:ext>
               </a:extLst>
             </p:cNvPr>
@@ -26241,7 +26243,7 @@
             </a:ln>
             <a:extLst>
               <a:ext uri="{91240B29-F687-4F45-9708-019B960494DF}">
-                <a14:hiddenLine xmlns:a14="http://schemas.microsoft.com/office/drawing/2010/main" xmlns="" w="9525">
+                <a14:hiddenLine xmlns="" xmlns:a14="http://schemas.microsoft.com/office/drawing/2010/main" w="9525">
                   <a:solidFill>
                     <a:srgbClr val="000000"/>
                   </a:solidFill>
@@ -26273,7 +26275,7 @@
             <p:cNvPr id="54" name="Freeform 55">
               <a:extLst>
                 <a:ext uri="{FF2B5EF4-FFF2-40B4-BE49-F238E27FC236}">
-                  <a16:creationId xmlns:a16="http://schemas.microsoft.com/office/drawing/2014/main" xmlns="" id="{F1908B3D-6C0C-4EDA-85A1-CA0C5D90B29C}"/>
+                  <a16:creationId xmlns="" xmlns:a16="http://schemas.microsoft.com/office/drawing/2014/main" id="{F1908B3D-6C0C-4EDA-85A1-CA0C5D90B29C}"/>
                 </a:ext>
               </a:extLst>
             </p:cNvPr>
@@ -26419,7 +26421,7 @@
             </a:ln>
             <a:extLst>
               <a:ext uri="{91240B29-F687-4F45-9708-019B960494DF}">
-                <a14:hiddenLine xmlns:a14="http://schemas.microsoft.com/office/drawing/2010/main" xmlns="" w="9525">
+                <a14:hiddenLine xmlns="" xmlns:a14="http://schemas.microsoft.com/office/drawing/2010/main" w="9525">
                   <a:solidFill>
                     <a:srgbClr val="000000"/>
                   </a:solidFill>
@@ -26451,7 +26453,7 @@
             <p:cNvPr id="55" name="Freeform 56">
               <a:extLst>
                 <a:ext uri="{FF2B5EF4-FFF2-40B4-BE49-F238E27FC236}">
-                  <a16:creationId xmlns:a16="http://schemas.microsoft.com/office/drawing/2014/main" xmlns="" id="{4E042735-C2E8-48BD-A905-F0D116E3ADB3}"/>
+                  <a16:creationId xmlns="" xmlns:a16="http://schemas.microsoft.com/office/drawing/2014/main" id="{4E042735-C2E8-48BD-A905-F0D116E3ADB3}"/>
                 </a:ext>
               </a:extLst>
             </p:cNvPr>
@@ -26596,7 +26598,7 @@
             </a:ln>
             <a:extLst>
               <a:ext uri="{91240B29-F687-4F45-9708-019B960494DF}">
-                <a14:hiddenLine xmlns:a14="http://schemas.microsoft.com/office/drawing/2010/main" xmlns="" w="9525">
+                <a14:hiddenLine xmlns="" xmlns:a14="http://schemas.microsoft.com/office/drawing/2010/main" w="9525">
                   <a:solidFill>
                     <a:srgbClr val="000000"/>
                   </a:solidFill>
@@ -26628,7 +26630,7 @@
             <p:cNvPr id="56" name="Freeform 57">
               <a:extLst>
                 <a:ext uri="{FF2B5EF4-FFF2-40B4-BE49-F238E27FC236}">
-                  <a16:creationId xmlns:a16="http://schemas.microsoft.com/office/drawing/2014/main" xmlns="" id="{627419DF-AEDE-4975-B41E-02AD2739AA35}"/>
+                  <a16:creationId xmlns="" xmlns:a16="http://schemas.microsoft.com/office/drawing/2014/main" id="{627419DF-AEDE-4975-B41E-02AD2739AA35}"/>
                 </a:ext>
               </a:extLst>
             </p:cNvPr>
@@ -26799,7 +26801,7 @@
             </a:ln>
             <a:extLst>
               <a:ext uri="{91240B29-F687-4F45-9708-019B960494DF}">
-                <a14:hiddenLine xmlns:a14="http://schemas.microsoft.com/office/drawing/2010/main" xmlns="" w="9525">
+                <a14:hiddenLine xmlns="" xmlns:a14="http://schemas.microsoft.com/office/drawing/2010/main" w="9525">
                   <a:solidFill>
                     <a:srgbClr val="000000"/>
                   </a:solidFill>
@@ -26831,7 +26833,7 @@
             <p:cNvPr id="57" name="Freeform 58">
               <a:extLst>
                 <a:ext uri="{FF2B5EF4-FFF2-40B4-BE49-F238E27FC236}">
-                  <a16:creationId xmlns:a16="http://schemas.microsoft.com/office/drawing/2014/main" xmlns="" id="{19326F86-187A-4DFB-8921-038D5016696C}"/>
+                  <a16:creationId xmlns="" xmlns:a16="http://schemas.microsoft.com/office/drawing/2014/main" id="{19326F86-187A-4DFB-8921-038D5016696C}"/>
                 </a:ext>
               </a:extLst>
             </p:cNvPr>
@@ -27000,7 +27002,7 @@
             </a:ln>
             <a:extLst>
               <a:ext uri="{91240B29-F687-4F45-9708-019B960494DF}">
-                <a14:hiddenLine xmlns:a14="http://schemas.microsoft.com/office/drawing/2010/main" xmlns="" w="9525">
+                <a14:hiddenLine xmlns="" xmlns:a14="http://schemas.microsoft.com/office/drawing/2010/main" w="9525">
                   <a:solidFill>
                     <a:srgbClr val="000000"/>
                   </a:solidFill>
@@ -27032,7 +27034,7 @@
             <p:cNvPr id="58" name="Freeform 59">
               <a:extLst>
                 <a:ext uri="{FF2B5EF4-FFF2-40B4-BE49-F238E27FC236}">
-                  <a16:creationId xmlns:a16="http://schemas.microsoft.com/office/drawing/2014/main" xmlns="" id="{C6959FE0-D801-4731-A53A-88FFBDF08551}"/>
+                  <a16:creationId xmlns="" xmlns:a16="http://schemas.microsoft.com/office/drawing/2014/main" id="{C6959FE0-D801-4731-A53A-88FFBDF08551}"/>
                 </a:ext>
               </a:extLst>
             </p:cNvPr>
@@ -27218,7 +27220,7 @@
             </a:ln>
             <a:extLst>
               <a:ext uri="{91240B29-F687-4F45-9708-019B960494DF}">
-                <a14:hiddenLine xmlns:a14="http://schemas.microsoft.com/office/drawing/2010/main" xmlns="" w="9525">
+                <a14:hiddenLine xmlns="" xmlns:a14="http://schemas.microsoft.com/office/drawing/2010/main" w="9525">
                   <a:solidFill>
                     <a:srgbClr val="000000"/>
                   </a:solidFill>
@@ -27250,7 +27252,7 @@
             <p:cNvPr id="59" name="Freeform 60">
               <a:extLst>
                 <a:ext uri="{FF2B5EF4-FFF2-40B4-BE49-F238E27FC236}">
-                  <a16:creationId xmlns:a16="http://schemas.microsoft.com/office/drawing/2014/main" xmlns="" id="{B7540508-0D45-4C67-966A-438EF4B6939E}"/>
+                  <a16:creationId xmlns="" xmlns:a16="http://schemas.microsoft.com/office/drawing/2014/main" id="{B7540508-0D45-4C67-966A-438EF4B6939E}"/>
                 </a:ext>
               </a:extLst>
             </p:cNvPr>
@@ -27435,7 +27437,7 @@
             </a:ln>
             <a:extLst>
               <a:ext uri="{91240B29-F687-4F45-9708-019B960494DF}">
-                <a14:hiddenLine xmlns:a14="http://schemas.microsoft.com/office/drawing/2010/main" xmlns="" w="9525">
+                <a14:hiddenLine xmlns="" xmlns:a14="http://schemas.microsoft.com/office/drawing/2010/main" w="9525">
                   <a:solidFill>
                     <a:srgbClr val="000000"/>
                   </a:solidFill>
@@ -27467,7 +27469,7 @@
             <p:cNvPr id="60" name="Freeform 61">
               <a:extLst>
                 <a:ext uri="{FF2B5EF4-FFF2-40B4-BE49-F238E27FC236}">
-                  <a16:creationId xmlns:a16="http://schemas.microsoft.com/office/drawing/2014/main" xmlns="" id="{E3FC4B14-122E-4E00-820D-4DBC6D67BAED}"/>
+                  <a16:creationId xmlns="" xmlns:a16="http://schemas.microsoft.com/office/drawing/2014/main" id="{E3FC4B14-122E-4E00-820D-4DBC6D67BAED}"/>
                 </a:ext>
               </a:extLst>
             </p:cNvPr>
@@ -27573,7 +27575,7 @@
             </a:ln>
             <a:extLst>
               <a:ext uri="{91240B29-F687-4F45-9708-019B960494DF}">
-                <a14:hiddenLine xmlns:a14="http://schemas.microsoft.com/office/drawing/2010/main" xmlns="" w="9525">
+                <a14:hiddenLine xmlns="" xmlns:a14="http://schemas.microsoft.com/office/drawing/2010/main" w="9525">
                   <a:solidFill>
                     <a:srgbClr val="000000"/>
                   </a:solidFill>
@@ -27605,7 +27607,7 @@
             <p:cNvPr id="61" name="Freeform 62">
               <a:extLst>
                 <a:ext uri="{FF2B5EF4-FFF2-40B4-BE49-F238E27FC236}">
-                  <a16:creationId xmlns:a16="http://schemas.microsoft.com/office/drawing/2014/main" xmlns="" id="{05180D3E-3AAD-4C40-BF13-3D01226A8DF2}"/>
+                  <a16:creationId xmlns="" xmlns:a16="http://schemas.microsoft.com/office/drawing/2014/main" id="{05180D3E-3AAD-4C40-BF13-3D01226A8DF2}"/>
                 </a:ext>
               </a:extLst>
             </p:cNvPr>
@@ -27710,7 +27712,7 @@
             </a:ln>
             <a:extLst>
               <a:ext uri="{91240B29-F687-4F45-9708-019B960494DF}">
-                <a14:hiddenLine xmlns:a14="http://schemas.microsoft.com/office/drawing/2010/main" xmlns="" w="9525">
+                <a14:hiddenLine xmlns="" xmlns:a14="http://schemas.microsoft.com/office/drawing/2010/main" w="9525">
                   <a:solidFill>
                     <a:srgbClr val="000000"/>
                   </a:solidFill>
@@ -27742,7 +27744,7 @@
             <p:cNvPr id="62" name="Freeform 63">
               <a:extLst>
                 <a:ext uri="{FF2B5EF4-FFF2-40B4-BE49-F238E27FC236}">
-                  <a16:creationId xmlns:a16="http://schemas.microsoft.com/office/drawing/2014/main" xmlns="" id="{4C102723-08AC-4C64-B715-1651447605A2}"/>
+                  <a16:creationId xmlns="" xmlns:a16="http://schemas.microsoft.com/office/drawing/2014/main" id="{4C102723-08AC-4C64-B715-1651447605A2}"/>
                 </a:ext>
               </a:extLst>
             </p:cNvPr>
@@ -28016,7 +28018,7 @@
             </a:ln>
             <a:extLst>
               <a:ext uri="{91240B29-F687-4F45-9708-019B960494DF}">
-                <a14:hiddenLine xmlns:a14="http://schemas.microsoft.com/office/drawing/2010/main" xmlns="" w="9525">
+                <a14:hiddenLine xmlns="" xmlns:a14="http://schemas.microsoft.com/office/drawing/2010/main" w="9525">
                   <a:solidFill>
                     <a:srgbClr val="000000"/>
                   </a:solidFill>
@@ -28048,7 +28050,7 @@
             <p:cNvPr id="63" name="Freeform 64">
               <a:extLst>
                 <a:ext uri="{FF2B5EF4-FFF2-40B4-BE49-F238E27FC236}">
-                  <a16:creationId xmlns:a16="http://schemas.microsoft.com/office/drawing/2014/main" xmlns="" id="{DB7DA254-D0BC-4626-8D13-35A6C439FBDE}"/>
+                  <a16:creationId xmlns="" xmlns:a16="http://schemas.microsoft.com/office/drawing/2014/main" id="{DB7DA254-D0BC-4626-8D13-35A6C439FBDE}"/>
                 </a:ext>
               </a:extLst>
             </p:cNvPr>
@@ -28321,7 +28323,7 @@
             </a:ln>
             <a:extLst>
               <a:ext uri="{91240B29-F687-4F45-9708-019B960494DF}">
-                <a14:hiddenLine xmlns:a14="http://schemas.microsoft.com/office/drawing/2010/main" xmlns="" w="9525">
+                <a14:hiddenLine xmlns="" xmlns:a14="http://schemas.microsoft.com/office/drawing/2010/main" w="9525">
                   <a:solidFill>
                     <a:srgbClr val="000000"/>
                   </a:solidFill>
@@ -28353,7 +28355,7 @@
             <p:cNvPr id="64" name="Freeform 65">
               <a:extLst>
                 <a:ext uri="{FF2B5EF4-FFF2-40B4-BE49-F238E27FC236}">
-                  <a16:creationId xmlns:a16="http://schemas.microsoft.com/office/drawing/2014/main" xmlns="" id="{76253CE5-B902-4B0F-912D-7F0745A66C2F}"/>
+                  <a16:creationId xmlns="" xmlns:a16="http://schemas.microsoft.com/office/drawing/2014/main" id="{76253CE5-B902-4B0F-912D-7F0745A66C2F}"/>
                 </a:ext>
               </a:extLst>
             </p:cNvPr>
@@ -28492,7 +28494,7 @@
             </a:ln>
             <a:extLst>
               <a:ext uri="{91240B29-F687-4F45-9708-019B960494DF}">
-                <a14:hiddenLine xmlns:a14="http://schemas.microsoft.com/office/drawing/2010/main" xmlns="" w="9525">
+                <a14:hiddenLine xmlns="" xmlns:a14="http://schemas.microsoft.com/office/drawing/2010/main" w="9525">
                   <a:solidFill>
                     <a:srgbClr val="000000"/>
                   </a:solidFill>
@@ -28524,7 +28526,7 @@
             <p:cNvPr id="65" name="Freeform 66">
               <a:extLst>
                 <a:ext uri="{FF2B5EF4-FFF2-40B4-BE49-F238E27FC236}">
-                  <a16:creationId xmlns:a16="http://schemas.microsoft.com/office/drawing/2014/main" xmlns="" id="{4CA16E2F-0B7B-4E93-8099-7D2DFD899C8C}"/>
+                  <a16:creationId xmlns="" xmlns:a16="http://schemas.microsoft.com/office/drawing/2014/main" id="{4CA16E2F-0B7B-4E93-8099-7D2DFD899C8C}"/>
                 </a:ext>
               </a:extLst>
             </p:cNvPr>
@@ -28661,7 +28663,7 @@
             </a:ln>
             <a:extLst>
               <a:ext uri="{91240B29-F687-4F45-9708-019B960494DF}">
-                <a14:hiddenLine xmlns:a14="http://schemas.microsoft.com/office/drawing/2010/main" xmlns="" w="9525">
+                <a14:hiddenLine xmlns="" xmlns:a14="http://schemas.microsoft.com/office/drawing/2010/main" w="9525">
                   <a:solidFill>
                     <a:srgbClr val="000000"/>
                   </a:solidFill>
@@ -28693,7 +28695,7 @@
             <p:cNvPr id="66" name="Freeform 67">
               <a:extLst>
                 <a:ext uri="{FF2B5EF4-FFF2-40B4-BE49-F238E27FC236}">
-                  <a16:creationId xmlns:a16="http://schemas.microsoft.com/office/drawing/2014/main" xmlns="" id="{A4C24EE1-1CA1-4C34-A94A-D613C4C823C3}"/>
+                  <a16:creationId xmlns="" xmlns:a16="http://schemas.microsoft.com/office/drawing/2014/main" id="{A4C24EE1-1CA1-4C34-A94A-D613C4C823C3}"/>
                 </a:ext>
               </a:extLst>
             </p:cNvPr>
@@ -28799,7 +28801,7 @@
             </a:ln>
             <a:extLst>
               <a:ext uri="{91240B29-F687-4F45-9708-019B960494DF}">
-                <a14:hiddenLine xmlns:a14="http://schemas.microsoft.com/office/drawing/2010/main" xmlns="" w="9525">
+                <a14:hiddenLine xmlns="" xmlns:a14="http://schemas.microsoft.com/office/drawing/2010/main" w="9525">
                   <a:solidFill>
                     <a:srgbClr val="000000"/>
                   </a:solidFill>
@@ -28831,7 +28833,7 @@
             <p:cNvPr id="67" name="Freeform 68">
               <a:extLst>
                 <a:ext uri="{FF2B5EF4-FFF2-40B4-BE49-F238E27FC236}">
-                  <a16:creationId xmlns:a16="http://schemas.microsoft.com/office/drawing/2014/main" xmlns="" id="{CC4291B8-5781-4E97-BE76-DEEAE97489EA}"/>
+                  <a16:creationId xmlns="" xmlns:a16="http://schemas.microsoft.com/office/drawing/2014/main" id="{CC4291B8-5781-4E97-BE76-DEEAE97489EA}"/>
                 </a:ext>
               </a:extLst>
             </p:cNvPr>
@@ -28936,7 +28938,7 @@
             </a:ln>
             <a:extLst>
               <a:ext uri="{91240B29-F687-4F45-9708-019B960494DF}">
-                <a14:hiddenLine xmlns:a14="http://schemas.microsoft.com/office/drawing/2010/main" xmlns="" w="9525">
+                <a14:hiddenLine xmlns="" xmlns:a14="http://schemas.microsoft.com/office/drawing/2010/main" w="9525">
                   <a:solidFill>
                     <a:srgbClr val="000000"/>
                   </a:solidFill>
@@ -28968,7 +28970,7 @@
             <p:cNvPr id="68" name="Freeform 69">
               <a:extLst>
                 <a:ext uri="{FF2B5EF4-FFF2-40B4-BE49-F238E27FC236}">
-                  <a16:creationId xmlns:a16="http://schemas.microsoft.com/office/drawing/2014/main" xmlns="" id="{C295194B-02C7-4780-B56A-0CBAB5A2E80B}"/>
+                  <a16:creationId xmlns="" xmlns:a16="http://schemas.microsoft.com/office/drawing/2014/main" id="{C295194B-02C7-4780-B56A-0CBAB5A2E80B}"/>
                 </a:ext>
               </a:extLst>
             </p:cNvPr>
@@ -29138,7 +29140,7 @@
             </a:ln>
             <a:extLst>
               <a:ext uri="{91240B29-F687-4F45-9708-019B960494DF}">
-                <a14:hiddenLine xmlns:a14="http://schemas.microsoft.com/office/drawing/2010/main" xmlns="" w="9525">
+                <a14:hiddenLine xmlns="" xmlns:a14="http://schemas.microsoft.com/office/drawing/2010/main" w="9525">
                   <a:solidFill>
                     <a:srgbClr val="000000"/>
                   </a:solidFill>
@@ -29170,7 +29172,7 @@
             <p:cNvPr id="69" name="Freeform 70">
               <a:extLst>
                 <a:ext uri="{FF2B5EF4-FFF2-40B4-BE49-F238E27FC236}">
-                  <a16:creationId xmlns:a16="http://schemas.microsoft.com/office/drawing/2014/main" xmlns="" id="{DEA224C3-824C-4ADD-AA73-20B7BFB2699C}"/>
+                  <a16:creationId xmlns="" xmlns:a16="http://schemas.microsoft.com/office/drawing/2014/main" id="{DEA224C3-824C-4ADD-AA73-20B7BFB2699C}"/>
                 </a:ext>
               </a:extLst>
             </p:cNvPr>
@@ -29339,7 +29341,7 @@
             </a:ln>
             <a:extLst>
               <a:ext uri="{91240B29-F687-4F45-9708-019B960494DF}">
-                <a14:hiddenLine xmlns:a14="http://schemas.microsoft.com/office/drawing/2010/main" xmlns="" w="9525">
+                <a14:hiddenLine xmlns="" xmlns:a14="http://schemas.microsoft.com/office/drawing/2010/main" w="9525">
                   <a:solidFill>
                     <a:srgbClr val="000000"/>
                   </a:solidFill>
@@ -29371,7 +29373,7 @@
             <p:cNvPr id="70" name="Freeform 71">
               <a:extLst>
                 <a:ext uri="{FF2B5EF4-FFF2-40B4-BE49-F238E27FC236}">
-                  <a16:creationId xmlns:a16="http://schemas.microsoft.com/office/drawing/2014/main" xmlns="" id="{DE618FDB-D198-486B-80EA-D953ACDED55A}"/>
+                  <a16:creationId xmlns="" xmlns:a16="http://schemas.microsoft.com/office/drawing/2014/main" id="{DE618FDB-D198-486B-80EA-D953ACDED55A}"/>
                 </a:ext>
               </a:extLst>
             </p:cNvPr>
@@ -29550,7 +29552,7 @@
             </a:ln>
             <a:extLst>
               <a:ext uri="{91240B29-F687-4F45-9708-019B960494DF}">
-                <a14:hiddenLine xmlns:a14="http://schemas.microsoft.com/office/drawing/2010/main" xmlns="" w="9525">
+                <a14:hiddenLine xmlns="" xmlns:a14="http://schemas.microsoft.com/office/drawing/2010/main" w="9525">
                   <a:solidFill>
                     <a:srgbClr val="000000"/>
                   </a:solidFill>
@@ -29582,7 +29584,7 @@
             <p:cNvPr id="71" name="Freeform 72">
               <a:extLst>
                 <a:ext uri="{FF2B5EF4-FFF2-40B4-BE49-F238E27FC236}">
-                  <a16:creationId xmlns:a16="http://schemas.microsoft.com/office/drawing/2014/main" xmlns="" id="{96619D89-DCBE-4010-9263-2C932CBC628E}"/>
+                  <a16:creationId xmlns="" xmlns:a16="http://schemas.microsoft.com/office/drawing/2014/main" id="{96619D89-DCBE-4010-9263-2C932CBC628E}"/>
                 </a:ext>
               </a:extLst>
             </p:cNvPr>
@@ -29759,7 +29761,7 @@
             </a:ln>
             <a:extLst>
               <a:ext uri="{91240B29-F687-4F45-9708-019B960494DF}">
-                <a14:hiddenLine xmlns:a14="http://schemas.microsoft.com/office/drawing/2010/main" xmlns="" w="9525">
+                <a14:hiddenLine xmlns="" xmlns:a14="http://schemas.microsoft.com/office/drawing/2010/main" w="9525">
                   <a:solidFill>
                     <a:srgbClr val="000000"/>
                   </a:solidFill>
@@ -29791,7 +29793,7 @@
             <p:cNvPr id="72" name="Freeform 73">
               <a:extLst>
                 <a:ext uri="{FF2B5EF4-FFF2-40B4-BE49-F238E27FC236}">
-                  <a16:creationId xmlns:a16="http://schemas.microsoft.com/office/drawing/2014/main" xmlns="" id="{2A05754B-DAD3-457E-B6F3-1CB594D01F0F}"/>
+                  <a16:creationId xmlns="" xmlns:a16="http://schemas.microsoft.com/office/drawing/2014/main" id="{2A05754B-DAD3-457E-B6F3-1CB594D01F0F}"/>
                 </a:ext>
               </a:extLst>
             </p:cNvPr>
@@ -29865,7 +29867,7 @@
             </a:ln>
             <a:extLst>
               <a:ext uri="{91240B29-F687-4F45-9708-019B960494DF}">
-                <a14:hiddenLine xmlns:a14="http://schemas.microsoft.com/office/drawing/2010/main" xmlns="" w="9525">
+                <a14:hiddenLine xmlns="" xmlns:a14="http://schemas.microsoft.com/office/drawing/2010/main" w="9525">
                   <a:solidFill>
                     <a:srgbClr val="000000"/>
                   </a:solidFill>
@@ -29897,7 +29899,7 @@
             <p:cNvPr id="73" name="Freeform 74">
               <a:extLst>
                 <a:ext uri="{FF2B5EF4-FFF2-40B4-BE49-F238E27FC236}">
-                  <a16:creationId xmlns:a16="http://schemas.microsoft.com/office/drawing/2014/main" xmlns="" id="{E81E2A36-A958-4F09-8005-923A96D07D2C}"/>
+                  <a16:creationId xmlns="" xmlns:a16="http://schemas.microsoft.com/office/drawing/2014/main" id="{E81E2A36-A958-4F09-8005-923A96D07D2C}"/>
                 </a:ext>
               </a:extLst>
             </p:cNvPr>
@@ -29970,7 +29972,7 @@
             </a:ln>
             <a:extLst>
               <a:ext uri="{91240B29-F687-4F45-9708-019B960494DF}">
-                <a14:hiddenLine xmlns:a14="http://schemas.microsoft.com/office/drawing/2010/main" xmlns="" w="9525">
+                <a14:hiddenLine xmlns="" xmlns:a14="http://schemas.microsoft.com/office/drawing/2010/main" w="9525">
                   <a:solidFill>
                     <a:srgbClr val="000000"/>
                   </a:solidFill>
@@ -30002,7 +30004,7 @@
             <p:cNvPr id="74" name="Freeform 75">
               <a:extLst>
                 <a:ext uri="{FF2B5EF4-FFF2-40B4-BE49-F238E27FC236}">
-                  <a16:creationId xmlns:a16="http://schemas.microsoft.com/office/drawing/2014/main" xmlns="" id="{59B5AEE0-42A4-4653-B72C-BA68A68D36D5}"/>
+                  <a16:creationId xmlns="" xmlns:a16="http://schemas.microsoft.com/office/drawing/2014/main" id="{59B5AEE0-42A4-4653-B72C-BA68A68D36D5}"/>
                 </a:ext>
               </a:extLst>
             </p:cNvPr>
@@ -30148,7 +30150,7 @@
             </a:ln>
             <a:extLst>
               <a:ext uri="{91240B29-F687-4F45-9708-019B960494DF}">
-                <a14:hiddenLine xmlns:a14="http://schemas.microsoft.com/office/drawing/2010/main" xmlns="" w="9525">
+                <a14:hiddenLine xmlns="" xmlns:a14="http://schemas.microsoft.com/office/drawing/2010/main" w="9525">
                   <a:solidFill>
                     <a:srgbClr val="000000"/>
                   </a:solidFill>
@@ -30180,7 +30182,7 @@
             <p:cNvPr id="75" name="Freeform 76">
               <a:extLst>
                 <a:ext uri="{FF2B5EF4-FFF2-40B4-BE49-F238E27FC236}">
-                  <a16:creationId xmlns:a16="http://schemas.microsoft.com/office/drawing/2014/main" xmlns="" id="{6E693F0A-1950-4933-BE81-38FCA5DF9DB3}"/>
+                  <a16:creationId xmlns="" xmlns:a16="http://schemas.microsoft.com/office/drawing/2014/main" id="{6E693F0A-1950-4933-BE81-38FCA5DF9DB3}"/>
                 </a:ext>
               </a:extLst>
             </p:cNvPr>
@@ -30325,7 +30327,7 @@
             </a:ln>
             <a:extLst>
               <a:ext uri="{91240B29-F687-4F45-9708-019B960494DF}">
-                <a14:hiddenLine xmlns:a14="http://schemas.microsoft.com/office/drawing/2010/main" xmlns="" w="9525">
+                <a14:hiddenLine xmlns="" xmlns:a14="http://schemas.microsoft.com/office/drawing/2010/main" w="9525">
                   <a:solidFill>
                     <a:srgbClr val="000000"/>
                   </a:solidFill>
@@ -30357,7 +30359,7 @@
             <p:cNvPr id="76" name="Freeform 77">
               <a:extLst>
                 <a:ext uri="{FF2B5EF4-FFF2-40B4-BE49-F238E27FC236}">
-                  <a16:creationId xmlns:a16="http://schemas.microsoft.com/office/drawing/2014/main" xmlns="" id="{8A485052-72E7-4283-9086-548E3EBD42EF}"/>
+                  <a16:creationId xmlns="" xmlns:a16="http://schemas.microsoft.com/office/drawing/2014/main" id="{8A485052-72E7-4283-9086-548E3EBD42EF}"/>
                 </a:ext>
               </a:extLst>
             </p:cNvPr>
@@ -30463,7 +30465,7 @@
             </a:ln>
             <a:extLst>
               <a:ext uri="{91240B29-F687-4F45-9708-019B960494DF}">
-                <a14:hiddenLine xmlns:a14="http://schemas.microsoft.com/office/drawing/2010/main" xmlns="" w="9525">
+                <a14:hiddenLine xmlns="" xmlns:a14="http://schemas.microsoft.com/office/drawing/2010/main" w="9525">
                   <a:solidFill>
                     <a:srgbClr val="000000"/>
                   </a:solidFill>
@@ -30495,7 +30497,7 @@
             <p:cNvPr id="77" name="Freeform 78">
               <a:extLst>
                 <a:ext uri="{FF2B5EF4-FFF2-40B4-BE49-F238E27FC236}">
-                  <a16:creationId xmlns:a16="http://schemas.microsoft.com/office/drawing/2014/main" xmlns="" id="{ED8354EB-72FD-4958-85B5-F4C470834EF6}"/>
+                  <a16:creationId xmlns="" xmlns:a16="http://schemas.microsoft.com/office/drawing/2014/main" id="{ED8354EB-72FD-4958-85B5-F4C470834EF6}"/>
                 </a:ext>
               </a:extLst>
             </p:cNvPr>
@@ -30600,7 +30602,7 @@
             </a:ln>
             <a:extLst>
               <a:ext uri="{91240B29-F687-4F45-9708-019B960494DF}">
-                <a14:hiddenLine xmlns:a14="http://schemas.microsoft.com/office/drawing/2010/main" xmlns="" w="9525">
+                <a14:hiddenLine xmlns="" xmlns:a14="http://schemas.microsoft.com/office/drawing/2010/main" w="9525">
                   <a:solidFill>
                     <a:srgbClr val="000000"/>
                   </a:solidFill>
@@ -30632,7 +30634,7 @@
             <p:cNvPr id="78" name="Freeform 79">
               <a:extLst>
                 <a:ext uri="{FF2B5EF4-FFF2-40B4-BE49-F238E27FC236}">
-                  <a16:creationId xmlns:a16="http://schemas.microsoft.com/office/drawing/2014/main" xmlns="" id="{B3FF19FC-9674-4A47-ABF1-BF523E6A55E0}"/>
+                  <a16:creationId xmlns="" xmlns:a16="http://schemas.microsoft.com/office/drawing/2014/main" id="{B3FF19FC-9674-4A47-ABF1-BF523E6A55E0}"/>
                 </a:ext>
               </a:extLst>
             </p:cNvPr>
@@ -30738,7 +30740,7 @@
             </a:ln>
             <a:extLst>
               <a:ext uri="{91240B29-F687-4F45-9708-019B960494DF}">
-                <a14:hiddenLine xmlns:a14="http://schemas.microsoft.com/office/drawing/2010/main" xmlns="" w="9525">
+                <a14:hiddenLine xmlns="" xmlns:a14="http://schemas.microsoft.com/office/drawing/2010/main" w="9525">
                   <a:solidFill>
                     <a:srgbClr val="000000"/>
                   </a:solidFill>
@@ -30770,7 +30772,7 @@
             <p:cNvPr id="79" name="Freeform 80">
               <a:extLst>
                 <a:ext uri="{FF2B5EF4-FFF2-40B4-BE49-F238E27FC236}">
-                  <a16:creationId xmlns:a16="http://schemas.microsoft.com/office/drawing/2014/main" xmlns="" id="{6B596868-D3DC-4440-937A-57AFEFD1949F}"/>
+                  <a16:creationId xmlns="" xmlns:a16="http://schemas.microsoft.com/office/drawing/2014/main" id="{6B596868-D3DC-4440-937A-57AFEFD1949F}"/>
                 </a:ext>
               </a:extLst>
             </p:cNvPr>
@@ -30875,7 +30877,7 @@
             </a:ln>
             <a:extLst>
               <a:ext uri="{91240B29-F687-4F45-9708-019B960494DF}">
-                <a14:hiddenLine xmlns:a14="http://schemas.microsoft.com/office/drawing/2010/main" xmlns="" w="9525">
+                <a14:hiddenLine xmlns="" xmlns:a14="http://schemas.microsoft.com/office/drawing/2010/main" w="9525">
                   <a:solidFill>
                     <a:srgbClr val="000000"/>
                   </a:solidFill>
@@ -30907,7 +30909,7 @@
             <p:cNvPr id="80" name="Freeform 81">
               <a:extLst>
                 <a:ext uri="{FF2B5EF4-FFF2-40B4-BE49-F238E27FC236}">
-                  <a16:creationId xmlns:a16="http://schemas.microsoft.com/office/drawing/2014/main" xmlns="" id="{DEA93609-F7DE-4378-A90F-36264B1514AA}"/>
+                  <a16:creationId xmlns="" xmlns:a16="http://schemas.microsoft.com/office/drawing/2014/main" id="{DEA93609-F7DE-4378-A90F-36264B1514AA}"/>
                 </a:ext>
               </a:extLst>
             </p:cNvPr>
@@ -31029,7 +31031,7 @@
             </a:ln>
             <a:extLst>
               <a:ext uri="{91240B29-F687-4F45-9708-019B960494DF}">
-                <a14:hiddenLine xmlns:a14="http://schemas.microsoft.com/office/drawing/2010/main" xmlns="" w="9525">
+                <a14:hiddenLine xmlns="" xmlns:a14="http://schemas.microsoft.com/office/drawing/2010/main" w="9525">
                   <a:solidFill>
                     <a:srgbClr val="000000"/>
                   </a:solidFill>
@@ -31061,7 +31063,7 @@
             <p:cNvPr id="81" name="Freeform 82">
               <a:extLst>
                 <a:ext uri="{FF2B5EF4-FFF2-40B4-BE49-F238E27FC236}">
-                  <a16:creationId xmlns:a16="http://schemas.microsoft.com/office/drawing/2014/main" xmlns="" id="{7C65E01A-6ED0-4814-9CA1-868FADE1BCD2}"/>
+                  <a16:creationId xmlns="" xmlns:a16="http://schemas.microsoft.com/office/drawing/2014/main" id="{7C65E01A-6ED0-4814-9CA1-868FADE1BCD2}"/>
                 </a:ext>
               </a:extLst>
             </p:cNvPr>
@@ -31182,7 +31184,7 @@
             </a:ln>
             <a:extLst>
               <a:ext uri="{91240B29-F687-4F45-9708-019B960494DF}">
-                <a14:hiddenLine xmlns:a14="http://schemas.microsoft.com/office/drawing/2010/main" xmlns="" w="9525">
+                <a14:hiddenLine xmlns="" xmlns:a14="http://schemas.microsoft.com/office/drawing/2010/main" w="9525">
                   <a:solidFill>
                     <a:srgbClr val="000000"/>
                   </a:solidFill>
@@ -31214,7 +31216,7 @@
             <p:cNvPr id="82" name="Freeform 83">
               <a:extLst>
                 <a:ext uri="{FF2B5EF4-FFF2-40B4-BE49-F238E27FC236}">
-                  <a16:creationId xmlns:a16="http://schemas.microsoft.com/office/drawing/2014/main" xmlns="" id="{0D86D44C-DDB0-4B3C-B126-F4458194ABA3}"/>
+                  <a16:creationId xmlns="" xmlns:a16="http://schemas.microsoft.com/office/drawing/2014/main" id="{0D86D44C-DDB0-4B3C-B126-F4458194ABA3}"/>
                 </a:ext>
               </a:extLst>
             </p:cNvPr>
@@ -31320,7 +31322,7 @@
             </a:ln>
             <a:extLst>
               <a:ext uri="{91240B29-F687-4F45-9708-019B960494DF}">
-                <a14:hiddenLine xmlns:a14="http://schemas.microsoft.com/office/drawing/2010/main" xmlns="" w="9525">
+                <a14:hiddenLine xmlns="" xmlns:a14="http://schemas.microsoft.com/office/drawing/2010/main" w="9525">
                   <a:solidFill>
                     <a:srgbClr val="000000"/>
                   </a:solidFill>
@@ -31352,7 +31354,7 @@
             <p:cNvPr id="83" name="Freeform 84">
               <a:extLst>
                 <a:ext uri="{FF2B5EF4-FFF2-40B4-BE49-F238E27FC236}">
-                  <a16:creationId xmlns:a16="http://schemas.microsoft.com/office/drawing/2014/main" xmlns="" id="{75BE403B-5E9B-4F51-BC49-B6FD91B425A8}"/>
+                  <a16:creationId xmlns="" xmlns:a16="http://schemas.microsoft.com/office/drawing/2014/main" id="{75BE403B-5E9B-4F51-BC49-B6FD91B425A8}"/>
                 </a:ext>
               </a:extLst>
             </p:cNvPr>
@@ -31457,7 +31459,7 @@
             </a:ln>
             <a:extLst>
               <a:ext uri="{91240B29-F687-4F45-9708-019B960494DF}">
-                <a14:hiddenLine xmlns:a14="http://schemas.microsoft.com/office/drawing/2010/main" xmlns="" w="9525">
+                <a14:hiddenLine xmlns="" xmlns:a14="http://schemas.microsoft.com/office/drawing/2010/main" w="9525">
                   <a:solidFill>
                     <a:srgbClr val="000000"/>
                   </a:solidFill>
@@ -31489,7 +31491,7 @@
             <p:cNvPr id="84" name="Freeform 85">
               <a:extLst>
                 <a:ext uri="{FF2B5EF4-FFF2-40B4-BE49-F238E27FC236}">
-                  <a16:creationId xmlns:a16="http://schemas.microsoft.com/office/drawing/2014/main" xmlns="" id="{F8684EEA-2E89-4FCA-9ADA-2B69FB3FD743}"/>
+                  <a16:creationId xmlns="" xmlns:a16="http://schemas.microsoft.com/office/drawing/2014/main" id="{F8684EEA-2E89-4FCA-9ADA-2B69FB3FD743}"/>
                 </a:ext>
               </a:extLst>
             </p:cNvPr>
@@ -31627,7 +31629,7 @@
             </a:ln>
             <a:extLst>
               <a:ext uri="{91240B29-F687-4F45-9708-019B960494DF}">
-                <a14:hiddenLine xmlns:a14="http://schemas.microsoft.com/office/drawing/2010/main" xmlns="" w="9525">
+                <a14:hiddenLine xmlns="" xmlns:a14="http://schemas.microsoft.com/office/drawing/2010/main" w="9525">
                   <a:solidFill>
                     <a:srgbClr val="000000"/>
                   </a:solidFill>
@@ -31659,7 +31661,7 @@
             <p:cNvPr id="85" name="Freeform 86">
               <a:extLst>
                 <a:ext uri="{FF2B5EF4-FFF2-40B4-BE49-F238E27FC236}">
-                  <a16:creationId xmlns:a16="http://schemas.microsoft.com/office/drawing/2014/main" xmlns="" id="{3A9B96F6-190E-4317-96A3-5D97D473E234}"/>
+                  <a16:creationId xmlns="" xmlns:a16="http://schemas.microsoft.com/office/drawing/2014/main" id="{3A9B96F6-190E-4317-96A3-5D97D473E234}"/>
                 </a:ext>
               </a:extLst>
             </p:cNvPr>
@@ -31796,7 +31798,7 @@
             </a:ln>
             <a:extLst>
               <a:ext uri="{91240B29-F687-4F45-9708-019B960494DF}">
-                <a14:hiddenLine xmlns:a14="http://schemas.microsoft.com/office/drawing/2010/main" xmlns="" w="9525">
+                <a14:hiddenLine xmlns="" xmlns:a14="http://schemas.microsoft.com/office/drawing/2010/main" w="9525">
                   <a:solidFill>
                     <a:srgbClr val="000000"/>
                   </a:solidFill>
@@ -31828,7 +31830,7 @@
             <p:cNvPr id="86" name="Freeform 87">
               <a:extLst>
                 <a:ext uri="{FF2B5EF4-FFF2-40B4-BE49-F238E27FC236}">
-                  <a16:creationId xmlns:a16="http://schemas.microsoft.com/office/drawing/2014/main" xmlns="" id="{D0A71ACE-3EBE-42A0-A08B-441B8480E6DB}"/>
+                  <a16:creationId xmlns="" xmlns:a16="http://schemas.microsoft.com/office/drawing/2014/main" id="{D0A71ACE-3EBE-42A0-A08B-441B8480E6DB}"/>
                 </a:ext>
               </a:extLst>
             </p:cNvPr>
@@ -31934,7 +31936,7 @@
             </a:ln>
             <a:extLst>
               <a:ext uri="{91240B29-F687-4F45-9708-019B960494DF}">
-                <a14:hiddenLine xmlns:a14="http://schemas.microsoft.com/office/drawing/2010/main" xmlns="" w="9525">
+                <a14:hiddenLine xmlns="" xmlns:a14="http://schemas.microsoft.com/office/drawing/2010/main" w="9525">
                   <a:solidFill>
                     <a:srgbClr val="000000"/>
                   </a:solidFill>
@@ -31966,7 +31968,7 @@
             <p:cNvPr id="87" name="Freeform 88">
               <a:extLst>
                 <a:ext uri="{FF2B5EF4-FFF2-40B4-BE49-F238E27FC236}">
-                  <a16:creationId xmlns:a16="http://schemas.microsoft.com/office/drawing/2014/main" xmlns="" id="{3210EF04-97AC-410F-A682-EF447B605C65}"/>
+                  <a16:creationId xmlns="" xmlns:a16="http://schemas.microsoft.com/office/drawing/2014/main" id="{3210EF04-97AC-410F-A682-EF447B605C65}"/>
                 </a:ext>
               </a:extLst>
             </p:cNvPr>
@@ -32071,7 +32073,7 @@
             </a:ln>
             <a:extLst>
               <a:ext uri="{91240B29-F687-4F45-9708-019B960494DF}">
-                <a14:hiddenLine xmlns:a14="http://schemas.microsoft.com/office/drawing/2010/main" xmlns="" w="9525">
+                <a14:hiddenLine xmlns="" xmlns:a14="http://schemas.microsoft.com/office/drawing/2010/main" w="9525">
                   <a:solidFill>
                     <a:srgbClr val="000000"/>
                   </a:solidFill>
@@ -32103,7 +32105,7 @@
             <p:cNvPr id="88" name="Freeform 89">
               <a:extLst>
                 <a:ext uri="{FF2B5EF4-FFF2-40B4-BE49-F238E27FC236}">
-                  <a16:creationId xmlns:a16="http://schemas.microsoft.com/office/drawing/2014/main" xmlns="" id="{A2D529AC-C776-49C0-977E-7D82E467B75D}"/>
+                  <a16:creationId xmlns="" xmlns:a16="http://schemas.microsoft.com/office/drawing/2014/main" id="{A2D529AC-C776-49C0-977E-7D82E467B75D}"/>
                 </a:ext>
               </a:extLst>
             </p:cNvPr>
@@ -32177,7 +32179,7 @@
             </a:ln>
             <a:extLst>
               <a:ext uri="{91240B29-F687-4F45-9708-019B960494DF}">
-                <a14:hiddenLine xmlns:a14="http://schemas.microsoft.com/office/drawing/2010/main" xmlns="" w="9525">
+                <a14:hiddenLine xmlns="" xmlns:a14="http://schemas.microsoft.com/office/drawing/2010/main" w="9525">
                   <a:solidFill>
                     <a:srgbClr val="000000"/>
                   </a:solidFill>
@@ -32209,7 +32211,7 @@
             <p:cNvPr id="89" name="Freeform 90">
               <a:extLst>
                 <a:ext uri="{FF2B5EF4-FFF2-40B4-BE49-F238E27FC236}">
-                  <a16:creationId xmlns:a16="http://schemas.microsoft.com/office/drawing/2014/main" xmlns="" id="{C3251D33-9028-4819-B610-D62B5617761C}"/>
+                  <a16:creationId xmlns="" xmlns:a16="http://schemas.microsoft.com/office/drawing/2014/main" id="{C3251D33-9028-4819-B610-D62B5617761C}"/>
                 </a:ext>
               </a:extLst>
             </p:cNvPr>
@@ -32282,7 +32284,7 @@
             </a:ln>
             <a:extLst>
               <a:ext uri="{91240B29-F687-4F45-9708-019B960494DF}">
-                <a14:hiddenLine xmlns:a14="http://schemas.microsoft.com/office/drawing/2010/main" xmlns="" w="9525">
+                <a14:hiddenLine xmlns="" xmlns:a14="http://schemas.microsoft.com/office/drawing/2010/main" w="9525">
                   <a:solidFill>
                     <a:srgbClr val="000000"/>
                   </a:solidFill>
@@ -32314,7 +32316,7 @@
             <p:cNvPr id="90" name="Freeform 91">
               <a:extLst>
                 <a:ext uri="{FF2B5EF4-FFF2-40B4-BE49-F238E27FC236}">
-                  <a16:creationId xmlns:a16="http://schemas.microsoft.com/office/drawing/2014/main" xmlns="" id="{31F3BA53-E044-4239-8A48-7B968B2FB190}"/>
+                  <a16:creationId xmlns="" xmlns:a16="http://schemas.microsoft.com/office/drawing/2014/main" id="{31F3BA53-E044-4239-8A48-7B968B2FB190}"/>
                 </a:ext>
               </a:extLst>
             </p:cNvPr>
@@ -32404,7 +32406,7 @@
             </a:ln>
             <a:extLst>
               <a:ext uri="{91240B29-F687-4F45-9708-019B960494DF}">
-                <a14:hiddenLine xmlns:a14="http://schemas.microsoft.com/office/drawing/2010/main" xmlns="" w="9525">
+                <a14:hiddenLine xmlns="" xmlns:a14="http://schemas.microsoft.com/office/drawing/2010/main" w="9525">
                   <a:solidFill>
                     <a:srgbClr val="000000"/>
                   </a:solidFill>
@@ -32436,7 +32438,7 @@
             <p:cNvPr id="91" name="Freeform 92">
               <a:extLst>
                 <a:ext uri="{FF2B5EF4-FFF2-40B4-BE49-F238E27FC236}">
-                  <a16:creationId xmlns:a16="http://schemas.microsoft.com/office/drawing/2014/main" xmlns="" id="{0D241336-E462-48A6-A873-54E19207B28C}"/>
+                  <a16:creationId xmlns="" xmlns:a16="http://schemas.microsoft.com/office/drawing/2014/main" id="{0D241336-E462-48A6-A873-54E19207B28C}"/>
                 </a:ext>
               </a:extLst>
             </p:cNvPr>
@@ -32525,7 +32527,7 @@
             </a:ln>
             <a:extLst>
               <a:ext uri="{91240B29-F687-4F45-9708-019B960494DF}">
-                <a14:hiddenLine xmlns:a14="http://schemas.microsoft.com/office/drawing/2010/main" xmlns="" w="9525">
+                <a14:hiddenLine xmlns="" xmlns:a14="http://schemas.microsoft.com/office/drawing/2010/main" w="9525">
                   <a:solidFill>
                     <a:srgbClr val="000000"/>
                   </a:solidFill>
@@ -32609,7 +32611,7 @@
           <a:blip r:embed="rId15" cstate="email">
             <a:extLst>
               <a:ext uri="{28A0092B-C50C-407E-A947-70E740481C1C}">
-                <a14:useLocalDpi xmlns:a14="http://schemas.microsoft.com/office/drawing/2010/main" xmlns=""/>
+                <a14:useLocalDpi xmlns="" xmlns:a14="http://schemas.microsoft.com/office/drawing/2010/main"/>
               </a:ext>
             </a:extLst>
           </a:blip>
@@ -32629,7 +32631,7 @@
           <a:noFill/>
           <a:extLst>
             <a:ext uri="{909E8E84-426E-40DD-AFC4-6F175D3DCCD1}">
-              <a14:hiddenFill xmlns:a14="http://schemas.microsoft.com/office/drawing/2010/main" xmlns="">
+              <a14:hiddenFill xmlns="" xmlns:a14="http://schemas.microsoft.com/office/drawing/2010/main">
                 <a:solidFill>
                   <a:srgbClr val="FFFFFF"/>
                 </a:solidFill>
@@ -32643,7 +32645,7 @@
           <p:cNvPr id="94" name="Group 93">
             <a:extLst>
               <a:ext uri="{FF2B5EF4-FFF2-40B4-BE49-F238E27FC236}">
-                <a16:creationId xmlns:a16="http://schemas.microsoft.com/office/drawing/2014/main" xmlns="" id="{DE981F83-3A5B-4AEE-9903-3D63CEF5F1E0}"/>
+                <a16:creationId xmlns="" xmlns:a16="http://schemas.microsoft.com/office/drawing/2014/main" id="{DE981F83-3A5B-4AEE-9903-3D63CEF5F1E0}"/>
               </a:ext>
             </a:extLst>
           </p:cNvPr>
@@ -32663,7 +32665,7 @@
             <p:cNvPr id="95" name="Rectangle 94">
               <a:extLst>
                 <a:ext uri="{FF2B5EF4-FFF2-40B4-BE49-F238E27FC236}">
-                  <a16:creationId xmlns:a16="http://schemas.microsoft.com/office/drawing/2014/main" xmlns="" id="{1D9E15F2-5FDF-4700-8F0B-60913CCFD2DC}"/>
+                  <a16:creationId xmlns="" xmlns:a16="http://schemas.microsoft.com/office/drawing/2014/main" id="{1D9E15F2-5FDF-4700-8F0B-60913CCFD2DC}"/>
                 </a:ext>
               </a:extLst>
             </p:cNvPr>
@@ -32719,7 +32721,7 @@
             <p:cNvPr id="96" name="Picture 95">
               <a:extLst>
                 <a:ext uri="{FF2B5EF4-FFF2-40B4-BE49-F238E27FC236}">
-                  <a16:creationId xmlns:a16="http://schemas.microsoft.com/office/drawing/2014/main" xmlns="" id="{E34BE43C-F59A-4AED-BDAA-FC4C690704EC}"/>
+                  <a16:creationId xmlns="" xmlns:a16="http://schemas.microsoft.com/office/drawing/2014/main" id="{E34BE43C-F59A-4AED-BDAA-FC4C690704EC}"/>
                 </a:ext>
               </a:extLst>
             </p:cNvPr>
@@ -32732,7 +32734,7 @@
             <a:blip r:embed="rId16" cstate="print">
               <a:extLst>
                 <a:ext uri="{28A0092B-C50C-407E-A947-70E740481C1C}">
-                  <a14:useLocalDpi xmlns:a14="http://schemas.microsoft.com/office/drawing/2010/main" xmlns="" val="0"/>
+                  <a14:useLocalDpi xmlns="" xmlns:a14="http://schemas.microsoft.com/office/drawing/2010/main" val="0"/>
                 </a:ext>
               </a:extLst>
             </a:blip>
@@ -32755,7 +32757,7 @@
           <p:cNvPr id="97" name="Picture 96">
             <a:extLst>
               <a:ext uri="{FF2B5EF4-FFF2-40B4-BE49-F238E27FC236}">
-                <a16:creationId xmlns:a16="http://schemas.microsoft.com/office/drawing/2014/main" xmlns="" id="{DC0C0F92-B774-4741-B9EE-133D9AF8A454}"/>
+                <a16:creationId xmlns="" xmlns:a16="http://schemas.microsoft.com/office/drawing/2014/main" id="{DC0C0F92-B774-4741-B9EE-133D9AF8A454}"/>
               </a:ext>
             </a:extLst>
           </p:cNvPr>
@@ -32768,7 +32770,7 @@
           <a:blip r:embed="rId17" cstate="print">
             <a:extLst>
               <a:ext uri="{28A0092B-C50C-407E-A947-70E740481C1C}">
-                <a14:useLocalDpi xmlns:a14="http://schemas.microsoft.com/office/drawing/2010/main" xmlns="" val="0"/>
+                <a14:useLocalDpi xmlns="" xmlns:a14="http://schemas.microsoft.com/office/drawing/2010/main" val="0"/>
               </a:ext>
             </a:extLst>
           </a:blip>
@@ -32850,7 +32852,7 @@
     </p:spTree>
     <p:extLst>
       <p:ext uri="{BB962C8B-B14F-4D97-AF65-F5344CB8AC3E}">
-        <p14:creationId xmlns:p14="http://schemas.microsoft.com/office/powerpoint/2010/main" xmlns="" val="2104935831"/>
+        <p14:creationId xmlns="" xmlns:p14="http://schemas.microsoft.com/office/powerpoint/2010/main" val="2104935831"/>
       </p:ext>
     </p:extLst>
   </p:cSld>
@@ -33176,7 +33178,7 @@
           <p:cNvPr id="10" name="Picture 9" descr="A picture containing circuit&#10;&#10;Description automatically generated">
             <a:extLst>
               <a:ext uri="{FF2B5EF4-FFF2-40B4-BE49-F238E27FC236}">
-                <a16:creationId xmlns:a16="http://schemas.microsoft.com/office/drawing/2014/main" xmlns="" id="{C902654B-7208-4B2B-A298-1A28055DC3B3}"/>
+                <a16:creationId xmlns="" xmlns:a16="http://schemas.microsoft.com/office/drawing/2014/main" id="{C902654B-7208-4B2B-A298-1A28055DC3B3}"/>
               </a:ext>
             </a:extLst>
           </p:cNvPr>
@@ -33189,7 +33191,7 @@
           <a:blip r:embed="rId2">
             <a:extLst>
               <a:ext uri="{28A0092B-C50C-407E-A947-70E740481C1C}">
-                <a14:useLocalDpi xmlns:a14="http://schemas.microsoft.com/office/drawing/2010/main" xmlns="" val="0"/>
+                <a14:useLocalDpi xmlns="" xmlns:a14="http://schemas.microsoft.com/office/drawing/2010/main" val="0"/>
               </a:ext>
             </a:extLst>
           </a:blip>
@@ -33330,7 +33332,7 @@
           <a:blip r:embed="rId4">
             <a:extLst>
               <a:ext uri="{28A0092B-C50C-407E-A947-70E740481C1C}">
-                <a14:useLocalDpi xmlns:a14="http://schemas.microsoft.com/office/drawing/2010/main" xmlns="" val="0"/>
+                <a14:useLocalDpi xmlns="" xmlns:a14="http://schemas.microsoft.com/office/drawing/2010/main" val="0"/>
               </a:ext>
             </a:extLst>
           </a:blip>
@@ -33375,7 +33377,7 @@
     </p:spTree>
     <p:extLst>
       <p:ext uri="{BB962C8B-B14F-4D97-AF65-F5344CB8AC3E}">
-        <p14:creationId xmlns:p14="http://schemas.microsoft.com/office/powerpoint/2010/main" xmlns="" val="2835272453"/>
+        <p14:creationId xmlns="" xmlns:p14="http://schemas.microsoft.com/office/powerpoint/2010/main" val="2835272453"/>
       </p:ext>
     </p:extLst>
   </p:cSld>
@@ -33383,7 +33385,7 @@
     <a:masterClrMapping/>
   </p:clrMapOvr>
   <mc:AlternateContent xmlns:mc="http://schemas.openxmlformats.org/markup-compatibility/2006">
-    <mc:Choice xmlns:p14="http://schemas.microsoft.com/office/powerpoint/2010/main" xmlns="" Requires="p14">
+    <mc:Choice xmlns="" xmlns:p14="http://schemas.microsoft.com/office/powerpoint/2010/main" Requires="p14">
       <p:transition spd="med" p14:dur="700">
         <p:fade/>
       </p:transition>
@@ -33394,6 +33396,43 @@
       </p:transition>
     </mc:Fallback>
   </mc:AlternateContent>
+  <p:timing>
+    <p:tnLst>
+      <p:par>
+        <p:cTn id="1" dur="indefinite" restart="never" nodeType="tmRoot"/>
+      </p:par>
+    </p:tnLst>
+  </p:timing>
+</p:sld>
+</file>
+
+<file path=ppt/slides/slide10.xml><?xml version="1.0" encoding="utf-8"?>
+<p:sld xmlns:a="http://schemas.openxmlformats.org/drawingml/2006/main" xmlns:r="http://schemas.openxmlformats.org/officeDocument/2006/relationships" xmlns:p="http://schemas.openxmlformats.org/presentationml/2006/main">
+  <p:cSld>
+    <p:spTree>
+      <p:nvGrpSpPr>
+        <p:cNvPr id="1" name=""/>
+        <p:cNvGrpSpPr/>
+        <p:nvPr/>
+      </p:nvGrpSpPr>
+      <p:grpSpPr>
+        <a:xfrm>
+          <a:off x="0" y="0"/>
+          <a:ext cx="0" cy="0"/>
+          <a:chOff x="0" y="0"/>
+          <a:chExt cx="0" cy="0"/>
+        </a:xfrm>
+      </p:grpSpPr>
+    </p:spTree>
+    <p:extLst>
+      <p:ext uri="{BB962C8B-B14F-4D97-AF65-F5344CB8AC3E}">
+        <p14:creationId xmlns="" xmlns:p14="http://schemas.microsoft.com/office/powerpoint/2010/main" val="1331351567"/>
+      </p:ext>
+    </p:extLst>
+  </p:cSld>
+  <p:clrMapOvr>
+    <a:masterClrMapping/>
+  </p:clrMapOvr>
   <p:timing>
     <p:tnLst>
       <p:par>
@@ -33426,7 +33465,7 @@
           <p:cNvPr id="5" name="TextBox 4">
             <a:extLst>
               <a:ext uri="{FF2B5EF4-FFF2-40B4-BE49-F238E27FC236}">
-                <a16:creationId xmlns:a16="http://schemas.microsoft.com/office/drawing/2014/main" xmlns="" id="{83CC51E3-E419-4AB1-8316-5C2835430B1C}"/>
+                <a16:creationId xmlns="" xmlns:a16="http://schemas.microsoft.com/office/drawing/2014/main" id="{83CC51E3-E419-4AB1-8316-5C2835430B1C}"/>
               </a:ext>
             </a:extLst>
           </p:cNvPr>
@@ -33476,7 +33515,7 @@
           <p:cNvPr id="14" name="Rectangle 13">
             <a:extLst>
               <a:ext uri="{FF2B5EF4-FFF2-40B4-BE49-F238E27FC236}">
-                <a16:creationId xmlns:a16="http://schemas.microsoft.com/office/drawing/2014/main" xmlns="" id="{A33384C4-2658-4867-9748-8E3E227C174C}"/>
+                <a16:creationId xmlns="" xmlns:a16="http://schemas.microsoft.com/office/drawing/2014/main" id="{A33384C4-2658-4867-9748-8E3E227C174C}"/>
               </a:ext>
             </a:extLst>
           </p:cNvPr>
@@ -33563,7 +33602,7 @@
     </p:spTree>
     <p:extLst>
       <p:ext uri="{BB962C8B-B14F-4D97-AF65-F5344CB8AC3E}">
-        <p14:creationId xmlns:p14="http://schemas.microsoft.com/office/powerpoint/2010/main" xmlns="" val="2725289697"/>
+        <p14:creationId xmlns="" xmlns:p14="http://schemas.microsoft.com/office/powerpoint/2010/main" val="2725289697"/>
       </p:ext>
     </p:extLst>
   </p:cSld>
@@ -33607,7 +33646,7 @@
           <p:cNvPr id="5" name="TextBox 4">
             <a:extLst>
               <a:ext uri="{FF2B5EF4-FFF2-40B4-BE49-F238E27FC236}">
-                <a16:creationId xmlns:a16="http://schemas.microsoft.com/office/drawing/2014/main" xmlns="" id="{83CC51E3-E419-4AB1-8316-5C2835430B1C}"/>
+                <a16:creationId xmlns="" xmlns:a16="http://schemas.microsoft.com/office/drawing/2014/main" id="{83CC51E3-E419-4AB1-8316-5C2835430B1C}"/>
               </a:ext>
             </a:extLst>
           </p:cNvPr>
@@ -33660,7 +33699,7 @@
           <p:cNvPr id="9" name="Rectangle 8">
             <a:extLst>
               <a:ext uri="{FF2B5EF4-FFF2-40B4-BE49-F238E27FC236}">
-                <a16:creationId xmlns:a16="http://schemas.microsoft.com/office/drawing/2014/main" xmlns="" id="{CCB79F84-A71F-4C90-A599-76F7E8C3FDCA}"/>
+                <a16:creationId xmlns="" xmlns:a16="http://schemas.microsoft.com/office/drawing/2014/main" id="{CCB79F84-A71F-4C90-A599-76F7E8C3FDCA}"/>
               </a:ext>
             </a:extLst>
           </p:cNvPr>
@@ -33757,7 +33796,7 @@
           <p:cNvPr id="4" name="TextBox 3">
             <a:extLst>
               <a:ext uri="{FF2B5EF4-FFF2-40B4-BE49-F238E27FC236}">
-                <a16:creationId xmlns:a16="http://schemas.microsoft.com/office/drawing/2014/main" xmlns="" id="{83CC51E3-E419-4AB1-8316-5C2835430B1C}"/>
+                <a16:creationId xmlns="" xmlns:a16="http://schemas.microsoft.com/office/drawing/2014/main" id="{83CC51E3-E419-4AB1-8316-5C2835430B1C}"/>
               </a:ext>
             </a:extLst>
           </p:cNvPr>
@@ -33810,7 +33849,7 @@
           <p:cNvPr id="6" name="Rectangle 5">
             <a:extLst>
               <a:ext uri="{FF2B5EF4-FFF2-40B4-BE49-F238E27FC236}">
-                <a16:creationId xmlns:a16="http://schemas.microsoft.com/office/drawing/2014/main" xmlns="" id="{CCB79F84-A71F-4C90-A599-76F7E8C3FDCA}"/>
+                <a16:creationId xmlns="" xmlns:a16="http://schemas.microsoft.com/office/drawing/2014/main" id="{CCB79F84-A71F-4C90-A599-76F7E8C3FDCA}"/>
               </a:ext>
             </a:extLst>
           </p:cNvPr>
@@ -33875,7 +33914,7 @@
     </p:spTree>
     <p:extLst>
       <p:ext uri="{BB962C8B-B14F-4D97-AF65-F5344CB8AC3E}">
-        <p14:creationId xmlns:p14="http://schemas.microsoft.com/office/powerpoint/2010/main" xmlns="" val="2675218721"/>
+        <p14:creationId xmlns="" xmlns:p14="http://schemas.microsoft.com/office/powerpoint/2010/main" val="2675218721"/>
       </p:ext>
     </p:extLst>
   </p:cSld>
@@ -33919,7 +33958,303 @@
           <p:cNvPr id="4" name="TextBox 3">
             <a:extLst>
               <a:ext uri="{FF2B5EF4-FFF2-40B4-BE49-F238E27FC236}">
-                <a16:creationId xmlns:a16="http://schemas.microsoft.com/office/drawing/2014/main" xmlns="" id="{83CC51E3-E419-4AB1-8316-5C2835430B1C}"/>
+                <a16:creationId xmlns="" xmlns:a16="http://schemas.microsoft.com/office/drawing/2014/main" id="{83CC51E3-E419-4AB1-8316-5C2835430B1C}"/>
+              </a:ext>
+            </a:extLst>
+          </p:cNvPr>
+          <p:cNvSpPr txBox="1"/>
+          <p:nvPr/>
+        </p:nvSpPr>
+        <p:spPr>
+          <a:xfrm>
+            <a:off x="542925" y="140135"/>
+            <a:ext cx="8058148" cy="369332"/>
+          </a:xfrm>
+          <a:prstGeom prst="rect">
+            <a:avLst/>
+          </a:prstGeom>
+        </p:spPr>
+        <p:style>
+          <a:lnRef idx="0">
+            <a:schemeClr val="dk1"/>
+          </a:lnRef>
+          <a:fillRef idx="3">
+            <a:schemeClr val="dk1"/>
+          </a:fillRef>
+          <a:effectRef idx="3">
+            <a:schemeClr val="dk1"/>
+          </a:effectRef>
+          <a:fontRef idx="minor">
+            <a:schemeClr val="lt1"/>
+          </a:fontRef>
+        </p:style>
+        <p:txBody>
+          <a:bodyPr wrap="square" rtlCol="0" anchor="ctr">
+            <a:spAutoFit/>
+          </a:bodyPr>
+          <a:lstStyle/>
+          <a:p>
+            <a:r>
+              <a:rPr lang="en-US" sz="1800" dirty="0" smtClean="0">
+                <a:latin typeface="+mn-lt"/>
+              </a:rPr>
+              <a:t>Architecture</a:t>
+            </a:r>
+            <a:endParaRPr lang="en-US" sz="1800" dirty="0">
+              <a:latin typeface="+mn-lt"/>
+            </a:endParaRPr>
+          </a:p>
+        </p:txBody>
+      </p:sp>
+      <p:sp>
+        <p:nvSpPr>
+          <p:cNvPr id="6" name="Rectangle 5">
+            <a:extLst>
+              <a:ext uri="{FF2B5EF4-FFF2-40B4-BE49-F238E27FC236}">
+                <a16:creationId xmlns="" xmlns:a16="http://schemas.microsoft.com/office/drawing/2014/main" id="{CCB79F84-A71F-4C90-A599-76F7E8C3FDCA}"/>
+              </a:ext>
+            </a:extLst>
+          </p:cNvPr>
+          <p:cNvSpPr/>
+          <p:nvPr/>
+        </p:nvSpPr>
+        <p:spPr>
+          <a:xfrm>
+            <a:off x="533398" y="785735"/>
+            <a:ext cx="8067675" cy="3849639"/>
+          </a:xfrm>
+          <a:prstGeom prst="rect">
+            <a:avLst/>
+          </a:prstGeom>
+        </p:spPr>
+        <p:style>
+          <a:lnRef idx="2">
+            <a:schemeClr val="accent5"/>
+          </a:lnRef>
+          <a:fillRef idx="1">
+            <a:schemeClr val="lt1"/>
+          </a:fillRef>
+          <a:effectRef idx="0">
+            <a:schemeClr val="accent5"/>
+          </a:effectRef>
+          <a:fontRef idx="minor">
+            <a:schemeClr val="dk1"/>
+          </a:fontRef>
+        </p:style>
+        <p:txBody>
+          <a:bodyPr rtlCol="0" anchor="t"/>
+          <a:lstStyle/>
+          <a:p>
+            <a:pPr lvl="0"/>
+            <a:endParaRPr lang="en-IN" sz="1100" dirty="0"/>
+          </a:p>
+        </p:txBody>
+      </p:sp>
+    </p:spTree>
+    <p:extLst>
+      <p:ext uri="{BB962C8B-B14F-4D97-AF65-F5344CB8AC3E}">
+        <p14:creationId xmlns="" xmlns:p14="http://schemas.microsoft.com/office/powerpoint/2010/main" val="2675218721"/>
+      </p:ext>
+    </p:extLst>
+  </p:cSld>
+  <p:clrMapOvr>
+    <a:overrideClrMapping bg1="lt1" tx1="dk1" bg2="lt2" tx2="dk2" accent1="accent1" accent2="accent2" accent3="accent3" accent4="accent4" accent5="accent5" accent6="accent6" hlink="hlink" folHlink="folHlink"/>
+  </p:clrMapOvr>
+  <p:timing>
+    <p:tnLst>
+      <p:par>
+        <p:cTn id="1" dur="indefinite" restart="never" nodeType="tmRoot"/>
+      </p:par>
+    </p:tnLst>
+  </p:timing>
+</p:sld>
+</file>
+
+<file path=ppt/slides/slide5.xml><?xml version="1.0" encoding="utf-8"?>
+<p:sld xmlns:a="http://schemas.openxmlformats.org/drawingml/2006/main" xmlns:r="http://schemas.openxmlformats.org/officeDocument/2006/relationships" xmlns:p="http://schemas.openxmlformats.org/presentationml/2006/main">
+  <p:cSld>
+    <p:bg>
+      <p:bgRef idx="1001">
+        <a:schemeClr val="bg1"/>
+      </p:bgRef>
+    </p:bg>
+    <p:spTree>
+      <p:nvGrpSpPr>
+        <p:cNvPr id="1" name=""/>
+        <p:cNvGrpSpPr/>
+        <p:nvPr/>
+      </p:nvGrpSpPr>
+      <p:grpSpPr>
+        <a:xfrm>
+          <a:off x="0" y="0"/>
+          <a:ext cx="0" cy="0"/>
+          <a:chOff x="0" y="0"/>
+          <a:chExt cx="0" cy="0"/>
+        </a:xfrm>
+      </p:grpSpPr>
+      <p:sp>
+        <p:nvSpPr>
+          <p:cNvPr id="4" name="TextBox 3">
+            <a:extLst>
+              <a:ext uri="{FF2B5EF4-FFF2-40B4-BE49-F238E27FC236}">
+                <a16:creationId xmlns="" xmlns:a16="http://schemas.microsoft.com/office/drawing/2014/main" id="{83CC51E3-E419-4AB1-8316-5C2835430B1C}"/>
+              </a:ext>
+            </a:extLst>
+          </p:cNvPr>
+          <p:cNvSpPr txBox="1"/>
+          <p:nvPr/>
+        </p:nvSpPr>
+        <p:spPr>
+          <a:xfrm>
+            <a:off x="542925" y="140135"/>
+            <a:ext cx="8058148" cy="369332"/>
+          </a:xfrm>
+          <a:prstGeom prst="rect">
+            <a:avLst/>
+          </a:prstGeom>
+        </p:spPr>
+        <p:style>
+          <a:lnRef idx="0">
+            <a:schemeClr val="dk1"/>
+          </a:lnRef>
+          <a:fillRef idx="3">
+            <a:schemeClr val="dk1"/>
+          </a:fillRef>
+          <a:effectRef idx="3">
+            <a:schemeClr val="dk1"/>
+          </a:effectRef>
+          <a:fontRef idx="minor">
+            <a:schemeClr val="lt1"/>
+          </a:fontRef>
+        </p:style>
+        <p:txBody>
+          <a:bodyPr wrap="square" rtlCol="0" anchor="ctr">
+            <a:spAutoFit/>
+          </a:bodyPr>
+          <a:lstStyle/>
+          <a:p>
+            <a:r>
+              <a:rPr lang="en-US" sz="1800" dirty="0" smtClean="0"/>
+              <a:t>Salient Features</a:t>
+            </a:r>
+          </a:p>
+        </p:txBody>
+      </p:sp>
+      <p:sp>
+        <p:nvSpPr>
+          <p:cNvPr id="6" name="Rectangle 5">
+            <a:extLst>
+              <a:ext uri="{FF2B5EF4-FFF2-40B4-BE49-F238E27FC236}">
+                <a16:creationId xmlns="" xmlns:a16="http://schemas.microsoft.com/office/drawing/2014/main" id="{CCB79F84-A71F-4C90-A599-76F7E8C3FDCA}"/>
+              </a:ext>
+            </a:extLst>
+          </p:cNvPr>
+          <p:cNvSpPr/>
+          <p:nvPr/>
+        </p:nvSpPr>
+        <p:spPr>
+          <a:xfrm>
+            <a:off x="533398" y="785735"/>
+            <a:ext cx="8067675" cy="3858693"/>
+          </a:xfrm>
+          <a:prstGeom prst="rect">
+            <a:avLst/>
+          </a:prstGeom>
+        </p:spPr>
+        <p:style>
+          <a:lnRef idx="2">
+            <a:schemeClr val="accent5"/>
+          </a:lnRef>
+          <a:fillRef idx="1">
+            <a:schemeClr val="lt1"/>
+          </a:fillRef>
+          <a:effectRef idx="0">
+            <a:schemeClr val="accent5"/>
+          </a:effectRef>
+          <a:fontRef idx="minor">
+            <a:schemeClr val="dk1"/>
+          </a:fontRef>
+        </p:style>
+        <p:txBody>
+          <a:bodyPr rtlCol="0" anchor="t"/>
+          <a:lstStyle/>
+          <a:p>
+            <a:pPr lvl="0" algn="l"/>
+            <a:r>
+              <a:rPr lang="en-US" sz="1100" b="1" dirty="0" smtClean="0"/>
+              <a:t>Part A</a:t>
+            </a:r>
+            <a:r>
+              <a:rPr lang="en-US" sz="1100" dirty="0" smtClean="0"/>
+              <a:t>: Reducing task for testers and developers, by introducing hotspots that can conclude the most affected modules. Which makes it easier for them to identify the higher priority testing modules. This will help both the testers and developers as the tester would know where and what to test and the developer would know which module is most affected and can work upon resolving it. It can be used for impact analysis after getting a requirement and makes it a lot easier for all. The data is refined and clusters are created using machine learning model which generates the output to be stored in .csv files. This output will be integrated with Cognos for visualization of the key hotspot areas and the modules to be worked upon. </a:t>
+            </a:r>
+          </a:p>
+          <a:p>
+            <a:pPr algn="l"/>
+            <a:r>
+              <a:rPr lang="en-US" sz="1100" b="1" dirty="0" smtClean="0"/>
+              <a:t>Part B</a:t>
+            </a:r>
+            <a:r>
+              <a:rPr lang="en-US" sz="1100" dirty="0" smtClean="0"/>
+              <a:t>: The UI is provided with data description which is mainly text data, transformed using NLP tokenization (Bag of Words) for providing key data words like Outlook, Mail, Yahoo which can be configured under Mail related issues. This refined data is passed in the model to train it.</a:t>
+            </a:r>
+            <a:endParaRPr lang="en-IN" sz="1100" dirty="0" smtClean="0"/>
+          </a:p>
+          <a:p>
+            <a:pPr lvl="0"/>
+            <a:endParaRPr lang="en-IN" sz="1100" dirty="0"/>
+          </a:p>
+        </p:txBody>
+      </p:sp>
+    </p:spTree>
+    <p:extLst>
+      <p:ext uri="{BB962C8B-B14F-4D97-AF65-F5344CB8AC3E}">
+        <p14:creationId xmlns="" xmlns:p14="http://schemas.microsoft.com/office/powerpoint/2010/main" val="2675218721"/>
+      </p:ext>
+    </p:extLst>
+  </p:cSld>
+  <p:clrMapOvr>
+    <a:overrideClrMapping bg1="lt1" tx1="dk1" bg2="lt2" tx2="dk2" accent1="accent1" accent2="accent2" accent3="accent3" accent4="accent4" accent5="accent5" accent6="accent6" hlink="hlink" folHlink="folHlink"/>
+  </p:clrMapOvr>
+  <p:timing>
+    <p:tnLst>
+      <p:par>
+        <p:cTn id="1" dur="indefinite" restart="never" nodeType="tmRoot"/>
+      </p:par>
+    </p:tnLst>
+  </p:timing>
+</p:sld>
+</file>
+
+<file path=ppt/slides/slide6.xml><?xml version="1.0" encoding="utf-8"?>
+<p:sld xmlns:a="http://schemas.openxmlformats.org/drawingml/2006/main" xmlns:r="http://schemas.openxmlformats.org/officeDocument/2006/relationships" xmlns:p="http://schemas.openxmlformats.org/presentationml/2006/main">
+  <p:cSld>
+    <p:bg>
+      <p:bgRef idx="1001">
+        <a:schemeClr val="bg1"/>
+      </p:bgRef>
+    </p:bg>
+    <p:spTree>
+      <p:nvGrpSpPr>
+        <p:cNvPr id="1" name=""/>
+        <p:cNvGrpSpPr/>
+        <p:nvPr/>
+      </p:nvGrpSpPr>
+      <p:grpSpPr>
+        <a:xfrm>
+          <a:off x="0" y="0"/>
+          <a:ext cx="0" cy="0"/>
+          <a:chOff x="0" y="0"/>
+          <a:chExt cx="0" cy="0"/>
+        </a:xfrm>
+      </p:grpSpPr>
+      <p:sp>
+        <p:nvSpPr>
+          <p:cNvPr id="4" name="TextBox 3">
+            <a:extLst>
+              <a:ext uri="{FF2B5EF4-FFF2-40B4-BE49-F238E27FC236}">
+                <a16:creationId xmlns="" xmlns:a16="http://schemas.microsoft.com/office/drawing/2014/main" id="{83CC51E3-E419-4AB1-8316-5C2835430B1C}"/>
               </a:ext>
             </a:extLst>
           </p:cNvPr>
@@ -33970,7 +34305,7 @@
           <p:cNvPr id="6" name="Rectangle 5">
             <a:extLst>
               <a:ext uri="{FF2B5EF4-FFF2-40B4-BE49-F238E27FC236}">
-                <a16:creationId xmlns:a16="http://schemas.microsoft.com/office/drawing/2014/main" xmlns="" id="{CCB79F84-A71F-4C90-A599-76F7E8C3FDCA}"/>
+                <a16:creationId xmlns="" xmlns:a16="http://schemas.microsoft.com/office/drawing/2014/main" id="{CCB79F84-A71F-4C90-A599-76F7E8C3FDCA}"/>
               </a:ext>
             </a:extLst>
           </p:cNvPr>
@@ -34007,33 +34342,21 @@
             <a:pPr marL="342900" indent="-342900" algn="l"/>
             <a:r>
               <a:rPr lang="en-IN" sz="1800" dirty="0" smtClean="0"/>
-              <a:t>Find Hotspot: Run </a:t>
-            </a:r>
-            <a:r>
-              <a:rPr lang="en-IN" sz="1800" dirty="0" smtClean="0"/>
-              <a:t>a k-means clustering algorithm on the input dataset to predict the module belonging to each cluster.</a:t>
+              <a:t>Find Hotspot: Run a k-means clustering algorithm on the input dataset to predict the module belonging to each cluster.</a:t>
             </a:r>
           </a:p>
           <a:p>
             <a:pPr marL="342900" indent="-342900" algn="l"/>
             <a:r>
               <a:rPr lang="en-IN" sz="1800" dirty="0" smtClean="0"/>
-              <a:t>	Merge </a:t>
-            </a:r>
-            <a:r>
-              <a:rPr lang="en-IN" sz="1800" dirty="0" smtClean="0"/>
-              <a:t>the cluster with the input data and load it to .csv file</a:t>
+              <a:t>	Merge the cluster with the input data and load it to .csv file</a:t>
             </a:r>
           </a:p>
           <a:p>
             <a:pPr marL="342900" indent="-342900" algn="l"/>
             <a:r>
               <a:rPr lang="en-IN" sz="1800" dirty="0" smtClean="0"/>
-              <a:t>	Plot </a:t>
-            </a:r>
-            <a:r>
-              <a:rPr lang="en-IN" sz="1800" dirty="0" smtClean="0"/>
-              <a:t>the result in the </a:t>
+              <a:t>	Plot the result in the </a:t>
             </a:r>
             <a:r>
               <a:rPr lang="en-IN" sz="1800" dirty="0"/>
@@ -34048,66 +34371,42 @@
             <a:pPr marL="342900" indent="-342900" algn="l"/>
             <a:r>
               <a:rPr lang="en-IN" sz="1800" dirty="0" smtClean="0"/>
-              <a:t>Predict Resolution: Use </a:t>
-            </a:r>
-            <a:r>
-              <a:rPr lang="en-IN" sz="1800" dirty="0" smtClean="0"/>
-              <a:t>the nltk library to clean the input summary data for which resolution is to be predicted.</a:t>
+              <a:t>Predict Resolution: Use the nltk library to clean the input summary data for which resolution is to be predicted.</a:t>
             </a:r>
           </a:p>
           <a:p>
             <a:pPr marL="342900" indent="-342900" algn="l"/>
             <a:r>
               <a:rPr lang="en-IN" sz="1800" dirty="0" smtClean="0"/>
-              <a:t>	Factorise </a:t>
-            </a:r>
-            <a:r>
-              <a:rPr lang="en-IN" sz="1800" dirty="0" smtClean="0"/>
-              <a:t>the dependent value and load it to .csv.</a:t>
+              <a:t>	Factorise the dependent value and load it to .csv.</a:t>
             </a:r>
           </a:p>
           <a:p>
             <a:pPr marL="342900" indent="-342900" algn="l"/>
             <a:r>
               <a:rPr lang="en-IN" sz="1800" dirty="0" smtClean="0"/>
-              <a:t>	Use </a:t>
-            </a:r>
-            <a:r>
-              <a:rPr lang="en-IN" sz="1800" dirty="0" smtClean="0"/>
-              <a:t>TFIDF vectorizer to convert raw cleaned text into matrix of features.</a:t>
+              <a:t>	Use TFIDF vectorizer to convert raw cleaned text into matrix of features.</a:t>
             </a:r>
           </a:p>
           <a:p>
             <a:pPr marL="342900" indent="-342900" algn="l"/>
             <a:r>
               <a:rPr lang="en-IN" sz="1800" dirty="0" smtClean="0"/>
-              <a:t>	Train </a:t>
-            </a:r>
-            <a:r>
-              <a:rPr lang="en-IN" sz="1800" dirty="0" smtClean="0"/>
-              <a:t>the LinearSVC Classifier using the generated matrix of features and the factorised dependent value.</a:t>
+              <a:t>	Train the LinearSVC Classifier using the generated matrix of features and the factorised dependent value.</a:t>
             </a:r>
           </a:p>
           <a:p>
             <a:pPr marL="342900" indent="-342900" algn="l"/>
             <a:r>
               <a:rPr lang="en-IN" sz="1800" dirty="0" smtClean="0"/>
-              <a:t>	Save </a:t>
-            </a:r>
-            <a:r>
-              <a:rPr lang="en-IN" sz="1800" dirty="0" smtClean="0"/>
-              <a:t>the trained classifier and vectorizer object as pickle file to reuse for future prediction</a:t>
+              <a:t>	Save the trained classifier and vectorizer object as pickle file to reuse for future prediction</a:t>
             </a:r>
           </a:p>
           <a:p>
             <a:pPr marL="342900" indent="-342900" algn="l"/>
             <a:r>
               <a:rPr lang="en-IN" sz="1800" dirty="0" smtClean="0"/>
-              <a:t>	Clean </a:t>
-            </a:r>
-            <a:r>
-              <a:rPr lang="en-IN" sz="1800" dirty="0" smtClean="0"/>
-              <a:t>the any new text and use the saved objects to predict the resolution for new values.</a:t>
+              <a:t>	Clean the any new text and use the saved objects to predict the resolution for new values.</a:t>
             </a:r>
           </a:p>
           <a:p>
@@ -34127,7 +34426,7 @@
     </p:spTree>
     <p:extLst>
       <p:ext uri="{BB962C8B-B14F-4D97-AF65-F5344CB8AC3E}">
-        <p14:creationId xmlns:p14="http://schemas.microsoft.com/office/powerpoint/2010/main" xmlns="" val="245440417"/>
+        <p14:creationId xmlns="" xmlns:p14="http://schemas.microsoft.com/office/powerpoint/2010/main" val="245440417"/>
       </p:ext>
     </p:extLst>
   </p:cSld>
@@ -34144,7 +34443,7 @@
 </p:sld>
 </file>
 
-<file path=ppt/slides/slide5.xml><?xml version="1.0" encoding="utf-8"?>
+<file path=ppt/slides/slide7.xml><?xml version="1.0" encoding="utf-8"?>
 <p:sld xmlns:a="http://schemas.openxmlformats.org/drawingml/2006/main" xmlns:r="http://schemas.openxmlformats.org/officeDocument/2006/relationships" xmlns:p="http://schemas.openxmlformats.org/presentationml/2006/main">
   <p:cSld>
     <p:spTree>
@@ -34166,7 +34465,7 @@
           <p:cNvPr id="5" name="TextBox 4">
             <a:extLst>
               <a:ext uri="{FF2B5EF4-FFF2-40B4-BE49-F238E27FC236}">
-                <a16:creationId xmlns:a16="http://schemas.microsoft.com/office/drawing/2014/main" xmlns="" id="{83CC51E3-E419-4AB1-8316-5C2835430B1C}"/>
+                <a16:creationId xmlns="" xmlns:a16="http://schemas.microsoft.com/office/drawing/2014/main" id="{83CC51E3-E419-4AB1-8316-5C2835430B1C}"/>
               </a:ext>
             </a:extLst>
           </p:cNvPr>
@@ -34216,7 +34515,7 @@
           <p:cNvPr id="14" name="Rectangle 13">
             <a:extLst>
               <a:ext uri="{FF2B5EF4-FFF2-40B4-BE49-F238E27FC236}">
-                <a16:creationId xmlns:a16="http://schemas.microsoft.com/office/drawing/2014/main" xmlns="" id="{A33384C4-2658-4867-9748-8E3E227C174C}"/>
+                <a16:creationId xmlns="" xmlns:a16="http://schemas.microsoft.com/office/drawing/2014/main" id="{A33384C4-2658-4867-9748-8E3E227C174C}"/>
               </a:ext>
             </a:extLst>
           </p:cNvPr>
@@ -34275,7 +34574,7 @@
     </p:spTree>
     <p:extLst>
       <p:ext uri="{BB962C8B-B14F-4D97-AF65-F5344CB8AC3E}">
-        <p14:creationId xmlns:p14="http://schemas.microsoft.com/office/powerpoint/2010/main" xmlns="" val="392771585"/>
+        <p14:creationId xmlns="" xmlns:p14="http://schemas.microsoft.com/office/powerpoint/2010/main" val="392771585"/>
       </p:ext>
     </p:extLst>
   </p:cSld>
@@ -34292,7 +34591,7 @@
 </p:sld>
 </file>
 
-<file path=ppt/slides/slide6.xml><?xml version="1.0" encoding="utf-8"?>
+<file path=ppt/slides/slide8.xml><?xml version="1.0" encoding="utf-8"?>
 <p:sld xmlns:a="http://schemas.openxmlformats.org/drawingml/2006/main" xmlns:r="http://schemas.openxmlformats.org/officeDocument/2006/relationships" xmlns:p="http://schemas.openxmlformats.org/presentationml/2006/main">
   <p:cSld>
     <p:spTree>
@@ -34314,7 +34613,7 @@
           <p:cNvPr id="5" name="TextBox 4">
             <a:extLst>
               <a:ext uri="{FF2B5EF4-FFF2-40B4-BE49-F238E27FC236}">
-                <a16:creationId xmlns:a16="http://schemas.microsoft.com/office/drawing/2014/main" xmlns="" id="{83CC51E3-E419-4AB1-8316-5C2835430B1C}"/>
+                <a16:creationId xmlns="" xmlns:a16="http://schemas.microsoft.com/office/drawing/2014/main" id="{83CC51E3-E419-4AB1-8316-5C2835430B1C}"/>
               </a:ext>
             </a:extLst>
           </p:cNvPr>
@@ -34364,7 +34663,7 @@
           <p:cNvPr id="14" name="Rectangle 13">
             <a:extLst>
               <a:ext uri="{FF2B5EF4-FFF2-40B4-BE49-F238E27FC236}">
-                <a16:creationId xmlns:a16="http://schemas.microsoft.com/office/drawing/2014/main" xmlns="" id="{A33384C4-2658-4867-9748-8E3E227C174C}"/>
+                <a16:creationId xmlns="" xmlns:a16="http://schemas.microsoft.com/office/drawing/2014/main" id="{A33384C4-2658-4867-9748-8E3E227C174C}"/>
               </a:ext>
             </a:extLst>
           </p:cNvPr>
@@ -34458,7 +34757,7 @@
     </p:spTree>
     <p:extLst>
       <p:ext uri="{BB962C8B-B14F-4D97-AF65-F5344CB8AC3E}">
-        <p14:creationId xmlns:p14="http://schemas.microsoft.com/office/powerpoint/2010/main" xmlns="" val="3645423041"/>
+        <p14:creationId xmlns="" xmlns:p14="http://schemas.microsoft.com/office/powerpoint/2010/main" val="3645423041"/>
       </p:ext>
     </p:extLst>
   </p:cSld>
@@ -34475,7 +34774,7 @@
 </p:sld>
 </file>
 
-<file path=ppt/slides/slide7.xml><?xml version="1.0" encoding="utf-8"?>
+<file path=ppt/slides/slide9.xml><?xml version="1.0" encoding="utf-8"?>
 <p:sld xmlns:a="http://schemas.openxmlformats.org/drawingml/2006/main" xmlns:r="http://schemas.openxmlformats.org/officeDocument/2006/relationships" xmlns:p="http://schemas.openxmlformats.org/presentationml/2006/main">
   <p:cSld>
     <p:spTree>
@@ -34497,7 +34796,7 @@
           <p:cNvPr id="5" name="TextBox 4">
             <a:extLst>
               <a:ext uri="{FF2B5EF4-FFF2-40B4-BE49-F238E27FC236}">
-                <a16:creationId xmlns:a16="http://schemas.microsoft.com/office/drawing/2014/main" xmlns="" id="{83CC51E3-E419-4AB1-8316-5C2835430B1C}"/>
+                <a16:creationId xmlns="" xmlns:a16="http://schemas.microsoft.com/office/drawing/2014/main" id="{83CC51E3-E419-4AB1-8316-5C2835430B1C}"/>
               </a:ext>
             </a:extLst>
           </p:cNvPr>
@@ -34550,7 +34849,7 @@
           <p:cNvPr id="14" name="Rectangle 13">
             <a:extLst>
               <a:ext uri="{FF2B5EF4-FFF2-40B4-BE49-F238E27FC236}">
-                <a16:creationId xmlns:a16="http://schemas.microsoft.com/office/drawing/2014/main" xmlns="" id="{A33384C4-2658-4867-9748-8E3E227C174C}"/>
+                <a16:creationId xmlns="" xmlns:a16="http://schemas.microsoft.com/office/drawing/2014/main" id="{A33384C4-2658-4867-9748-8E3E227C174C}"/>
               </a:ext>
             </a:extLst>
           </p:cNvPr>
@@ -34592,44 +34891,7 @@
     </p:spTree>
     <p:extLst>
       <p:ext uri="{BB962C8B-B14F-4D97-AF65-F5344CB8AC3E}">
-        <p14:creationId xmlns:p14="http://schemas.microsoft.com/office/powerpoint/2010/main" xmlns="" val="2442003819"/>
-      </p:ext>
-    </p:extLst>
-  </p:cSld>
-  <p:clrMapOvr>
-    <a:masterClrMapping/>
-  </p:clrMapOvr>
-  <p:timing>
-    <p:tnLst>
-      <p:par>
-        <p:cTn id="1" dur="indefinite" restart="never" nodeType="tmRoot"/>
-      </p:par>
-    </p:tnLst>
-  </p:timing>
-</p:sld>
-</file>
-
-<file path=ppt/slides/slide8.xml><?xml version="1.0" encoding="utf-8"?>
-<p:sld xmlns:a="http://schemas.openxmlformats.org/drawingml/2006/main" xmlns:r="http://schemas.openxmlformats.org/officeDocument/2006/relationships" xmlns:p="http://schemas.openxmlformats.org/presentationml/2006/main">
-  <p:cSld>
-    <p:spTree>
-      <p:nvGrpSpPr>
-        <p:cNvPr id="1" name=""/>
-        <p:cNvGrpSpPr/>
-        <p:nvPr/>
-      </p:nvGrpSpPr>
-      <p:grpSpPr>
-        <a:xfrm>
-          <a:off x="0" y="0"/>
-          <a:ext cx="0" cy="0"/>
-          <a:chOff x="0" y="0"/>
-          <a:chExt cx="0" cy="0"/>
-        </a:xfrm>
-      </p:grpSpPr>
-    </p:spTree>
-    <p:extLst>
-      <p:ext uri="{BB962C8B-B14F-4D97-AF65-F5344CB8AC3E}">
-        <p14:creationId xmlns:p14="http://schemas.microsoft.com/office/powerpoint/2010/main" xmlns="" val="1331351567"/>
+        <p14:creationId xmlns="" xmlns:p14="http://schemas.microsoft.com/office/powerpoint/2010/main" val="2442003819"/>
       </p:ext>
     </p:extLst>
   </p:cSld>
@@ -34927,7 +35189,7 @@
   <a:extraClrSchemeLst/>
   <a:extLst>
     <a:ext uri="{05A4C25C-085E-4340-85A3-A5531E510DB2}">
-      <thm15:themeFamily xmlns:thm15="http://schemas.microsoft.com/office/thememl/2012/main" xmlns="" name="Office Theme" id="{62F939B6-93AF-4DB8-9C6B-D6C7DFDC589F}" vid="{4A3C46E8-61CC-4603-A589-7422A47A8E4A}"/>
+      <thm15:themeFamily xmlns="" xmlns:thm15="http://schemas.microsoft.com/office/thememl/2012/main" name="Office Theme" id="{62F939B6-93AF-4DB8-9C6B-D6C7DFDC589F}" vid="{4A3C46E8-61CC-4603-A589-7422A47A8E4A}"/>
     </a:ext>
   </a:extLst>
 </a:theme>
@@ -35188,7 +35450,7 @@
   <a:extraClrSchemeLst/>
   <a:extLst>
     <a:ext uri="{05A4C25C-085E-4340-85A3-A5531E510DB2}">
-      <thm15:themeFamily xmlns:thm15="http://schemas.microsoft.com/office/thememl/2012/main" xmlns="" name="Office Theme" id="{62F939B6-93AF-4DB8-9C6B-D6C7DFDC589F}" vid="{AE6F2518-B084-4896-AF52-66CC2144AA26}"/>
+      <thm15:themeFamily xmlns="" xmlns:thm15="http://schemas.microsoft.com/office/thememl/2012/main" name="Office Theme" id="{62F939B6-93AF-4DB8-9C6B-D6C7DFDC589F}" vid="{AE6F2518-B084-4896-AF52-66CC2144AA26}"/>
     </a:ext>
   </a:extLst>
 </a:theme>
@@ -35765,12 +36027,9 @@
 </file>
 
 <file path=customXml/item1.xml><?xml version="1.0" encoding="utf-8"?>
-<?mso-contentType ?>
-<FormTemplates xmlns="http://schemas.microsoft.com/sharepoint/v3/contenttype/forms">
-  <Display>DocumentLibraryForm</Display>
-  <Edit>DocumentLibraryForm</Edit>
-  <New>DocumentLibraryForm</New>
-</FormTemplates>
+<p:properties xmlns:p="http://schemas.microsoft.com/office/2006/metadata/properties" xmlns:xsi="http://www.w3.org/2001/XMLSchema-instance">
+  <documentManagement/>
+</p:properties>
 </file>
 
 <file path=customXml/item2.xml><?xml version="1.0" encoding="utf-8"?>
@@ -35906,15 +36165,26 @@
 </file>
 
 <file path=customXml/item3.xml><?xml version="1.0" encoding="utf-8"?>
-<p:properties xmlns:p="http://schemas.microsoft.com/office/2006/metadata/properties" xmlns:xsi="http://www.w3.org/2001/XMLSchema-instance">
-  <documentManagement/>
-</p:properties>
+<?mso-contentType ?>
+<FormTemplates xmlns="http://schemas.microsoft.com/sharepoint/v3/contenttype/forms">
+  <Display>DocumentLibraryForm</Display>
+  <Edit>DocumentLibraryForm</Edit>
+  <New>DocumentLibraryForm</New>
+</FormTemplates>
 </file>
 
 <file path=customXml/itemProps1.xml><?xml version="1.0" encoding="utf-8"?>
-<ds:datastoreItem xmlns:ds="http://schemas.openxmlformats.org/officeDocument/2006/customXml" ds:itemID="{8ABB6DC8-0142-4676-96FE-F1693BA95046}">
+<ds:datastoreItem xmlns:ds="http://schemas.openxmlformats.org/officeDocument/2006/customXml" ds:itemID="{24559248-63FA-4C6E-A37D-96FF4426E5C5}">
   <ds:schemaRefs>
-    <ds:schemaRef ds:uri="http://schemas.microsoft.com/sharepoint/v3/contenttype/forms"/>
+    <ds:schemaRef ds:uri="http://schemas.microsoft.com/office/2006/documentManagement/types"/>
+    <ds:schemaRef ds:uri="http://purl.org/dc/dcmitype/"/>
+    <ds:schemaRef ds:uri="http://schemas.microsoft.com/office/2006/metadata/properties"/>
+    <ds:schemaRef ds:uri="http://purl.org/dc/elements/1.1/"/>
+    <ds:schemaRef ds:uri="http://purl.org/dc/terms/"/>
+    <ds:schemaRef ds:uri="http://schemas.openxmlformats.org/package/2006/metadata/core-properties"/>
+    <ds:schemaRef ds:uri="http://schemas.microsoft.com/office/infopath/2007/PartnerControls"/>
+    <ds:schemaRef ds:uri="59adf32a-ef96-4ec2-94c8-876cf435d4ef"/>
+    <ds:schemaRef ds:uri="http://www.w3.org/XML/1998/namespace"/>
   </ds:schemaRefs>
 </ds:datastoreItem>
 </file>
@@ -35938,17 +36208,9 @@
 </file>
 
 <file path=customXml/itemProps3.xml><?xml version="1.0" encoding="utf-8"?>
-<ds:datastoreItem xmlns:ds="http://schemas.openxmlformats.org/officeDocument/2006/customXml" ds:itemID="{24559248-63FA-4C6E-A37D-96FF4426E5C5}">
+<ds:datastoreItem xmlns:ds="http://schemas.openxmlformats.org/officeDocument/2006/customXml" ds:itemID="{8ABB6DC8-0142-4676-96FE-F1693BA95046}">
   <ds:schemaRefs>
-    <ds:schemaRef ds:uri="http://schemas.microsoft.com/office/2006/documentManagement/types"/>
-    <ds:schemaRef ds:uri="http://purl.org/dc/dcmitype/"/>
-    <ds:schemaRef ds:uri="http://schemas.microsoft.com/office/2006/metadata/properties"/>
-    <ds:schemaRef ds:uri="http://purl.org/dc/elements/1.1/"/>
-    <ds:schemaRef ds:uri="http://purl.org/dc/terms/"/>
-    <ds:schemaRef ds:uri="http://schemas.openxmlformats.org/package/2006/metadata/core-properties"/>
-    <ds:schemaRef ds:uri="http://schemas.microsoft.com/office/infopath/2007/PartnerControls"/>
-    <ds:schemaRef ds:uri="59adf32a-ef96-4ec2-94c8-876cf435d4ef"/>
-    <ds:schemaRef ds:uri="http://www.w3.org/XML/1998/namespace"/>
+    <ds:schemaRef ds:uri="http://schemas.microsoft.com/sharepoint/v3/contenttype/forms"/>
   </ds:schemaRefs>
 </ds:datastoreItem>
 </file>
--- a/RISK_MACAW_Hack the Future.pptx
+++ b/RISK_MACAW_Hack the Future.pptx
@@ -15,7 +15,7 @@
     <p:sldId id="491" r:id="rId6"/>
     <p:sldId id="469" r:id="rId7"/>
     <p:sldId id="472" r:id="rId8"/>
-    <p:sldId id="493" r:id="rId9"/>
+    <p:sldId id="496" r:id="rId9"/>
     <p:sldId id="494" r:id="rId10"/>
     <p:sldId id="492" r:id="rId11"/>
     <p:sldId id="488" r:id="rId12"/>
@@ -152,7 +152,7 @@
   </p:defaultTextStyle>
   <p:extLst>
     <p:ext uri="{EFAFB233-063F-42B5-8137-9DF3F51BA10A}">
-      <p15:sldGuideLst xmlns="" xmlns:p15="http://schemas.microsoft.com/office/powerpoint/2012/main">
+      <p15:sldGuideLst xmlns:p15="http://schemas.microsoft.com/office/powerpoint/2012/main">
         <p15:guide id="20" pos="2208" userDrawn="1">
           <p15:clr>
             <a:srgbClr val="A4A3A4"/>
@@ -196,7 +196,7 @@
       </p15:sldGuideLst>
     </p:ext>
     <p:ext uri="{2D200454-40CA-4A62-9FC3-DE9A4176ACB9}">
-      <p15:notesGuideLst xmlns="" xmlns:p15="http://schemas.microsoft.com/office/powerpoint/2012/main">
+      <p15:notesGuideLst xmlns:p15="http://schemas.microsoft.com/office/powerpoint/2012/main">
         <p15:guide id="1" orient="horz" pos="2909">
           <p15:clr>
             <a:srgbClr val="A4A3A4"/>
@@ -262,14 +262,14 @@
           </a:ln>
           <a:extLst>
             <a:ext uri="{909E8E84-426E-40DD-AFC4-6F175D3DCCD1}">
-              <a14:hiddenFill xmlns="" xmlns:a14="http://schemas.microsoft.com/office/drawing/2010/main">
+              <a14:hiddenFill xmlns:a14="http://schemas.microsoft.com/office/drawing/2010/main">
                 <a:solidFill>
                   <a:srgbClr val="FFFFFF"/>
                 </a:solidFill>
               </a14:hiddenFill>
             </a:ext>
             <a:ext uri="{91240B29-F687-4F45-9708-019B960494DF}">
-              <a14:hiddenLine xmlns="" xmlns:a14="http://schemas.microsoft.com/office/drawing/2010/main" w="9525">
+              <a14:hiddenLine xmlns:a14="http://schemas.microsoft.com/office/drawing/2010/main" w="9525">
                 <a:solidFill>
                   <a:srgbClr val="000000"/>
                 </a:solidFill>
@@ -323,14 +323,14 @@
           </a:ln>
           <a:extLst>
             <a:ext uri="{909E8E84-426E-40DD-AFC4-6F175D3DCCD1}">
-              <a14:hiddenFill xmlns="" xmlns:a14="http://schemas.microsoft.com/office/drawing/2010/main">
+              <a14:hiddenFill xmlns:a14="http://schemas.microsoft.com/office/drawing/2010/main">
                 <a:solidFill>
                   <a:srgbClr val="FFFFFF"/>
                 </a:solidFill>
               </a14:hiddenFill>
             </a:ext>
             <a:ext uri="{91240B29-F687-4F45-9708-019B960494DF}">
-              <a14:hiddenLine xmlns="" xmlns:a14="http://schemas.microsoft.com/office/drawing/2010/main" w="9525">
+              <a14:hiddenLine xmlns:a14="http://schemas.microsoft.com/office/drawing/2010/main" w="9525">
                 <a:solidFill>
                   <a:srgbClr val="000000"/>
                 </a:solidFill>
@@ -384,14 +384,14 @@
           </a:ln>
           <a:extLst>
             <a:ext uri="{909E8E84-426E-40DD-AFC4-6F175D3DCCD1}">
-              <a14:hiddenFill xmlns="" xmlns:a14="http://schemas.microsoft.com/office/drawing/2010/main">
+              <a14:hiddenFill xmlns:a14="http://schemas.microsoft.com/office/drawing/2010/main">
                 <a:solidFill>
                   <a:srgbClr val="FFFFFF"/>
                 </a:solidFill>
               </a14:hiddenFill>
             </a:ext>
             <a:ext uri="{91240B29-F687-4F45-9708-019B960494DF}">
-              <a14:hiddenLine xmlns="" xmlns:a14="http://schemas.microsoft.com/office/drawing/2010/main" w="9525">
+              <a14:hiddenLine xmlns:a14="http://schemas.microsoft.com/office/drawing/2010/main" w="9525">
                 <a:solidFill>
                   <a:srgbClr val="000000"/>
                 </a:solidFill>
@@ -445,14 +445,14 @@
           </a:ln>
           <a:extLst>
             <a:ext uri="{909E8E84-426E-40DD-AFC4-6F175D3DCCD1}">
-              <a14:hiddenFill xmlns="" xmlns:a14="http://schemas.microsoft.com/office/drawing/2010/main">
+              <a14:hiddenFill xmlns:a14="http://schemas.microsoft.com/office/drawing/2010/main">
                 <a:solidFill>
                   <a:srgbClr val="FFFFFF"/>
                 </a:solidFill>
               </a14:hiddenFill>
             </a:ext>
             <a:ext uri="{91240B29-F687-4F45-9708-019B960494DF}">
-              <a14:hiddenLine xmlns="" xmlns:a14="http://schemas.microsoft.com/office/drawing/2010/main" w="9525">
+              <a14:hiddenLine xmlns:a14="http://schemas.microsoft.com/office/drawing/2010/main" w="9525">
                 <a:solidFill>
                   <a:srgbClr val="000000"/>
                 </a:solidFill>
@@ -492,7 +492,7 @@
     </p:spTree>
     <p:extLst>
       <p:ext uri="{BB962C8B-B14F-4D97-AF65-F5344CB8AC3E}">
-        <p14:creationId xmlns="" xmlns:p14="http://schemas.microsoft.com/office/powerpoint/2010/main" val="2105072336"/>
+        <p14:creationId xmlns:p14="http://schemas.microsoft.com/office/powerpoint/2010/main" val="2105072336"/>
       </p:ext>
     </p:extLst>
   </p:cSld>
@@ -550,14 +550,14 @@
           </a:ln>
           <a:extLst>
             <a:ext uri="{909E8E84-426E-40DD-AFC4-6F175D3DCCD1}">
-              <a14:hiddenFill xmlns="" xmlns:a14="http://schemas.microsoft.com/office/drawing/2010/main">
+              <a14:hiddenFill xmlns:a14="http://schemas.microsoft.com/office/drawing/2010/main">
                 <a:solidFill>
                   <a:srgbClr val="FFFFFF"/>
                 </a:solidFill>
               </a14:hiddenFill>
             </a:ext>
             <a:ext uri="{91240B29-F687-4F45-9708-019B960494DF}">
-              <a14:hiddenLine xmlns="" xmlns:a14="http://schemas.microsoft.com/office/drawing/2010/main" w="9525">
+              <a14:hiddenLine xmlns:a14="http://schemas.microsoft.com/office/drawing/2010/main" w="9525">
                 <a:solidFill>
                   <a:srgbClr val="000000"/>
                 </a:solidFill>
@@ -611,14 +611,14 @@
           </a:ln>
           <a:extLst>
             <a:ext uri="{909E8E84-426E-40DD-AFC4-6F175D3DCCD1}">
-              <a14:hiddenFill xmlns="" xmlns:a14="http://schemas.microsoft.com/office/drawing/2010/main">
+              <a14:hiddenFill xmlns:a14="http://schemas.microsoft.com/office/drawing/2010/main">
                 <a:solidFill>
                   <a:srgbClr val="FFFFFF"/>
                 </a:solidFill>
               </a14:hiddenFill>
             </a:ext>
             <a:ext uri="{91240B29-F687-4F45-9708-019B960494DF}">
-              <a14:hiddenLine xmlns="" xmlns:a14="http://schemas.microsoft.com/office/drawing/2010/main" w="9525">
+              <a14:hiddenLine xmlns:a14="http://schemas.microsoft.com/office/drawing/2010/main" w="9525">
                 <a:solidFill>
                   <a:srgbClr val="000000"/>
                 </a:solidFill>
@@ -677,7 +677,7 @@
           </a:ln>
           <a:extLst>
             <a:ext uri="{909E8E84-426E-40DD-AFC4-6F175D3DCCD1}">
-              <a14:hiddenFill xmlns="" xmlns:a14="http://schemas.microsoft.com/office/drawing/2010/main">
+              <a14:hiddenFill xmlns:a14="http://schemas.microsoft.com/office/drawing/2010/main">
                 <a:solidFill>
                   <a:srgbClr val="FFFFFF"/>
                 </a:solidFill>
@@ -710,14 +710,14 @@
           </a:ln>
           <a:extLst>
             <a:ext uri="{909E8E84-426E-40DD-AFC4-6F175D3DCCD1}">
-              <a14:hiddenFill xmlns="" xmlns:a14="http://schemas.microsoft.com/office/drawing/2010/main">
+              <a14:hiddenFill xmlns:a14="http://schemas.microsoft.com/office/drawing/2010/main">
                 <a:solidFill>
                   <a:srgbClr val="FFFFFF"/>
                 </a:solidFill>
               </a14:hiddenFill>
             </a:ext>
             <a:ext uri="{91240B29-F687-4F45-9708-019B960494DF}">
-              <a14:hiddenLine xmlns="" xmlns:a14="http://schemas.microsoft.com/office/drawing/2010/main" w="9525">
+              <a14:hiddenLine xmlns:a14="http://schemas.microsoft.com/office/drawing/2010/main" w="9525">
                 <a:solidFill>
                   <a:srgbClr val="000000"/>
                 </a:solidFill>
@@ -796,14 +796,14 @@
           </a:ln>
           <a:extLst>
             <a:ext uri="{909E8E84-426E-40DD-AFC4-6F175D3DCCD1}">
-              <a14:hiddenFill xmlns="" xmlns:a14="http://schemas.microsoft.com/office/drawing/2010/main">
+              <a14:hiddenFill xmlns:a14="http://schemas.microsoft.com/office/drawing/2010/main">
                 <a:solidFill>
                   <a:srgbClr val="FFFFFF"/>
                 </a:solidFill>
               </a14:hiddenFill>
             </a:ext>
             <a:ext uri="{91240B29-F687-4F45-9708-019B960494DF}">
-              <a14:hiddenLine xmlns="" xmlns:a14="http://schemas.microsoft.com/office/drawing/2010/main" w="9525">
+              <a14:hiddenLine xmlns:a14="http://schemas.microsoft.com/office/drawing/2010/main" w="9525">
                 <a:solidFill>
                   <a:srgbClr val="000000"/>
                 </a:solidFill>
@@ -857,14 +857,14 @@
           </a:ln>
           <a:extLst>
             <a:ext uri="{909E8E84-426E-40DD-AFC4-6F175D3DCCD1}">
-              <a14:hiddenFill xmlns="" xmlns:a14="http://schemas.microsoft.com/office/drawing/2010/main">
+              <a14:hiddenFill xmlns:a14="http://schemas.microsoft.com/office/drawing/2010/main">
                 <a:solidFill>
                   <a:srgbClr val="FFFFFF"/>
                 </a:solidFill>
               </a14:hiddenFill>
             </a:ext>
             <a:ext uri="{91240B29-F687-4F45-9708-019B960494DF}">
-              <a14:hiddenLine xmlns="" xmlns:a14="http://schemas.microsoft.com/office/drawing/2010/main" w="9525">
+              <a14:hiddenLine xmlns:a14="http://schemas.microsoft.com/office/drawing/2010/main" w="9525">
                 <a:solidFill>
                   <a:srgbClr val="000000"/>
                 </a:solidFill>
@@ -904,7 +904,7 @@
     </p:spTree>
     <p:extLst>
       <p:ext uri="{BB962C8B-B14F-4D97-AF65-F5344CB8AC3E}">
-        <p14:creationId xmlns="" xmlns:p14="http://schemas.microsoft.com/office/powerpoint/2010/main" val="337644907"/>
+        <p14:creationId xmlns:p14="http://schemas.microsoft.com/office/powerpoint/2010/main" val="337644907"/>
       </p:ext>
     </p:extLst>
   </p:cSld>
@@ -1057,7 +1057,7 @@
           <p:cNvPr id="3" name="Slide Number Placeholder 9">
             <a:extLst>
               <a:ext uri="{FF2B5EF4-FFF2-40B4-BE49-F238E27FC236}">
-                <a16:creationId xmlns="" xmlns:a16="http://schemas.microsoft.com/office/drawing/2014/main" id="{0824B341-A537-41D0-9C5E-E90A67A899E3}"/>
+                <a16:creationId xmlns:a16="http://schemas.microsoft.com/office/drawing/2014/main" id="{0824B341-A537-41D0-9C5E-E90A67A899E3}"/>
               </a:ext>
             </a:extLst>
           </p:cNvPr>
@@ -1102,7 +1102,7 @@
     </p:spTree>
     <p:extLst>
       <p:ext uri="{BB962C8B-B14F-4D97-AF65-F5344CB8AC3E}">
-        <p14:creationId xmlns="" xmlns:p14="http://schemas.microsoft.com/office/powerpoint/2010/main" val="2929055857"/>
+        <p14:creationId xmlns:p14="http://schemas.microsoft.com/office/powerpoint/2010/main" val="2929055857"/>
       </p:ext>
     </p:extLst>
   </p:cSld>
@@ -1145,7 +1145,7 @@
           <a:lstStyle/>
           <a:p>
             <a:r>
-              <a:rPr lang="en-US" smtClean="0"/>
+              <a:rPr lang="en-US"/>
               <a:t>Click to edit Master title style</a:t>
             </a:r>
             <a:endParaRPr lang="en-US" dirty="0"/>
@@ -1222,7 +1222,7 @@
     </p:spTree>
     <p:extLst>
       <p:ext uri="{BB962C8B-B14F-4D97-AF65-F5344CB8AC3E}">
-        <p14:creationId xmlns="" xmlns:p14="http://schemas.microsoft.com/office/powerpoint/2010/main" val="2910757607"/>
+        <p14:creationId xmlns:p14="http://schemas.microsoft.com/office/powerpoint/2010/main" val="2910757607"/>
       </p:ext>
     </p:extLst>
   </p:cSld>
@@ -1320,7 +1320,7 @@
     </p:spTree>
     <p:extLst>
       <p:ext uri="{BB962C8B-B14F-4D97-AF65-F5344CB8AC3E}">
-        <p14:creationId xmlns="" xmlns:p14="http://schemas.microsoft.com/office/powerpoint/2010/main" val="2654930218"/>
+        <p14:creationId xmlns:p14="http://schemas.microsoft.com/office/powerpoint/2010/main" val="2654930218"/>
       </p:ext>
     </p:extLst>
   </p:cSld>
@@ -1372,7 +1372,7 @@
           </a:lstStyle>
           <a:p>
             <a:r>
-              <a:rPr lang="en-US" smtClean="0"/>
+              <a:rPr lang="en-US"/>
               <a:t>Click to edit Master title style</a:t>
             </a:r>
             <a:endParaRPr lang="en-US" dirty="0"/>
@@ -1429,35 +1429,35 @@
           <a:p>
             <a:pPr lvl="0"/>
             <a:r>
-              <a:rPr lang="en-US" smtClean="0"/>
+              <a:rPr lang="en-US"/>
               <a:t>Edit Master text styles</a:t>
             </a:r>
           </a:p>
           <a:p>
             <a:pPr lvl="1"/>
             <a:r>
-              <a:rPr lang="en-US" smtClean="0"/>
+              <a:rPr lang="en-US"/>
               <a:t>Second level</a:t>
             </a:r>
           </a:p>
           <a:p>
             <a:pPr lvl="2"/>
             <a:r>
-              <a:rPr lang="en-US" smtClean="0"/>
+              <a:rPr lang="en-US"/>
               <a:t>Third level</a:t>
             </a:r>
           </a:p>
           <a:p>
             <a:pPr lvl="3"/>
             <a:r>
-              <a:rPr lang="en-US" smtClean="0"/>
+              <a:rPr lang="en-US"/>
               <a:t>Fourth level</a:t>
             </a:r>
           </a:p>
           <a:p>
             <a:pPr lvl="4"/>
             <a:r>
-              <a:rPr lang="en-US" smtClean="0"/>
+              <a:rPr lang="en-US"/>
               <a:t>Fifth level</a:t>
             </a:r>
             <a:endParaRPr lang="en-US" dirty="0"/>
@@ -1523,7 +1523,7 @@
           <a:p>
             <a:pPr lvl="0"/>
             <a:r>
-              <a:rPr lang="en-US" smtClean="0"/>
+              <a:rPr lang="en-US"/>
               <a:t>Edit Master text styles</a:t>
             </a:r>
           </a:p>
@@ -1599,7 +1599,7 @@
     </p:spTree>
     <p:extLst>
       <p:ext uri="{BB962C8B-B14F-4D97-AF65-F5344CB8AC3E}">
-        <p14:creationId xmlns="" xmlns:p14="http://schemas.microsoft.com/office/powerpoint/2010/main" val="1725405766"/>
+        <p14:creationId xmlns:p14="http://schemas.microsoft.com/office/powerpoint/2010/main" val="1725405766"/>
       </p:ext>
     </p:extLst>
   </p:cSld>
@@ -1652,7 +1652,7 @@
           </a:lstStyle>
           <a:p>
             <a:r>
-              <a:rPr lang="en-US" smtClean="0"/>
+              <a:rPr lang="en-US"/>
               <a:t>Click to edit Master title style</a:t>
             </a:r>
             <a:endParaRPr lang="en-US" dirty="0"/>
@@ -1717,7 +1717,7 @@
           </a:lstStyle>
           <a:p>
             <a:r>
-              <a:rPr lang="en-US" smtClean="0"/>
+              <a:rPr lang="en-US"/>
               <a:t>Click icon to add picture</a:t>
             </a:r>
             <a:endParaRPr lang="en-US" dirty="0"/>
@@ -1783,7 +1783,7 @@
           <a:p>
             <a:pPr lvl="0"/>
             <a:r>
-              <a:rPr lang="en-US" smtClean="0"/>
+              <a:rPr lang="en-US"/>
               <a:t>Edit Master text styles</a:t>
             </a:r>
           </a:p>
@@ -1859,7 +1859,7 @@
     </p:spTree>
     <p:extLst>
       <p:ext uri="{BB962C8B-B14F-4D97-AF65-F5344CB8AC3E}">
-        <p14:creationId xmlns="" xmlns:p14="http://schemas.microsoft.com/office/powerpoint/2010/main" val="2803994566"/>
+        <p14:creationId xmlns:p14="http://schemas.microsoft.com/office/powerpoint/2010/main" val="2803994566"/>
       </p:ext>
     </p:extLst>
   </p:cSld>
@@ -1903,7 +1903,7 @@
           <a:lstStyle/>
           <a:p>
             <a:r>
-              <a:rPr lang="en-US" smtClean="0"/>
+              <a:rPr lang="en-US"/>
               <a:t>Click to edit Master title style</a:t>
             </a:r>
             <a:endParaRPr lang="en-US" dirty="0"/>
@@ -1927,35 +1927,35 @@
           <a:p>
             <a:pPr lvl="0"/>
             <a:r>
-              <a:rPr lang="en-US" smtClean="0"/>
+              <a:rPr lang="en-US"/>
               <a:t>Edit Master text styles</a:t>
             </a:r>
           </a:p>
           <a:p>
             <a:pPr lvl="1"/>
             <a:r>
-              <a:rPr lang="en-US" smtClean="0"/>
+              <a:rPr lang="en-US"/>
               <a:t>Second level</a:t>
             </a:r>
           </a:p>
           <a:p>
             <a:pPr lvl="2"/>
             <a:r>
-              <a:rPr lang="en-US" smtClean="0"/>
+              <a:rPr lang="en-US"/>
               <a:t>Third level</a:t>
             </a:r>
           </a:p>
           <a:p>
             <a:pPr lvl="3"/>
             <a:r>
-              <a:rPr lang="en-US" smtClean="0"/>
+              <a:rPr lang="en-US"/>
               <a:t>Fourth level</a:t>
             </a:r>
           </a:p>
           <a:p>
             <a:pPr lvl="4"/>
             <a:r>
-              <a:rPr lang="en-US" smtClean="0"/>
+              <a:rPr lang="en-US"/>
               <a:t>Fifth level</a:t>
             </a:r>
             <a:endParaRPr lang="en-US" dirty="0"/>
@@ -2032,7 +2032,7 @@
     </p:spTree>
     <p:extLst>
       <p:ext uri="{BB962C8B-B14F-4D97-AF65-F5344CB8AC3E}">
-        <p14:creationId xmlns="" xmlns:p14="http://schemas.microsoft.com/office/powerpoint/2010/main" val="1139302145"/>
+        <p14:creationId xmlns:p14="http://schemas.microsoft.com/office/powerpoint/2010/main" val="1139302145"/>
       </p:ext>
     </p:extLst>
   </p:cSld>
@@ -2081,7 +2081,7 @@
           <a:lstStyle/>
           <a:p>
             <a:r>
-              <a:rPr lang="en-US" smtClean="0"/>
+              <a:rPr lang="en-US"/>
               <a:t>Click to edit Master title style</a:t>
             </a:r>
             <a:endParaRPr lang="en-US" dirty="0"/>
@@ -2110,35 +2110,35 @@
           <a:p>
             <a:pPr lvl="0"/>
             <a:r>
-              <a:rPr lang="en-US" smtClean="0"/>
+              <a:rPr lang="en-US"/>
               <a:t>Edit Master text styles</a:t>
             </a:r>
           </a:p>
           <a:p>
             <a:pPr lvl="1"/>
             <a:r>
-              <a:rPr lang="en-US" smtClean="0"/>
+              <a:rPr lang="en-US"/>
               <a:t>Second level</a:t>
             </a:r>
           </a:p>
           <a:p>
             <a:pPr lvl="2"/>
             <a:r>
-              <a:rPr lang="en-US" smtClean="0"/>
+              <a:rPr lang="en-US"/>
               <a:t>Third level</a:t>
             </a:r>
           </a:p>
           <a:p>
             <a:pPr lvl="3"/>
             <a:r>
-              <a:rPr lang="en-US" smtClean="0"/>
+              <a:rPr lang="en-US"/>
               <a:t>Fourth level</a:t>
             </a:r>
           </a:p>
           <a:p>
             <a:pPr lvl="4"/>
             <a:r>
-              <a:rPr lang="en-US" smtClean="0"/>
+              <a:rPr lang="en-US"/>
               <a:t>Fifth level</a:t>
             </a:r>
             <a:endParaRPr lang="en-US" dirty="0"/>
@@ -2215,7 +2215,7 @@
     </p:spTree>
     <p:extLst>
       <p:ext uri="{BB962C8B-B14F-4D97-AF65-F5344CB8AC3E}">
-        <p14:creationId xmlns="" xmlns:p14="http://schemas.microsoft.com/office/powerpoint/2010/main" val="3120758450"/>
+        <p14:creationId xmlns:p14="http://schemas.microsoft.com/office/powerpoint/2010/main" val="3120758450"/>
       </p:ext>
     </p:extLst>
   </p:cSld>
@@ -2255,7 +2255,7 @@
           <a:blip r:embed="rId2">
             <a:extLst>
               <a:ext uri="{28A0092B-C50C-407E-A947-70E740481C1C}">
-                <a14:useLocalDpi xmlns="" xmlns:a14="http://schemas.microsoft.com/office/drawing/2010/main"/>
+                <a14:useLocalDpi xmlns:a14="http://schemas.microsoft.com/office/drawing/2010/main"/>
               </a:ext>
             </a:extLst>
           </a:blip>
@@ -2276,7 +2276,7 @@
     </p:spTree>
     <p:extLst>
       <p:ext uri="{BB962C8B-B14F-4D97-AF65-F5344CB8AC3E}">
-        <p14:creationId xmlns="" xmlns:p14="http://schemas.microsoft.com/office/powerpoint/2010/main" val="2044740177"/>
+        <p14:creationId xmlns:p14="http://schemas.microsoft.com/office/powerpoint/2010/main" val="2044740177"/>
       </p:ext>
     </p:extLst>
   </p:cSld>
@@ -2407,7 +2407,7 @@
           <a:blip r:embed="rId2">
             <a:extLst>
               <a:ext uri="{28A0092B-C50C-407E-A947-70E740481C1C}">
-                <a14:useLocalDpi xmlns="" xmlns:a14="http://schemas.microsoft.com/office/drawing/2010/main" val="0"/>
+                <a14:useLocalDpi xmlns:a14="http://schemas.microsoft.com/office/drawing/2010/main" val="0"/>
               </a:ext>
             </a:extLst>
           </a:blip>
@@ -2427,7 +2427,7 @@
           <a:noFill/>
           <a:extLst>
             <a:ext uri="{909E8E84-426E-40DD-AFC4-6F175D3DCCD1}">
-              <a14:hiddenFill xmlns="" xmlns:a14="http://schemas.microsoft.com/office/drawing/2010/main">
+              <a14:hiddenFill xmlns:a14="http://schemas.microsoft.com/office/drawing/2010/main">
                 <a:solidFill>
                   <a:srgbClr val="FFFFFF"/>
                 </a:solidFill>
@@ -2535,7 +2535,7 @@
           <a:blip r:embed="rId3">
             <a:extLst>
               <a:ext uri="{28A0092B-C50C-407E-A947-70E740481C1C}">
-                <a14:useLocalDpi xmlns="" xmlns:a14="http://schemas.microsoft.com/office/drawing/2010/main" val="0"/>
+                <a14:useLocalDpi xmlns:a14="http://schemas.microsoft.com/office/drawing/2010/main" val="0"/>
               </a:ext>
             </a:extLst>
           </a:blip>
@@ -2555,7 +2555,7 @@
           <a:noFill/>
           <a:extLst>
             <a:ext uri="{909E8E84-426E-40DD-AFC4-6F175D3DCCD1}">
-              <a14:hiddenFill xmlns="" xmlns:a14="http://schemas.microsoft.com/office/drawing/2010/main">
+              <a14:hiddenFill xmlns:a14="http://schemas.microsoft.com/office/drawing/2010/main">
                 <a:solidFill>
                   <a:srgbClr val="FFFFFF"/>
                 </a:solidFill>
@@ -2649,7 +2649,7 @@
           <a:blip r:embed="rId4">
             <a:extLst>
               <a:ext uri="{28A0092B-C50C-407E-A947-70E740481C1C}">
-                <a14:useLocalDpi xmlns="" xmlns:a14="http://schemas.microsoft.com/office/drawing/2010/main" val="0"/>
+                <a14:useLocalDpi xmlns:a14="http://schemas.microsoft.com/office/drawing/2010/main" val="0"/>
               </a:ext>
             </a:extLst>
           </a:blip>
@@ -2670,7 +2670,7 @@
     </p:spTree>
     <p:extLst>
       <p:ext uri="{BB962C8B-B14F-4D97-AF65-F5344CB8AC3E}">
-        <p14:creationId xmlns="" xmlns:p14="http://schemas.microsoft.com/office/powerpoint/2010/main" val="2294743319"/>
+        <p14:creationId xmlns:p14="http://schemas.microsoft.com/office/powerpoint/2010/main" val="2294743319"/>
       </p:ext>
     </p:extLst>
   </p:cSld>
@@ -2709,7 +2709,7 @@
           <a:blip r:embed="rId2">
             <a:extLst>
               <a:ext uri="{28A0092B-C50C-407E-A947-70E740481C1C}">
-                <a14:useLocalDpi xmlns="" xmlns:a14="http://schemas.microsoft.com/office/drawing/2010/main"/>
+                <a14:useLocalDpi xmlns:a14="http://schemas.microsoft.com/office/drawing/2010/main"/>
               </a:ext>
             </a:extLst>
           </a:blip>
@@ -2730,7 +2730,7 @@
     </p:spTree>
     <p:extLst>
       <p:ext uri="{BB962C8B-B14F-4D97-AF65-F5344CB8AC3E}">
-        <p14:creationId xmlns="" xmlns:p14="http://schemas.microsoft.com/office/powerpoint/2010/main" val="2952437865"/>
+        <p14:creationId xmlns:p14="http://schemas.microsoft.com/office/powerpoint/2010/main" val="2952437865"/>
       </p:ext>
     </p:extLst>
   </p:cSld>
@@ -2769,7 +2769,7 @@
           <a:blip r:embed="rId2">
             <a:extLst>
               <a:ext uri="{28A0092B-C50C-407E-A947-70E740481C1C}">
-                <a14:useLocalDpi xmlns="" xmlns:a14="http://schemas.microsoft.com/office/drawing/2010/main"/>
+                <a14:useLocalDpi xmlns:a14="http://schemas.microsoft.com/office/drawing/2010/main"/>
               </a:ext>
             </a:extLst>
           </a:blip>
@@ -2790,7 +2790,7 @@
     </p:spTree>
     <p:extLst>
       <p:ext uri="{BB962C8B-B14F-4D97-AF65-F5344CB8AC3E}">
-        <p14:creationId xmlns="" xmlns:p14="http://schemas.microsoft.com/office/powerpoint/2010/main" val="1459302520"/>
+        <p14:creationId xmlns:p14="http://schemas.microsoft.com/office/powerpoint/2010/main" val="1459302520"/>
       </p:ext>
     </p:extLst>
   </p:cSld>
@@ -2829,7 +2829,7 @@
           <a:blip r:embed="rId2">
             <a:extLst>
               <a:ext uri="{28A0092B-C50C-407E-A947-70E740481C1C}">
-                <a14:useLocalDpi xmlns="" xmlns:a14="http://schemas.microsoft.com/office/drawing/2010/main"/>
+                <a14:useLocalDpi xmlns:a14="http://schemas.microsoft.com/office/drawing/2010/main"/>
               </a:ext>
             </a:extLst>
           </a:blip>
@@ -2850,7 +2850,7 @@
     </p:spTree>
     <p:extLst>
       <p:ext uri="{BB962C8B-B14F-4D97-AF65-F5344CB8AC3E}">
-        <p14:creationId xmlns="" xmlns:p14="http://schemas.microsoft.com/office/powerpoint/2010/main" val="4144934148"/>
+        <p14:creationId xmlns:p14="http://schemas.microsoft.com/office/powerpoint/2010/main" val="4144934148"/>
       </p:ext>
     </p:extLst>
   </p:cSld>
@@ -2902,7 +2902,7 @@
           </a:lstStyle>
           <a:p>
             <a:r>
-              <a:rPr lang="en-US" smtClean="0"/>
+              <a:rPr lang="en-US"/>
               <a:t>Click to edit Master title style</a:t>
             </a:r>
             <a:endParaRPr lang="en-US" dirty="0"/>
@@ -2967,7 +2967,7 @@
           </a:lstStyle>
           <a:p>
             <a:r>
-              <a:rPr lang="en-US" smtClean="0"/>
+              <a:rPr lang="en-US"/>
               <a:t>Click to edit Master subtitle style</a:t>
             </a:r>
             <a:endParaRPr lang="en-US" dirty="0"/>
@@ -3044,7 +3044,7 @@
     </p:spTree>
     <p:extLst>
       <p:ext uri="{BB962C8B-B14F-4D97-AF65-F5344CB8AC3E}">
-        <p14:creationId xmlns="" xmlns:p14="http://schemas.microsoft.com/office/powerpoint/2010/main" val="3197210111"/>
+        <p14:creationId xmlns:p14="http://schemas.microsoft.com/office/powerpoint/2010/main" val="3197210111"/>
       </p:ext>
     </p:extLst>
   </p:cSld>
@@ -3088,7 +3088,7 @@
           <a:lstStyle/>
           <a:p>
             <a:r>
-              <a:rPr lang="en-US" smtClean="0"/>
+              <a:rPr lang="en-US"/>
               <a:t>Click to edit Master title style</a:t>
             </a:r>
             <a:endParaRPr lang="en-US" dirty="0"/>
@@ -3112,35 +3112,35 @@
           <a:p>
             <a:pPr lvl="0"/>
             <a:r>
-              <a:rPr lang="en-US" smtClean="0"/>
+              <a:rPr lang="en-US"/>
               <a:t>Edit Master text styles</a:t>
             </a:r>
           </a:p>
           <a:p>
             <a:pPr lvl="1"/>
             <a:r>
-              <a:rPr lang="en-US" smtClean="0"/>
+              <a:rPr lang="en-US"/>
               <a:t>Second level</a:t>
             </a:r>
           </a:p>
           <a:p>
             <a:pPr lvl="2"/>
             <a:r>
-              <a:rPr lang="en-US" smtClean="0"/>
+              <a:rPr lang="en-US"/>
               <a:t>Third level</a:t>
             </a:r>
           </a:p>
           <a:p>
             <a:pPr lvl="3"/>
             <a:r>
-              <a:rPr lang="en-US" smtClean="0"/>
+              <a:rPr lang="en-US"/>
               <a:t>Fourth level</a:t>
             </a:r>
           </a:p>
           <a:p>
             <a:pPr lvl="4"/>
             <a:r>
-              <a:rPr lang="en-US" smtClean="0"/>
+              <a:rPr lang="en-US"/>
               <a:t>Fifth level</a:t>
             </a:r>
             <a:endParaRPr lang="en-US" dirty="0"/>
@@ -3217,7 +3217,7 @@
     </p:spTree>
     <p:extLst>
       <p:ext uri="{BB962C8B-B14F-4D97-AF65-F5344CB8AC3E}">
-        <p14:creationId xmlns="" xmlns:p14="http://schemas.microsoft.com/office/powerpoint/2010/main" val="821202767"/>
+        <p14:creationId xmlns:p14="http://schemas.microsoft.com/office/powerpoint/2010/main" val="821202767"/>
       </p:ext>
     </p:extLst>
   </p:cSld>
@@ -3270,7 +3270,7 @@
           </a:lstStyle>
           <a:p>
             <a:r>
-              <a:rPr lang="en-US" smtClean="0"/>
+              <a:rPr lang="en-US"/>
               <a:t>Click to edit Master title style</a:t>
             </a:r>
             <a:endParaRPr lang="en-US" dirty="0"/>
@@ -3390,7 +3390,7 @@
           <a:p>
             <a:pPr lvl="0"/>
             <a:r>
-              <a:rPr lang="en-US" smtClean="0"/>
+              <a:rPr lang="en-US"/>
               <a:t>Edit Master text styles</a:t>
             </a:r>
           </a:p>
@@ -3466,7 +3466,7 @@
     </p:spTree>
     <p:extLst>
       <p:ext uri="{BB962C8B-B14F-4D97-AF65-F5344CB8AC3E}">
-        <p14:creationId xmlns="" xmlns:p14="http://schemas.microsoft.com/office/powerpoint/2010/main" val="3599131989"/>
+        <p14:creationId xmlns:p14="http://schemas.microsoft.com/office/powerpoint/2010/main" val="3599131989"/>
       </p:ext>
     </p:extLst>
   </p:cSld>
@@ -3510,7 +3510,7 @@
           <a:lstStyle/>
           <a:p>
             <a:r>
-              <a:rPr lang="en-US" smtClean="0"/>
+              <a:rPr lang="en-US"/>
               <a:t>Click to edit Master title style</a:t>
             </a:r>
             <a:endParaRPr lang="en-US" dirty="0"/>
@@ -3539,35 +3539,35 @@
           <a:p>
             <a:pPr lvl="0"/>
             <a:r>
-              <a:rPr lang="en-US" smtClean="0"/>
+              <a:rPr lang="en-US"/>
               <a:t>Edit Master text styles</a:t>
             </a:r>
           </a:p>
           <a:p>
             <a:pPr lvl="1"/>
             <a:r>
-              <a:rPr lang="en-US" smtClean="0"/>
+              <a:rPr lang="en-US"/>
               <a:t>Second level</a:t>
             </a:r>
           </a:p>
           <a:p>
             <a:pPr lvl="2"/>
             <a:r>
-              <a:rPr lang="en-US" smtClean="0"/>
+              <a:rPr lang="en-US"/>
               <a:t>Third level</a:t>
             </a:r>
           </a:p>
           <a:p>
             <a:pPr lvl="3"/>
             <a:r>
-              <a:rPr lang="en-US" smtClean="0"/>
+              <a:rPr lang="en-US"/>
               <a:t>Fourth level</a:t>
             </a:r>
           </a:p>
           <a:p>
             <a:pPr lvl="4"/>
             <a:r>
-              <a:rPr lang="en-US" smtClean="0"/>
+              <a:rPr lang="en-US"/>
               <a:t>Fifth level</a:t>
             </a:r>
             <a:endParaRPr lang="en-US" dirty="0"/>
@@ -3596,35 +3596,35 @@
           <a:p>
             <a:pPr lvl="0"/>
             <a:r>
-              <a:rPr lang="en-US" smtClean="0"/>
+              <a:rPr lang="en-US"/>
               <a:t>Edit Master text styles</a:t>
             </a:r>
           </a:p>
           <a:p>
             <a:pPr lvl="1"/>
             <a:r>
-              <a:rPr lang="en-US" smtClean="0"/>
+              <a:rPr lang="en-US"/>
               <a:t>Second level</a:t>
             </a:r>
           </a:p>
           <a:p>
             <a:pPr lvl="2"/>
             <a:r>
-              <a:rPr lang="en-US" smtClean="0"/>
+              <a:rPr lang="en-US"/>
               <a:t>Third level</a:t>
             </a:r>
           </a:p>
           <a:p>
             <a:pPr lvl="3"/>
             <a:r>
-              <a:rPr lang="en-US" smtClean="0"/>
+              <a:rPr lang="en-US"/>
               <a:t>Fourth level</a:t>
             </a:r>
           </a:p>
           <a:p>
             <a:pPr lvl="4"/>
             <a:r>
-              <a:rPr lang="en-US" smtClean="0"/>
+              <a:rPr lang="en-US"/>
               <a:t>Fifth level</a:t>
             </a:r>
             <a:endParaRPr lang="en-US" dirty="0"/>
@@ -3701,7 +3701,7 @@
     </p:spTree>
     <p:extLst>
       <p:ext uri="{BB962C8B-B14F-4D97-AF65-F5344CB8AC3E}">
-        <p14:creationId xmlns="" xmlns:p14="http://schemas.microsoft.com/office/powerpoint/2010/main" val="2380911176"/>
+        <p14:creationId xmlns:p14="http://schemas.microsoft.com/office/powerpoint/2010/main" val="2380911176"/>
       </p:ext>
     </p:extLst>
   </p:cSld>
@@ -3750,7 +3750,7 @@
           <a:lstStyle/>
           <a:p>
             <a:r>
-              <a:rPr lang="en-US" smtClean="0"/>
+              <a:rPr lang="en-US"/>
               <a:t>Click to edit Master title style</a:t>
             </a:r>
             <a:endParaRPr lang="en-US" dirty="0"/>
@@ -3816,7 +3816,7 @@
           <a:p>
             <a:pPr lvl="0"/>
             <a:r>
-              <a:rPr lang="en-US" smtClean="0"/>
+              <a:rPr lang="en-US"/>
               <a:t>Edit Master text styles</a:t>
             </a:r>
           </a:p>
@@ -3844,35 +3844,35 @@
           <a:p>
             <a:pPr lvl="0"/>
             <a:r>
-              <a:rPr lang="en-US" smtClean="0"/>
+              <a:rPr lang="en-US"/>
               <a:t>Edit Master text styles</a:t>
             </a:r>
           </a:p>
           <a:p>
             <a:pPr lvl="1"/>
             <a:r>
-              <a:rPr lang="en-US" smtClean="0"/>
+              <a:rPr lang="en-US"/>
               <a:t>Second level</a:t>
             </a:r>
           </a:p>
           <a:p>
             <a:pPr lvl="2"/>
             <a:r>
-              <a:rPr lang="en-US" smtClean="0"/>
+              <a:rPr lang="en-US"/>
               <a:t>Third level</a:t>
             </a:r>
           </a:p>
           <a:p>
             <a:pPr lvl="3"/>
             <a:r>
-              <a:rPr lang="en-US" smtClean="0"/>
+              <a:rPr lang="en-US"/>
               <a:t>Fourth level</a:t>
             </a:r>
           </a:p>
           <a:p>
             <a:pPr lvl="4"/>
             <a:r>
-              <a:rPr lang="en-US" smtClean="0"/>
+              <a:rPr lang="en-US"/>
               <a:t>Fifth level</a:t>
             </a:r>
             <a:endParaRPr lang="en-US" dirty="0"/>
@@ -3938,7 +3938,7 @@
           <a:p>
             <a:pPr lvl="0"/>
             <a:r>
-              <a:rPr lang="en-US" smtClean="0"/>
+              <a:rPr lang="en-US"/>
               <a:t>Edit Master text styles</a:t>
             </a:r>
           </a:p>
@@ -3966,35 +3966,35 @@
           <a:p>
             <a:pPr lvl="0"/>
             <a:r>
-              <a:rPr lang="en-US" smtClean="0"/>
+              <a:rPr lang="en-US"/>
               <a:t>Edit Master text styles</a:t>
             </a:r>
           </a:p>
           <a:p>
             <a:pPr lvl="1"/>
             <a:r>
-              <a:rPr lang="en-US" smtClean="0"/>
+              <a:rPr lang="en-US"/>
               <a:t>Second level</a:t>
             </a:r>
           </a:p>
           <a:p>
             <a:pPr lvl="2"/>
             <a:r>
-              <a:rPr lang="en-US" smtClean="0"/>
+              <a:rPr lang="en-US"/>
               <a:t>Third level</a:t>
             </a:r>
           </a:p>
           <a:p>
             <a:pPr lvl="3"/>
             <a:r>
-              <a:rPr lang="en-US" smtClean="0"/>
+              <a:rPr lang="en-US"/>
               <a:t>Fourth level</a:t>
             </a:r>
           </a:p>
           <a:p>
             <a:pPr lvl="4"/>
             <a:r>
-              <a:rPr lang="en-US" smtClean="0"/>
+              <a:rPr lang="en-US"/>
               <a:t>Fifth level</a:t>
             </a:r>
             <a:endParaRPr lang="en-US" dirty="0"/>
@@ -4071,7 +4071,7 @@
     </p:spTree>
     <p:extLst>
       <p:ext uri="{BB962C8B-B14F-4D97-AF65-F5344CB8AC3E}">
-        <p14:creationId xmlns="" xmlns:p14="http://schemas.microsoft.com/office/powerpoint/2010/main" val="2099577844"/>
+        <p14:creationId xmlns:p14="http://schemas.microsoft.com/office/powerpoint/2010/main" val="2099577844"/>
       </p:ext>
     </p:extLst>
   </p:cSld>
@@ -4109,7 +4109,7 @@
           <p:cNvPr id="11" name="Group 8">
             <a:extLst>
               <a:ext uri="{FF2B5EF4-FFF2-40B4-BE49-F238E27FC236}">
-                <a16:creationId xmlns="" xmlns:a16="http://schemas.microsoft.com/office/drawing/2014/main" id="{990C445C-8328-4EE5-8D40-D687DBD5F017}"/>
+                <a16:creationId xmlns:a16="http://schemas.microsoft.com/office/drawing/2014/main" id="{990C445C-8328-4EE5-8D40-D687DBD5F017}"/>
               </a:ext>
             </a:extLst>
           </p:cNvPr>
@@ -4134,7 +4134,7 @@
             <p:cNvPr id="12" name="Freeform 9">
               <a:extLst>
                 <a:ext uri="{FF2B5EF4-FFF2-40B4-BE49-F238E27FC236}">
-                  <a16:creationId xmlns="" xmlns:a16="http://schemas.microsoft.com/office/drawing/2014/main" id="{1FEA314E-6947-4DF2-9592-6BEE532F0D46}"/>
+                  <a16:creationId xmlns:a16="http://schemas.microsoft.com/office/drawing/2014/main" id="{1FEA314E-6947-4DF2-9592-6BEE532F0D46}"/>
                 </a:ext>
               </a:extLst>
             </p:cNvPr>
@@ -4272,7 +4272,7 @@
             </a:ln>
             <a:extLst>
               <a:ext uri="{91240B29-F687-4F45-9708-019B960494DF}">
-                <a14:hiddenLine xmlns="" xmlns:a14="http://schemas.microsoft.com/office/drawing/2010/main" w="9525">
+                <a14:hiddenLine xmlns:a14="http://schemas.microsoft.com/office/drawing/2010/main" w="9525">
                   <a:solidFill>
                     <a:srgbClr val="000000"/>
                   </a:solidFill>
@@ -4304,7 +4304,7 @@
             <p:cNvPr id="13" name="Freeform 10">
               <a:extLst>
                 <a:ext uri="{FF2B5EF4-FFF2-40B4-BE49-F238E27FC236}">
-                  <a16:creationId xmlns="" xmlns:a16="http://schemas.microsoft.com/office/drawing/2014/main" id="{C69ED7F0-571C-4EA8-848B-5F4469D00E18}"/>
+                  <a16:creationId xmlns:a16="http://schemas.microsoft.com/office/drawing/2014/main" id="{C69ED7F0-571C-4EA8-848B-5F4469D00E18}"/>
                 </a:ext>
               </a:extLst>
             </p:cNvPr>
@@ -4441,7 +4441,7 @@
             </a:ln>
             <a:extLst>
               <a:ext uri="{91240B29-F687-4F45-9708-019B960494DF}">
-                <a14:hiddenLine xmlns="" xmlns:a14="http://schemas.microsoft.com/office/drawing/2010/main" w="9525">
+                <a14:hiddenLine xmlns:a14="http://schemas.microsoft.com/office/drawing/2010/main" w="9525">
                   <a:solidFill>
                     <a:srgbClr val="000000"/>
                   </a:solidFill>
@@ -4473,7 +4473,7 @@
             <p:cNvPr id="14" name="Freeform 11">
               <a:extLst>
                 <a:ext uri="{FF2B5EF4-FFF2-40B4-BE49-F238E27FC236}">
-                  <a16:creationId xmlns="" xmlns:a16="http://schemas.microsoft.com/office/drawing/2014/main" id="{A68BAC78-5965-46F3-8C81-A57DFDA97597}"/>
+                  <a16:creationId xmlns:a16="http://schemas.microsoft.com/office/drawing/2014/main" id="{A68BAC78-5965-46F3-8C81-A57DFDA97597}"/>
                 </a:ext>
               </a:extLst>
             </p:cNvPr>
@@ -4571,7 +4571,7 @@
             </a:ln>
             <a:extLst>
               <a:ext uri="{91240B29-F687-4F45-9708-019B960494DF}">
-                <a14:hiddenLine xmlns="" xmlns:a14="http://schemas.microsoft.com/office/drawing/2010/main" w="9525">
+                <a14:hiddenLine xmlns:a14="http://schemas.microsoft.com/office/drawing/2010/main" w="9525">
                   <a:solidFill>
                     <a:srgbClr val="000000"/>
                   </a:solidFill>
@@ -4603,7 +4603,7 @@
             <p:cNvPr id="15" name="Freeform 12">
               <a:extLst>
                 <a:ext uri="{FF2B5EF4-FFF2-40B4-BE49-F238E27FC236}">
-                  <a16:creationId xmlns="" xmlns:a16="http://schemas.microsoft.com/office/drawing/2014/main" id="{244B9C07-B632-47BC-A88C-6A7254792D47}"/>
+                  <a16:creationId xmlns:a16="http://schemas.microsoft.com/office/drawing/2014/main" id="{244B9C07-B632-47BC-A88C-6A7254792D47}"/>
                 </a:ext>
               </a:extLst>
             </p:cNvPr>
@@ -4700,7 +4700,7 @@
             </a:ln>
             <a:extLst>
               <a:ext uri="{91240B29-F687-4F45-9708-019B960494DF}">
-                <a14:hiddenLine xmlns="" xmlns:a14="http://schemas.microsoft.com/office/drawing/2010/main" w="9525">
+                <a14:hiddenLine xmlns:a14="http://schemas.microsoft.com/office/drawing/2010/main" w="9525">
                   <a:solidFill>
                     <a:srgbClr val="000000"/>
                   </a:solidFill>
@@ -4732,7 +4732,7 @@
             <p:cNvPr id="16" name="Freeform 13">
               <a:extLst>
                 <a:ext uri="{FF2B5EF4-FFF2-40B4-BE49-F238E27FC236}">
-                  <a16:creationId xmlns="" xmlns:a16="http://schemas.microsoft.com/office/drawing/2014/main" id="{8CA8903B-D922-44EF-BA50-4BF135F263EB}"/>
+                  <a16:creationId xmlns:a16="http://schemas.microsoft.com/office/drawing/2014/main" id="{8CA8903B-D922-44EF-BA50-4BF135F263EB}"/>
                 </a:ext>
               </a:extLst>
             </p:cNvPr>
@@ -4878,7 +4878,7 @@
             </a:ln>
             <a:extLst>
               <a:ext uri="{91240B29-F687-4F45-9708-019B960494DF}">
-                <a14:hiddenLine xmlns="" xmlns:a14="http://schemas.microsoft.com/office/drawing/2010/main" w="9525">
+                <a14:hiddenLine xmlns:a14="http://schemas.microsoft.com/office/drawing/2010/main" w="9525">
                   <a:solidFill>
                     <a:srgbClr val="000000"/>
                   </a:solidFill>
@@ -4910,7 +4910,7 @@
             <p:cNvPr id="17" name="Freeform 14">
               <a:extLst>
                 <a:ext uri="{FF2B5EF4-FFF2-40B4-BE49-F238E27FC236}">
-                  <a16:creationId xmlns="" xmlns:a16="http://schemas.microsoft.com/office/drawing/2014/main" id="{AF7B5DE2-A000-4DFD-8F7E-20D8406AB895}"/>
+                  <a16:creationId xmlns:a16="http://schemas.microsoft.com/office/drawing/2014/main" id="{AF7B5DE2-A000-4DFD-8F7E-20D8406AB895}"/>
                 </a:ext>
               </a:extLst>
             </p:cNvPr>
@@ -5055,7 +5055,7 @@
             </a:ln>
             <a:extLst>
               <a:ext uri="{91240B29-F687-4F45-9708-019B960494DF}">
-                <a14:hiddenLine xmlns="" xmlns:a14="http://schemas.microsoft.com/office/drawing/2010/main" w="9525">
+                <a14:hiddenLine xmlns:a14="http://schemas.microsoft.com/office/drawing/2010/main" w="9525">
                   <a:solidFill>
                     <a:srgbClr val="000000"/>
                   </a:solidFill>
@@ -5087,7 +5087,7 @@
             <p:cNvPr id="18" name="Freeform 15">
               <a:extLst>
                 <a:ext uri="{FF2B5EF4-FFF2-40B4-BE49-F238E27FC236}">
-                  <a16:creationId xmlns="" xmlns:a16="http://schemas.microsoft.com/office/drawing/2014/main" id="{4CBEF8A8-1508-462A-BC3D-95D084C0156B}"/>
+                  <a16:creationId xmlns:a16="http://schemas.microsoft.com/office/drawing/2014/main" id="{4CBEF8A8-1508-462A-BC3D-95D084C0156B}"/>
                 </a:ext>
               </a:extLst>
             </p:cNvPr>
@@ -5258,7 +5258,7 @@
             </a:ln>
             <a:extLst>
               <a:ext uri="{91240B29-F687-4F45-9708-019B960494DF}">
-                <a14:hiddenLine xmlns="" xmlns:a14="http://schemas.microsoft.com/office/drawing/2010/main" w="9525">
+                <a14:hiddenLine xmlns:a14="http://schemas.microsoft.com/office/drawing/2010/main" w="9525">
                   <a:solidFill>
                     <a:srgbClr val="000000"/>
                   </a:solidFill>
@@ -5290,7 +5290,7 @@
             <p:cNvPr id="19" name="Freeform 16">
               <a:extLst>
                 <a:ext uri="{FF2B5EF4-FFF2-40B4-BE49-F238E27FC236}">
-                  <a16:creationId xmlns="" xmlns:a16="http://schemas.microsoft.com/office/drawing/2014/main" id="{6CD96781-6FAB-419E-969D-11E6DBB3397D}"/>
+                  <a16:creationId xmlns:a16="http://schemas.microsoft.com/office/drawing/2014/main" id="{6CD96781-6FAB-419E-969D-11E6DBB3397D}"/>
                 </a:ext>
               </a:extLst>
             </p:cNvPr>
@@ -5459,7 +5459,7 @@
             </a:ln>
             <a:extLst>
               <a:ext uri="{91240B29-F687-4F45-9708-019B960494DF}">
-                <a14:hiddenLine xmlns="" xmlns:a14="http://schemas.microsoft.com/office/drawing/2010/main" w="9525">
+                <a14:hiddenLine xmlns:a14="http://schemas.microsoft.com/office/drawing/2010/main" w="9525">
                   <a:solidFill>
                     <a:srgbClr val="000000"/>
                   </a:solidFill>
@@ -5491,7 +5491,7 @@
             <p:cNvPr id="20" name="Freeform 17">
               <a:extLst>
                 <a:ext uri="{FF2B5EF4-FFF2-40B4-BE49-F238E27FC236}">
-                  <a16:creationId xmlns="" xmlns:a16="http://schemas.microsoft.com/office/drawing/2014/main" id="{6E0F8BBD-9C30-4BF2-9143-0A5CB23756EE}"/>
+                  <a16:creationId xmlns:a16="http://schemas.microsoft.com/office/drawing/2014/main" id="{6E0F8BBD-9C30-4BF2-9143-0A5CB23756EE}"/>
                 </a:ext>
               </a:extLst>
             </p:cNvPr>
@@ -5677,7 +5677,7 @@
             </a:ln>
             <a:extLst>
               <a:ext uri="{91240B29-F687-4F45-9708-019B960494DF}">
-                <a14:hiddenLine xmlns="" xmlns:a14="http://schemas.microsoft.com/office/drawing/2010/main" w="9525">
+                <a14:hiddenLine xmlns:a14="http://schemas.microsoft.com/office/drawing/2010/main" w="9525">
                   <a:solidFill>
                     <a:srgbClr val="000000"/>
                   </a:solidFill>
@@ -5709,7 +5709,7 @@
             <p:cNvPr id="21" name="Freeform 18">
               <a:extLst>
                 <a:ext uri="{FF2B5EF4-FFF2-40B4-BE49-F238E27FC236}">
-                  <a16:creationId xmlns="" xmlns:a16="http://schemas.microsoft.com/office/drawing/2014/main" id="{20E63CD3-D0F2-4C20-BF21-5EA41A706D88}"/>
+                  <a16:creationId xmlns:a16="http://schemas.microsoft.com/office/drawing/2014/main" id="{20E63CD3-D0F2-4C20-BF21-5EA41A706D88}"/>
                 </a:ext>
               </a:extLst>
             </p:cNvPr>
@@ -5894,7 +5894,7 @@
             </a:ln>
             <a:extLst>
               <a:ext uri="{91240B29-F687-4F45-9708-019B960494DF}">
-                <a14:hiddenLine xmlns="" xmlns:a14="http://schemas.microsoft.com/office/drawing/2010/main" w="9525">
+                <a14:hiddenLine xmlns:a14="http://schemas.microsoft.com/office/drawing/2010/main" w="9525">
                   <a:solidFill>
                     <a:srgbClr val="000000"/>
                   </a:solidFill>
@@ -5926,7 +5926,7 @@
             <p:cNvPr id="22" name="Freeform 19">
               <a:extLst>
                 <a:ext uri="{FF2B5EF4-FFF2-40B4-BE49-F238E27FC236}">
-                  <a16:creationId xmlns="" xmlns:a16="http://schemas.microsoft.com/office/drawing/2014/main" id="{C7B5000D-D293-4953-ADCD-DFE2CAC40B98}"/>
+                  <a16:creationId xmlns:a16="http://schemas.microsoft.com/office/drawing/2014/main" id="{C7B5000D-D293-4953-ADCD-DFE2CAC40B98}"/>
                 </a:ext>
               </a:extLst>
             </p:cNvPr>
@@ -6032,7 +6032,7 @@
             </a:ln>
             <a:extLst>
               <a:ext uri="{91240B29-F687-4F45-9708-019B960494DF}">
-                <a14:hiddenLine xmlns="" xmlns:a14="http://schemas.microsoft.com/office/drawing/2010/main" w="9525">
+                <a14:hiddenLine xmlns:a14="http://schemas.microsoft.com/office/drawing/2010/main" w="9525">
                   <a:solidFill>
                     <a:srgbClr val="000000"/>
                   </a:solidFill>
@@ -6064,7 +6064,7 @@
             <p:cNvPr id="23" name="Freeform 20">
               <a:extLst>
                 <a:ext uri="{FF2B5EF4-FFF2-40B4-BE49-F238E27FC236}">
-                  <a16:creationId xmlns="" xmlns:a16="http://schemas.microsoft.com/office/drawing/2014/main" id="{63B54396-57CB-4FBB-8554-C17BFA4BDF02}"/>
+                  <a16:creationId xmlns:a16="http://schemas.microsoft.com/office/drawing/2014/main" id="{63B54396-57CB-4FBB-8554-C17BFA4BDF02}"/>
                 </a:ext>
               </a:extLst>
             </p:cNvPr>
@@ -6169,7 +6169,7 @@
             </a:ln>
             <a:extLst>
               <a:ext uri="{91240B29-F687-4F45-9708-019B960494DF}">
-                <a14:hiddenLine xmlns="" xmlns:a14="http://schemas.microsoft.com/office/drawing/2010/main" w="9525">
+                <a14:hiddenLine xmlns:a14="http://schemas.microsoft.com/office/drawing/2010/main" w="9525">
                   <a:solidFill>
                     <a:srgbClr val="000000"/>
                   </a:solidFill>
@@ -6201,7 +6201,7 @@
             <p:cNvPr id="24" name="Freeform 21">
               <a:extLst>
                 <a:ext uri="{FF2B5EF4-FFF2-40B4-BE49-F238E27FC236}">
-                  <a16:creationId xmlns="" xmlns:a16="http://schemas.microsoft.com/office/drawing/2014/main" id="{FC1EC044-DEB7-4F6D-8177-C2267C61DD73}"/>
+                  <a16:creationId xmlns:a16="http://schemas.microsoft.com/office/drawing/2014/main" id="{FC1EC044-DEB7-4F6D-8177-C2267C61DD73}"/>
                 </a:ext>
               </a:extLst>
             </p:cNvPr>
@@ -6475,7 +6475,7 @@
             </a:ln>
             <a:extLst>
               <a:ext uri="{91240B29-F687-4F45-9708-019B960494DF}">
-                <a14:hiddenLine xmlns="" xmlns:a14="http://schemas.microsoft.com/office/drawing/2010/main" w="9525">
+                <a14:hiddenLine xmlns:a14="http://schemas.microsoft.com/office/drawing/2010/main" w="9525">
                   <a:solidFill>
                     <a:srgbClr val="000000"/>
                   </a:solidFill>
@@ -6507,7 +6507,7 @@
             <p:cNvPr id="25" name="Freeform 22">
               <a:extLst>
                 <a:ext uri="{FF2B5EF4-FFF2-40B4-BE49-F238E27FC236}">
-                  <a16:creationId xmlns="" xmlns:a16="http://schemas.microsoft.com/office/drawing/2014/main" id="{E365BFA0-C9A2-4083-8CC2-D57C1B0622F0}"/>
+                  <a16:creationId xmlns:a16="http://schemas.microsoft.com/office/drawing/2014/main" id="{E365BFA0-C9A2-4083-8CC2-D57C1B0622F0}"/>
                 </a:ext>
               </a:extLst>
             </p:cNvPr>
@@ -6780,7 +6780,7 @@
             </a:ln>
             <a:extLst>
               <a:ext uri="{91240B29-F687-4F45-9708-019B960494DF}">
-                <a14:hiddenLine xmlns="" xmlns:a14="http://schemas.microsoft.com/office/drawing/2010/main" w="9525">
+                <a14:hiddenLine xmlns:a14="http://schemas.microsoft.com/office/drawing/2010/main" w="9525">
                   <a:solidFill>
                     <a:srgbClr val="000000"/>
                   </a:solidFill>
@@ -6812,7 +6812,7 @@
             <p:cNvPr id="26" name="Freeform 23">
               <a:extLst>
                 <a:ext uri="{FF2B5EF4-FFF2-40B4-BE49-F238E27FC236}">
-                  <a16:creationId xmlns="" xmlns:a16="http://schemas.microsoft.com/office/drawing/2014/main" id="{6192349E-7BE2-4688-ADA5-969DFE199D12}"/>
+                  <a16:creationId xmlns:a16="http://schemas.microsoft.com/office/drawing/2014/main" id="{6192349E-7BE2-4688-ADA5-969DFE199D12}"/>
                 </a:ext>
               </a:extLst>
             </p:cNvPr>
@@ -6918,7 +6918,7 @@
             </a:ln>
             <a:extLst>
               <a:ext uri="{91240B29-F687-4F45-9708-019B960494DF}">
-                <a14:hiddenLine xmlns="" xmlns:a14="http://schemas.microsoft.com/office/drawing/2010/main" w="9525">
+                <a14:hiddenLine xmlns:a14="http://schemas.microsoft.com/office/drawing/2010/main" w="9525">
                   <a:solidFill>
                     <a:srgbClr val="000000"/>
                   </a:solidFill>
@@ -6950,7 +6950,7 @@
             <p:cNvPr id="27" name="Freeform 24">
               <a:extLst>
                 <a:ext uri="{FF2B5EF4-FFF2-40B4-BE49-F238E27FC236}">
-                  <a16:creationId xmlns="" xmlns:a16="http://schemas.microsoft.com/office/drawing/2014/main" id="{8EED4AC1-7EE9-43E7-83BF-50CD15E873FC}"/>
+                  <a16:creationId xmlns:a16="http://schemas.microsoft.com/office/drawing/2014/main" id="{8EED4AC1-7EE9-43E7-83BF-50CD15E873FC}"/>
                 </a:ext>
               </a:extLst>
             </p:cNvPr>
@@ -7055,7 +7055,7 @@
             </a:ln>
             <a:extLst>
               <a:ext uri="{91240B29-F687-4F45-9708-019B960494DF}">
-                <a14:hiddenLine xmlns="" xmlns:a14="http://schemas.microsoft.com/office/drawing/2010/main" w="9525">
+                <a14:hiddenLine xmlns:a14="http://schemas.microsoft.com/office/drawing/2010/main" w="9525">
                   <a:solidFill>
                     <a:srgbClr val="000000"/>
                   </a:solidFill>
@@ -7087,7 +7087,7 @@
             <p:cNvPr id="28" name="Freeform 25">
               <a:extLst>
                 <a:ext uri="{FF2B5EF4-FFF2-40B4-BE49-F238E27FC236}">
-                  <a16:creationId xmlns="" xmlns:a16="http://schemas.microsoft.com/office/drawing/2014/main" id="{46E955A2-8DFF-4140-A14D-21CAF00DC967}"/>
+                  <a16:creationId xmlns:a16="http://schemas.microsoft.com/office/drawing/2014/main" id="{46E955A2-8DFF-4140-A14D-21CAF00DC967}"/>
                 </a:ext>
               </a:extLst>
             </p:cNvPr>
@@ -7201,7 +7201,7 @@
             </a:ln>
             <a:extLst>
               <a:ext uri="{91240B29-F687-4F45-9708-019B960494DF}">
-                <a14:hiddenLine xmlns="" xmlns:a14="http://schemas.microsoft.com/office/drawing/2010/main" w="9525">
+                <a14:hiddenLine xmlns:a14="http://schemas.microsoft.com/office/drawing/2010/main" w="9525">
                   <a:solidFill>
                     <a:srgbClr val="000000"/>
                   </a:solidFill>
@@ -7233,7 +7233,7 @@
             <p:cNvPr id="29" name="Freeform 26">
               <a:extLst>
                 <a:ext uri="{FF2B5EF4-FFF2-40B4-BE49-F238E27FC236}">
-                  <a16:creationId xmlns="" xmlns:a16="http://schemas.microsoft.com/office/drawing/2014/main" id="{A096D7D4-4242-4C09-8238-C3B6014BECA3}"/>
+                  <a16:creationId xmlns:a16="http://schemas.microsoft.com/office/drawing/2014/main" id="{A096D7D4-4242-4C09-8238-C3B6014BECA3}"/>
                 </a:ext>
               </a:extLst>
             </p:cNvPr>
@@ -7346,7 +7346,7 @@
             </a:ln>
             <a:extLst>
               <a:ext uri="{91240B29-F687-4F45-9708-019B960494DF}">
-                <a14:hiddenLine xmlns="" xmlns:a14="http://schemas.microsoft.com/office/drawing/2010/main" w="9525">
+                <a14:hiddenLine xmlns:a14="http://schemas.microsoft.com/office/drawing/2010/main" w="9525">
                   <a:solidFill>
                     <a:srgbClr val="000000"/>
                   </a:solidFill>
@@ -7378,7 +7378,7 @@
             <p:cNvPr id="30" name="Freeform 27">
               <a:extLst>
                 <a:ext uri="{FF2B5EF4-FFF2-40B4-BE49-F238E27FC236}">
-                  <a16:creationId xmlns="" xmlns:a16="http://schemas.microsoft.com/office/drawing/2014/main" id="{E1944DD0-F5EE-4786-9FCD-C302E1248441}"/>
+                  <a16:creationId xmlns:a16="http://schemas.microsoft.com/office/drawing/2014/main" id="{E1944DD0-F5EE-4786-9FCD-C302E1248441}"/>
                 </a:ext>
               </a:extLst>
             </p:cNvPr>
@@ -7540,7 +7540,7 @@
             </a:ln>
             <a:extLst>
               <a:ext uri="{91240B29-F687-4F45-9708-019B960494DF}">
-                <a14:hiddenLine xmlns="" xmlns:a14="http://schemas.microsoft.com/office/drawing/2010/main" w="9525">
+                <a14:hiddenLine xmlns:a14="http://schemas.microsoft.com/office/drawing/2010/main" w="9525">
                   <a:solidFill>
                     <a:srgbClr val="000000"/>
                   </a:solidFill>
@@ -7572,7 +7572,7 @@
             <p:cNvPr id="31" name="Freeform 28">
               <a:extLst>
                 <a:ext uri="{FF2B5EF4-FFF2-40B4-BE49-F238E27FC236}">
-                  <a16:creationId xmlns="" xmlns:a16="http://schemas.microsoft.com/office/drawing/2014/main" id="{08090AAD-07AA-455C-80EC-4290CE2707BA}"/>
+                  <a16:creationId xmlns:a16="http://schemas.microsoft.com/office/drawing/2014/main" id="{08090AAD-07AA-455C-80EC-4290CE2707BA}"/>
                 </a:ext>
               </a:extLst>
             </p:cNvPr>
@@ -7733,7 +7733,7 @@
             </a:ln>
             <a:extLst>
               <a:ext uri="{91240B29-F687-4F45-9708-019B960494DF}">
-                <a14:hiddenLine xmlns="" xmlns:a14="http://schemas.microsoft.com/office/drawing/2010/main" w="9525">
+                <a14:hiddenLine xmlns:a14="http://schemas.microsoft.com/office/drawing/2010/main" w="9525">
                   <a:solidFill>
                     <a:srgbClr val="000000"/>
                   </a:solidFill>
@@ -7765,7 +7765,7 @@
             <p:cNvPr id="32" name="Freeform 29">
               <a:extLst>
                 <a:ext uri="{FF2B5EF4-FFF2-40B4-BE49-F238E27FC236}">
-                  <a16:creationId xmlns="" xmlns:a16="http://schemas.microsoft.com/office/drawing/2014/main" id="{8CE15EC2-7298-4AF9-BA7C-6C2D951B749F}"/>
+                  <a16:creationId xmlns:a16="http://schemas.microsoft.com/office/drawing/2014/main" id="{8CE15EC2-7298-4AF9-BA7C-6C2D951B749F}"/>
                 </a:ext>
               </a:extLst>
             </p:cNvPr>
@@ -7952,7 +7952,7 @@
             </a:ln>
             <a:extLst>
               <a:ext uri="{91240B29-F687-4F45-9708-019B960494DF}">
-                <a14:hiddenLine xmlns="" xmlns:a14="http://schemas.microsoft.com/office/drawing/2010/main" w="9525">
+                <a14:hiddenLine xmlns:a14="http://schemas.microsoft.com/office/drawing/2010/main" w="9525">
                   <a:solidFill>
                     <a:srgbClr val="000000"/>
                   </a:solidFill>
@@ -7984,7 +7984,7 @@
             <p:cNvPr id="33" name="Freeform 30">
               <a:extLst>
                 <a:ext uri="{FF2B5EF4-FFF2-40B4-BE49-F238E27FC236}">
-                  <a16:creationId xmlns="" xmlns:a16="http://schemas.microsoft.com/office/drawing/2014/main" id="{1C0DE5BF-00F5-4D22-950E-FB1595916D81}"/>
+                  <a16:creationId xmlns:a16="http://schemas.microsoft.com/office/drawing/2014/main" id="{1C0DE5BF-00F5-4D22-950E-FB1595916D81}"/>
                 </a:ext>
               </a:extLst>
             </p:cNvPr>
@@ -8169,7 +8169,7 @@
             </a:ln>
             <a:extLst>
               <a:ext uri="{91240B29-F687-4F45-9708-019B960494DF}">
-                <a14:hiddenLine xmlns="" xmlns:a14="http://schemas.microsoft.com/office/drawing/2010/main" w="9525">
+                <a14:hiddenLine xmlns:a14="http://schemas.microsoft.com/office/drawing/2010/main" w="9525">
                   <a:solidFill>
                     <a:srgbClr val="000000"/>
                   </a:solidFill>
@@ -8201,7 +8201,7 @@
             <p:cNvPr id="34" name="Freeform 31">
               <a:extLst>
                 <a:ext uri="{FF2B5EF4-FFF2-40B4-BE49-F238E27FC236}">
-                  <a16:creationId xmlns="" xmlns:a16="http://schemas.microsoft.com/office/drawing/2014/main" id="{C36F9C55-84F3-4FB2-BFB4-09DABD59394A}"/>
+                  <a16:creationId xmlns:a16="http://schemas.microsoft.com/office/drawing/2014/main" id="{C36F9C55-84F3-4FB2-BFB4-09DABD59394A}"/>
                 </a:ext>
               </a:extLst>
             </p:cNvPr>
@@ -8275,7 +8275,7 @@
             </a:ln>
             <a:extLst>
               <a:ext uri="{91240B29-F687-4F45-9708-019B960494DF}">
-                <a14:hiddenLine xmlns="" xmlns:a14="http://schemas.microsoft.com/office/drawing/2010/main" w="9525">
+                <a14:hiddenLine xmlns:a14="http://schemas.microsoft.com/office/drawing/2010/main" w="9525">
                   <a:solidFill>
                     <a:srgbClr val="000000"/>
                   </a:solidFill>
@@ -8307,7 +8307,7 @@
             <p:cNvPr id="35" name="Freeform 32">
               <a:extLst>
                 <a:ext uri="{FF2B5EF4-FFF2-40B4-BE49-F238E27FC236}">
-                  <a16:creationId xmlns="" xmlns:a16="http://schemas.microsoft.com/office/drawing/2014/main" id="{86DCBB0C-B506-4002-8AE1-8D5D2C88C3C2}"/>
+                  <a16:creationId xmlns:a16="http://schemas.microsoft.com/office/drawing/2014/main" id="{86DCBB0C-B506-4002-8AE1-8D5D2C88C3C2}"/>
                 </a:ext>
               </a:extLst>
             </p:cNvPr>
@@ -8380,7 +8380,7 @@
             </a:ln>
             <a:extLst>
               <a:ext uri="{91240B29-F687-4F45-9708-019B960494DF}">
-                <a14:hiddenLine xmlns="" xmlns:a14="http://schemas.microsoft.com/office/drawing/2010/main" w="9525">
+                <a14:hiddenLine xmlns:a14="http://schemas.microsoft.com/office/drawing/2010/main" w="9525">
                   <a:solidFill>
                     <a:srgbClr val="000000"/>
                   </a:solidFill>
@@ -8412,7 +8412,7 @@
             <p:cNvPr id="36" name="Freeform 33">
               <a:extLst>
                 <a:ext uri="{FF2B5EF4-FFF2-40B4-BE49-F238E27FC236}">
-                  <a16:creationId xmlns="" xmlns:a16="http://schemas.microsoft.com/office/drawing/2014/main" id="{8551D65C-4F01-4471-A549-9B58F09C3DF4}"/>
+                  <a16:creationId xmlns:a16="http://schemas.microsoft.com/office/drawing/2014/main" id="{8551D65C-4F01-4471-A549-9B58F09C3DF4}"/>
                 </a:ext>
               </a:extLst>
             </p:cNvPr>
@@ -8583,7 +8583,7 @@
             </a:ln>
             <a:extLst>
               <a:ext uri="{91240B29-F687-4F45-9708-019B960494DF}">
-                <a14:hiddenLine xmlns="" xmlns:a14="http://schemas.microsoft.com/office/drawing/2010/main" w="9525">
+                <a14:hiddenLine xmlns:a14="http://schemas.microsoft.com/office/drawing/2010/main" w="9525">
                   <a:solidFill>
                     <a:srgbClr val="000000"/>
                   </a:solidFill>
@@ -8615,7 +8615,7 @@
             <p:cNvPr id="37" name="Freeform 34">
               <a:extLst>
                 <a:ext uri="{FF2B5EF4-FFF2-40B4-BE49-F238E27FC236}">
-                  <a16:creationId xmlns="" xmlns:a16="http://schemas.microsoft.com/office/drawing/2014/main" id="{3544D767-6834-4436-ABFA-BF3A4EA70E69}"/>
+                  <a16:creationId xmlns:a16="http://schemas.microsoft.com/office/drawing/2014/main" id="{3544D767-6834-4436-ABFA-BF3A4EA70E69}"/>
                 </a:ext>
               </a:extLst>
             </p:cNvPr>
@@ -8784,7 +8784,7 @@
             </a:ln>
             <a:extLst>
               <a:ext uri="{91240B29-F687-4F45-9708-019B960494DF}">
-                <a14:hiddenLine xmlns="" xmlns:a14="http://schemas.microsoft.com/office/drawing/2010/main" w="9525">
+                <a14:hiddenLine xmlns:a14="http://schemas.microsoft.com/office/drawing/2010/main" w="9525">
                   <a:solidFill>
                     <a:srgbClr val="000000"/>
                   </a:solidFill>
@@ -8816,7 +8816,7 @@
             <p:cNvPr id="38" name="Freeform 35">
               <a:extLst>
                 <a:ext uri="{FF2B5EF4-FFF2-40B4-BE49-F238E27FC236}">
-                  <a16:creationId xmlns="" xmlns:a16="http://schemas.microsoft.com/office/drawing/2014/main" id="{466AAF9F-DDCC-4DB5-A3C3-BDD1647420C9}"/>
+                  <a16:creationId xmlns:a16="http://schemas.microsoft.com/office/drawing/2014/main" id="{466AAF9F-DDCC-4DB5-A3C3-BDD1647420C9}"/>
                 </a:ext>
               </a:extLst>
             </p:cNvPr>
@@ -8922,7 +8922,7 @@
             </a:ln>
             <a:extLst>
               <a:ext uri="{91240B29-F687-4F45-9708-019B960494DF}">
-                <a14:hiddenLine xmlns="" xmlns:a14="http://schemas.microsoft.com/office/drawing/2010/main" w="9525">
+                <a14:hiddenLine xmlns:a14="http://schemas.microsoft.com/office/drawing/2010/main" w="9525">
                   <a:solidFill>
                     <a:srgbClr val="000000"/>
                   </a:solidFill>
@@ -8954,7 +8954,7 @@
             <p:cNvPr id="39" name="Freeform 36">
               <a:extLst>
                 <a:ext uri="{FF2B5EF4-FFF2-40B4-BE49-F238E27FC236}">
-                  <a16:creationId xmlns="" xmlns:a16="http://schemas.microsoft.com/office/drawing/2014/main" id="{FD46DFCE-F860-4163-8E8B-63C1CB744557}"/>
+                  <a16:creationId xmlns:a16="http://schemas.microsoft.com/office/drawing/2014/main" id="{FD46DFCE-F860-4163-8E8B-63C1CB744557}"/>
                 </a:ext>
               </a:extLst>
             </p:cNvPr>
@@ -9059,7 +9059,7 @@
             </a:ln>
             <a:extLst>
               <a:ext uri="{91240B29-F687-4F45-9708-019B960494DF}">
-                <a14:hiddenLine xmlns="" xmlns:a14="http://schemas.microsoft.com/office/drawing/2010/main" w="9525">
+                <a14:hiddenLine xmlns:a14="http://schemas.microsoft.com/office/drawing/2010/main" w="9525">
                   <a:solidFill>
                     <a:srgbClr val="000000"/>
                   </a:solidFill>
@@ -9091,7 +9091,7 @@
             <p:cNvPr id="40" name="Freeform 37">
               <a:extLst>
                 <a:ext uri="{FF2B5EF4-FFF2-40B4-BE49-F238E27FC236}">
-                  <a16:creationId xmlns="" xmlns:a16="http://schemas.microsoft.com/office/drawing/2014/main" id="{C1E56C6E-6CA3-4F30-B41F-B5096F5492F3}"/>
+                  <a16:creationId xmlns:a16="http://schemas.microsoft.com/office/drawing/2014/main" id="{C1E56C6E-6CA3-4F30-B41F-B5096F5492F3}"/>
                 </a:ext>
               </a:extLst>
             </p:cNvPr>
@@ -9197,7 +9197,7 @@
             </a:ln>
             <a:extLst>
               <a:ext uri="{91240B29-F687-4F45-9708-019B960494DF}">
-                <a14:hiddenLine xmlns="" xmlns:a14="http://schemas.microsoft.com/office/drawing/2010/main" w="9525">
+                <a14:hiddenLine xmlns:a14="http://schemas.microsoft.com/office/drawing/2010/main" w="9525">
                   <a:solidFill>
                     <a:srgbClr val="000000"/>
                   </a:solidFill>
@@ -9229,7 +9229,7 @@
             <p:cNvPr id="41" name="Freeform 38">
               <a:extLst>
                 <a:ext uri="{FF2B5EF4-FFF2-40B4-BE49-F238E27FC236}">
-                  <a16:creationId xmlns="" xmlns:a16="http://schemas.microsoft.com/office/drawing/2014/main" id="{78BD5980-C499-4A25-A2CF-F8200440D705}"/>
+                  <a16:creationId xmlns:a16="http://schemas.microsoft.com/office/drawing/2014/main" id="{78BD5980-C499-4A25-A2CF-F8200440D705}"/>
                 </a:ext>
               </a:extLst>
             </p:cNvPr>
@@ -9334,7 +9334,7 @@
             </a:ln>
             <a:extLst>
               <a:ext uri="{91240B29-F687-4F45-9708-019B960494DF}">
-                <a14:hiddenLine xmlns="" xmlns:a14="http://schemas.microsoft.com/office/drawing/2010/main" w="9525">
+                <a14:hiddenLine xmlns:a14="http://schemas.microsoft.com/office/drawing/2010/main" w="9525">
                   <a:solidFill>
                     <a:srgbClr val="000000"/>
                   </a:solidFill>
@@ -9366,7 +9366,7 @@
             <p:cNvPr id="42" name="Freeform 39">
               <a:extLst>
                 <a:ext uri="{FF2B5EF4-FFF2-40B4-BE49-F238E27FC236}">
-                  <a16:creationId xmlns="" xmlns:a16="http://schemas.microsoft.com/office/drawing/2014/main" id="{9BB29F3C-2FB3-4C55-B4F7-80F5743A238E}"/>
+                  <a16:creationId xmlns:a16="http://schemas.microsoft.com/office/drawing/2014/main" id="{9BB29F3C-2FB3-4C55-B4F7-80F5743A238E}"/>
                 </a:ext>
               </a:extLst>
             </p:cNvPr>
@@ -9488,7 +9488,7 @@
             </a:ln>
             <a:extLst>
               <a:ext uri="{91240B29-F687-4F45-9708-019B960494DF}">
-                <a14:hiddenLine xmlns="" xmlns:a14="http://schemas.microsoft.com/office/drawing/2010/main" w="9525">
+                <a14:hiddenLine xmlns:a14="http://schemas.microsoft.com/office/drawing/2010/main" w="9525">
                   <a:solidFill>
                     <a:srgbClr val="000000"/>
                   </a:solidFill>
@@ -9520,7 +9520,7 @@
             <p:cNvPr id="43" name="Freeform 40">
               <a:extLst>
                 <a:ext uri="{FF2B5EF4-FFF2-40B4-BE49-F238E27FC236}">
-                  <a16:creationId xmlns="" xmlns:a16="http://schemas.microsoft.com/office/drawing/2014/main" id="{4E46A4E2-9D69-4988-9AD3-F21598CEC38F}"/>
+                  <a16:creationId xmlns:a16="http://schemas.microsoft.com/office/drawing/2014/main" id="{4E46A4E2-9D69-4988-9AD3-F21598CEC38F}"/>
                 </a:ext>
               </a:extLst>
             </p:cNvPr>
@@ -9641,7 +9641,7 @@
             </a:ln>
             <a:extLst>
               <a:ext uri="{91240B29-F687-4F45-9708-019B960494DF}">
-                <a14:hiddenLine xmlns="" xmlns:a14="http://schemas.microsoft.com/office/drawing/2010/main" w="9525">
+                <a14:hiddenLine xmlns:a14="http://schemas.microsoft.com/office/drawing/2010/main" w="9525">
                   <a:solidFill>
                     <a:srgbClr val="000000"/>
                   </a:solidFill>
@@ -9673,7 +9673,7 @@
             <p:cNvPr id="44" name="Freeform 41">
               <a:extLst>
                 <a:ext uri="{FF2B5EF4-FFF2-40B4-BE49-F238E27FC236}">
-                  <a16:creationId xmlns="" xmlns:a16="http://schemas.microsoft.com/office/drawing/2014/main" id="{C17C7C2A-8638-4727-84D5-7C7F98825C34}"/>
+                  <a16:creationId xmlns:a16="http://schemas.microsoft.com/office/drawing/2014/main" id="{C17C7C2A-8638-4727-84D5-7C7F98825C34}"/>
                 </a:ext>
               </a:extLst>
             </p:cNvPr>
@@ -9779,7 +9779,7 @@
             </a:ln>
             <a:extLst>
               <a:ext uri="{91240B29-F687-4F45-9708-019B960494DF}">
-                <a14:hiddenLine xmlns="" xmlns:a14="http://schemas.microsoft.com/office/drawing/2010/main" w="9525">
+                <a14:hiddenLine xmlns:a14="http://schemas.microsoft.com/office/drawing/2010/main" w="9525">
                   <a:solidFill>
                     <a:srgbClr val="000000"/>
                   </a:solidFill>
@@ -9811,7 +9811,7 @@
             <p:cNvPr id="45" name="Freeform 42">
               <a:extLst>
                 <a:ext uri="{FF2B5EF4-FFF2-40B4-BE49-F238E27FC236}">
-                  <a16:creationId xmlns="" xmlns:a16="http://schemas.microsoft.com/office/drawing/2014/main" id="{36B0B241-2431-40E0-B9CE-A537CB7D5E3D}"/>
+                  <a16:creationId xmlns:a16="http://schemas.microsoft.com/office/drawing/2014/main" id="{36B0B241-2431-40E0-B9CE-A537CB7D5E3D}"/>
                 </a:ext>
               </a:extLst>
             </p:cNvPr>
@@ -9916,7 +9916,7 @@
             </a:ln>
             <a:extLst>
               <a:ext uri="{91240B29-F687-4F45-9708-019B960494DF}">
-                <a14:hiddenLine xmlns="" xmlns:a14="http://schemas.microsoft.com/office/drawing/2010/main" w="9525">
+                <a14:hiddenLine xmlns:a14="http://schemas.microsoft.com/office/drawing/2010/main" w="9525">
                   <a:solidFill>
                     <a:srgbClr val="000000"/>
                   </a:solidFill>
@@ -9948,7 +9948,7 @@
             <p:cNvPr id="46" name="Freeform 43">
               <a:extLst>
                 <a:ext uri="{FF2B5EF4-FFF2-40B4-BE49-F238E27FC236}">
-                  <a16:creationId xmlns="" xmlns:a16="http://schemas.microsoft.com/office/drawing/2014/main" id="{17197AD1-FBA3-470A-ABA4-6F3A0568AF11}"/>
+                  <a16:creationId xmlns:a16="http://schemas.microsoft.com/office/drawing/2014/main" id="{17197AD1-FBA3-470A-ABA4-6F3A0568AF11}"/>
                 </a:ext>
               </a:extLst>
             </p:cNvPr>
@@ -10078,7 +10078,7 @@
             </a:ln>
             <a:extLst>
               <a:ext uri="{91240B29-F687-4F45-9708-019B960494DF}">
-                <a14:hiddenLine xmlns="" xmlns:a14="http://schemas.microsoft.com/office/drawing/2010/main" w="9525">
+                <a14:hiddenLine xmlns:a14="http://schemas.microsoft.com/office/drawing/2010/main" w="9525">
                   <a:solidFill>
                     <a:srgbClr val="000000"/>
                   </a:solidFill>
@@ -10110,7 +10110,7 @@
             <p:cNvPr id="47" name="Freeform 44">
               <a:extLst>
                 <a:ext uri="{FF2B5EF4-FFF2-40B4-BE49-F238E27FC236}">
-                  <a16:creationId xmlns="" xmlns:a16="http://schemas.microsoft.com/office/drawing/2014/main" id="{8CF3D685-EEF2-4D9B-ACE5-F8550309D534}"/>
+                  <a16:creationId xmlns:a16="http://schemas.microsoft.com/office/drawing/2014/main" id="{8CF3D685-EEF2-4D9B-ACE5-F8550309D534}"/>
                 </a:ext>
               </a:extLst>
             </p:cNvPr>
@@ -10239,7 +10239,7 @@
             </a:ln>
             <a:extLst>
               <a:ext uri="{91240B29-F687-4F45-9708-019B960494DF}">
-                <a14:hiddenLine xmlns="" xmlns:a14="http://schemas.microsoft.com/office/drawing/2010/main" w="9525">
+                <a14:hiddenLine xmlns:a14="http://schemas.microsoft.com/office/drawing/2010/main" w="9525">
                   <a:solidFill>
                     <a:srgbClr val="000000"/>
                   </a:solidFill>
@@ -10271,7 +10271,7 @@
             <p:cNvPr id="48" name="Freeform 45">
               <a:extLst>
                 <a:ext uri="{FF2B5EF4-FFF2-40B4-BE49-F238E27FC236}">
-                  <a16:creationId xmlns="" xmlns:a16="http://schemas.microsoft.com/office/drawing/2014/main" id="{5128A1C4-25E2-414B-85E1-39F87DBC1523}"/>
+                  <a16:creationId xmlns:a16="http://schemas.microsoft.com/office/drawing/2014/main" id="{5128A1C4-25E2-414B-85E1-39F87DBC1523}"/>
                 </a:ext>
               </a:extLst>
             </p:cNvPr>
@@ -10377,7 +10377,7 @@
             </a:ln>
             <a:extLst>
               <a:ext uri="{91240B29-F687-4F45-9708-019B960494DF}">
-                <a14:hiddenLine xmlns="" xmlns:a14="http://schemas.microsoft.com/office/drawing/2010/main" w="9525">
+                <a14:hiddenLine xmlns:a14="http://schemas.microsoft.com/office/drawing/2010/main" w="9525">
                   <a:solidFill>
                     <a:srgbClr val="000000"/>
                   </a:solidFill>
@@ -10409,7 +10409,7 @@
             <p:cNvPr id="49" name="Freeform 46">
               <a:extLst>
                 <a:ext uri="{FF2B5EF4-FFF2-40B4-BE49-F238E27FC236}">
-                  <a16:creationId xmlns="" xmlns:a16="http://schemas.microsoft.com/office/drawing/2014/main" id="{2BEB0C5D-8EF8-4B3B-B5A2-4100F605C02D}"/>
+                  <a16:creationId xmlns:a16="http://schemas.microsoft.com/office/drawing/2014/main" id="{2BEB0C5D-8EF8-4B3B-B5A2-4100F605C02D}"/>
                 </a:ext>
               </a:extLst>
             </p:cNvPr>
@@ -10514,7 +10514,7 @@
             </a:ln>
             <a:extLst>
               <a:ext uri="{91240B29-F687-4F45-9708-019B960494DF}">
-                <a14:hiddenLine xmlns="" xmlns:a14="http://schemas.microsoft.com/office/drawing/2010/main" w="9525">
+                <a14:hiddenLine xmlns:a14="http://schemas.microsoft.com/office/drawing/2010/main" w="9525">
                   <a:solidFill>
                     <a:srgbClr val="000000"/>
                   </a:solidFill>
@@ -10546,7 +10546,7 @@
             <p:cNvPr id="50" name="Freeform 47">
               <a:extLst>
                 <a:ext uri="{FF2B5EF4-FFF2-40B4-BE49-F238E27FC236}">
-                  <a16:creationId xmlns="" xmlns:a16="http://schemas.microsoft.com/office/drawing/2014/main" id="{E1A8E5E6-12B2-41B7-A375-3878558DFEAA}"/>
+                  <a16:creationId xmlns:a16="http://schemas.microsoft.com/office/drawing/2014/main" id="{E1A8E5E6-12B2-41B7-A375-3878558DFEAA}"/>
                 </a:ext>
               </a:extLst>
             </p:cNvPr>
@@ -10620,7 +10620,7 @@
             </a:ln>
             <a:extLst>
               <a:ext uri="{91240B29-F687-4F45-9708-019B960494DF}">
-                <a14:hiddenLine xmlns="" xmlns:a14="http://schemas.microsoft.com/office/drawing/2010/main" w="9525">
+                <a14:hiddenLine xmlns:a14="http://schemas.microsoft.com/office/drawing/2010/main" w="9525">
                   <a:solidFill>
                     <a:srgbClr val="000000"/>
                   </a:solidFill>
@@ -10652,7 +10652,7 @@
             <p:cNvPr id="51" name="Freeform 48">
               <a:extLst>
                 <a:ext uri="{FF2B5EF4-FFF2-40B4-BE49-F238E27FC236}">
-                  <a16:creationId xmlns="" xmlns:a16="http://schemas.microsoft.com/office/drawing/2014/main" id="{EDE3E5F9-61F3-42A7-927B-52278150AD1C}"/>
+                  <a16:creationId xmlns:a16="http://schemas.microsoft.com/office/drawing/2014/main" id="{EDE3E5F9-61F3-42A7-927B-52278150AD1C}"/>
                 </a:ext>
               </a:extLst>
             </p:cNvPr>
@@ -10725,7 +10725,7 @@
             </a:ln>
             <a:extLst>
               <a:ext uri="{91240B29-F687-4F45-9708-019B960494DF}">
-                <a14:hiddenLine xmlns="" xmlns:a14="http://schemas.microsoft.com/office/drawing/2010/main" w="9525">
+                <a14:hiddenLine xmlns:a14="http://schemas.microsoft.com/office/drawing/2010/main" w="9525">
                   <a:solidFill>
                     <a:srgbClr val="000000"/>
                   </a:solidFill>
@@ -10757,7 +10757,7 @@
             <p:cNvPr id="52" name="Freeform 49">
               <a:extLst>
                 <a:ext uri="{FF2B5EF4-FFF2-40B4-BE49-F238E27FC236}">
-                  <a16:creationId xmlns="" xmlns:a16="http://schemas.microsoft.com/office/drawing/2014/main" id="{C8231393-6766-4234-BB5B-1E224B654C98}"/>
+                  <a16:creationId xmlns:a16="http://schemas.microsoft.com/office/drawing/2014/main" id="{C8231393-6766-4234-BB5B-1E224B654C98}"/>
                 </a:ext>
               </a:extLst>
             </p:cNvPr>
@@ -10847,7 +10847,7 @@
             </a:ln>
             <a:extLst>
               <a:ext uri="{91240B29-F687-4F45-9708-019B960494DF}">
-                <a14:hiddenLine xmlns="" xmlns:a14="http://schemas.microsoft.com/office/drawing/2010/main" w="9525">
+                <a14:hiddenLine xmlns:a14="http://schemas.microsoft.com/office/drawing/2010/main" w="9525">
                   <a:solidFill>
                     <a:srgbClr val="000000"/>
                   </a:solidFill>
@@ -10879,7 +10879,7 @@
             <p:cNvPr id="53" name="Freeform 50">
               <a:extLst>
                 <a:ext uri="{FF2B5EF4-FFF2-40B4-BE49-F238E27FC236}">
-                  <a16:creationId xmlns="" xmlns:a16="http://schemas.microsoft.com/office/drawing/2014/main" id="{7549C16C-08D5-44C6-800A-2F9F5F300CF0}"/>
+                  <a16:creationId xmlns:a16="http://schemas.microsoft.com/office/drawing/2014/main" id="{7549C16C-08D5-44C6-800A-2F9F5F300CF0}"/>
                 </a:ext>
               </a:extLst>
             </p:cNvPr>
@@ -10968,7 +10968,7 @@
             </a:ln>
             <a:extLst>
               <a:ext uri="{91240B29-F687-4F45-9708-019B960494DF}">
-                <a14:hiddenLine xmlns="" xmlns:a14="http://schemas.microsoft.com/office/drawing/2010/main" w="9525">
+                <a14:hiddenLine xmlns:a14="http://schemas.microsoft.com/office/drawing/2010/main" w="9525">
                   <a:solidFill>
                     <a:srgbClr val="000000"/>
                   </a:solidFill>
@@ -11000,7 +11000,7 @@
             <p:cNvPr id="54" name="Freeform 51">
               <a:extLst>
                 <a:ext uri="{FF2B5EF4-FFF2-40B4-BE49-F238E27FC236}">
-                  <a16:creationId xmlns="" xmlns:a16="http://schemas.microsoft.com/office/drawing/2014/main" id="{3202612E-33EC-4375-A7B6-C58E0AE5F373}"/>
+                  <a16:creationId xmlns:a16="http://schemas.microsoft.com/office/drawing/2014/main" id="{3202612E-33EC-4375-A7B6-C58E0AE5F373}"/>
                 </a:ext>
               </a:extLst>
             </p:cNvPr>
@@ -11138,7 +11138,7 @@
             </a:ln>
             <a:extLst>
               <a:ext uri="{91240B29-F687-4F45-9708-019B960494DF}">
-                <a14:hiddenLine xmlns="" xmlns:a14="http://schemas.microsoft.com/office/drawing/2010/main" w="9525">
+                <a14:hiddenLine xmlns:a14="http://schemas.microsoft.com/office/drawing/2010/main" w="9525">
                   <a:solidFill>
                     <a:srgbClr val="000000"/>
                   </a:solidFill>
@@ -11170,7 +11170,7 @@
             <p:cNvPr id="55" name="Freeform 52">
               <a:extLst>
                 <a:ext uri="{FF2B5EF4-FFF2-40B4-BE49-F238E27FC236}">
-                  <a16:creationId xmlns="" xmlns:a16="http://schemas.microsoft.com/office/drawing/2014/main" id="{4723D24C-E2A7-4EFA-9369-6EDAAB422CCD}"/>
+                  <a16:creationId xmlns:a16="http://schemas.microsoft.com/office/drawing/2014/main" id="{4723D24C-E2A7-4EFA-9369-6EDAAB422CCD}"/>
                 </a:ext>
               </a:extLst>
             </p:cNvPr>
@@ -11307,7 +11307,7 @@
             </a:ln>
             <a:extLst>
               <a:ext uri="{91240B29-F687-4F45-9708-019B960494DF}">
-                <a14:hiddenLine xmlns="" xmlns:a14="http://schemas.microsoft.com/office/drawing/2010/main" w="9525">
+                <a14:hiddenLine xmlns:a14="http://schemas.microsoft.com/office/drawing/2010/main" w="9525">
                   <a:solidFill>
                     <a:srgbClr val="000000"/>
                   </a:solidFill>
@@ -11339,7 +11339,7 @@
             <p:cNvPr id="56" name="Freeform 53">
               <a:extLst>
                 <a:ext uri="{FF2B5EF4-FFF2-40B4-BE49-F238E27FC236}">
-                  <a16:creationId xmlns="" xmlns:a16="http://schemas.microsoft.com/office/drawing/2014/main" id="{280CA15D-3C04-46C2-A2A0-CF8AAC2513A5}"/>
+                  <a16:creationId xmlns:a16="http://schemas.microsoft.com/office/drawing/2014/main" id="{280CA15D-3C04-46C2-A2A0-CF8AAC2513A5}"/>
                 </a:ext>
               </a:extLst>
             </p:cNvPr>
@@ -11429,7 +11429,7 @@
             </a:ln>
             <a:extLst>
               <a:ext uri="{91240B29-F687-4F45-9708-019B960494DF}">
-                <a14:hiddenLine xmlns="" xmlns:a14="http://schemas.microsoft.com/office/drawing/2010/main" w="9525">
+                <a14:hiddenLine xmlns:a14="http://schemas.microsoft.com/office/drawing/2010/main" w="9525">
                   <a:solidFill>
                     <a:srgbClr val="000000"/>
                   </a:solidFill>
@@ -11461,7 +11461,7 @@
             <p:cNvPr id="57" name="Freeform 54">
               <a:extLst>
                 <a:ext uri="{FF2B5EF4-FFF2-40B4-BE49-F238E27FC236}">
-                  <a16:creationId xmlns="" xmlns:a16="http://schemas.microsoft.com/office/drawing/2014/main" id="{EDBA826A-F54B-497B-AE18-D61BC9E969ED}"/>
+                  <a16:creationId xmlns:a16="http://schemas.microsoft.com/office/drawing/2014/main" id="{EDBA826A-F54B-497B-AE18-D61BC9E969ED}"/>
                 </a:ext>
               </a:extLst>
             </p:cNvPr>
@@ -11550,7 +11550,7 @@
             </a:ln>
             <a:extLst>
               <a:ext uri="{91240B29-F687-4F45-9708-019B960494DF}">
-                <a14:hiddenLine xmlns="" xmlns:a14="http://schemas.microsoft.com/office/drawing/2010/main" w="9525">
+                <a14:hiddenLine xmlns:a14="http://schemas.microsoft.com/office/drawing/2010/main" w="9525">
                   <a:solidFill>
                     <a:srgbClr val="000000"/>
                   </a:solidFill>
@@ -11582,7 +11582,7 @@
             <p:cNvPr id="58" name="Freeform 55">
               <a:extLst>
                 <a:ext uri="{FF2B5EF4-FFF2-40B4-BE49-F238E27FC236}">
-                  <a16:creationId xmlns="" xmlns:a16="http://schemas.microsoft.com/office/drawing/2014/main" id="{F1908B3D-6C0C-4EDA-85A1-CA0C5D90B29C}"/>
+                  <a16:creationId xmlns:a16="http://schemas.microsoft.com/office/drawing/2014/main" id="{F1908B3D-6C0C-4EDA-85A1-CA0C5D90B29C}"/>
                 </a:ext>
               </a:extLst>
             </p:cNvPr>
@@ -11728,7 +11728,7 @@
             </a:ln>
             <a:extLst>
               <a:ext uri="{91240B29-F687-4F45-9708-019B960494DF}">
-                <a14:hiddenLine xmlns="" xmlns:a14="http://schemas.microsoft.com/office/drawing/2010/main" w="9525">
+                <a14:hiddenLine xmlns:a14="http://schemas.microsoft.com/office/drawing/2010/main" w="9525">
                   <a:solidFill>
                     <a:srgbClr val="000000"/>
                   </a:solidFill>
@@ -11760,7 +11760,7 @@
             <p:cNvPr id="59" name="Freeform 56">
               <a:extLst>
                 <a:ext uri="{FF2B5EF4-FFF2-40B4-BE49-F238E27FC236}">
-                  <a16:creationId xmlns="" xmlns:a16="http://schemas.microsoft.com/office/drawing/2014/main" id="{4E042735-C2E8-48BD-A905-F0D116E3ADB3}"/>
+                  <a16:creationId xmlns:a16="http://schemas.microsoft.com/office/drawing/2014/main" id="{4E042735-C2E8-48BD-A905-F0D116E3ADB3}"/>
                 </a:ext>
               </a:extLst>
             </p:cNvPr>
@@ -11905,7 +11905,7 @@
             </a:ln>
             <a:extLst>
               <a:ext uri="{91240B29-F687-4F45-9708-019B960494DF}">
-                <a14:hiddenLine xmlns="" xmlns:a14="http://schemas.microsoft.com/office/drawing/2010/main" w="9525">
+                <a14:hiddenLine xmlns:a14="http://schemas.microsoft.com/office/drawing/2010/main" w="9525">
                   <a:solidFill>
                     <a:srgbClr val="000000"/>
                   </a:solidFill>
@@ -11937,7 +11937,7 @@
             <p:cNvPr id="60" name="Freeform 57">
               <a:extLst>
                 <a:ext uri="{FF2B5EF4-FFF2-40B4-BE49-F238E27FC236}">
-                  <a16:creationId xmlns="" xmlns:a16="http://schemas.microsoft.com/office/drawing/2014/main" id="{627419DF-AEDE-4975-B41E-02AD2739AA35}"/>
+                  <a16:creationId xmlns:a16="http://schemas.microsoft.com/office/drawing/2014/main" id="{627419DF-AEDE-4975-B41E-02AD2739AA35}"/>
                 </a:ext>
               </a:extLst>
             </p:cNvPr>
@@ -12108,7 +12108,7 @@
             </a:ln>
             <a:extLst>
               <a:ext uri="{91240B29-F687-4F45-9708-019B960494DF}">
-                <a14:hiddenLine xmlns="" xmlns:a14="http://schemas.microsoft.com/office/drawing/2010/main" w="9525">
+                <a14:hiddenLine xmlns:a14="http://schemas.microsoft.com/office/drawing/2010/main" w="9525">
                   <a:solidFill>
                     <a:srgbClr val="000000"/>
                   </a:solidFill>
@@ -12140,7 +12140,7 @@
             <p:cNvPr id="61" name="Freeform 58">
               <a:extLst>
                 <a:ext uri="{FF2B5EF4-FFF2-40B4-BE49-F238E27FC236}">
-                  <a16:creationId xmlns="" xmlns:a16="http://schemas.microsoft.com/office/drawing/2014/main" id="{19326F86-187A-4DFB-8921-038D5016696C}"/>
+                  <a16:creationId xmlns:a16="http://schemas.microsoft.com/office/drawing/2014/main" id="{19326F86-187A-4DFB-8921-038D5016696C}"/>
                 </a:ext>
               </a:extLst>
             </p:cNvPr>
@@ -12309,7 +12309,7 @@
             </a:ln>
             <a:extLst>
               <a:ext uri="{91240B29-F687-4F45-9708-019B960494DF}">
-                <a14:hiddenLine xmlns="" xmlns:a14="http://schemas.microsoft.com/office/drawing/2010/main" w="9525">
+                <a14:hiddenLine xmlns:a14="http://schemas.microsoft.com/office/drawing/2010/main" w="9525">
                   <a:solidFill>
                     <a:srgbClr val="000000"/>
                   </a:solidFill>
@@ -12341,7 +12341,7 @@
             <p:cNvPr id="62" name="Freeform 59">
               <a:extLst>
                 <a:ext uri="{FF2B5EF4-FFF2-40B4-BE49-F238E27FC236}">
-                  <a16:creationId xmlns="" xmlns:a16="http://schemas.microsoft.com/office/drawing/2014/main" id="{C6959FE0-D801-4731-A53A-88FFBDF08551}"/>
+                  <a16:creationId xmlns:a16="http://schemas.microsoft.com/office/drawing/2014/main" id="{C6959FE0-D801-4731-A53A-88FFBDF08551}"/>
                 </a:ext>
               </a:extLst>
             </p:cNvPr>
@@ -12527,7 +12527,7 @@
             </a:ln>
             <a:extLst>
               <a:ext uri="{91240B29-F687-4F45-9708-019B960494DF}">
-                <a14:hiddenLine xmlns="" xmlns:a14="http://schemas.microsoft.com/office/drawing/2010/main" w="9525">
+                <a14:hiddenLine xmlns:a14="http://schemas.microsoft.com/office/drawing/2010/main" w="9525">
                   <a:solidFill>
                     <a:srgbClr val="000000"/>
                   </a:solidFill>
@@ -12559,7 +12559,7 @@
             <p:cNvPr id="63" name="Freeform 60">
               <a:extLst>
                 <a:ext uri="{FF2B5EF4-FFF2-40B4-BE49-F238E27FC236}">
-                  <a16:creationId xmlns="" xmlns:a16="http://schemas.microsoft.com/office/drawing/2014/main" id="{B7540508-0D45-4C67-966A-438EF4B6939E}"/>
+                  <a16:creationId xmlns:a16="http://schemas.microsoft.com/office/drawing/2014/main" id="{B7540508-0D45-4C67-966A-438EF4B6939E}"/>
                 </a:ext>
               </a:extLst>
             </p:cNvPr>
@@ -12744,7 +12744,7 @@
             </a:ln>
             <a:extLst>
               <a:ext uri="{91240B29-F687-4F45-9708-019B960494DF}">
-                <a14:hiddenLine xmlns="" xmlns:a14="http://schemas.microsoft.com/office/drawing/2010/main" w="9525">
+                <a14:hiddenLine xmlns:a14="http://schemas.microsoft.com/office/drawing/2010/main" w="9525">
                   <a:solidFill>
                     <a:srgbClr val="000000"/>
                   </a:solidFill>
@@ -12776,7 +12776,7 @@
             <p:cNvPr id="64" name="Freeform 61">
               <a:extLst>
                 <a:ext uri="{FF2B5EF4-FFF2-40B4-BE49-F238E27FC236}">
-                  <a16:creationId xmlns="" xmlns:a16="http://schemas.microsoft.com/office/drawing/2014/main" id="{E3FC4B14-122E-4E00-820D-4DBC6D67BAED}"/>
+                  <a16:creationId xmlns:a16="http://schemas.microsoft.com/office/drawing/2014/main" id="{E3FC4B14-122E-4E00-820D-4DBC6D67BAED}"/>
                 </a:ext>
               </a:extLst>
             </p:cNvPr>
@@ -12882,7 +12882,7 @@
             </a:ln>
             <a:extLst>
               <a:ext uri="{91240B29-F687-4F45-9708-019B960494DF}">
-                <a14:hiddenLine xmlns="" xmlns:a14="http://schemas.microsoft.com/office/drawing/2010/main" w="9525">
+                <a14:hiddenLine xmlns:a14="http://schemas.microsoft.com/office/drawing/2010/main" w="9525">
                   <a:solidFill>
                     <a:srgbClr val="000000"/>
                   </a:solidFill>
@@ -12914,7 +12914,7 @@
             <p:cNvPr id="65" name="Freeform 62">
               <a:extLst>
                 <a:ext uri="{FF2B5EF4-FFF2-40B4-BE49-F238E27FC236}">
-                  <a16:creationId xmlns="" xmlns:a16="http://schemas.microsoft.com/office/drawing/2014/main" id="{05180D3E-3AAD-4C40-BF13-3D01226A8DF2}"/>
+                  <a16:creationId xmlns:a16="http://schemas.microsoft.com/office/drawing/2014/main" id="{05180D3E-3AAD-4C40-BF13-3D01226A8DF2}"/>
                 </a:ext>
               </a:extLst>
             </p:cNvPr>
@@ -13019,7 +13019,7 @@
             </a:ln>
             <a:extLst>
               <a:ext uri="{91240B29-F687-4F45-9708-019B960494DF}">
-                <a14:hiddenLine xmlns="" xmlns:a14="http://schemas.microsoft.com/office/drawing/2010/main" w="9525">
+                <a14:hiddenLine xmlns:a14="http://schemas.microsoft.com/office/drawing/2010/main" w="9525">
                   <a:solidFill>
                     <a:srgbClr val="000000"/>
                   </a:solidFill>
@@ -13051,7 +13051,7 @@
             <p:cNvPr id="66" name="Freeform 63">
               <a:extLst>
                 <a:ext uri="{FF2B5EF4-FFF2-40B4-BE49-F238E27FC236}">
-                  <a16:creationId xmlns="" xmlns:a16="http://schemas.microsoft.com/office/drawing/2014/main" id="{4C102723-08AC-4C64-B715-1651447605A2}"/>
+                  <a16:creationId xmlns:a16="http://schemas.microsoft.com/office/drawing/2014/main" id="{4C102723-08AC-4C64-B715-1651447605A2}"/>
                 </a:ext>
               </a:extLst>
             </p:cNvPr>
@@ -13325,7 +13325,7 @@
             </a:ln>
             <a:extLst>
               <a:ext uri="{91240B29-F687-4F45-9708-019B960494DF}">
-                <a14:hiddenLine xmlns="" xmlns:a14="http://schemas.microsoft.com/office/drawing/2010/main" w="9525">
+                <a14:hiddenLine xmlns:a14="http://schemas.microsoft.com/office/drawing/2010/main" w="9525">
                   <a:solidFill>
                     <a:srgbClr val="000000"/>
                   </a:solidFill>
@@ -13357,7 +13357,7 @@
             <p:cNvPr id="67" name="Freeform 64">
               <a:extLst>
                 <a:ext uri="{FF2B5EF4-FFF2-40B4-BE49-F238E27FC236}">
-                  <a16:creationId xmlns="" xmlns:a16="http://schemas.microsoft.com/office/drawing/2014/main" id="{DB7DA254-D0BC-4626-8D13-35A6C439FBDE}"/>
+                  <a16:creationId xmlns:a16="http://schemas.microsoft.com/office/drawing/2014/main" id="{DB7DA254-D0BC-4626-8D13-35A6C439FBDE}"/>
                 </a:ext>
               </a:extLst>
             </p:cNvPr>
@@ -13630,7 +13630,7 @@
             </a:ln>
             <a:extLst>
               <a:ext uri="{91240B29-F687-4F45-9708-019B960494DF}">
-                <a14:hiddenLine xmlns="" xmlns:a14="http://schemas.microsoft.com/office/drawing/2010/main" w="9525">
+                <a14:hiddenLine xmlns:a14="http://schemas.microsoft.com/office/drawing/2010/main" w="9525">
                   <a:solidFill>
                     <a:srgbClr val="000000"/>
                   </a:solidFill>
@@ -13662,7 +13662,7 @@
             <p:cNvPr id="68" name="Freeform 65">
               <a:extLst>
                 <a:ext uri="{FF2B5EF4-FFF2-40B4-BE49-F238E27FC236}">
-                  <a16:creationId xmlns="" xmlns:a16="http://schemas.microsoft.com/office/drawing/2014/main" id="{76253CE5-B902-4B0F-912D-7F0745A66C2F}"/>
+                  <a16:creationId xmlns:a16="http://schemas.microsoft.com/office/drawing/2014/main" id="{76253CE5-B902-4B0F-912D-7F0745A66C2F}"/>
                 </a:ext>
               </a:extLst>
             </p:cNvPr>
@@ -13801,7 +13801,7 @@
             </a:ln>
             <a:extLst>
               <a:ext uri="{91240B29-F687-4F45-9708-019B960494DF}">
-                <a14:hiddenLine xmlns="" xmlns:a14="http://schemas.microsoft.com/office/drawing/2010/main" w="9525">
+                <a14:hiddenLine xmlns:a14="http://schemas.microsoft.com/office/drawing/2010/main" w="9525">
                   <a:solidFill>
                     <a:srgbClr val="000000"/>
                   </a:solidFill>
@@ -13833,7 +13833,7 @@
             <p:cNvPr id="69" name="Freeform 66">
               <a:extLst>
                 <a:ext uri="{FF2B5EF4-FFF2-40B4-BE49-F238E27FC236}">
-                  <a16:creationId xmlns="" xmlns:a16="http://schemas.microsoft.com/office/drawing/2014/main" id="{4CA16E2F-0B7B-4E93-8099-7D2DFD899C8C}"/>
+                  <a16:creationId xmlns:a16="http://schemas.microsoft.com/office/drawing/2014/main" id="{4CA16E2F-0B7B-4E93-8099-7D2DFD899C8C}"/>
                 </a:ext>
               </a:extLst>
             </p:cNvPr>
@@ -13970,7 +13970,7 @@
             </a:ln>
             <a:extLst>
               <a:ext uri="{91240B29-F687-4F45-9708-019B960494DF}">
-                <a14:hiddenLine xmlns="" xmlns:a14="http://schemas.microsoft.com/office/drawing/2010/main" w="9525">
+                <a14:hiddenLine xmlns:a14="http://schemas.microsoft.com/office/drawing/2010/main" w="9525">
                   <a:solidFill>
                     <a:srgbClr val="000000"/>
                   </a:solidFill>
@@ -14002,7 +14002,7 @@
             <p:cNvPr id="70" name="Freeform 67">
               <a:extLst>
                 <a:ext uri="{FF2B5EF4-FFF2-40B4-BE49-F238E27FC236}">
-                  <a16:creationId xmlns="" xmlns:a16="http://schemas.microsoft.com/office/drawing/2014/main" id="{A4C24EE1-1CA1-4C34-A94A-D613C4C823C3}"/>
+                  <a16:creationId xmlns:a16="http://schemas.microsoft.com/office/drawing/2014/main" id="{A4C24EE1-1CA1-4C34-A94A-D613C4C823C3}"/>
                 </a:ext>
               </a:extLst>
             </p:cNvPr>
@@ -14108,7 +14108,7 @@
             </a:ln>
             <a:extLst>
               <a:ext uri="{91240B29-F687-4F45-9708-019B960494DF}">
-                <a14:hiddenLine xmlns="" xmlns:a14="http://schemas.microsoft.com/office/drawing/2010/main" w="9525">
+                <a14:hiddenLine xmlns:a14="http://schemas.microsoft.com/office/drawing/2010/main" w="9525">
                   <a:solidFill>
                     <a:srgbClr val="000000"/>
                   </a:solidFill>
@@ -14140,7 +14140,7 @@
             <p:cNvPr id="71" name="Freeform 68">
               <a:extLst>
                 <a:ext uri="{FF2B5EF4-FFF2-40B4-BE49-F238E27FC236}">
-                  <a16:creationId xmlns="" xmlns:a16="http://schemas.microsoft.com/office/drawing/2014/main" id="{CC4291B8-5781-4E97-BE76-DEEAE97489EA}"/>
+                  <a16:creationId xmlns:a16="http://schemas.microsoft.com/office/drawing/2014/main" id="{CC4291B8-5781-4E97-BE76-DEEAE97489EA}"/>
                 </a:ext>
               </a:extLst>
             </p:cNvPr>
@@ -14245,7 +14245,7 @@
             </a:ln>
             <a:extLst>
               <a:ext uri="{91240B29-F687-4F45-9708-019B960494DF}">
-                <a14:hiddenLine xmlns="" xmlns:a14="http://schemas.microsoft.com/office/drawing/2010/main" w="9525">
+                <a14:hiddenLine xmlns:a14="http://schemas.microsoft.com/office/drawing/2010/main" w="9525">
                   <a:solidFill>
                     <a:srgbClr val="000000"/>
                   </a:solidFill>
@@ -14277,7 +14277,7 @@
             <p:cNvPr id="72" name="Freeform 69">
               <a:extLst>
                 <a:ext uri="{FF2B5EF4-FFF2-40B4-BE49-F238E27FC236}">
-                  <a16:creationId xmlns="" xmlns:a16="http://schemas.microsoft.com/office/drawing/2014/main" id="{C295194B-02C7-4780-B56A-0CBAB5A2E80B}"/>
+                  <a16:creationId xmlns:a16="http://schemas.microsoft.com/office/drawing/2014/main" id="{C295194B-02C7-4780-B56A-0CBAB5A2E80B}"/>
                 </a:ext>
               </a:extLst>
             </p:cNvPr>
@@ -14447,7 +14447,7 @@
             </a:ln>
             <a:extLst>
               <a:ext uri="{91240B29-F687-4F45-9708-019B960494DF}">
-                <a14:hiddenLine xmlns="" xmlns:a14="http://schemas.microsoft.com/office/drawing/2010/main" w="9525">
+                <a14:hiddenLine xmlns:a14="http://schemas.microsoft.com/office/drawing/2010/main" w="9525">
                   <a:solidFill>
                     <a:srgbClr val="000000"/>
                   </a:solidFill>
@@ -14479,7 +14479,7 @@
             <p:cNvPr id="73" name="Freeform 70">
               <a:extLst>
                 <a:ext uri="{FF2B5EF4-FFF2-40B4-BE49-F238E27FC236}">
-                  <a16:creationId xmlns="" xmlns:a16="http://schemas.microsoft.com/office/drawing/2014/main" id="{DEA224C3-824C-4ADD-AA73-20B7BFB2699C}"/>
+                  <a16:creationId xmlns:a16="http://schemas.microsoft.com/office/drawing/2014/main" id="{DEA224C3-824C-4ADD-AA73-20B7BFB2699C}"/>
                 </a:ext>
               </a:extLst>
             </p:cNvPr>
@@ -14648,7 +14648,7 @@
             </a:ln>
             <a:extLst>
               <a:ext uri="{91240B29-F687-4F45-9708-019B960494DF}">
-                <a14:hiddenLine xmlns="" xmlns:a14="http://schemas.microsoft.com/office/drawing/2010/main" w="9525">
+                <a14:hiddenLine xmlns:a14="http://schemas.microsoft.com/office/drawing/2010/main" w="9525">
                   <a:solidFill>
                     <a:srgbClr val="000000"/>
                   </a:solidFill>
@@ -14680,7 +14680,7 @@
             <p:cNvPr id="74" name="Freeform 71">
               <a:extLst>
                 <a:ext uri="{FF2B5EF4-FFF2-40B4-BE49-F238E27FC236}">
-                  <a16:creationId xmlns="" xmlns:a16="http://schemas.microsoft.com/office/drawing/2014/main" id="{DE618FDB-D198-486B-80EA-D953ACDED55A}"/>
+                  <a16:creationId xmlns:a16="http://schemas.microsoft.com/office/drawing/2014/main" id="{DE618FDB-D198-486B-80EA-D953ACDED55A}"/>
                 </a:ext>
               </a:extLst>
             </p:cNvPr>
@@ -14859,7 +14859,7 @@
             </a:ln>
             <a:extLst>
               <a:ext uri="{91240B29-F687-4F45-9708-019B960494DF}">
-                <a14:hiddenLine xmlns="" xmlns:a14="http://schemas.microsoft.com/office/drawing/2010/main" w="9525">
+                <a14:hiddenLine xmlns:a14="http://schemas.microsoft.com/office/drawing/2010/main" w="9525">
                   <a:solidFill>
                     <a:srgbClr val="000000"/>
                   </a:solidFill>
@@ -14891,7 +14891,7 @@
             <p:cNvPr id="75" name="Freeform 72">
               <a:extLst>
                 <a:ext uri="{FF2B5EF4-FFF2-40B4-BE49-F238E27FC236}">
-                  <a16:creationId xmlns="" xmlns:a16="http://schemas.microsoft.com/office/drawing/2014/main" id="{96619D89-DCBE-4010-9263-2C932CBC628E}"/>
+                  <a16:creationId xmlns:a16="http://schemas.microsoft.com/office/drawing/2014/main" id="{96619D89-DCBE-4010-9263-2C932CBC628E}"/>
                 </a:ext>
               </a:extLst>
             </p:cNvPr>
@@ -15068,7 +15068,7 @@
             </a:ln>
             <a:extLst>
               <a:ext uri="{91240B29-F687-4F45-9708-019B960494DF}">
-                <a14:hiddenLine xmlns="" xmlns:a14="http://schemas.microsoft.com/office/drawing/2010/main" w="9525">
+                <a14:hiddenLine xmlns:a14="http://schemas.microsoft.com/office/drawing/2010/main" w="9525">
                   <a:solidFill>
                     <a:srgbClr val="000000"/>
                   </a:solidFill>
@@ -15100,7 +15100,7 @@
             <p:cNvPr id="76" name="Freeform 73">
               <a:extLst>
                 <a:ext uri="{FF2B5EF4-FFF2-40B4-BE49-F238E27FC236}">
-                  <a16:creationId xmlns="" xmlns:a16="http://schemas.microsoft.com/office/drawing/2014/main" id="{2A05754B-DAD3-457E-B6F3-1CB594D01F0F}"/>
+                  <a16:creationId xmlns:a16="http://schemas.microsoft.com/office/drawing/2014/main" id="{2A05754B-DAD3-457E-B6F3-1CB594D01F0F}"/>
                 </a:ext>
               </a:extLst>
             </p:cNvPr>
@@ -15174,7 +15174,7 @@
             </a:ln>
             <a:extLst>
               <a:ext uri="{91240B29-F687-4F45-9708-019B960494DF}">
-                <a14:hiddenLine xmlns="" xmlns:a14="http://schemas.microsoft.com/office/drawing/2010/main" w="9525">
+                <a14:hiddenLine xmlns:a14="http://schemas.microsoft.com/office/drawing/2010/main" w="9525">
                   <a:solidFill>
                     <a:srgbClr val="000000"/>
                   </a:solidFill>
@@ -15206,7 +15206,7 @@
             <p:cNvPr id="77" name="Freeform 74">
               <a:extLst>
                 <a:ext uri="{FF2B5EF4-FFF2-40B4-BE49-F238E27FC236}">
-                  <a16:creationId xmlns="" xmlns:a16="http://schemas.microsoft.com/office/drawing/2014/main" id="{E81E2A36-A958-4F09-8005-923A96D07D2C}"/>
+                  <a16:creationId xmlns:a16="http://schemas.microsoft.com/office/drawing/2014/main" id="{E81E2A36-A958-4F09-8005-923A96D07D2C}"/>
                 </a:ext>
               </a:extLst>
             </p:cNvPr>
@@ -15279,7 +15279,7 @@
             </a:ln>
             <a:extLst>
               <a:ext uri="{91240B29-F687-4F45-9708-019B960494DF}">
-                <a14:hiddenLine xmlns="" xmlns:a14="http://schemas.microsoft.com/office/drawing/2010/main" w="9525">
+                <a14:hiddenLine xmlns:a14="http://schemas.microsoft.com/office/drawing/2010/main" w="9525">
                   <a:solidFill>
                     <a:srgbClr val="000000"/>
                   </a:solidFill>
@@ -15311,7 +15311,7 @@
             <p:cNvPr id="78" name="Freeform 75">
               <a:extLst>
                 <a:ext uri="{FF2B5EF4-FFF2-40B4-BE49-F238E27FC236}">
-                  <a16:creationId xmlns="" xmlns:a16="http://schemas.microsoft.com/office/drawing/2014/main" id="{59B5AEE0-42A4-4653-B72C-BA68A68D36D5}"/>
+                  <a16:creationId xmlns:a16="http://schemas.microsoft.com/office/drawing/2014/main" id="{59B5AEE0-42A4-4653-B72C-BA68A68D36D5}"/>
                 </a:ext>
               </a:extLst>
             </p:cNvPr>
@@ -15457,7 +15457,7 @@
             </a:ln>
             <a:extLst>
               <a:ext uri="{91240B29-F687-4F45-9708-019B960494DF}">
-                <a14:hiddenLine xmlns="" xmlns:a14="http://schemas.microsoft.com/office/drawing/2010/main" w="9525">
+                <a14:hiddenLine xmlns:a14="http://schemas.microsoft.com/office/drawing/2010/main" w="9525">
                   <a:solidFill>
                     <a:srgbClr val="000000"/>
                   </a:solidFill>
@@ -15489,7 +15489,7 @@
             <p:cNvPr id="79" name="Freeform 76">
               <a:extLst>
                 <a:ext uri="{FF2B5EF4-FFF2-40B4-BE49-F238E27FC236}">
-                  <a16:creationId xmlns="" xmlns:a16="http://schemas.microsoft.com/office/drawing/2014/main" id="{6E693F0A-1950-4933-BE81-38FCA5DF9DB3}"/>
+                  <a16:creationId xmlns:a16="http://schemas.microsoft.com/office/drawing/2014/main" id="{6E693F0A-1950-4933-BE81-38FCA5DF9DB3}"/>
                 </a:ext>
               </a:extLst>
             </p:cNvPr>
@@ -15634,7 +15634,7 @@
             </a:ln>
             <a:extLst>
               <a:ext uri="{91240B29-F687-4F45-9708-019B960494DF}">
-                <a14:hiddenLine xmlns="" xmlns:a14="http://schemas.microsoft.com/office/drawing/2010/main" w="9525">
+                <a14:hiddenLine xmlns:a14="http://schemas.microsoft.com/office/drawing/2010/main" w="9525">
                   <a:solidFill>
                     <a:srgbClr val="000000"/>
                   </a:solidFill>
@@ -15666,7 +15666,7 @@
             <p:cNvPr id="80" name="Freeform 77">
               <a:extLst>
                 <a:ext uri="{FF2B5EF4-FFF2-40B4-BE49-F238E27FC236}">
-                  <a16:creationId xmlns="" xmlns:a16="http://schemas.microsoft.com/office/drawing/2014/main" id="{8A485052-72E7-4283-9086-548E3EBD42EF}"/>
+                  <a16:creationId xmlns:a16="http://schemas.microsoft.com/office/drawing/2014/main" id="{8A485052-72E7-4283-9086-548E3EBD42EF}"/>
                 </a:ext>
               </a:extLst>
             </p:cNvPr>
@@ -15772,7 +15772,7 @@
             </a:ln>
             <a:extLst>
               <a:ext uri="{91240B29-F687-4F45-9708-019B960494DF}">
-                <a14:hiddenLine xmlns="" xmlns:a14="http://schemas.microsoft.com/office/drawing/2010/main" w="9525">
+                <a14:hiddenLine xmlns:a14="http://schemas.microsoft.com/office/drawing/2010/main" w="9525">
                   <a:solidFill>
                     <a:srgbClr val="000000"/>
                   </a:solidFill>
@@ -15804,7 +15804,7 @@
             <p:cNvPr id="81" name="Freeform 78">
               <a:extLst>
                 <a:ext uri="{FF2B5EF4-FFF2-40B4-BE49-F238E27FC236}">
-                  <a16:creationId xmlns="" xmlns:a16="http://schemas.microsoft.com/office/drawing/2014/main" id="{ED8354EB-72FD-4958-85B5-F4C470834EF6}"/>
+                  <a16:creationId xmlns:a16="http://schemas.microsoft.com/office/drawing/2014/main" id="{ED8354EB-72FD-4958-85B5-F4C470834EF6}"/>
                 </a:ext>
               </a:extLst>
             </p:cNvPr>
@@ -15909,7 +15909,7 @@
             </a:ln>
             <a:extLst>
               <a:ext uri="{91240B29-F687-4F45-9708-019B960494DF}">
-                <a14:hiddenLine xmlns="" xmlns:a14="http://schemas.microsoft.com/office/drawing/2010/main" w="9525">
+                <a14:hiddenLine xmlns:a14="http://schemas.microsoft.com/office/drawing/2010/main" w="9525">
                   <a:solidFill>
                     <a:srgbClr val="000000"/>
                   </a:solidFill>
@@ -15941,7 +15941,7 @@
             <p:cNvPr id="82" name="Freeform 79">
               <a:extLst>
                 <a:ext uri="{FF2B5EF4-FFF2-40B4-BE49-F238E27FC236}">
-                  <a16:creationId xmlns="" xmlns:a16="http://schemas.microsoft.com/office/drawing/2014/main" id="{B3FF19FC-9674-4A47-ABF1-BF523E6A55E0}"/>
+                  <a16:creationId xmlns:a16="http://schemas.microsoft.com/office/drawing/2014/main" id="{B3FF19FC-9674-4A47-ABF1-BF523E6A55E0}"/>
                 </a:ext>
               </a:extLst>
             </p:cNvPr>
@@ -16047,7 +16047,7 @@
             </a:ln>
             <a:extLst>
               <a:ext uri="{91240B29-F687-4F45-9708-019B960494DF}">
-                <a14:hiddenLine xmlns="" xmlns:a14="http://schemas.microsoft.com/office/drawing/2010/main" w="9525">
+                <a14:hiddenLine xmlns:a14="http://schemas.microsoft.com/office/drawing/2010/main" w="9525">
                   <a:solidFill>
                     <a:srgbClr val="000000"/>
                   </a:solidFill>
@@ -16079,7 +16079,7 @@
             <p:cNvPr id="83" name="Freeform 80">
               <a:extLst>
                 <a:ext uri="{FF2B5EF4-FFF2-40B4-BE49-F238E27FC236}">
-                  <a16:creationId xmlns="" xmlns:a16="http://schemas.microsoft.com/office/drawing/2014/main" id="{6B596868-D3DC-4440-937A-57AFEFD1949F}"/>
+                  <a16:creationId xmlns:a16="http://schemas.microsoft.com/office/drawing/2014/main" id="{6B596868-D3DC-4440-937A-57AFEFD1949F}"/>
                 </a:ext>
               </a:extLst>
             </p:cNvPr>
@@ -16184,7 +16184,7 @@
             </a:ln>
             <a:extLst>
               <a:ext uri="{91240B29-F687-4F45-9708-019B960494DF}">
-                <a14:hiddenLine xmlns="" xmlns:a14="http://schemas.microsoft.com/office/drawing/2010/main" w="9525">
+                <a14:hiddenLine xmlns:a14="http://schemas.microsoft.com/office/drawing/2010/main" w="9525">
                   <a:solidFill>
                     <a:srgbClr val="000000"/>
                   </a:solidFill>
@@ -16216,7 +16216,7 @@
             <p:cNvPr id="84" name="Freeform 81">
               <a:extLst>
                 <a:ext uri="{FF2B5EF4-FFF2-40B4-BE49-F238E27FC236}">
-                  <a16:creationId xmlns="" xmlns:a16="http://schemas.microsoft.com/office/drawing/2014/main" id="{DEA93609-F7DE-4378-A90F-36264B1514AA}"/>
+                  <a16:creationId xmlns:a16="http://schemas.microsoft.com/office/drawing/2014/main" id="{DEA93609-F7DE-4378-A90F-36264B1514AA}"/>
                 </a:ext>
               </a:extLst>
             </p:cNvPr>
@@ -16338,7 +16338,7 @@
             </a:ln>
             <a:extLst>
               <a:ext uri="{91240B29-F687-4F45-9708-019B960494DF}">
-                <a14:hiddenLine xmlns="" xmlns:a14="http://schemas.microsoft.com/office/drawing/2010/main" w="9525">
+                <a14:hiddenLine xmlns:a14="http://schemas.microsoft.com/office/drawing/2010/main" w="9525">
                   <a:solidFill>
                     <a:srgbClr val="000000"/>
                   </a:solidFill>
@@ -16370,7 +16370,7 @@
             <p:cNvPr id="85" name="Freeform 82">
               <a:extLst>
                 <a:ext uri="{FF2B5EF4-FFF2-40B4-BE49-F238E27FC236}">
-                  <a16:creationId xmlns="" xmlns:a16="http://schemas.microsoft.com/office/drawing/2014/main" id="{7C65E01A-6ED0-4814-9CA1-868FADE1BCD2}"/>
+                  <a16:creationId xmlns:a16="http://schemas.microsoft.com/office/drawing/2014/main" id="{7C65E01A-6ED0-4814-9CA1-868FADE1BCD2}"/>
                 </a:ext>
               </a:extLst>
             </p:cNvPr>
@@ -16491,7 +16491,7 @@
             </a:ln>
             <a:extLst>
               <a:ext uri="{91240B29-F687-4F45-9708-019B960494DF}">
-                <a14:hiddenLine xmlns="" xmlns:a14="http://schemas.microsoft.com/office/drawing/2010/main" w="9525">
+                <a14:hiddenLine xmlns:a14="http://schemas.microsoft.com/office/drawing/2010/main" w="9525">
                   <a:solidFill>
                     <a:srgbClr val="000000"/>
                   </a:solidFill>
@@ -16523,7 +16523,7 @@
             <p:cNvPr id="86" name="Freeform 83">
               <a:extLst>
                 <a:ext uri="{FF2B5EF4-FFF2-40B4-BE49-F238E27FC236}">
-                  <a16:creationId xmlns="" xmlns:a16="http://schemas.microsoft.com/office/drawing/2014/main" id="{0D86D44C-DDB0-4B3C-B126-F4458194ABA3}"/>
+                  <a16:creationId xmlns:a16="http://schemas.microsoft.com/office/drawing/2014/main" id="{0D86D44C-DDB0-4B3C-B126-F4458194ABA3}"/>
                 </a:ext>
               </a:extLst>
             </p:cNvPr>
@@ -16629,7 +16629,7 @@
             </a:ln>
             <a:extLst>
               <a:ext uri="{91240B29-F687-4F45-9708-019B960494DF}">
-                <a14:hiddenLine xmlns="" xmlns:a14="http://schemas.microsoft.com/office/drawing/2010/main" w="9525">
+                <a14:hiddenLine xmlns:a14="http://schemas.microsoft.com/office/drawing/2010/main" w="9525">
                   <a:solidFill>
                     <a:srgbClr val="000000"/>
                   </a:solidFill>
@@ -16661,7 +16661,7 @@
             <p:cNvPr id="87" name="Freeform 84">
               <a:extLst>
                 <a:ext uri="{FF2B5EF4-FFF2-40B4-BE49-F238E27FC236}">
-                  <a16:creationId xmlns="" xmlns:a16="http://schemas.microsoft.com/office/drawing/2014/main" id="{75BE403B-5E9B-4F51-BC49-B6FD91B425A8}"/>
+                  <a16:creationId xmlns:a16="http://schemas.microsoft.com/office/drawing/2014/main" id="{75BE403B-5E9B-4F51-BC49-B6FD91B425A8}"/>
                 </a:ext>
               </a:extLst>
             </p:cNvPr>
@@ -16766,7 +16766,7 @@
             </a:ln>
             <a:extLst>
               <a:ext uri="{91240B29-F687-4F45-9708-019B960494DF}">
-                <a14:hiddenLine xmlns="" xmlns:a14="http://schemas.microsoft.com/office/drawing/2010/main" w="9525">
+                <a14:hiddenLine xmlns:a14="http://schemas.microsoft.com/office/drawing/2010/main" w="9525">
                   <a:solidFill>
                     <a:srgbClr val="000000"/>
                   </a:solidFill>
@@ -16798,7 +16798,7 @@
             <p:cNvPr id="88" name="Freeform 85">
               <a:extLst>
                 <a:ext uri="{FF2B5EF4-FFF2-40B4-BE49-F238E27FC236}">
-                  <a16:creationId xmlns="" xmlns:a16="http://schemas.microsoft.com/office/drawing/2014/main" id="{F8684EEA-2E89-4FCA-9ADA-2B69FB3FD743}"/>
+                  <a16:creationId xmlns:a16="http://schemas.microsoft.com/office/drawing/2014/main" id="{F8684EEA-2E89-4FCA-9ADA-2B69FB3FD743}"/>
                 </a:ext>
               </a:extLst>
             </p:cNvPr>
@@ -16936,7 +16936,7 @@
             </a:ln>
             <a:extLst>
               <a:ext uri="{91240B29-F687-4F45-9708-019B960494DF}">
-                <a14:hiddenLine xmlns="" xmlns:a14="http://schemas.microsoft.com/office/drawing/2010/main" w="9525">
+                <a14:hiddenLine xmlns:a14="http://schemas.microsoft.com/office/drawing/2010/main" w="9525">
                   <a:solidFill>
                     <a:srgbClr val="000000"/>
                   </a:solidFill>
@@ -16968,7 +16968,7 @@
             <p:cNvPr id="89" name="Freeform 86">
               <a:extLst>
                 <a:ext uri="{FF2B5EF4-FFF2-40B4-BE49-F238E27FC236}">
-                  <a16:creationId xmlns="" xmlns:a16="http://schemas.microsoft.com/office/drawing/2014/main" id="{3A9B96F6-190E-4317-96A3-5D97D473E234}"/>
+                  <a16:creationId xmlns:a16="http://schemas.microsoft.com/office/drawing/2014/main" id="{3A9B96F6-190E-4317-96A3-5D97D473E234}"/>
                 </a:ext>
               </a:extLst>
             </p:cNvPr>
@@ -17105,7 +17105,7 @@
             </a:ln>
             <a:extLst>
               <a:ext uri="{91240B29-F687-4F45-9708-019B960494DF}">
-                <a14:hiddenLine xmlns="" xmlns:a14="http://schemas.microsoft.com/office/drawing/2010/main" w="9525">
+                <a14:hiddenLine xmlns:a14="http://schemas.microsoft.com/office/drawing/2010/main" w="9525">
                   <a:solidFill>
                     <a:srgbClr val="000000"/>
                   </a:solidFill>
@@ -17137,7 +17137,7 @@
             <p:cNvPr id="90" name="Freeform 87">
               <a:extLst>
                 <a:ext uri="{FF2B5EF4-FFF2-40B4-BE49-F238E27FC236}">
-                  <a16:creationId xmlns="" xmlns:a16="http://schemas.microsoft.com/office/drawing/2014/main" id="{D0A71ACE-3EBE-42A0-A08B-441B8480E6DB}"/>
+                  <a16:creationId xmlns:a16="http://schemas.microsoft.com/office/drawing/2014/main" id="{D0A71ACE-3EBE-42A0-A08B-441B8480E6DB}"/>
                 </a:ext>
               </a:extLst>
             </p:cNvPr>
@@ -17243,7 +17243,7 @@
             </a:ln>
             <a:extLst>
               <a:ext uri="{91240B29-F687-4F45-9708-019B960494DF}">
-                <a14:hiddenLine xmlns="" xmlns:a14="http://schemas.microsoft.com/office/drawing/2010/main" w="9525">
+                <a14:hiddenLine xmlns:a14="http://schemas.microsoft.com/office/drawing/2010/main" w="9525">
                   <a:solidFill>
                     <a:srgbClr val="000000"/>
                   </a:solidFill>
@@ -17275,7 +17275,7 @@
             <p:cNvPr id="91" name="Freeform 88">
               <a:extLst>
                 <a:ext uri="{FF2B5EF4-FFF2-40B4-BE49-F238E27FC236}">
-                  <a16:creationId xmlns="" xmlns:a16="http://schemas.microsoft.com/office/drawing/2014/main" id="{3210EF04-97AC-410F-A682-EF447B605C65}"/>
+                  <a16:creationId xmlns:a16="http://schemas.microsoft.com/office/drawing/2014/main" id="{3210EF04-97AC-410F-A682-EF447B605C65}"/>
                 </a:ext>
               </a:extLst>
             </p:cNvPr>
@@ -17380,7 +17380,7 @@
             </a:ln>
             <a:extLst>
               <a:ext uri="{91240B29-F687-4F45-9708-019B960494DF}">
-                <a14:hiddenLine xmlns="" xmlns:a14="http://schemas.microsoft.com/office/drawing/2010/main" w="9525">
+                <a14:hiddenLine xmlns:a14="http://schemas.microsoft.com/office/drawing/2010/main" w="9525">
                   <a:solidFill>
                     <a:srgbClr val="000000"/>
                   </a:solidFill>
@@ -17412,7 +17412,7 @@
             <p:cNvPr id="92" name="Freeform 89">
               <a:extLst>
                 <a:ext uri="{FF2B5EF4-FFF2-40B4-BE49-F238E27FC236}">
-                  <a16:creationId xmlns="" xmlns:a16="http://schemas.microsoft.com/office/drawing/2014/main" id="{A2D529AC-C776-49C0-977E-7D82E467B75D}"/>
+                  <a16:creationId xmlns:a16="http://schemas.microsoft.com/office/drawing/2014/main" id="{A2D529AC-C776-49C0-977E-7D82E467B75D}"/>
                 </a:ext>
               </a:extLst>
             </p:cNvPr>
@@ -17486,7 +17486,7 @@
             </a:ln>
             <a:extLst>
               <a:ext uri="{91240B29-F687-4F45-9708-019B960494DF}">
-                <a14:hiddenLine xmlns="" xmlns:a14="http://schemas.microsoft.com/office/drawing/2010/main" w="9525">
+                <a14:hiddenLine xmlns:a14="http://schemas.microsoft.com/office/drawing/2010/main" w="9525">
                   <a:solidFill>
                     <a:srgbClr val="000000"/>
                   </a:solidFill>
@@ -17518,7 +17518,7 @@
             <p:cNvPr id="93" name="Freeform 90">
               <a:extLst>
                 <a:ext uri="{FF2B5EF4-FFF2-40B4-BE49-F238E27FC236}">
-                  <a16:creationId xmlns="" xmlns:a16="http://schemas.microsoft.com/office/drawing/2014/main" id="{C3251D33-9028-4819-B610-D62B5617761C}"/>
+                  <a16:creationId xmlns:a16="http://schemas.microsoft.com/office/drawing/2014/main" id="{C3251D33-9028-4819-B610-D62B5617761C}"/>
                 </a:ext>
               </a:extLst>
             </p:cNvPr>
@@ -17591,7 +17591,7 @@
             </a:ln>
             <a:extLst>
               <a:ext uri="{91240B29-F687-4F45-9708-019B960494DF}">
-                <a14:hiddenLine xmlns="" xmlns:a14="http://schemas.microsoft.com/office/drawing/2010/main" w="9525">
+                <a14:hiddenLine xmlns:a14="http://schemas.microsoft.com/office/drawing/2010/main" w="9525">
                   <a:solidFill>
                     <a:srgbClr val="000000"/>
                   </a:solidFill>
@@ -17623,7 +17623,7 @@
             <p:cNvPr id="94" name="Freeform 91">
               <a:extLst>
                 <a:ext uri="{FF2B5EF4-FFF2-40B4-BE49-F238E27FC236}">
-                  <a16:creationId xmlns="" xmlns:a16="http://schemas.microsoft.com/office/drawing/2014/main" id="{31F3BA53-E044-4239-8A48-7B968B2FB190}"/>
+                  <a16:creationId xmlns:a16="http://schemas.microsoft.com/office/drawing/2014/main" id="{31F3BA53-E044-4239-8A48-7B968B2FB190}"/>
                 </a:ext>
               </a:extLst>
             </p:cNvPr>
@@ -17713,7 +17713,7 @@
             </a:ln>
             <a:extLst>
               <a:ext uri="{91240B29-F687-4F45-9708-019B960494DF}">
-                <a14:hiddenLine xmlns="" xmlns:a14="http://schemas.microsoft.com/office/drawing/2010/main" w="9525">
+                <a14:hiddenLine xmlns:a14="http://schemas.microsoft.com/office/drawing/2010/main" w="9525">
                   <a:solidFill>
                     <a:srgbClr val="000000"/>
                   </a:solidFill>
@@ -17745,7 +17745,7 @@
             <p:cNvPr id="95" name="Freeform 92">
               <a:extLst>
                 <a:ext uri="{FF2B5EF4-FFF2-40B4-BE49-F238E27FC236}">
-                  <a16:creationId xmlns="" xmlns:a16="http://schemas.microsoft.com/office/drawing/2014/main" id="{0D241336-E462-48A6-A873-54E19207B28C}"/>
+                  <a16:creationId xmlns:a16="http://schemas.microsoft.com/office/drawing/2014/main" id="{0D241336-E462-48A6-A873-54E19207B28C}"/>
                 </a:ext>
               </a:extLst>
             </p:cNvPr>
@@ -17834,7 +17834,7 @@
             </a:ln>
             <a:extLst>
               <a:ext uri="{91240B29-F687-4F45-9708-019B960494DF}">
-                <a14:hiddenLine xmlns="" xmlns:a14="http://schemas.microsoft.com/office/drawing/2010/main" w="9525">
+                <a14:hiddenLine xmlns:a14="http://schemas.microsoft.com/office/drawing/2010/main" w="9525">
                   <a:solidFill>
                     <a:srgbClr val="000000"/>
                   </a:solidFill>
@@ -17918,7 +17918,7 @@
           <a:blip r:embed="rId6" cstate="email">
             <a:extLst>
               <a:ext uri="{28A0092B-C50C-407E-A947-70E740481C1C}">
-                <a14:useLocalDpi xmlns="" xmlns:a14="http://schemas.microsoft.com/office/drawing/2010/main"/>
+                <a14:useLocalDpi xmlns:a14="http://schemas.microsoft.com/office/drawing/2010/main"/>
               </a:ext>
             </a:extLst>
           </a:blip>
@@ -17938,7 +17938,7 @@
           <a:noFill/>
           <a:extLst>
             <a:ext uri="{909E8E84-426E-40DD-AFC4-6F175D3DCCD1}">
-              <a14:hiddenFill xmlns="" xmlns:a14="http://schemas.microsoft.com/office/drawing/2010/main">
+              <a14:hiddenFill xmlns:a14="http://schemas.microsoft.com/office/drawing/2010/main">
                 <a:solidFill>
                   <a:srgbClr val="FFFFFF"/>
                 </a:solidFill>
@@ -17952,7 +17952,7 @@
           <p:cNvPr id="3" name="Group 2">
             <a:extLst>
               <a:ext uri="{FF2B5EF4-FFF2-40B4-BE49-F238E27FC236}">
-                <a16:creationId xmlns="" xmlns:a16="http://schemas.microsoft.com/office/drawing/2014/main" id="{DE981F83-3A5B-4AEE-9903-3D63CEF5F1E0}"/>
+                <a16:creationId xmlns:a16="http://schemas.microsoft.com/office/drawing/2014/main" id="{DE981F83-3A5B-4AEE-9903-3D63CEF5F1E0}"/>
               </a:ext>
             </a:extLst>
           </p:cNvPr>
@@ -17972,7 +17972,7 @@
             <p:cNvPr id="97" name="Rectangle 96">
               <a:extLst>
                 <a:ext uri="{FF2B5EF4-FFF2-40B4-BE49-F238E27FC236}">
-                  <a16:creationId xmlns="" xmlns:a16="http://schemas.microsoft.com/office/drawing/2014/main" id="{1D9E15F2-5FDF-4700-8F0B-60913CCFD2DC}"/>
+                  <a16:creationId xmlns:a16="http://schemas.microsoft.com/office/drawing/2014/main" id="{1D9E15F2-5FDF-4700-8F0B-60913CCFD2DC}"/>
                 </a:ext>
               </a:extLst>
             </p:cNvPr>
@@ -18028,7 +18028,7 @@
             <p:cNvPr id="98" name="Picture 97">
               <a:extLst>
                 <a:ext uri="{FF2B5EF4-FFF2-40B4-BE49-F238E27FC236}">
-                  <a16:creationId xmlns="" xmlns:a16="http://schemas.microsoft.com/office/drawing/2014/main" id="{E34BE43C-F59A-4AED-BDAA-FC4C690704EC}"/>
+                  <a16:creationId xmlns:a16="http://schemas.microsoft.com/office/drawing/2014/main" id="{E34BE43C-F59A-4AED-BDAA-FC4C690704EC}"/>
                 </a:ext>
               </a:extLst>
             </p:cNvPr>
@@ -18041,7 +18041,7 @@
             <a:blip r:embed="rId7" cstate="print">
               <a:extLst>
                 <a:ext uri="{28A0092B-C50C-407E-A947-70E740481C1C}">
-                  <a14:useLocalDpi xmlns="" xmlns:a14="http://schemas.microsoft.com/office/drawing/2010/main" val="0"/>
+                  <a14:useLocalDpi xmlns:a14="http://schemas.microsoft.com/office/drawing/2010/main" val="0"/>
                 </a:ext>
               </a:extLst>
             </a:blip>
@@ -18064,7 +18064,7 @@
           <p:cNvPr id="101" name="Picture 100">
             <a:extLst>
               <a:ext uri="{FF2B5EF4-FFF2-40B4-BE49-F238E27FC236}">
-                <a16:creationId xmlns="" xmlns:a16="http://schemas.microsoft.com/office/drawing/2014/main" id="{DC0C0F92-B774-4741-B9EE-133D9AF8A454}"/>
+                <a16:creationId xmlns:a16="http://schemas.microsoft.com/office/drawing/2014/main" id="{DC0C0F92-B774-4741-B9EE-133D9AF8A454}"/>
               </a:ext>
             </a:extLst>
           </p:cNvPr>
@@ -18077,7 +18077,7 @@
           <a:blip r:embed="rId8" cstate="print">
             <a:extLst>
               <a:ext uri="{28A0092B-C50C-407E-A947-70E740481C1C}">
-                <a14:useLocalDpi xmlns="" xmlns:a14="http://schemas.microsoft.com/office/drawing/2010/main" val="0"/>
+                <a14:useLocalDpi xmlns:a14="http://schemas.microsoft.com/office/drawing/2010/main" val="0"/>
               </a:ext>
             </a:extLst>
           </a:blip>
@@ -18100,7 +18100,7 @@
           <p:cNvPr id="102" name="Title Placeholder 101">
             <a:extLst>
               <a:ext uri="{FF2B5EF4-FFF2-40B4-BE49-F238E27FC236}">
-                <a16:creationId xmlns="" xmlns:a16="http://schemas.microsoft.com/office/drawing/2014/main" id="{73CF99E0-4E37-4EDA-8339-FF575B89029E}"/>
+                <a16:creationId xmlns:a16="http://schemas.microsoft.com/office/drawing/2014/main" id="{73CF99E0-4E37-4EDA-8339-FF575B89029E}"/>
               </a:ext>
             </a:extLst>
           </p:cNvPr>
@@ -18138,7 +18138,7 @@
           <p:cNvPr id="103" name="Text Placeholder 102">
             <a:extLst>
               <a:ext uri="{FF2B5EF4-FFF2-40B4-BE49-F238E27FC236}">
-                <a16:creationId xmlns="" xmlns:a16="http://schemas.microsoft.com/office/drawing/2014/main" id="{312705AA-4205-4063-B2BB-9B12D91BA51F}"/>
+                <a16:creationId xmlns:a16="http://schemas.microsoft.com/office/drawing/2014/main" id="{312705AA-4205-4063-B2BB-9B12D91BA51F}"/>
               </a:ext>
             </a:extLst>
           </p:cNvPr>
@@ -18264,7 +18264,7 @@
     </p:spTree>
     <p:extLst>
       <p:ext uri="{BB962C8B-B14F-4D97-AF65-F5344CB8AC3E}">
-        <p14:creationId xmlns="" xmlns:p14="http://schemas.microsoft.com/office/powerpoint/2010/main" val="2820743984"/>
+        <p14:creationId xmlns:p14="http://schemas.microsoft.com/office/powerpoint/2010/main" val="2820743984"/>
       </p:ext>
     </p:extLst>
   </p:cSld>
@@ -18607,7 +18607,7 @@
           <a:lstStyle/>
           <a:p>
             <a:r>
-              <a:rPr lang="en-US" smtClean="0"/>
+              <a:rPr lang="en-US"/>
               <a:t>Click to edit Master title style</a:t>
             </a:r>
             <a:endParaRPr lang="en-US" dirty="0"/>
@@ -18641,35 +18641,35 @@
           <a:p>
             <a:pPr lvl="0"/>
             <a:r>
-              <a:rPr lang="en-US" smtClean="0"/>
+              <a:rPr lang="en-US"/>
               <a:t>Edit Master text styles</a:t>
             </a:r>
           </a:p>
           <a:p>
             <a:pPr lvl="1"/>
             <a:r>
-              <a:rPr lang="en-US" smtClean="0"/>
+              <a:rPr lang="en-US"/>
               <a:t>Second level</a:t>
             </a:r>
           </a:p>
           <a:p>
             <a:pPr lvl="2"/>
             <a:r>
-              <a:rPr lang="en-US" smtClean="0"/>
+              <a:rPr lang="en-US"/>
               <a:t>Third level</a:t>
             </a:r>
           </a:p>
           <a:p>
             <a:pPr lvl="3"/>
             <a:r>
-              <a:rPr lang="en-US" smtClean="0"/>
+              <a:rPr lang="en-US"/>
               <a:t>Fourth level</a:t>
             </a:r>
           </a:p>
           <a:p>
             <a:pPr lvl="4"/>
             <a:r>
-              <a:rPr lang="en-US" smtClean="0"/>
+              <a:rPr lang="en-US"/>
               <a:t>Fifth level</a:t>
             </a:r>
             <a:endParaRPr lang="en-US" dirty="0"/>
@@ -18802,7 +18802,7 @@
           <p:cNvPr id="7" name="Group 8">
             <a:extLst>
               <a:ext uri="{FF2B5EF4-FFF2-40B4-BE49-F238E27FC236}">
-                <a16:creationId xmlns="" xmlns:a16="http://schemas.microsoft.com/office/drawing/2014/main" id="{990C445C-8328-4EE5-8D40-D687DBD5F017}"/>
+                <a16:creationId xmlns:a16="http://schemas.microsoft.com/office/drawing/2014/main" id="{990C445C-8328-4EE5-8D40-D687DBD5F017}"/>
               </a:ext>
             </a:extLst>
           </p:cNvPr>
@@ -18827,7 +18827,7 @@
             <p:cNvPr id="8" name="Freeform 9">
               <a:extLst>
                 <a:ext uri="{FF2B5EF4-FFF2-40B4-BE49-F238E27FC236}">
-                  <a16:creationId xmlns="" xmlns:a16="http://schemas.microsoft.com/office/drawing/2014/main" id="{1FEA314E-6947-4DF2-9592-6BEE532F0D46}"/>
+                  <a16:creationId xmlns:a16="http://schemas.microsoft.com/office/drawing/2014/main" id="{1FEA314E-6947-4DF2-9592-6BEE532F0D46}"/>
                 </a:ext>
               </a:extLst>
             </p:cNvPr>
@@ -18965,7 +18965,7 @@
             </a:ln>
             <a:extLst>
               <a:ext uri="{91240B29-F687-4F45-9708-019B960494DF}">
-                <a14:hiddenLine xmlns="" xmlns:a14="http://schemas.microsoft.com/office/drawing/2010/main" w="9525">
+                <a14:hiddenLine xmlns:a14="http://schemas.microsoft.com/office/drawing/2010/main" w="9525">
                   <a:solidFill>
                     <a:srgbClr val="000000"/>
                   </a:solidFill>
@@ -18997,7 +18997,7 @@
             <p:cNvPr id="9" name="Freeform 10">
               <a:extLst>
                 <a:ext uri="{FF2B5EF4-FFF2-40B4-BE49-F238E27FC236}">
-                  <a16:creationId xmlns="" xmlns:a16="http://schemas.microsoft.com/office/drawing/2014/main" id="{C69ED7F0-571C-4EA8-848B-5F4469D00E18}"/>
+                  <a16:creationId xmlns:a16="http://schemas.microsoft.com/office/drawing/2014/main" id="{C69ED7F0-571C-4EA8-848B-5F4469D00E18}"/>
                 </a:ext>
               </a:extLst>
             </p:cNvPr>
@@ -19134,7 +19134,7 @@
             </a:ln>
             <a:extLst>
               <a:ext uri="{91240B29-F687-4F45-9708-019B960494DF}">
-                <a14:hiddenLine xmlns="" xmlns:a14="http://schemas.microsoft.com/office/drawing/2010/main" w="9525">
+                <a14:hiddenLine xmlns:a14="http://schemas.microsoft.com/office/drawing/2010/main" w="9525">
                   <a:solidFill>
                     <a:srgbClr val="000000"/>
                   </a:solidFill>
@@ -19166,7 +19166,7 @@
             <p:cNvPr id="10" name="Freeform 11">
               <a:extLst>
                 <a:ext uri="{FF2B5EF4-FFF2-40B4-BE49-F238E27FC236}">
-                  <a16:creationId xmlns="" xmlns:a16="http://schemas.microsoft.com/office/drawing/2014/main" id="{A68BAC78-5965-46F3-8C81-A57DFDA97597}"/>
+                  <a16:creationId xmlns:a16="http://schemas.microsoft.com/office/drawing/2014/main" id="{A68BAC78-5965-46F3-8C81-A57DFDA97597}"/>
                 </a:ext>
               </a:extLst>
             </p:cNvPr>
@@ -19264,7 +19264,7 @@
             </a:ln>
             <a:extLst>
               <a:ext uri="{91240B29-F687-4F45-9708-019B960494DF}">
-                <a14:hiddenLine xmlns="" xmlns:a14="http://schemas.microsoft.com/office/drawing/2010/main" w="9525">
+                <a14:hiddenLine xmlns:a14="http://schemas.microsoft.com/office/drawing/2010/main" w="9525">
                   <a:solidFill>
                     <a:srgbClr val="000000"/>
                   </a:solidFill>
@@ -19296,7 +19296,7 @@
             <p:cNvPr id="11" name="Freeform 12">
               <a:extLst>
                 <a:ext uri="{FF2B5EF4-FFF2-40B4-BE49-F238E27FC236}">
-                  <a16:creationId xmlns="" xmlns:a16="http://schemas.microsoft.com/office/drawing/2014/main" id="{244B9C07-B632-47BC-A88C-6A7254792D47}"/>
+                  <a16:creationId xmlns:a16="http://schemas.microsoft.com/office/drawing/2014/main" id="{244B9C07-B632-47BC-A88C-6A7254792D47}"/>
                 </a:ext>
               </a:extLst>
             </p:cNvPr>
@@ -19393,7 +19393,7 @@
             </a:ln>
             <a:extLst>
               <a:ext uri="{91240B29-F687-4F45-9708-019B960494DF}">
-                <a14:hiddenLine xmlns="" xmlns:a14="http://schemas.microsoft.com/office/drawing/2010/main" w="9525">
+                <a14:hiddenLine xmlns:a14="http://schemas.microsoft.com/office/drawing/2010/main" w="9525">
                   <a:solidFill>
                     <a:srgbClr val="000000"/>
                   </a:solidFill>
@@ -19425,7 +19425,7 @@
             <p:cNvPr id="12" name="Freeform 13">
               <a:extLst>
                 <a:ext uri="{FF2B5EF4-FFF2-40B4-BE49-F238E27FC236}">
-                  <a16:creationId xmlns="" xmlns:a16="http://schemas.microsoft.com/office/drawing/2014/main" id="{8CA8903B-D922-44EF-BA50-4BF135F263EB}"/>
+                  <a16:creationId xmlns:a16="http://schemas.microsoft.com/office/drawing/2014/main" id="{8CA8903B-D922-44EF-BA50-4BF135F263EB}"/>
                 </a:ext>
               </a:extLst>
             </p:cNvPr>
@@ -19571,7 +19571,7 @@
             </a:ln>
             <a:extLst>
               <a:ext uri="{91240B29-F687-4F45-9708-019B960494DF}">
-                <a14:hiddenLine xmlns="" xmlns:a14="http://schemas.microsoft.com/office/drawing/2010/main" w="9525">
+                <a14:hiddenLine xmlns:a14="http://schemas.microsoft.com/office/drawing/2010/main" w="9525">
                   <a:solidFill>
                     <a:srgbClr val="000000"/>
                   </a:solidFill>
@@ -19603,7 +19603,7 @@
             <p:cNvPr id="13" name="Freeform 14">
               <a:extLst>
                 <a:ext uri="{FF2B5EF4-FFF2-40B4-BE49-F238E27FC236}">
-                  <a16:creationId xmlns="" xmlns:a16="http://schemas.microsoft.com/office/drawing/2014/main" id="{AF7B5DE2-A000-4DFD-8F7E-20D8406AB895}"/>
+                  <a16:creationId xmlns:a16="http://schemas.microsoft.com/office/drawing/2014/main" id="{AF7B5DE2-A000-4DFD-8F7E-20D8406AB895}"/>
                 </a:ext>
               </a:extLst>
             </p:cNvPr>
@@ -19748,7 +19748,7 @@
             </a:ln>
             <a:extLst>
               <a:ext uri="{91240B29-F687-4F45-9708-019B960494DF}">
-                <a14:hiddenLine xmlns="" xmlns:a14="http://schemas.microsoft.com/office/drawing/2010/main" w="9525">
+                <a14:hiddenLine xmlns:a14="http://schemas.microsoft.com/office/drawing/2010/main" w="9525">
                   <a:solidFill>
                     <a:srgbClr val="000000"/>
                   </a:solidFill>
@@ -19780,7 +19780,7 @@
             <p:cNvPr id="14" name="Freeform 15">
               <a:extLst>
                 <a:ext uri="{FF2B5EF4-FFF2-40B4-BE49-F238E27FC236}">
-                  <a16:creationId xmlns="" xmlns:a16="http://schemas.microsoft.com/office/drawing/2014/main" id="{4CBEF8A8-1508-462A-BC3D-95D084C0156B}"/>
+                  <a16:creationId xmlns:a16="http://schemas.microsoft.com/office/drawing/2014/main" id="{4CBEF8A8-1508-462A-BC3D-95D084C0156B}"/>
                 </a:ext>
               </a:extLst>
             </p:cNvPr>
@@ -19951,7 +19951,7 @@
             </a:ln>
             <a:extLst>
               <a:ext uri="{91240B29-F687-4F45-9708-019B960494DF}">
-                <a14:hiddenLine xmlns="" xmlns:a14="http://schemas.microsoft.com/office/drawing/2010/main" w="9525">
+                <a14:hiddenLine xmlns:a14="http://schemas.microsoft.com/office/drawing/2010/main" w="9525">
                   <a:solidFill>
                     <a:srgbClr val="000000"/>
                   </a:solidFill>
@@ -19983,7 +19983,7 @@
             <p:cNvPr id="15" name="Freeform 16">
               <a:extLst>
                 <a:ext uri="{FF2B5EF4-FFF2-40B4-BE49-F238E27FC236}">
-                  <a16:creationId xmlns="" xmlns:a16="http://schemas.microsoft.com/office/drawing/2014/main" id="{6CD96781-6FAB-419E-969D-11E6DBB3397D}"/>
+                  <a16:creationId xmlns:a16="http://schemas.microsoft.com/office/drawing/2014/main" id="{6CD96781-6FAB-419E-969D-11E6DBB3397D}"/>
                 </a:ext>
               </a:extLst>
             </p:cNvPr>
@@ -20152,7 +20152,7 @@
             </a:ln>
             <a:extLst>
               <a:ext uri="{91240B29-F687-4F45-9708-019B960494DF}">
-                <a14:hiddenLine xmlns="" xmlns:a14="http://schemas.microsoft.com/office/drawing/2010/main" w="9525">
+                <a14:hiddenLine xmlns:a14="http://schemas.microsoft.com/office/drawing/2010/main" w="9525">
                   <a:solidFill>
                     <a:srgbClr val="000000"/>
                   </a:solidFill>
@@ -20184,7 +20184,7 @@
             <p:cNvPr id="16" name="Freeform 17">
               <a:extLst>
                 <a:ext uri="{FF2B5EF4-FFF2-40B4-BE49-F238E27FC236}">
-                  <a16:creationId xmlns="" xmlns:a16="http://schemas.microsoft.com/office/drawing/2014/main" id="{6E0F8BBD-9C30-4BF2-9143-0A5CB23756EE}"/>
+                  <a16:creationId xmlns:a16="http://schemas.microsoft.com/office/drawing/2014/main" id="{6E0F8BBD-9C30-4BF2-9143-0A5CB23756EE}"/>
                 </a:ext>
               </a:extLst>
             </p:cNvPr>
@@ -20370,7 +20370,7 @@
             </a:ln>
             <a:extLst>
               <a:ext uri="{91240B29-F687-4F45-9708-019B960494DF}">
-                <a14:hiddenLine xmlns="" xmlns:a14="http://schemas.microsoft.com/office/drawing/2010/main" w="9525">
+                <a14:hiddenLine xmlns:a14="http://schemas.microsoft.com/office/drawing/2010/main" w="9525">
                   <a:solidFill>
                     <a:srgbClr val="000000"/>
                   </a:solidFill>
@@ -20402,7 +20402,7 @@
             <p:cNvPr id="17" name="Freeform 18">
               <a:extLst>
                 <a:ext uri="{FF2B5EF4-FFF2-40B4-BE49-F238E27FC236}">
-                  <a16:creationId xmlns="" xmlns:a16="http://schemas.microsoft.com/office/drawing/2014/main" id="{20E63CD3-D0F2-4C20-BF21-5EA41A706D88}"/>
+                  <a16:creationId xmlns:a16="http://schemas.microsoft.com/office/drawing/2014/main" id="{20E63CD3-D0F2-4C20-BF21-5EA41A706D88}"/>
                 </a:ext>
               </a:extLst>
             </p:cNvPr>
@@ -20587,7 +20587,7 @@
             </a:ln>
             <a:extLst>
               <a:ext uri="{91240B29-F687-4F45-9708-019B960494DF}">
-                <a14:hiddenLine xmlns="" xmlns:a14="http://schemas.microsoft.com/office/drawing/2010/main" w="9525">
+                <a14:hiddenLine xmlns:a14="http://schemas.microsoft.com/office/drawing/2010/main" w="9525">
                   <a:solidFill>
                     <a:srgbClr val="000000"/>
                   </a:solidFill>
@@ -20619,7 +20619,7 @@
             <p:cNvPr id="18" name="Freeform 19">
               <a:extLst>
                 <a:ext uri="{FF2B5EF4-FFF2-40B4-BE49-F238E27FC236}">
-                  <a16:creationId xmlns="" xmlns:a16="http://schemas.microsoft.com/office/drawing/2014/main" id="{C7B5000D-D293-4953-ADCD-DFE2CAC40B98}"/>
+                  <a16:creationId xmlns:a16="http://schemas.microsoft.com/office/drawing/2014/main" id="{C7B5000D-D293-4953-ADCD-DFE2CAC40B98}"/>
                 </a:ext>
               </a:extLst>
             </p:cNvPr>
@@ -20725,7 +20725,7 @@
             </a:ln>
             <a:extLst>
               <a:ext uri="{91240B29-F687-4F45-9708-019B960494DF}">
-                <a14:hiddenLine xmlns="" xmlns:a14="http://schemas.microsoft.com/office/drawing/2010/main" w="9525">
+                <a14:hiddenLine xmlns:a14="http://schemas.microsoft.com/office/drawing/2010/main" w="9525">
                   <a:solidFill>
                     <a:srgbClr val="000000"/>
                   </a:solidFill>
@@ -20757,7 +20757,7 @@
             <p:cNvPr id="19" name="Freeform 20">
               <a:extLst>
                 <a:ext uri="{FF2B5EF4-FFF2-40B4-BE49-F238E27FC236}">
-                  <a16:creationId xmlns="" xmlns:a16="http://schemas.microsoft.com/office/drawing/2014/main" id="{63B54396-57CB-4FBB-8554-C17BFA4BDF02}"/>
+                  <a16:creationId xmlns:a16="http://schemas.microsoft.com/office/drawing/2014/main" id="{63B54396-57CB-4FBB-8554-C17BFA4BDF02}"/>
                 </a:ext>
               </a:extLst>
             </p:cNvPr>
@@ -20862,7 +20862,7 @@
             </a:ln>
             <a:extLst>
               <a:ext uri="{91240B29-F687-4F45-9708-019B960494DF}">
-                <a14:hiddenLine xmlns="" xmlns:a14="http://schemas.microsoft.com/office/drawing/2010/main" w="9525">
+                <a14:hiddenLine xmlns:a14="http://schemas.microsoft.com/office/drawing/2010/main" w="9525">
                   <a:solidFill>
                     <a:srgbClr val="000000"/>
                   </a:solidFill>
@@ -20894,7 +20894,7 @@
             <p:cNvPr id="20" name="Freeform 21">
               <a:extLst>
                 <a:ext uri="{FF2B5EF4-FFF2-40B4-BE49-F238E27FC236}">
-                  <a16:creationId xmlns="" xmlns:a16="http://schemas.microsoft.com/office/drawing/2014/main" id="{FC1EC044-DEB7-4F6D-8177-C2267C61DD73}"/>
+                  <a16:creationId xmlns:a16="http://schemas.microsoft.com/office/drawing/2014/main" id="{FC1EC044-DEB7-4F6D-8177-C2267C61DD73}"/>
                 </a:ext>
               </a:extLst>
             </p:cNvPr>
@@ -21168,7 +21168,7 @@
             </a:ln>
             <a:extLst>
               <a:ext uri="{91240B29-F687-4F45-9708-019B960494DF}">
-                <a14:hiddenLine xmlns="" xmlns:a14="http://schemas.microsoft.com/office/drawing/2010/main" w="9525">
+                <a14:hiddenLine xmlns:a14="http://schemas.microsoft.com/office/drawing/2010/main" w="9525">
                   <a:solidFill>
                     <a:srgbClr val="000000"/>
                   </a:solidFill>
@@ -21200,7 +21200,7 @@
             <p:cNvPr id="21" name="Freeform 22">
               <a:extLst>
                 <a:ext uri="{FF2B5EF4-FFF2-40B4-BE49-F238E27FC236}">
-                  <a16:creationId xmlns="" xmlns:a16="http://schemas.microsoft.com/office/drawing/2014/main" id="{E365BFA0-C9A2-4083-8CC2-D57C1B0622F0}"/>
+                  <a16:creationId xmlns:a16="http://schemas.microsoft.com/office/drawing/2014/main" id="{E365BFA0-C9A2-4083-8CC2-D57C1B0622F0}"/>
                 </a:ext>
               </a:extLst>
             </p:cNvPr>
@@ -21473,7 +21473,7 @@
             </a:ln>
             <a:extLst>
               <a:ext uri="{91240B29-F687-4F45-9708-019B960494DF}">
-                <a14:hiddenLine xmlns="" xmlns:a14="http://schemas.microsoft.com/office/drawing/2010/main" w="9525">
+                <a14:hiddenLine xmlns:a14="http://schemas.microsoft.com/office/drawing/2010/main" w="9525">
                   <a:solidFill>
                     <a:srgbClr val="000000"/>
                   </a:solidFill>
@@ -21505,7 +21505,7 @@
             <p:cNvPr id="22" name="Freeform 23">
               <a:extLst>
                 <a:ext uri="{FF2B5EF4-FFF2-40B4-BE49-F238E27FC236}">
-                  <a16:creationId xmlns="" xmlns:a16="http://schemas.microsoft.com/office/drawing/2014/main" id="{6192349E-7BE2-4688-ADA5-969DFE199D12}"/>
+                  <a16:creationId xmlns:a16="http://schemas.microsoft.com/office/drawing/2014/main" id="{6192349E-7BE2-4688-ADA5-969DFE199D12}"/>
                 </a:ext>
               </a:extLst>
             </p:cNvPr>
@@ -21611,7 +21611,7 @@
             </a:ln>
             <a:extLst>
               <a:ext uri="{91240B29-F687-4F45-9708-019B960494DF}">
-                <a14:hiddenLine xmlns="" xmlns:a14="http://schemas.microsoft.com/office/drawing/2010/main" w="9525">
+                <a14:hiddenLine xmlns:a14="http://schemas.microsoft.com/office/drawing/2010/main" w="9525">
                   <a:solidFill>
                     <a:srgbClr val="000000"/>
                   </a:solidFill>
@@ -21643,7 +21643,7 @@
             <p:cNvPr id="23" name="Freeform 24">
               <a:extLst>
                 <a:ext uri="{FF2B5EF4-FFF2-40B4-BE49-F238E27FC236}">
-                  <a16:creationId xmlns="" xmlns:a16="http://schemas.microsoft.com/office/drawing/2014/main" id="{8EED4AC1-7EE9-43E7-83BF-50CD15E873FC}"/>
+                  <a16:creationId xmlns:a16="http://schemas.microsoft.com/office/drawing/2014/main" id="{8EED4AC1-7EE9-43E7-83BF-50CD15E873FC}"/>
                 </a:ext>
               </a:extLst>
             </p:cNvPr>
@@ -21748,7 +21748,7 @@
             </a:ln>
             <a:extLst>
               <a:ext uri="{91240B29-F687-4F45-9708-019B960494DF}">
-                <a14:hiddenLine xmlns="" xmlns:a14="http://schemas.microsoft.com/office/drawing/2010/main" w="9525">
+                <a14:hiddenLine xmlns:a14="http://schemas.microsoft.com/office/drawing/2010/main" w="9525">
                   <a:solidFill>
                     <a:srgbClr val="000000"/>
                   </a:solidFill>
@@ -21780,7 +21780,7 @@
             <p:cNvPr id="24" name="Freeform 25">
               <a:extLst>
                 <a:ext uri="{FF2B5EF4-FFF2-40B4-BE49-F238E27FC236}">
-                  <a16:creationId xmlns="" xmlns:a16="http://schemas.microsoft.com/office/drawing/2014/main" id="{46E955A2-8DFF-4140-A14D-21CAF00DC967}"/>
+                  <a16:creationId xmlns:a16="http://schemas.microsoft.com/office/drawing/2014/main" id="{46E955A2-8DFF-4140-A14D-21CAF00DC967}"/>
                 </a:ext>
               </a:extLst>
             </p:cNvPr>
@@ -21894,7 +21894,7 @@
             </a:ln>
             <a:extLst>
               <a:ext uri="{91240B29-F687-4F45-9708-019B960494DF}">
-                <a14:hiddenLine xmlns="" xmlns:a14="http://schemas.microsoft.com/office/drawing/2010/main" w="9525">
+                <a14:hiddenLine xmlns:a14="http://schemas.microsoft.com/office/drawing/2010/main" w="9525">
                   <a:solidFill>
                     <a:srgbClr val="000000"/>
                   </a:solidFill>
@@ -21926,7 +21926,7 @@
             <p:cNvPr id="25" name="Freeform 26">
               <a:extLst>
                 <a:ext uri="{FF2B5EF4-FFF2-40B4-BE49-F238E27FC236}">
-                  <a16:creationId xmlns="" xmlns:a16="http://schemas.microsoft.com/office/drawing/2014/main" id="{A096D7D4-4242-4C09-8238-C3B6014BECA3}"/>
+                  <a16:creationId xmlns:a16="http://schemas.microsoft.com/office/drawing/2014/main" id="{A096D7D4-4242-4C09-8238-C3B6014BECA3}"/>
                 </a:ext>
               </a:extLst>
             </p:cNvPr>
@@ -22039,7 +22039,7 @@
             </a:ln>
             <a:extLst>
               <a:ext uri="{91240B29-F687-4F45-9708-019B960494DF}">
-                <a14:hiddenLine xmlns="" xmlns:a14="http://schemas.microsoft.com/office/drawing/2010/main" w="9525">
+                <a14:hiddenLine xmlns:a14="http://schemas.microsoft.com/office/drawing/2010/main" w="9525">
                   <a:solidFill>
                     <a:srgbClr val="000000"/>
                   </a:solidFill>
@@ -22071,7 +22071,7 @@
             <p:cNvPr id="26" name="Freeform 27">
               <a:extLst>
                 <a:ext uri="{FF2B5EF4-FFF2-40B4-BE49-F238E27FC236}">
-                  <a16:creationId xmlns="" xmlns:a16="http://schemas.microsoft.com/office/drawing/2014/main" id="{E1944DD0-F5EE-4786-9FCD-C302E1248441}"/>
+                  <a16:creationId xmlns:a16="http://schemas.microsoft.com/office/drawing/2014/main" id="{E1944DD0-F5EE-4786-9FCD-C302E1248441}"/>
                 </a:ext>
               </a:extLst>
             </p:cNvPr>
@@ -22233,7 +22233,7 @@
             </a:ln>
             <a:extLst>
               <a:ext uri="{91240B29-F687-4F45-9708-019B960494DF}">
-                <a14:hiddenLine xmlns="" xmlns:a14="http://schemas.microsoft.com/office/drawing/2010/main" w="9525">
+                <a14:hiddenLine xmlns:a14="http://schemas.microsoft.com/office/drawing/2010/main" w="9525">
                   <a:solidFill>
                     <a:srgbClr val="000000"/>
                   </a:solidFill>
@@ -22265,7 +22265,7 @@
             <p:cNvPr id="27" name="Freeform 28">
               <a:extLst>
                 <a:ext uri="{FF2B5EF4-FFF2-40B4-BE49-F238E27FC236}">
-                  <a16:creationId xmlns="" xmlns:a16="http://schemas.microsoft.com/office/drawing/2014/main" id="{08090AAD-07AA-455C-80EC-4290CE2707BA}"/>
+                  <a16:creationId xmlns:a16="http://schemas.microsoft.com/office/drawing/2014/main" id="{08090AAD-07AA-455C-80EC-4290CE2707BA}"/>
                 </a:ext>
               </a:extLst>
             </p:cNvPr>
@@ -22426,7 +22426,7 @@
             </a:ln>
             <a:extLst>
               <a:ext uri="{91240B29-F687-4F45-9708-019B960494DF}">
-                <a14:hiddenLine xmlns="" xmlns:a14="http://schemas.microsoft.com/office/drawing/2010/main" w="9525">
+                <a14:hiddenLine xmlns:a14="http://schemas.microsoft.com/office/drawing/2010/main" w="9525">
                   <a:solidFill>
                     <a:srgbClr val="000000"/>
                   </a:solidFill>
@@ -22458,7 +22458,7 @@
             <p:cNvPr id="28" name="Freeform 29">
               <a:extLst>
                 <a:ext uri="{FF2B5EF4-FFF2-40B4-BE49-F238E27FC236}">
-                  <a16:creationId xmlns="" xmlns:a16="http://schemas.microsoft.com/office/drawing/2014/main" id="{8CE15EC2-7298-4AF9-BA7C-6C2D951B749F}"/>
+                  <a16:creationId xmlns:a16="http://schemas.microsoft.com/office/drawing/2014/main" id="{8CE15EC2-7298-4AF9-BA7C-6C2D951B749F}"/>
                 </a:ext>
               </a:extLst>
             </p:cNvPr>
@@ -22645,7 +22645,7 @@
             </a:ln>
             <a:extLst>
               <a:ext uri="{91240B29-F687-4F45-9708-019B960494DF}">
-                <a14:hiddenLine xmlns="" xmlns:a14="http://schemas.microsoft.com/office/drawing/2010/main" w="9525">
+                <a14:hiddenLine xmlns:a14="http://schemas.microsoft.com/office/drawing/2010/main" w="9525">
                   <a:solidFill>
                     <a:srgbClr val="000000"/>
                   </a:solidFill>
@@ -22677,7 +22677,7 @@
             <p:cNvPr id="29" name="Freeform 30">
               <a:extLst>
                 <a:ext uri="{FF2B5EF4-FFF2-40B4-BE49-F238E27FC236}">
-                  <a16:creationId xmlns="" xmlns:a16="http://schemas.microsoft.com/office/drawing/2014/main" id="{1C0DE5BF-00F5-4D22-950E-FB1595916D81}"/>
+                  <a16:creationId xmlns:a16="http://schemas.microsoft.com/office/drawing/2014/main" id="{1C0DE5BF-00F5-4D22-950E-FB1595916D81}"/>
                 </a:ext>
               </a:extLst>
             </p:cNvPr>
@@ -22862,7 +22862,7 @@
             </a:ln>
             <a:extLst>
               <a:ext uri="{91240B29-F687-4F45-9708-019B960494DF}">
-                <a14:hiddenLine xmlns="" xmlns:a14="http://schemas.microsoft.com/office/drawing/2010/main" w="9525">
+                <a14:hiddenLine xmlns:a14="http://schemas.microsoft.com/office/drawing/2010/main" w="9525">
                   <a:solidFill>
                     <a:srgbClr val="000000"/>
                   </a:solidFill>
@@ -22894,7 +22894,7 @@
             <p:cNvPr id="30" name="Freeform 31">
               <a:extLst>
                 <a:ext uri="{FF2B5EF4-FFF2-40B4-BE49-F238E27FC236}">
-                  <a16:creationId xmlns="" xmlns:a16="http://schemas.microsoft.com/office/drawing/2014/main" id="{C36F9C55-84F3-4FB2-BFB4-09DABD59394A}"/>
+                  <a16:creationId xmlns:a16="http://schemas.microsoft.com/office/drawing/2014/main" id="{C36F9C55-84F3-4FB2-BFB4-09DABD59394A}"/>
                 </a:ext>
               </a:extLst>
             </p:cNvPr>
@@ -22968,7 +22968,7 @@
             </a:ln>
             <a:extLst>
               <a:ext uri="{91240B29-F687-4F45-9708-019B960494DF}">
-                <a14:hiddenLine xmlns="" xmlns:a14="http://schemas.microsoft.com/office/drawing/2010/main" w="9525">
+                <a14:hiddenLine xmlns:a14="http://schemas.microsoft.com/office/drawing/2010/main" w="9525">
                   <a:solidFill>
                     <a:srgbClr val="000000"/>
                   </a:solidFill>
@@ -23000,7 +23000,7 @@
             <p:cNvPr id="31" name="Freeform 32">
               <a:extLst>
                 <a:ext uri="{FF2B5EF4-FFF2-40B4-BE49-F238E27FC236}">
-                  <a16:creationId xmlns="" xmlns:a16="http://schemas.microsoft.com/office/drawing/2014/main" id="{86DCBB0C-B506-4002-8AE1-8D5D2C88C3C2}"/>
+                  <a16:creationId xmlns:a16="http://schemas.microsoft.com/office/drawing/2014/main" id="{86DCBB0C-B506-4002-8AE1-8D5D2C88C3C2}"/>
                 </a:ext>
               </a:extLst>
             </p:cNvPr>
@@ -23073,7 +23073,7 @@
             </a:ln>
             <a:extLst>
               <a:ext uri="{91240B29-F687-4F45-9708-019B960494DF}">
-                <a14:hiddenLine xmlns="" xmlns:a14="http://schemas.microsoft.com/office/drawing/2010/main" w="9525">
+                <a14:hiddenLine xmlns:a14="http://schemas.microsoft.com/office/drawing/2010/main" w="9525">
                   <a:solidFill>
                     <a:srgbClr val="000000"/>
                   </a:solidFill>
@@ -23105,7 +23105,7 @@
             <p:cNvPr id="32" name="Freeform 33">
               <a:extLst>
                 <a:ext uri="{FF2B5EF4-FFF2-40B4-BE49-F238E27FC236}">
-                  <a16:creationId xmlns="" xmlns:a16="http://schemas.microsoft.com/office/drawing/2014/main" id="{8551D65C-4F01-4471-A549-9B58F09C3DF4}"/>
+                  <a16:creationId xmlns:a16="http://schemas.microsoft.com/office/drawing/2014/main" id="{8551D65C-4F01-4471-A549-9B58F09C3DF4}"/>
                 </a:ext>
               </a:extLst>
             </p:cNvPr>
@@ -23276,7 +23276,7 @@
             </a:ln>
             <a:extLst>
               <a:ext uri="{91240B29-F687-4F45-9708-019B960494DF}">
-                <a14:hiddenLine xmlns="" xmlns:a14="http://schemas.microsoft.com/office/drawing/2010/main" w="9525">
+                <a14:hiddenLine xmlns:a14="http://schemas.microsoft.com/office/drawing/2010/main" w="9525">
                   <a:solidFill>
                     <a:srgbClr val="000000"/>
                   </a:solidFill>
@@ -23308,7 +23308,7 @@
             <p:cNvPr id="33" name="Freeform 34">
               <a:extLst>
                 <a:ext uri="{FF2B5EF4-FFF2-40B4-BE49-F238E27FC236}">
-                  <a16:creationId xmlns="" xmlns:a16="http://schemas.microsoft.com/office/drawing/2014/main" id="{3544D767-6834-4436-ABFA-BF3A4EA70E69}"/>
+                  <a16:creationId xmlns:a16="http://schemas.microsoft.com/office/drawing/2014/main" id="{3544D767-6834-4436-ABFA-BF3A4EA70E69}"/>
                 </a:ext>
               </a:extLst>
             </p:cNvPr>
@@ -23477,7 +23477,7 @@
             </a:ln>
             <a:extLst>
               <a:ext uri="{91240B29-F687-4F45-9708-019B960494DF}">
-                <a14:hiddenLine xmlns="" xmlns:a14="http://schemas.microsoft.com/office/drawing/2010/main" w="9525">
+                <a14:hiddenLine xmlns:a14="http://schemas.microsoft.com/office/drawing/2010/main" w="9525">
                   <a:solidFill>
                     <a:srgbClr val="000000"/>
                   </a:solidFill>
@@ -23509,7 +23509,7 @@
             <p:cNvPr id="34" name="Freeform 35">
               <a:extLst>
                 <a:ext uri="{FF2B5EF4-FFF2-40B4-BE49-F238E27FC236}">
-                  <a16:creationId xmlns="" xmlns:a16="http://schemas.microsoft.com/office/drawing/2014/main" id="{466AAF9F-DDCC-4DB5-A3C3-BDD1647420C9}"/>
+                  <a16:creationId xmlns:a16="http://schemas.microsoft.com/office/drawing/2014/main" id="{466AAF9F-DDCC-4DB5-A3C3-BDD1647420C9}"/>
                 </a:ext>
               </a:extLst>
             </p:cNvPr>
@@ -23615,7 +23615,7 @@
             </a:ln>
             <a:extLst>
               <a:ext uri="{91240B29-F687-4F45-9708-019B960494DF}">
-                <a14:hiddenLine xmlns="" xmlns:a14="http://schemas.microsoft.com/office/drawing/2010/main" w="9525">
+                <a14:hiddenLine xmlns:a14="http://schemas.microsoft.com/office/drawing/2010/main" w="9525">
                   <a:solidFill>
                     <a:srgbClr val="000000"/>
                   </a:solidFill>
@@ -23647,7 +23647,7 @@
             <p:cNvPr id="35" name="Freeform 36">
               <a:extLst>
                 <a:ext uri="{FF2B5EF4-FFF2-40B4-BE49-F238E27FC236}">
-                  <a16:creationId xmlns="" xmlns:a16="http://schemas.microsoft.com/office/drawing/2014/main" id="{FD46DFCE-F860-4163-8E8B-63C1CB744557}"/>
+                  <a16:creationId xmlns:a16="http://schemas.microsoft.com/office/drawing/2014/main" id="{FD46DFCE-F860-4163-8E8B-63C1CB744557}"/>
                 </a:ext>
               </a:extLst>
             </p:cNvPr>
@@ -23752,7 +23752,7 @@
             </a:ln>
             <a:extLst>
               <a:ext uri="{91240B29-F687-4F45-9708-019B960494DF}">
-                <a14:hiddenLine xmlns="" xmlns:a14="http://schemas.microsoft.com/office/drawing/2010/main" w="9525">
+                <a14:hiddenLine xmlns:a14="http://schemas.microsoft.com/office/drawing/2010/main" w="9525">
                   <a:solidFill>
                     <a:srgbClr val="000000"/>
                   </a:solidFill>
@@ -23784,7 +23784,7 @@
             <p:cNvPr id="36" name="Freeform 37">
               <a:extLst>
                 <a:ext uri="{FF2B5EF4-FFF2-40B4-BE49-F238E27FC236}">
-                  <a16:creationId xmlns="" xmlns:a16="http://schemas.microsoft.com/office/drawing/2014/main" id="{C1E56C6E-6CA3-4F30-B41F-B5096F5492F3}"/>
+                  <a16:creationId xmlns:a16="http://schemas.microsoft.com/office/drawing/2014/main" id="{C1E56C6E-6CA3-4F30-B41F-B5096F5492F3}"/>
                 </a:ext>
               </a:extLst>
             </p:cNvPr>
@@ -23890,7 +23890,7 @@
             </a:ln>
             <a:extLst>
               <a:ext uri="{91240B29-F687-4F45-9708-019B960494DF}">
-                <a14:hiddenLine xmlns="" xmlns:a14="http://schemas.microsoft.com/office/drawing/2010/main" w="9525">
+                <a14:hiddenLine xmlns:a14="http://schemas.microsoft.com/office/drawing/2010/main" w="9525">
                   <a:solidFill>
                     <a:srgbClr val="000000"/>
                   </a:solidFill>
@@ -23922,7 +23922,7 @@
             <p:cNvPr id="37" name="Freeform 38">
               <a:extLst>
                 <a:ext uri="{FF2B5EF4-FFF2-40B4-BE49-F238E27FC236}">
-                  <a16:creationId xmlns="" xmlns:a16="http://schemas.microsoft.com/office/drawing/2014/main" id="{78BD5980-C499-4A25-A2CF-F8200440D705}"/>
+                  <a16:creationId xmlns:a16="http://schemas.microsoft.com/office/drawing/2014/main" id="{78BD5980-C499-4A25-A2CF-F8200440D705}"/>
                 </a:ext>
               </a:extLst>
             </p:cNvPr>
@@ -24027,7 +24027,7 @@
             </a:ln>
             <a:extLst>
               <a:ext uri="{91240B29-F687-4F45-9708-019B960494DF}">
-                <a14:hiddenLine xmlns="" xmlns:a14="http://schemas.microsoft.com/office/drawing/2010/main" w="9525">
+                <a14:hiddenLine xmlns:a14="http://schemas.microsoft.com/office/drawing/2010/main" w="9525">
                   <a:solidFill>
                     <a:srgbClr val="000000"/>
                   </a:solidFill>
@@ -24059,7 +24059,7 @@
             <p:cNvPr id="38" name="Freeform 39">
               <a:extLst>
                 <a:ext uri="{FF2B5EF4-FFF2-40B4-BE49-F238E27FC236}">
-                  <a16:creationId xmlns="" xmlns:a16="http://schemas.microsoft.com/office/drawing/2014/main" id="{9BB29F3C-2FB3-4C55-B4F7-80F5743A238E}"/>
+                  <a16:creationId xmlns:a16="http://schemas.microsoft.com/office/drawing/2014/main" id="{9BB29F3C-2FB3-4C55-B4F7-80F5743A238E}"/>
                 </a:ext>
               </a:extLst>
             </p:cNvPr>
@@ -24181,7 +24181,7 @@
             </a:ln>
             <a:extLst>
               <a:ext uri="{91240B29-F687-4F45-9708-019B960494DF}">
-                <a14:hiddenLine xmlns="" xmlns:a14="http://schemas.microsoft.com/office/drawing/2010/main" w="9525">
+                <a14:hiddenLine xmlns:a14="http://schemas.microsoft.com/office/drawing/2010/main" w="9525">
                   <a:solidFill>
                     <a:srgbClr val="000000"/>
                   </a:solidFill>
@@ -24213,7 +24213,7 @@
             <p:cNvPr id="39" name="Freeform 40">
               <a:extLst>
                 <a:ext uri="{FF2B5EF4-FFF2-40B4-BE49-F238E27FC236}">
-                  <a16:creationId xmlns="" xmlns:a16="http://schemas.microsoft.com/office/drawing/2014/main" id="{4E46A4E2-9D69-4988-9AD3-F21598CEC38F}"/>
+                  <a16:creationId xmlns:a16="http://schemas.microsoft.com/office/drawing/2014/main" id="{4E46A4E2-9D69-4988-9AD3-F21598CEC38F}"/>
                 </a:ext>
               </a:extLst>
             </p:cNvPr>
@@ -24334,7 +24334,7 @@
             </a:ln>
             <a:extLst>
               <a:ext uri="{91240B29-F687-4F45-9708-019B960494DF}">
-                <a14:hiddenLine xmlns="" xmlns:a14="http://schemas.microsoft.com/office/drawing/2010/main" w="9525">
+                <a14:hiddenLine xmlns:a14="http://schemas.microsoft.com/office/drawing/2010/main" w="9525">
                   <a:solidFill>
                     <a:srgbClr val="000000"/>
                   </a:solidFill>
@@ -24366,7 +24366,7 @@
             <p:cNvPr id="40" name="Freeform 41">
               <a:extLst>
                 <a:ext uri="{FF2B5EF4-FFF2-40B4-BE49-F238E27FC236}">
-                  <a16:creationId xmlns="" xmlns:a16="http://schemas.microsoft.com/office/drawing/2014/main" id="{C17C7C2A-8638-4727-84D5-7C7F98825C34}"/>
+                  <a16:creationId xmlns:a16="http://schemas.microsoft.com/office/drawing/2014/main" id="{C17C7C2A-8638-4727-84D5-7C7F98825C34}"/>
                 </a:ext>
               </a:extLst>
             </p:cNvPr>
@@ -24472,7 +24472,7 @@
             </a:ln>
             <a:extLst>
               <a:ext uri="{91240B29-F687-4F45-9708-019B960494DF}">
-                <a14:hiddenLine xmlns="" xmlns:a14="http://schemas.microsoft.com/office/drawing/2010/main" w="9525">
+                <a14:hiddenLine xmlns:a14="http://schemas.microsoft.com/office/drawing/2010/main" w="9525">
                   <a:solidFill>
                     <a:srgbClr val="000000"/>
                   </a:solidFill>
@@ -24504,7 +24504,7 @@
             <p:cNvPr id="41" name="Freeform 42">
               <a:extLst>
                 <a:ext uri="{FF2B5EF4-FFF2-40B4-BE49-F238E27FC236}">
-                  <a16:creationId xmlns="" xmlns:a16="http://schemas.microsoft.com/office/drawing/2014/main" id="{36B0B241-2431-40E0-B9CE-A537CB7D5E3D}"/>
+                  <a16:creationId xmlns:a16="http://schemas.microsoft.com/office/drawing/2014/main" id="{36B0B241-2431-40E0-B9CE-A537CB7D5E3D}"/>
                 </a:ext>
               </a:extLst>
             </p:cNvPr>
@@ -24609,7 +24609,7 @@
             </a:ln>
             <a:extLst>
               <a:ext uri="{91240B29-F687-4F45-9708-019B960494DF}">
-                <a14:hiddenLine xmlns="" xmlns:a14="http://schemas.microsoft.com/office/drawing/2010/main" w="9525">
+                <a14:hiddenLine xmlns:a14="http://schemas.microsoft.com/office/drawing/2010/main" w="9525">
                   <a:solidFill>
                     <a:srgbClr val="000000"/>
                   </a:solidFill>
@@ -24641,7 +24641,7 @@
             <p:cNvPr id="42" name="Freeform 43">
               <a:extLst>
                 <a:ext uri="{FF2B5EF4-FFF2-40B4-BE49-F238E27FC236}">
-                  <a16:creationId xmlns="" xmlns:a16="http://schemas.microsoft.com/office/drawing/2014/main" id="{17197AD1-FBA3-470A-ABA4-6F3A0568AF11}"/>
+                  <a16:creationId xmlns:a16="http://schemas.microsoft.com/office/drawing/2014/main" id="{17197AD1-FBA3-470A-ABA4-6F3A0568AF11}"/>
                 </a:ext>
               </a:extLst>
             </p:cNvPr>
@@ -24771,7 +24771,7 @@
             </a:ln>
             <a:extLst>
               <a:ext uri="{91240B29-F687-4F45-9708-019B960494DF}">
-                <a14:hiddenLine xmlns="" xmlns:a14="http://schemas.microsoft.com/office/drawing/2010/main" w="9525">
+                <a14:hiddenLine xmlns:a14="http://schemas.microsoft.com/office/drawing/2010/main" w="9525">
                   <a:solidFill>
                     <a:srgbClr val="000000"/>
                   </a:solidFill>
@@ -24803,7 +24803,7 @@
             <p:cNvPr id="43" name="Freeform 44">
               <a:extLst>
                 <a:ext uri="{FF2B5EF4-FFF2-40B4-BE49-F238E27FC236}">
-                  <a16:creationId xmlns="" xmlns:a16="http://schemas.microsoft.com/office/drawing/2014/main" id="{8CF3D685-EEF2-4D9B-ACE5-F8550309D534}"/>
+                  <a16:creationId xmlns:a16="http://schemas.microsoft.com/office/drawing/2014/main" id="{8CF3D685-EEF2-4D9B-ACE5-F8550309D534}"/>
                 </a:ext>
               </a:extLst>
             </p:cNvPr>
@@ -24932,7 +24932,7 @@
             </a:ln>
             <a:extLst>
               <a:ext uri="{91240B29-F687-4F45-9708-019B960494DF}">
-                <a14:hiddenLine xmlns="" xmlns:a14="http://schemas.microsoft.com/office/drawing/2010/main" w="9525">
+                <a14:hiddenLine xmlns:a14="http://schemas.microsoft.com/office/drawing/2010/main" w="9525">
                   <a:solidFill>
                     <a:srgbClr val="000000"/>
                   </a:solidFill>
@@ -24964,7 +24964,7 @@
             <p:cNvPr id="44" name="Freeform 45">
               <a:extLst>
                 <a:ext uri="{FF2B5EF4-FFF2-40B4-BE49-F238E27FC236}">
-                  <a16:creationId xmlns="" xmlns:a16="http://schemas.microsoft.com/office/drawing/2014/main" id="{5128A1C4-25E2-414B-85E1-39F87DBC1523}"/>
+                  <a16:creationId xmlns:a16="http://schemas.microsoft.com/office/drawing/2014/main" id="{5128A1C4-25E2-414B-85E1-39F87DBC1523}"/>
                 </a:ext>
               </a:extLst>
             </p:cNvPr>
@@ -25070,7 +25070,7 @@
             </a:ln>
             <a:extLst>
               <a:ext uri="{91240B29-F687-4F45-9708-019B960494DF}">
-                <a14:hiddenLine xmlns="" xmlns:a14="http://schemas.microsoft.com/office/drawing/2010/main" w="9525">
+                <a14:hiddenLine xmlns:a14="http://schemas.microsoft.com/office/drawing/2010/main" w="9525">
                   <a:solidFill>
                     <a:srgbClr val="000000"/>
                   </a:solidFill>
@@ -25102,7 +25102,7 @@
             <p:cNvPr id="45" name="Freeform 46">
               <a:extLst>
                 <a:ext uri="{FF2B5EF4-FFF2-40B4-BE49-F238E27FC236}">
-                  <a16:creationId xmlns="" xmlns:a16="http://schemas.microsoft.com/office/drawing/2014/main" id="{2BEB0C5D-8EF8-4B3B-B5A2-4100F605C02D}"/>
+                  <a16:creationId xmlns:a16="http://schemas.microsoft.com/office/drawing/2014/main" id="{2BEB0C5D-8EF8-4B3B-B5A2-4100F605C02D}"/>
                 </a:ext>
               </a:extLst>
             </p:cNvPr>
@@ -25207,7 +25207,7 @@
             </a:ln>
             <a:extLst>
               <a:ext uri="{91240B29-F687-4F45-9708-019B960494DF}">
-                <a14:hiddenLine xmlns="" xmlns:a14="http://schemas.microsoft.com/office/drawing/2010/main" w="9525">
+                <a14:hiddenLine xmlns:a14="http://schemas.microsoft.com/office/drawing/2010/main" w="9525">
                   <a:solidFill>
                     <a:srgbClr val="000000"/>
                   </a:solidFill>
@@ -25239,7 +25239,7 @@
             <p:cNvPr id="46" name="Freeform 47">
               <a:extLst>
                 <a:ext uri="{FF2B5EF4-FFF2-40B4-BE49-F238E27FC236}">
-                  <a16:creationId xmlns="" xmlns:a16="http://schemas.microsoft.com/office/drawing/2014/main" id="{E1A8E5E6-12B2-41B7-A375-3878558DFEAA}"/>
+                  <a16:creationId xmlns:a16="http://schemas.microsoft.com/office/drawing/2014/main" id="{E1A8E5E6-12B2-41B7-A375-3878558DFEAA}"/>
                 </a:ext>
               </a:extLst>
             </p:cNvPr>
@@ -25313,7 +25313,7 @@
             </a:ln>
             <a:extLst>
               <a:ext uri="{91240B29-F687-4F45-9708-019B960494DF}">
-                <a14:hiddenLine xmlns="" xmlns:a14="http://schemas.microsoft.com/office/drawing/2010/main" w="9525">
+                <a14:hiddenLine xmlns:a14="http://schemas.microsoft.com/office/drawing/2010/main" w="9525">
                   <a:solidFill>
                     <a:srgbClr val="000000"/>
                   </a:solidFill>
@@ -25345,7 +25345,7 @@
             <p:cNvPr id="47" name="Freeform 48">
               <a:extLst>
                 <a:ext uri="{FF2B5EF4-FFF2-40B4-BE49-F238E27FC236}">
-                  <a16:creationId xmlns="" xmlns:a16="http://schemas.microsoft.com/office/drawing/2014/main" id="{EDE3E5F9-61F3-42A7-927B-52278150AD1C}"/>
+                  <a16:creationId xmlns:a16="http://schemas.microsoft.com/office/drawing/2014/main" id="{EDE3E5F9-61F3-42A7-927B-52278150AD1C}"/>
                 </a:ext>
               </a:extLst>
             </p:cNvPr>
@@ -25418,7 +25418,7 @@
             </a:ln>
             <a:extLst>
               <a:ext uri="{91240B29-F687-4F45-9708-019B960494DF}">
-                <a14:hiddenLine xmlns="" xmlns:a14="http://schemas.microsoft.com/office/drawing/2010/main" w="9525">
+                <a14:hiddenLine xmlns:a14="http://schemas.microsoft.com/office/drawing/2010/main" w="9525">
                   <a:solidFill>
                     <a:srgbClr val="000000"/>
                   </a:solidFill>
@@ -25450,7 +25450,7 @@
             <p:cNvPr id="48" name="Freeform 49">
               <a:extLst>
                 <a:ext uri="{FF2B5EF4-FFF2-40B4-BE49-F238E27FC236}">
-                  <a16:creationId xmlns="" xmlns:a16="http://schemas.microsoft.com/office/drawing/2014/main" id="{C8231393-6766-4234-BB5B-1E224B654C98}"/>
+                  <a16:creationId xmlns:a16="http://schemas.microsoft.com/office/drawing/2014/main" id="{C8231393-6766-4234-BB5B-1E224B654C98}"/>
                 </a:ext>
               </a:extLst>
             </p:cNvPr>
@@ -25540,7 +25540,7 @@
             </a:ln>
             <a:extLst>
               <a:ext uri="{91240B29-F687-4F45-9708-019B960494DF}">
-                <a14:hiddenLine xmlns="" xmlns:a14="http://schemas.microsoft.com/office/drawing/2010/main" w="9525">
+                <a14:hiddenLine xmlns:a14="http://schemas.microsoft.com/office/drawing/2010/main" w="9525">
                   <a:solidFill>
                     <a:srgbClr val="000000"/>
                   </a:solidFill>
@@ -25572,7 +25572,7 @@
             <p:cNvPr id="49" name="Freeform 50">
               <a:extLst>
                 <a:ext uri="{FF2B5EF4-FFF2-40B4-BE49-F238E27FC236}">
-                  <a16:creationId xmlns="" xmlns:a16="http://schemas.microsoft.com/office/drawing/2014/main" id="{7549C16C-08D5-44C6-800A-2F9F5F300CF0}"/>
+                  <a16:creationId xmlns:a16="http://schemas.microsoft.com/office/drawing/2014/main" id="{7549C16C-08D5-44C6-800A-2F9F5F300CF0}"/>
                 </a:ext>
               </a:extLst>
             </p:cNvPr>
@@ -25661,7 +25661,7 @@
             </a:ln>
             <a:extLst>
               <a:ext uri="{91240B29-F687-4F45-9708-019B960494DF}">
-                <a14:hiddenLine xmlns="" xmlns:a14="http://schemas.microsoft.com/office/drawing/2010/main" w="9525">
+                <a14:hiddenLine xmlns:a14="http://schemas.microsoft.com/office/drawing/2010/main" w="9525">
                   <a:solidFill>
                     <a:srgbClr val="000000"/>
                   </a:solidFill>
@@ -25693,7 +25693,7 @@
             <p:cNvPr id="50" name="Freeform 51">
               <a:extLst>
                 <a:ext uri="{FF2B5EF4-FFF2-40B4-BE49-F238E27FC236}">
-                  <a16:creationId xmlns="" xmlns:a16="http://schemas.microsoft.com/office/drawing/2014/main" id="{3202612E-33EC-4375-A7B6-C58E0AE5F373}"/>
+                  <a16:creationId xmlns:a16="http://schemas.microsoft.com/office/drawing/2014/main" id="{3202612E-33EC-4375-A7B6-C58E0AE5F373}"/>
                 </a:ext>
               </a:extLst>
             </p:cNvPr>
@@ -25831,7 +25831,7 @@
             </a:ln>
             <a:extLst>
               <a:ext uri="{91240B29-F687-4F45-9708-019B960494DF}">
-                <a14:hiddenLine xmlns="" xmlns:a14="http://schemas.microsoft.com/office/drawing/2010/main" w="9525">
+                <a14:hiddenLine xmlns:a14="http://schemas.microsoft.com/office/drawing/2010/main" w="9525">
                   <a:solidFill>
                     <a:srgbClr val="000000"/>
                   </a:solidFill>
@@ -25863,7 +25863,7 @@
             <p:cNvPr id="51" name="Freeform 52">
               <a:extLst>
                 <a:ext uri="{FF2B5EF4-FFF2-40B4-BE49-F238E27FC236}">
-                  <a16:creationId xmlns="" xmlns:a16="http://schemas.microsoft.com/office/drawing/2014/main" id="{4723D24C-E2A7-4EFA-9369-6EDAAB422CCD}"/>
+                  <a16:creationId xmlns:a16="http://schemas.microsoft.com/office/drawing/2014/main" id="{4723D24C-E2A7-4EFA-9369-6EDAAB422CCD}"/>
                 </a:ext>
               </a:extLst>
             </p:cNvPr>
@@ -26000,7 +26000,7 @@
             </a:ln>
             <a:extLst>
               <a:ext uri="{91240B29-F687-4F45-9708-019B960494DF}">
-                <a14:hiddenLine xmlns="" xmlns:a14="http://schemas.microsoft.com/office/drawing/2010/main" w="9525">
+                <a14:hiddenLine xmlns:a14="http://schemas.microsoft.com/office/drawing/2010/main" w="9525">
                   <a:solidFill>
                     <a:srgbClr val="000000"/>
                   </a:solidFill>
@@ -26032,7 +26032,7 @@
             <p:cNvPr id="52" name="Freeform 53">
               <a:extLst>
                 <a:ext uri="{FF2B5EF4-FFF2-40B4-BE49-F238E27FC236}">
-                  <a16:creationId xmlns="" xmlns:a16="http://schemas.microsoft.com/office/drawing/2014/main" id="{280CA15D-3C04-46C2-A2A0-CF8AAC2513A5}"/>
+                  <a16:creationId xmlns:a16="http://schemas.microsoft.com/office/drawing/2014/main" id="{280CA15D-3C04-46C2-A2A0-CF8AAC2513A5}"/>
                 </a:ext>
               </a:extLst>
             </p:cNvPr>
@@ -26122,7 +26122,7 @@
             </a:ln>
             <a:extLst>
               <a:ext uri="{91240B29-F687-4F45-9708-019B960494DF}">
-                <a14:hiddenLine xmlns="" xmlns:a14="http://schemas.microsoft.com/office/drawing/2010/main" w="9525">
+                <a14:hiddenLine xmlns:a14="http://schemas.microsoft.com/office/drawing/2010/main" w="9525">
                   <a:solidFill>
                     <a:srgbClr val="000000"/>
                   </a:solidFill>
@@ -26154,7 +26154,7 @@
             <p:cNvPr id="53" name="Freeform 54">
               <a:extLst>
                 <a:ext uri="{FF2B5EF4-FFF2-40B4-BE49-F238E27FC236}">
-                  <a16:creationId xmlns="" xmlns:a16="http://schemas.microsoft.com/office/drawing/2014/main" id="{EDBA826A-F54B-497B-AE18-D61BC9E969ED}"/>
+                  <a16:creationId xmlns:a16="http://schemas.microsoft.com/office/drawing/2014/main" id="{EDBA826A-F54B-497B-AE18-D61BC9E969ED}"/>
                 </a:ext>
               </a:extLst>
             </p:cNvPr>
@@ -26243,7 +26243,7 @@
             </a:ln>
             <a:extLst>
               <a:ext uri="{91240B29-F687-4F45-9708-019B960494DF}">
-                <a14:hiddenLine xmlns="" xmlns:a14="http://schemas.microsoft.com/office/drawing/2010/main" w="9525">
+                <a14:hiddenLine xmlns:a14="http://schemas.microsoft.com/office/drawing/2010/main" w="9525">
                   <a:solidFill>
                     <a:srgbClr val="000000"/>
                   </a:solidFill>
@@ -26275,7 +26275,7 @@
             <p:cNvPr id="54" name="Freeform 55">
               <a:extLst>
                 <a:ext uri="{FF2B5EF4-FFF2-40B4-BE49-F238E27FC236}">
-                  <a16:creationId xmlns="" xmlns:a16="http://schemas.microsoft.com/office/drawing/2014/main" id="{F1908B3D-6C0C-4EDA-85A1-CA0C5D90B29C}"/>
+                  <a16:creationId xmlns:a16="http://schemas.microsoft.com/office/drawing/2014/main" id="{F1908B3D-6C0C-4EDA-85A1-CA0C5D90B29C}"/>
                 </a:ext>
               </a:extLst>
             </p:cNvPr>
@@ -26421,7 +26421,7 @@
             </a:ln>
             <a:extLst>
               <a:ext uri="{91240B29-F687-4F45-9708-019B960494DF}">
-                <a14:hiddenLine xmlns="" xmlns:a14="http://schemas.microsoft.com/office/drawing/2010/main" w="9525">
+                <a14:hiddenLine xmlns:a14="http://schemas.microsoft.com/office/drawing/2010/main" w="9525">
                   <a:solidFill>
                     <a:srgbClr val="000000"/>
                   </a:solidFill>
@@ -26453,7 +26453,7 @@
             <p:cNvPr id="55" name="Freeform 56">
               <a:extLst>
                 <a:ext uri="{FF2B5EF4-FFF2-40B4-BE49-F238E27FC236}">
-                  <a16:creationId xmlns="" xmlns:a16="http://schemas.microsoft.com/office/drawing/2014/main" id="{4E042735-C2E8-48BD-A905-F0D116E3ADB3}"/>
+                  <a16:creationId xmlns:a16="http://schemas.microsoft.com/office/drawing/2014/main" id="{4E042735-C2E8-48BD-A905-F0D116E3ADB3}"/>
                 </a:ext>
               </a:extLst>
             </p:cNvPr>
@@ -26598,7 +26598,7 @@
             </a:ln>
             <a:extLst>
               <a:ext uri="{91240B29-F687-4F45-9708-019B960494DF}">
-                <a14:hiddenLine xmlns="" xmlns:a14="http://schemas.microsoft.com/office/drawing/2010/main" w="9525">
+                <a14:hiddenLine xmlns:a14="http://schemas.microsoft.com/office/drawing/2010/main" w="9525">
                   <a:solidFill>
                     <a:srgbClr val="000000"/>
                   </a:solidFill>
@@ -26630,7 +26630,7 @@
             <p:cNvPr id="56" name="Freeform 57">
               <a:extLst>
                 <a:ext uri="{FF2B5EF4-FFF2-40B4-BE49-F238E27FC236}">
-                  <a16:creationId xmlns="" xmlns:a16="http://schemas.microsoft.com/office/drawing/2014/main" id="{627419DF-AEDE-4975-B41E-02AD2739AA35}"/>
+                  <a16:creationId xmlns:a16="http://schemas.microsoft.com/office/drawing/2014/main" id="{627419DF-AEDE-4975-B41E-02AD2739AA35}"/>
                 </a:ext>
               </a:extLst>
             </p:cNvPr>
@@ -26801,7 +26801,7 @@
             </a:ln>
             <a:extLst>
               <a:ext uri="{91240B29-F687-4F45-9708-019B960494DF}">
-                <a14:hiddenLine xmlns="" xmlns:a14="http://schemas.microsoft.com/office/drawing/2010/main" w="9525">
+                <a14:hiddenLine xmlns:a14="http://schemas.microsoft.com/office/drawing/2010/main" w="9525">
                   <a:solidFill>
                     <a:srgbClr val="000000"/>
                   </a:solidFill>
@@ -26833,7 +26833,7 @@
             <p:cNvPr id="57" name="Freeform 58">
               <a:extLst>
                 <a:ext uri="{FF2B5EF4-FFF2-40B4-BE49-F238E27FC236}">
-                  <a16:creationId xmlns="" xmlns:a16="http://schemas.microsoft.com/office/drawing/2014/main" id="{19326F86-187A-4DFB-8921-038D5016696C}"/>
+                  <a16:creationId xmlns:a16="http://schemas.microsoft.com/office/drawing/2014/main" id="{19326F86-187A-4DFB-8921-038D5016696C}"/>
                 </a:ext>
               </a:extLst>
             </p:cNvPr>
@@ -27002,7 +27002,7 @@
             </a:ln>
             <a:extLst>
               <a:ext uri="{91240B29-F687-4F45-9708-019B960494DF}">
-                <a14:hiddenLine xmlns="" xmlns:a14="http://schemas.microsoft.com/office/drawing/2010/main" w="9525">
+                <a14:hiddenLine xmlns:a14="http://schemas.microsoft.com/office/drawing/2010/main" w="9525">
                   <a:solidFill>
                     <a:srgbClr val="000000"/>
                   </a:solidFill>
@@ -27034,7 +27034,7 @@
             <p:cNvPr id="58" name="Freeform 59">
               <a:extLst>
                 <a:ext uri="{FF2B5EF4-FFF2-40B4-BE49-F238E27FC236}">
-                  <a16:creationId xmlns="" xmlns:a16="http://schemas.microsoft.com/office/drawing/2014/main" id="{C6959FE0-D801-4731-A53A-88FFBDF08551}"/>
+                  <a16:creationId xmlns:a16="http://schemas.microsoft.com/office/drawing/2014/main" id="{C6959FE0-D801-4731-A53A-88FFBDF08551}"/>
                 </a:ext>
               </a:extLst>
             </p:cNvPr>
@@ -27220,7 +27220,7 @@
             </a:ln>
             <a:extLst>
               <a:ext uri="{91240B29-F687-4F45-9708-019B960494DF}">
-                <a14:hiddenLine xmlns="" xmlns:a14="http://schemas.microsoft.com/office/drawing/2010/main" w="9525">
+                <a14:hiddenLine xmlns:a14="http://schemas.microsoft.com/office/drawing/2010/main" w="9525">
                   <a:solidFill>
                     <a:srgbClr val="000000"/>
                   </a:solidFill>
@@ -27252,7 +27252,7 @@
             <p:cNvPr id="59" name="Freeform 60">
               <a:extLst>
                 <a:ext uri="{FF2B5EF4-FFF2-40B4-BE49-F238E27FC236}">
-                  <a16:creationId xmlns="" xmlns:a16="http://schemas.microsoft.com/office/drawing/2014/main" id="{B7540508-0D45-4C67-966A-438EF4B6939E}"/>
+                  <a16:creationId xmlns:a16="http://schemas.microsoft.com/office/drawing/2014/main" id="{B7540508-0D45-4C67-966A-438EF4B6939E}"/>
                 </a:ext>
               </a:extLst>
             </p:cNvPr>
@@ -27437,7 +27437,7 @@
             </a:ln>
             <a:extLst>
               <a:ext uri="{91240B29-F687-4F45-9708-019B960494DF}">
-                <a14:hiddenLine xmlns="" xmlns:a14="http://schemas.microsoft.com/office/drawing/2010/main" w="9525">
+                <a14:hiddenLine xmlns:a14="http://schemas.microsoft.com/office/drawing/2010/main" w="9525">
                   <a:solidFill>
                     <a:srgbClr val="000000"/>
                   </a:solidFill>
@@ -27469,7 +27469,7 @@
             <p:cNvPr id="60" name="Freeform 61">
               <a:extLst>
                 <a:ext uri="{FF2B5EF4-FFF2-40B4-BE49-F238E27FC236}">
-                  <a16:creationId xmlns="" xmlns:a16="http://schemas.microsoft.com/office/drawing/2014/main" id="{E3FC4B14-122E-4E00-820D-4DBC6D67BAED}"/>
+                  <a16:creationId xmlns:a16="http://schemas.microsoft.com/office/drawing/2014/main" id="{E3FC4B14-122E-4E00-820D-4DBC6D67BAED}"/>
                 </a:ext>
               </a:extLst>
             </p:cNvPr>
@@ -27575,7 +27575,7 @@
             </a:ln>
             <a:extLst>
               <a:ext uri="{91240B29-F687-4F45-9708-019B960494DF}">
-                <a14:hiddenLine xmlns="" xmlns:a14="http://schemas.microsoft.com/office/drawing/2010/main" w="9525">
+                <a14:hiddenLine xmlns:a14="http://schemas.microsoft.com/office/drawing/2010/main" w="9525">
                   <a:solidFill>
                     <a:srgbClr val="000000"/>
                   </a:solidFill>
@@ -27607,7 +27607,7 @@
             <p:cNvPr id="61" name="Freeform 62">
               <a:extLst>
                 <a:ext uri="{FF2B5EF4-FFF2-40B4-BE49-F238E27FC236}">
-                  <a16:creationId xmlns="" xmlns:a16="http://schemas.microsoft.com/office/drawing/2014/main" id="{05180D3E-3AAD-4C40-BF13-3D01226A8DF2}"/>
+                  <a16:creationId xmlns:a16="http://schemas.microsoft.com/office/drawing/2014/main" id="{05180D3E-3AAD-4C40-BF13-3D01226A8DF2}"/>
                 </a:ext>
               </a:extLst>
             </p:cNvPr>
@@ -27712,7 +27712,7 @@
             </a:ln>
             <a:extLst>
               <a:ext uri="{91240B29-F687-4F45-9708-019B960494DF}">
-                <a14:hiddenLine xmlns="" xmlns:a14="http://schemas.microsoft.com/office/drawing/2010/main" w="9525">
+                <a14:hiddenLine xmlns:a14="http://schemas.microsoft.com/office/drawing/2010/main" w="9525">
                   <a:solidFill>
                     <a:srgbClr val="000000"/>
                   </a:solidFill>
@@ -27744,7 +27744,7 @@
             <p:cNvPr id="62" name="Freeform 63">
               <a:extLst>
                 <a:ext uri="{FF2B5EF4-FFF2-40B4-BE49-F238E27FC236}">
-                  <a16:creationId xmlns="" xmlns:a16="http://schemas.microsoft.com/office/drawing/2014/main" id="{4C102723-08AC-4C64-B715-1651447605A2}"/>
+                  <a16:creationId xmlns:a16="http://schemas.microsoft.com/office/drawing/2014/main" id="{4C102723-08AC-4C64-B715-1651447605A2}"/>
                 </a:ext>
               </a:extLst>
             </p:cNvPr>
@@ -28018,7 +28018,7 @@
             </a:ln>
             <a:extLst>
               <a:ext uri="{91240B29-F687-4F45-9708-019B960494DF}">
-                <a14:hiddenLine xmlns="" xmlns:a14="http://schemas.microsoft.com/office/drawing/2010/main" w="9525">
+                <a14:hiddenLine xmlns:a14="http://schemas.microsoft.com/office/drawing/2010/main" w="9525">
                   <a:solidFill>
                     <a:srgbClr val="000000"/>
                   </a:solidFill>
@@ -28050,7 +28050,7 @@
             <p:cNvPr id="63" name="Freeform 64">
               <a:extLst>
                 <a:ext uri="{FF2B5EF4-FFF2-40B4-BE49-F238E27FC236}">
-                  <a16:creationId xmlns="" xmlns:a16="http://schemas.microsoft.com/office/drawing/2014/main" id="{DB7DA254-D0BC-4626-8D13-35A6C439FBDE}"/>
+                  <a16:creationId xmlns:a16="http://schemas.microsoft.com/office/drawing/2014/main" id="{DB7DA254-D0BC-4626-8D13-35A6C439FBDE}"/>
                 </a:ext>
               </a:extLst>
             </p:cNvPr>
@@ -28323,7 +28323,7 @@
             </a:ln>
             <a:extLst>
               <a:ext uri="{91240B29-F687-4F45-9708-019B960494DF}">
-                <a14:hiddenLine xmlns="" xmlns:a14="http://schemas.microsoft.com/office/drawing/2010/main" w="9525">
+                <a14:hiddenLine xmlns:a14="http://schemas.microsoft.com/office/drawing/2010/main" w="9525">
                   <a:solidFill>
                     <a:srgbClr val="000000"/>
                   </a:solidFill>
@@ -28355,7 +28355,7 @@
             <p:cNvPr id="64" name="Freeform 65">
               <a:extLst>
                 <a:ext uri="{FF2B5EF4-FFF2-40B4-BE49-F238E27FC236}">
-                  <a16:creationId xmlns="" xmlns:a16="http://schemas.microsoft.com/office/drawing/2014/main" id="{76253CE5-B902-4B0F-912D-7F0745A66C2F}"/>
+                  <a16:creationId xmlns:a16="http://schemas.microsoft.com/office/drawing/2014/main" id="{76253CE5-B902-4B0F-912D-7F0745A66C2F}"/>
                 </a:ext>
               </a:extLst>
             </p:cNvPr>
@@ -28494,7 +28494,7 @@
             </a:ln>
             <a:extLst>
               <a:ext uri="{91240B29-F687-4F45-9708-019B960494DF}">
-                <a14:hiddenLine xmlns="" xmlns:a14="http://schemas.microsoft.com/office/drawing/2010/main" w="9525">
+                <a14:hiddenLine xmlns:a14="http://schemas.microsoft.com/office/drawing/2010/main" w="9525">
                   <a:solidFill>
                     <a:srgbClr val="000000"/>
                   </a:solidFill>
@@ -28526,7 +28526,7 @@
             <p:cNvPr id="65" name="Freeform 66">
               <a:extLst>
                 <a:ext uri="{FF2B5EF4-FFF2-40B4-BE49-F238E27FC236}">
-                  <a16:creationId xmlns="" xmlns:a16="http://schemas.microsoft.com/office/drawing/2014/main" id="{4CA16E2F-0B7B-4E93-8099-7D2DFD899C8C}"/>
+                  <a16:creationId xmlns:a16="http://schemas.microsoft.com/office/drawing/2014/main" id="{4CA16E2F-0B7B-4E93-8099-7D2DFD899C8C}"/>
                 </a:ext>
               </a:extLst>
             </p:cNvPr>
@@ -28663,7 +28663,7 @@
             </a:ln>
             <a:extLst>
               <a:ext uri="{91240B29-F687-4F45-9708-019B960494DF}">
-                <a14:hiddenLine xmlns="" xmlns:a14="http://schemas.microsoft.com/office/drawing/2010/main" w="9525">
+                <a14:hiddenLine xmlns:a14="http://schemas.microsoft.com/office/drawing/2010/main" w="9525">
                   <a:solidFill>
                     <a:srgbClr val="000000"/>
                   </a:solidFill>
@@ -28695,7 +28695,7 @@
             <p:cNvPr id="66" name="Freeform 67">
               <a:extLst>
                 <a:ext uri="{FF2B5EF4-FFF2-40B4-BE49-F238E27FC236}">
-                  <a16:creationId xmlns="" xmlns:a16="http://schemas.microsoft.com/office/drawing/2014/main" id="{A4C24EE1-1CA1-4C34-A94A-D613C4C823C3}"/>
+                  <a16:creationId xmlns:a16="http://schemas.microsoft.com/office/drawing/2014/main" id="{A4C24EE1-1CA1-4C34-A94A-D613C4C823C3}"/>
                 </a:ext>
               </a:extLst>
             </p:cNvPr>
@@ -28801,7 +28801,7 @@
             </a:ln>
             <a:extLst>
               <a:ext uri="{91240B29-F687-4F45-9708-019B960494DF}">
-                <a14:hiddenLine xmlns="" xmlns:a14="http://schemas.microsoft.com/office/drawing/2010/main" w="9525">
+                <a14:hiddenLine xmlns:a14="http://schemas.microsoft.com/office/drawing/2010/main" w="9525">
                   <a:solidFill>
                     <a:srgbClr val="000000"/>
                   </a:solidFill>
@@ -28833,7 +28833,7 @@
             <p:cNvPr id="67" name="Freeform 68">
               <a:extLst>
                 <a:ext uri="{FF2B5EF4-FFF2-40B4-BE49-F238E27FC236}">
-                  <a16:creationId xmlns="" xmlns:a16="http://schemas.microsoft.com/office/drawing/2014/main" id="{CC4291B8-5781-4E97-BE76-DEEAE97489EA}"/>
+                  <a16:creationId xmlns:a16="http://schemas.microsoft.com/office/drawing/2014/main" id="{CC4291B8-5781-4E97-BE76-DEEAE97489EA}"/>
                 </a:ext>
               </a:extLst>
             </p:cNvPr>
@@ -28938,7 +28938,7 @@
             </a:ln>
             <a:extLst>
               <a:ext uri="{91240B29-F687-4F45-9708-019B960494DF}">
-                <a14:hiddenLine xmlns="" xmlns:a14="http://schemas.microsoft.com/office/drawing/2010/main" w="9525">
+                <a14:hiddenLine xmlns:a14="http://schemas.microsoft.com/office/drawing/2010/main" w="9525">
                   <a:solidFill>
                     <a:srgbClr val="000000"/>
                   </a:solidFill>
@@ -28970,7 +28970,7 @@
             <p:cNvPr id="68" name="Freeform 69">
               <a:extLst>
                 <a:ext uri="{FF2B5EF4-FFF2-40B4-BE49-F238E27FC236}">
-                  <a16:creationId xmlns="" xmlns:a16="http://schemas.microsoft.com/office/drawing/2014/main" id="{C295194B-02C7-4780-B56A-0CBAB5A2E80B}"/>
+                  <a16:creationId xmlns:a16="http://schemas.microsoft.com/office/drawing/2014/main" id="{C295194B-02C7-4780-B56A-0CBAB5A2E80B}"/>
                 </a:ext>
               </a:extLst>
             </p:cNvPr>
@@ -29140,7 +29140,7 @@
             </a:ln>
             <a:extLst>
               <a:ext uri="{91240B29-F687-4F45-9708-019B960494DF}">
-                <a14:hiddenLine xmlns="" xmlns:a14="http://schemas.microsoft.com/office/drawing/2010/main" w="9525">
+                <a14:hiddenLine xmlns:a14="http://schemas.microsoft.com/office/drawing/2010/main" w="9525">
                   <a:solidFill>
                     <a:srgbClr val="000000"/>
                   </a:solidFill>
@@ -29172,7 +29172,7 @@
             <p:cNvPr id="69" name="Freeform 70">
               <a:extLst>
                 <a:ext uri="{FF2B5EF4-FFF2-40B4-BE49-F238E27FC236}">
-                  <a16:creationId xmlns="" xmlns:a16="http://schemas.microsoft.com/office/drawing/2014/main" id="{DEA224C3-824C-4ADD-AA73-20B7BFB2699C}"/>
+                  <a16:creationId xmlns:a16="http://schemas.microsoft.com/office/drawing/2014/main" id="{DEA224C3-824C-4ADD-AA73-20B7BFB2699C}"/>
                 </a:ext>
               </a:extLst>
             </p:cNvPr>
@@ -29341,7 +29341,7 @@
             </a:ln>
             <a:extLst>
               <a:ext uri="{91240B29-F687-4F45-9708-019B960494DF}">
-                <a14:hiddenLine xmlns="" xmlns:a14="http://schemas.microsoft.com/office/drawing/2010/main" w="9525">
+                <a14:hiddenLine xmlns:a14="http://schemas.microsoft.com/office/drawing/2010/main" w="9525">
                   <a:solidFill>
                     <a:srgbClr val="000000"/>
                   </a:solidFill>
@@ -29373,7 +29373,7 @@
             <p:cNvPr id="70" name="Freeform 71">
               <a:extLst>
                 <a:ext uri="{FF2B5EF4-FFF2-40B4-BE49-F238E27FC236}">
-                  <a16:creationId xmlns="" xmlns:a16="http://schemas.microsoft.com/office/drawing/2014/main" id="{DE618FDB-D198-486B-80EA-D953ACDED55A}"/>
+                  <a16:creationId xmlns:a16="http://schemas.microsoft.com/office/drawing/2014/main" id="{DE618FDB-D198-486B-80EA-D953ACDED55A}"/>
                 </a:ext>
               </a:extLst>
             </p:cNvPr>
@@ -29552,7 +29552,7 @@
             </a:ln>
             <a:extLst>
               <a:ext uri="{91240B29-F687-4F45-9708-019B960494DF}">
-                <a14:hiddenLine xmlns="" xmlns:a14="http://schemas.microsoft.com/office/drawing/2010/main" w="9525">
+                <a14:hiddenLine xmlns:a14="http://schemas.microsoft.com/office/drawing/2010/main" w="9525">
                   <a:solidFill>
                     <a:srgbClr val="000000"/>
                   </a:solidFill>
@@ -29584,7 +29584,7 @@
             <p:cNvPr id="71" name="Freeform 72">
               <a:extLst>
                 <a:ext uri="{FF2B5EF4-FFF2-40B4-BE49-F238E27FC236}">
-                  <a16:creationId xmlns="" xmlns:a16="http://schemas.microsoft.com/office/drawing/2014/main" id="{96619D89-DCBE-4010-9263-2C932CBC628E}"/>
+                  <a16:creationId xmlns:a16="http://schemas.microsoft.com/office/drawing/2014/main" id="{96619D89-DCBE-4010-9263-2C932CBC628E}"/>
                 </a:ext>
               </a:extLst>
             </p:cNvPr>
@@ -29761,7 +29761,7 @@
             </a:ln>
             <a:extLst>
               <a:ext uri="{91240B29-F687-4F45-9708-019B960494DF}">
-                <a14:hiddenLine xmlns="" xmlns:a14="http://schemas.microsoft.com/office/drawing/2010/main" w="9525">
+                <a14:hiddenLine xmlns:a14="http://schemas.microsoft.com/office/drawing/2010/main" w="9525">
                   <a:solidFill>
                     <a:srgbClr val="000000"/>
                   </a:solidFill>
@@ -29793,7 +29793,7 @@
             <p:cNvPr id="72" name="Freeform 73">
               <a:extLst>
                 <a:ext uri="{FF2B5EF4-FFF2-40B4-BE49-F238E27FC236}">
-                  <a16:creationId xmlns="" xmlns:a16="http://schemas.microsoft.com/office/drawing/2014/main" id="{2A05754B-DAD3-457E-B6F3-1CB594D01F0F}"/>
+                  <a16:creationId xmlns:a16="http://schemas.microsoft.com/office/drawing/2014/main" id="{2A05754B-DAD3-457E-B6F3-1CB594D01F0F}"/>
                 </a:ext>
               </a:extLst>
             </p:cNvPr>
@@ -29867,7 +29867,7 @@
             </a:ln>
             <a:extLst>
               <a:ext uri="{91240B29-F687-4F45-9708-019B960494DF}">
-                <a14:hiddenLine xmlns="" xmlns:a14="http://schemas.microsoft.com/office/drawing/2010/main" w="9525">
+                <a14:hiddenLine xmlns:a14="http://schemas.microsoft.com/office/drawing/2010/main" w="9525">
                   <a:solidFill>
                     <a:srgbClr val="000000"/>
                   </a:solidFill>
@@ -29899,7 +29899,7 @@
             <p:cNvPr id="73" name="Freeform 74">
               <a:extLst>
                 <a:ext uri="{FF2B5EF4-FFF2-40B4-BE49-F238E27FC236}">
-                  <a16:creationId xmlns="" xmlns:a16="http://schemas.microsoft.com/office/drawing/2014/main" id="{E81E2A36-A958-4F09-8005-923A96D07D2C}"/>
+                  <a16:creationId xmlns:a16="http://schemas.microsoft.com/office/drawing/2014/main" id="{E81E2A36-A958-4F09-8005-923A96D07D2C}"/>
                 </a:ext>
               </a:extLst>
             </p:cNvPr>
@@ -29972,7 +29972,7 @@
             </a:ln>
             <a:extLst>
               <a:ext uri="{91240B29-F687-4F45-9708-019B960494DF}">
-                <a14:hiddenLine xmlns="" xmlns:a14="http://schemas.microsoft.com/office/drawing/2010/main" w="9525">
+                <a14:hiddenLine xmlns:a14="http://schemas.microsoft.com/office/drawing/2010/main" w="9525">
                   <a:solidFill>
                     <a:srgbClr val="000000"/>
                   </a:solidFill>
@@ -30004,7 +30004,7 @@
             <p:cNvPr id="74" name="Freeform 75">
               <a:extLst>
                 <a:ext uri="{FF2B5EF4-FFF2-40B4-BE49-F238E27FC236}">
-                  <a16:creationId xmlns="" xmlns:a16="http://schemas.microsoft.com/office/drawing/2014/main" id="{59B5AEE0-42A4-4653-B72C-BA68A68D36D5}"/>
+                  <a16:creationId xmlns:a16="http://schemas.microsoft.com/office/drawing/2014/main" id="{59B5AEE0-42A4-4653-B72C-BA68A68D36D5}"/>
                 </a:ext>
               </a:extLst>
             </p:cNvPr>
@@ -30150,7 +30150,7 @@
             </a:ln>
             <a:extLst>
               <a:ext uri="{91240B29-F687-4F45-9708-019B960494DF}">
-                <a14:hiddenLine xmlns="" xmlns:a14="http://schemas.microsoft.com/office/drawing/2010/main" w="9525">
+                <a14:hiddenLine xmlns:a14="http://schemas.microsoft.com/office/drawing/2010/main" w="9525">
                   <a:solidFill>
                     <a:srgbClr val="000000"/>
                   </a:solidFill>
@@ -30182,7 +30182,7 @@
             <p:cNvPr id="75" name="Freeform 76">
               <a:extLst>
                 <a:ext uri="{FF2B5EF4-FFF2-40B4-BE49-F238E27FC236}">
-                  <a16:creationId xmlns="" xmlns:a16="http://schemas.microsoft.com/office/drawing/2014/main" id="{6E693F0A-1950-4933-BE81-38FCA5DF9DB3}"/>
+                  <a16:creationId xmlns:a16="http://schemas.microsoft.com/office/drawing/2014/main" id="{6E693F0A-1950-4933-BE81-38FCA5DF9DB3}"/>
                 </a:ext>
               </a:extLst>
             </p:cNvPr>
@@ -30327,7 +30327,7 @@
             </a:ln>
             <a:extLst>
               <a:ext uri="{91240B29-F687-4F45-9708-019B960494DF}">
-                <a14:hiddenLine xmlns="" xmlns:a14="http://schemas.microsoft.com/office/drawing/2010/main" w="9525">
+                <a14:hiddenLine xmlns:a14="http://schemas.microsoft.com/office/drawing/2010/main" w="9525">
                   <a:solidFill>
                     <a:srgbClr val="000000"/>
                   </a:solidFill>
@@ -30359,7 +30359,7 @@
             <p:cNvPr id="76" name="Freeform 77">
               <a:extLst>
                 <a:ext uri="{FF2B5EF4-FFF2-40B4-BE49-F238E27FC236}">
-                  <a16:creationId xmlns="" xmlns:a16="http://schemas.microsoft.com/office/drawing/2014/main" id="{8A485052-72E7-4283-9086-548E3EBD42EF}"/>
+                  <a16:creationId xmlns:a16="http://schemas.microsoft.com/office/drawing/2014/main" id="{8A485052-72E7-4283-9086-548E3EBD42EF}"/>
                 </a:ext>
               </a:extLst>
             </p:cNvPr>
@@ -30465,7 +30465,7 @@
             </a:ln>
             <a:extLst>
               <a:ext uri="{91240B29-F687-4F45-9708-019B960494DF}">
-                <a14:hiddenLine xmlns="" xmlns:a14="http://schemas.microsoft.com/office/drawing/2010/main" w="9525">
+                <a14:hiddenLine xmlns:a14="http://schemas.microsoft.com/office/drawing/2010/main" w="9525">
                   <a:solidFill>
                     <a:srgbClr val="000000"/>
                   </a:solidFill>
@@ -30497,7 +30497,7 @@
             <p:cNvPr id="77" name="Freeform 78">
               <a:extLst>
                 <a:ext uri="{FF2B5EF4-FFF2-40B4-BE49-F238E27FC236}">
-                  <a16:creationId xmlns="" xmlns:a16="http://schemas.microsoft.com/office/drawing/2014/main" id="{ED8354EB-72FD-4958-85B5-F4C470834EF6}"/>
+                  <a16:creationId xmlns:a16="http://schemas.microsoft.com/office/drawing/2014/main" id="{ED8354EB-72FD-4958-85B5-F4C470834EF6}"/>
                 </a:ext>
               </a:extLst>
             </p:cNvPr>
@@ -30602,7 +30602,7 @@
             </a:ln>
             <a:extLst>
               <a:ext uri="{91240B29-F687-4F45-9708-019B960494DF}">
-                <a14:hiddenLine xmlns="" xmlns:a14="http://schemas.microsoft.com/office/drawing/2010/main" w="9525">
+                <a14:hiddenLine xmlns:a14="http://schemas.microsoft.com/office/drawing/2010/main" w="9525">
                   <a:solidFill>
                     <a:srgbClr val="000000"/>
                   </a:solidFill>
@@ -30634,7 +30634,7 @@
             <p:cNvPr id="78" name="Freeform 79">
               <a:extLst>
                 <a:ext uri="{FF2B5EF4-FFF2-40B4-BE49-F238E27FC236}">
-                  <a16:creationId xmlns="" xmlns:a16="http://schemas.microsoft.com/office/drawing/2014/main" id="{B3FF19FC-9674-4A47-ABF1-BF523E6A55E0}"/>
+                  <a16:creationId xmlns:a16="http://schemas.microsoft.com/office/drawing/2014/main" id="{B3FF19FC-9674-4A47-ABF1-BF523E6A55E0}"/>
                 </a:ext>
               </a:extLst>
             </p:cNvPr>
@@ -30740,7 +30740,7 @@
             </a:ln>
             <a:extLst>
               <a:ext uri="{91240B29-F687-4F45-9708-019B960494DF}">
-                <a14:hiddenLine xmlns="" xmlns:a14="http://schemas.microsoft.com/office/drawing/2010/main" w="9525">
+                <a14:hiddenLine xmlns:a14="http://schemas.microsoft.com/office/drawing/2010/main" w="9525">
                   <a:solidFill>
                     <a:srgbClr val="000000"/>
                   </a:solidFill>
@@ -30772,7 +30772,7 @@
             <p:cNvPr id="79" name="Freeform 80">
               <a:extLst>
                 <a:ext uri="{FF2B5EF4-FFF2-40B4-BE49-F238E27FC236}">
-                  <a16:creationId xmlns="" xmlns:a16="http://schemas.microsoft.com/office/drawing/2014/main" id="{6B596868-D3DC-4440-937A-57AFEFD1949F}"/>
+                  <a16:creationId xmlns:a16="http://schemas.microsoft.com/office/drawing/2014/main" id="{6B596868-D3DC-4440-937A-57AFEFD1949F}"/>
                 </a:ext>
               </a:extLst>
             </p:cNvPr>
@@ -30877,7 +30877,7 @@
             </a:ln>
             <a:extLst>
               <a:ext uri="{91240B29-F687-4F45-9708-019B960494DF}">
-                <a14:hiddenLine xmlns="" xmlns:a14="http://schemas.microsoft.com/office/drawing/2010/main" w="9525">
+                <a14:hiddenLine xmlns:a14="http://schemas.microsoft.com/office/drawing/2010/main" w="9525">
                   <a:solidFill>
                     <a:srgbClr val="000000"/>
                   </a:solidFill>
@@ -30909,7 +30909,7 @@
             <p:cNvPr id="80" name="Freeform 81">
               <a:extLst>
                 <a:ext uri="{FF2B5EF4-FFF2-40B4-BE49-F238E27FC236}">
-                  <a16:creationId xmlns="" xmlns:a16="http://schemas.microsoft.com/office/drawing/2014/main" id="{DEA93609-F7DE-4378-A90F-36264B1514AA}"/>
+                  <a16:creationId xmlns:a16="http://schemas.microsoft.com/office/drawing/2014/main" id="{DEA93609-F7DE-4378-A90F-36264B1514AA}"/>
                 </a:ext>
               </a:extLst>
             </p:cNvPr>
@@ -31031,7 +31031,7 @@
             </a:ln>
             <a:extLst>
               <a:ext uri="{91240B29-F687-4F45-9708-019B960494DF}">
-                <a14:hiddenLine xmlns="" xmlns:a14="http://schemas.microsoft.com/office/drawing/2010/main" w="9525">
+                <a14:hiddenLine xmlns:a14="http://schemas.microsoft.com/office/drawing/2010/main" w="9525">
                   <a:solidFill>
                     <a:srgbClr val="000000"/>
                   </a:solidFill>
@@ -31063,7 +31063,7 @@
             <p:cNvPr id="81" name="Freeform 82">
               <a:extLst>
                 <a:ext uri="{FF2B5EF4-FFF2-40B4-BE49-F238E27FC236}">
-                  <a16:creationId xmlns="" xmlns:a16="http://schemas.microsoft.com/office/drawing/2014/main" id="{7C65E01A-6ED0-4814-9CA1-868FADE1BCD2}"/>
+                  <a16:creationId xmlns:a16="http://schemas.microsoft.com/office/drawing/2014/main" id="{7C65E01A-6ED0-4814-9CA1-868FADE1BCD2}"/>
                 </a:ext>
               </a:extLst>
             </p:cNvPr>
@@ -31184,7 +31184,7 @@
             </a:ln>
             <a:extLst>
               <a:ext uri="{91240B29-F687-4F45-9708-019B960494DF}">
-                <a14:hiddenLine xmlns="" xmlns:a14="http://schemas.microsoft.com/office/drawing/2010/main" w="9525">
+                <a14:hiddenLine xmlns:a14="http://schemas.microsoft.com/office/drawing/2010/main" w="9525">
                   <a:solidFill>
                     <a:srgbClr val="000000"/>
                   </a:solidFill>
@@ -31216,7 +31216,7 @@
             <p:cNvPr id="82" name="Freeform 83">
               <a:extLst>
                 <a:ext uri="{FF2B5EF4-FFF2-40B4-BE49-F238E27FC236}">
-                  <a16:creationId xmlns="" xmlns:a16="http://schemas.microsoft.com/office/drawing/2014/main" id="{0D86D44C-DDB0-4B3C-B126-F4458194ABA3}"/>
+                  <a16:creationId xmlns:a16="http://schemas.microsoft.com/office/drawing/2014/main" id="{0D86D44C-DDB0-4B3C-B126-F4458194ABA3}"/>
                 </a:ext>
               </a:extLst>
             </p:cNvPr>
@@ -31322,7 +31322,7 @@
             </a:ln>
             <a:extLst>
               <a:ext uri="{91240B29-F687-4F45-9708-019B960494DF}">
-                <a14:hiddenLine xmlns="" xmlns:a14="http://schemas.microsoft.com/office/drawing/2010/main" w="9525">
+                <a14:hiddenLine xmlns:a14="http://schemas.microsoft.com/office/drawing/2010/main" w="9525">
                   <a:solidFill>
                     <a:srgbClr val="000000"/>
                   </a:solidFill>
@@ -31354,7 +31354,7 @@
             <p:cNvPr id="83" name="Freeform 84">
               <a:extLst>
                 <a:ext uri="{FF2B5EF4-FFF2-40B4-BE49-F238E27FC236}">
-                  <a16:creationId xmlns="" xmlns:a16="http://schemas.microsoft.com/office/drawing/2014/main" id="{75BE403B-5E9B-4F51-BC49-B6FD91B425A8}"/>
+                  <a16:creationId xmlns:a16="http://schemas.microsoft.com/office/drawing/2014/main" id="{75BE403B-5E9B-4F51-BC49-B6FD91B425A8}"/>
                 </a:ext>
               </a:extLst>
             </p:cNvPr>
@@ -31459,7 +31459,7 @@
             </a:ln>
             <a:extLst>
               <a:ext uri="{91240B29-F687-4F45-9708-019B960494DF}">
-                <a14:hiddenLine xmlns="" xmlns:a14="http://schemas.microsoft.com/office/drawing/2010/main" w="9525">
+                <a14:hiddenLine xmlns:a14="http://schemas.microsoft.com/office/drawing/2010/main" w="9525">
                   <a:solidFill>
                     <a:srgbClr val="000000"/>
                   </a:solidFill>
@@ -31491,7 +31491,7 @@
             <p:cNvPr id="84" name="Freeform 85">
               <a:extLst>
                 <a:ext uri="{FF2B5EF4-FFF2-40B4-BE49-F238E27FC236}">
-                  <a16:creationId xmlns="" xmlns:a16="http://schemas.microsoft.com/office/drawing/2014/main" id="{F8684EEA-2E89-4FCA-9ADA-2B69FB3FD743}"/>
+                  <a16:creationId xmlns:a16="http://schemas.microsoft.com/office/drawing/2014/main" id="{F8684EEA-2E89-4FCA-9ADA-2B69FB3FD743}"/>
                 </a:ext>
               </a:extLst>
             </p:cNvPr>
@@ -31629,7 +31629,7 @@
             </a:ln>
             <a:extLst>
               <a:ext uri="{91240B29-F687-4F45-9708-019B960494DF}">
-                <a14:hiddenLine xmlns="" xmlns:a14="http://schemas.microsoft.com/office/drawing/2010/main" w="9525">
+                <a14:hiddenLine xmlns:a14="http://schemas.microsoft.com/office/drawing/2010/main" w="9525">
                   <a:solidFill>
                     <a:srgbClr val="000000"/>
                   </a:solidFill>
@@ -31661,7 +31661,7 @@
             <p:cNvPr id="85" name="Freeform 86">
               <a:extLst>
                 <a:ext uri="{FF2B5EF4-FFF2-40B4-BE49-F238E27FC236}">
-                  <a16:creationId xmlns="" xmlns:a16="http://schemas.microsoft.com/office/drawing/2014/main" id="{3A9B96F6-190E-4317-96A3-5D97D473E234}"/>
+                  <a16:creationId xmlns:a16="http://schemas.microsoft.com/office/drawing/2014/main" id="{3A9B96F6-190E-4317-96A3-5D97D473E234}"/>
                 </a:ext>
               </a:extLst>
             </p:cNvPr>
@@ -31798,7 +31798,7 @@
             </a:ln>
             <a:extLst>
               <a:ext uri="{91240B29-F687-4F45-9708-019B960494DF}">
-                <a14:hiddenLine xmlns="" xmlns:a14="http://schemas.microsoft.com/office/drawing/2010/main" w="9525">
+                <a14:hiddenLine xmlns:a14="http://schemas.microsoft.com/office/drawing/2010/main" w="9525">
                   <a:solidFill>
                     <a:srgbClr val="000000"/>
                   </a:solidFill>
@@ -31830,7 +31830,7 @@
             <p:cNvPr id="86" name="Freeform 87">
               <a:extLst>
                 <a:ext uri="{FF2B5EF4-FFF2-40B4-BE49-F238E27FC236}">
-                  <a16:creationId xmlns="" xmlns:a16="http://schemas.microsoft.com/office/drawing/2014/main" id="{D0A71ACE-3EBE-42A0-A08B-441B8480E6DB}"/>
+                  <a16:creationId xmlns:a16="http://schemas.microsoft.com/office/drawing/2014/main" id="{D0A71ACE-3EBE-42A0-A08B-441B8480E6DB}"/>
                 </a:ext>
               </a:extLst>
             </p:cNvPr>
@@ -31936,7 +31936,7 @@
             </a:ln>
             <a:extLst>
               <a:ext uri="{91240B29-F687-4F45-9708-019B960494DF}">
-                <a14:hiddenLine xmlns="" xmlns:a14="http://schemas.microsoft.com/office/drawing/2010/main" w="9525">
+                <a14:hiddenLine xmlns:a14="http://schemas.microsoft.com/office/drawing/2010/main" w="9525">
                   <a:solidFill>
                     <a:srgbClr val="000000"/>
                   </a:solidFill>
@@ -31968,7 +31968,7 @@
             <p:cNvPr id="87" name="Freeform 88">
               <a:extLst>
                 <a:ext uri="{FF2B5EF4-FFF2-40B4-BE49-F238E27FC236}">
-                  <a16:creationId xmlns="" xmlns:a16="http://schemas.microsoft.com/office/drawing/2014/main" id="{3210EF04-97AC-410F-A682-EF447B605C65}"/>
+                  <a16:creationId xmlns:a16="http://schemas.microsoft.com/office/drawing/2014/main" id="{3210EF04-97AC-410F-A682-EF447B605C65}"/>
                 </a:ext>
               </a:extLst>
             </p:cNvPr>
@@ -32073,7 +32073,7 @@
             </a:ln>
             <a:extLst>
               <a:ext uri="{91240B29-F687-4F45-9708-019B960494DF}">
-                <a14:hiddenLine xmlns="" xmlns:a14="http://schemas.microsoft.com/office/drawing/2010/main" w="9525">
+                <a14:hiddenLine xmlns:a14="http://schemas.microsoft.com/office/drawing/2010/main" w="9525">
                   <a:solidFill>
                     <a:srgbClr val="000000"/>
                   </a:solidFill>
@@ -32105,7 +32105,7 @@
             <p:cNvPr id="88" name="Freeform 89">
               <a:extLst>
                 <a:ext uri="{FF2B5EF4-FFF2-40B4-BE49-F238E27FC236}">
-                  <a16:creationId xmlns="" xmlns:a16="http://schemas.microsoft.com/office/drawing/2014/main" id="{A2D529AC-C776-49C0-977E-7D82E467B75D}"/>
+                  <a16:creationId xmlns:a16="http://schemas.microsoft.com/office/drawing/2014/main" id="{A2D529AC-C776-49C0-977E-7D82E467B75D}"/>
                 </a:ext>
               </a:extLst>
             </p:cNvPr>
@@ -32179,7 +32179,7 @@
             </a:ln>
             <a:extLst>
               <a:ext uri="{91240B29-F687-4F45-9708-019B960494DF}">
-                <a14:hiddenLine xmlns="" xmlns:a14="http://schemas.microsoft.com/office/drawing/2010/main" w="9525">
+                <a14:hiddenLine xmlns:a14="http://schemas.microsoft.com/office/drawing/2010/main" w="9525">
                   <a:solidFill>
                     <a:srgbClr val="000000"/>
                   </a:solidFill>
@@ -32211,7 +32211,7 @@
             <p:cNvPr id="89" name="Freeform 90">
               <a:extLst>
                 <a:ext uri="{FF2B5EF4-FFF2-40B4-BE49-F238E27FC236}">
-                  <a16:creationId xmlns="" xmlns:a16="http://schemas.microsoft.com/office/drawing/2014/main" id="{C3251D33-9028-4819-B610-D62B5617761C}"/>
+                  <a16:creationId xmlns:a16="http://schemas.microsoft.com/office/drawing/2014/main" id="{C3251D33-9028-4819-B610-D62B5617761C}"/>
                 </a:ext>
               </a:extLst>
             </p:cNvPr>
@@ -32284,7 +32284,7 @@
             </a:ln>
             <a:extLst>
               <a:ext uri="{91240B29-F687-4F45-9708-019B960494DF}">
-                <a14:hiddenLine xmlns="" xmlns:a14="http://schemas.microsoft.com/office/drawing/2010/main" w="9525">
+                <a14:hiddenLine xmlns:a14="http://schemas.microsoft.com/office/drawing/2010/main" w="9525">
                   <a:solidFill>
                     <a:srgbClr val="000000"/>
                   </a:solidFill>
@@ -32316,7 +32316,7 @@
             <p:cNvPr id="90" name="Freeform 91">
               <a:extLst>
                 <a:ext uri="{FF2B5EF4-FFF2-40B4-BE49-F238E27FC236}">
-                  <a16:creationId xmlns="" xmlns:a16="http://schemas.microsoft.com/office/drawing/2014/main" id="{31F3BA53-E044-4239-8A48-7B968B2FB190}"/>
+                  <a16:creationId xmlns:a16="http://schemas.microsoft.com/office/drawing/2014/main" id="{31F3BA53-E044-4239-8A48-7B968B2FB190}"/>
                 </a:ext>
               </a:extLst>
             </p:cNvPr>
@@ -32406,7 +32406,7 @@
             </a:ln>
             <a:extLst>
               <a:ext uri="{91240B29-F687-4F45-9708-019B960494DF}">
-                <a14:hiddenLine xmlns="" xmlns:a14="http://schemas.microsoft.com/office/drawing/2010/main" w="9525">
+                <a14:hiddenLine xmlns:a14="http://schemas.microsoft.com/office/drawing/2010/main" w="9525">
                   <a:solidFill>
                     <a:srgbClr val="000000"/>
                   </a:solidFill>
@@ -32438,7 +32438,7 @@
             <p:cNvPr id="91" name="Freeform 92">
               <a:extLst>
                 <a:ext uri="{FF2B5EF4-FFF2-40B4-BE49-F238E27FC236}">
-                  <a16:creationId xmlns="" xmlns:a16="http://schemas.microsoft.com/office/drawing/2014/main" id="{0D241336-E462-48A6-A873-54E19207B28C}"/>
+                  <a16:creationId xmlns:a16="http://schemas.microsoft.com/office/drawing/2014/main" id="{0D241336-E462-48A6-A873-54E19207B28C}"/>
                 </a:ext>
               </a:extLst>
             </p:cNvPr>
@@ -32527,7 +32527,7 @@
             </a:ln>
             <a:extLst>
               <a:ext uri="{91240B29-F687-4F45-9708-019B960494DF}">
-                <a14:hiddenLine xmlns="" xmlns:a14="http://schemas.microsoft.com/office/drawing/2010/main" w="9525">
+                <a14:hiddenLine xmlns:a14="http://schemas.microsoft.com/office/drawing/2010/main" w="9525">
                   <a:solidFill>
                     <a:srgbClr val="000000"/>
                   </a:solidFill>
@@ -32611,7 +32611,7 @@
           <a:blip r:embed="rId15" cstate="email">
             <a:extLst>
               <a:ext uri="{28A0092B-C50C-407E-A947-70E740481C1C}">
-                <a14:useLocalDpi xmlns="" xmlns:a14="http://schemas.microsoft.com/office/drawing/2010/main"/>
+                <a14:useLocalDpi xmlns:a14="http://schemas.microsoft.com/office/drawing/2010/main"/>
               </a:ext>
             </a:extLst>
           </a:blip>
@@ -32631,7 +32631,7 @@
           <a:noFill/>
           <a:extLst>
             <a:ext uri="{909E8E84-426E-40DD-AFC4-6F175D3DCCD1}">
-              <a14:hiddenFill xmlns="" xmlns:a14="http://schemas.microsoft.com/office/drawing/2010/main">
+              <a14:hiddenFill xmlns:a14="http://schemas.microsoft.com/office/drawing/2010/main">
                 <a:solidFill>
                   <a:srgbClr val="FFFFFF"/>
                 </a:solidFill>
@@ -32645,7 +32645,7 @@
           <p:cNvPr id="94" name="Group 93">
             <a:extLst>
               <a:ext uri="{FF2B5EF4-FFF2-40B4-BE49-F238E27FC236}">
-                <a16:creationId xmlns="" xmlns:a16="http://schemas.microsoft.com/office/drawing/2014/main" id="{DE981F83-3A5B-4AEE-9903-3D63CEF5F1E0}"/>
+                <a16:creationId xmlns:a16="http://schemas.microsoft.com/office/drawing/2014/main" id="{DE981F83-3A5B-4AEE-9903-3D63CEF5F1E0}"/>
               </a:ext>
             </a:extLst>
           </p:cNvPr>
@@ -32665,7 +32665,7 @@
             <p:cNvPr id="95" name="Rectangle 94">
               <a:extLst>
                 <a:ext uri="{FF2B5EF4-FFF2-40B4-BE49-F238E27FC236}">
-                  <a16:creationId xmlns="" xmlns:a16="http://schemas.microsoft.com/office/drawing/2014/main" id="{1D9E15F2-5FDF-4700-8F0B-60913CCFD2DC}"/>
+                  <a16:creationId xmlns:a16="http://schemas.microsoft.com/office/drawing/2014/main" id="{1D9E15F2-5FDF-4700-8F0B-60913CCFD2DC}"/>
                 </a:ext>
               </a:extLst>
             </p:cNvPr>
@@ -32721,7 +32721,7 @@
             <p:cNvPr id="96" name="Picture 95">
               <a:extLst>
                 <a:ext uri="{FF2B5EF4-FFF2-40B4-BE49-F238E27FC236}">
-                  <a16:creationId xmlns="" xmlns:a16="http://schemas.microsoft.com/office/drawing/2014/main" id="{E34BE43C-F59A-4AED-BDAA-FC4C690704EC}"/>
+                  <a16:creationId xmlns:a16="http://schemas.microsoft.com/office/drawing/2014/main" id="{E34BE43C-F59A-4AED-BDAA-FC4C690704EC}"/>
                 </a:ext>
               </a:extLst>
             </p:cNvPr>
@@ -32734,7 +32734,7 @@
             <a:blip r:embed="rId16" cstate="print">
               <a:extLst>
                 <a:ext uri="{28A0092B-C50C-407E-A947-70E740481C1C}">
-                  <a14:useLocalDpi xmlns="" xmlns:a14="http://schemas.microsoft.com/office/drawing/2010/main" val="0"/>
+                  <a14:useLocalDpi xmlns:a14="http://schemas.microsoft.com/office/drawing/2010/main" val="0"/>
                 </a:ext>
               </a:extLst>
             </a:blip>
@@ -32757,7 +32757,7 @@
           <p:cNvPr id="97" name="Picture 96">
             <a:extLst>
               <a:ext uri="{FF2B5EF4-FFF2-40B4-BE49-F238E27FC236}">
-                <a16:creationId xmlns="" xmlns:a16="http://schemas.microsoft.com/office/drawing/2014/main" id="{DC0C0F92-B774-4741-B9EE-133D9AF8A454}"/>
+                <a16:creationId xmlns:a16="http://schemas.microsoft.com/office/drawing/2014/main" id="{DC0C0F92-B774-4741-B9EE-133D9AF8A454}"/>
               </a:ext>
             </a:extLst>
           </p:cNvPr>
@@ -32770,7 +32770,7 @@
           <a:blip r:embed="rId17" cstate="print">
             <a:extLst>
               <a:ext uri="{28A0092B-C50C-407E-A947-70E740481C1C}">
-                <a14:useLocalDpi xmlns="" xmlns:a14="http://schemas.microsoft.com/office/drawing/2010/main" val="0"/>
+                <a14:useLocalDpi xmlns:a14="http://schemas.microsoft.com/office/drawing/2010/main" val="0"/>
               </a:ext>
             </a:extLst>
           </a:blip>
@@ -32852,7 +32852,7 @@
     </p:spTree>
     <p:extLst>
       <p:ext uri="{BB962C8B-B14F-4D97-AF65-F5344CB8AC3E}">
-        <p14:creationId xmlns="" xmlns:p14="http://schemas.microsoft.com/office/powerpoint/2010/main" val="2104935831"/>
+        <p14:creationId xmlns:p14="http://schemas.microsoft.com/office/powerpoint/2010/main" val="2104935831"/>
       </p:ext>
     </p:extLst>
   </p:cSld>
@@ -33178,7 +33178,7 @@
           <p:cNvPr id="10" name="Picture 9" descr="A picture containing circuit&#10;&#10;Description automatically generated">
             <a:extLst>
               <a:ext uri="{FF2B5EF4-FFF2-40B4-BE49-F238E27FC236}">
-                <a16:creationId xmlns="" xmlns:a16="http://schemas.microsoft.com/office/drawing/2014/main" id="{C902654B-7208-4B2B-A298-1A28055DC3B3}"/>
+                <a16:creationId xmlns:a16="http://schemas.microsoft.com/office/drawing/2014/main" id="{C902654B-7208-4B2B-A298-1A28055DC3B3}"/>
               </a:ext>
             </a:extLst>
           </p:cNvPr>
@@ -33191,7 +33191,7 @@
           <a:blip r:embed="rId2">
             <a:extLst>
               <a:ext uri="{28A0092B-C50C-407E-A947-70E740481C1C}">
-                <a14:useLocalDpi xmlns="" xmlns:a14="http://schemas.microsoft.com/office/drawing/2010/main" val="0"/>
+                <a14:useLocalDpi xmlns:a14="http://schemas.microsoft.com/office/drawing/2010/main" val="0"/>
               </a:ext>
             </a:extLst>
           </a:blip>
@@ -33269,14 +33269,11 @@
           <a:lstStyle/>
           <a:p>
             <a:r>
-              <a:rPr lang="en-US" sz="2800" dirty="0" smtClean="0">
+              <a:rPr lang="en-US" sz="2800" dirty="0">
                 <a:latin typeface="Bernard MT Condensed" panose="02050806060905020404" pitchFamily="18" charset="0"/>
               </a:rPr>
               <a:t>Risk Macaw</a:t>
             </a:r>
-            <a:endParaRPr lang="en-US" sz="2800" dirty="0">
-              <a:latin typeface="Bernard MT Condensed" panose="02050806060905020404" pitchFamily="18" charset="0"/>
-            </a:endParaRPr>
           </a:p>
         </p:txBody>
       </p:sp>
@@ -33303,7 +33300,7 @@
           <a:lstStyle/>
           <a:p>
             <a:r>
-              <a:rPr lang="en-US" sz="2000" dirty="0" smtClean="0">
+              <a:rPr lang="en-US" sz="2000" dirty="0">
                 <a:solidFill>
                   <a:schemeClr val="accent6"/>
                 </a:solidFill>
@@ -33311,12 +33308,6 @@
               </a:rPr>
               <a:t>TEAM NAME:</a:t>
             </a:r>
-            <a:endParaRPr lang="en-US" sz="2000" dirty="0">
-              <a:solidFill>
-                <a:schemeClr val="accent6"/>
-              </a:solidFill>
-              <a:latin typeface="Bodoni MT Black" panose="02070A03080606020203" pitchFamily="18" charset="0"/>
-            </a:endParaRPr>
           </a:p>
         </p:txBody>
       </p:sp>
@@ -33332,7 +33323,7 @@
           <a:blip r:embed="rId4">
             <a:extLst>
               <a:ext uri="{28A0092B-C50C-407E-A947-70E740481C1C}">
-                <a14:useLocalDpi xmlns="" xmlns:a14="http://schemas.microsoft.com/office/drawing/2010/main" val="0"/>
+                <a14:useLocalDpi xmlns:a14="http://schemas.microsoft.com/office/drawing/2010/main" val="0"/>
               </a:ext>
             </a:extLst>
           </a:blip>
@@ -33377,32 +33368,25 @@
     </p:spTree>
     <p:extLst>
       <p:ext uri="{BB962C8B-B14F-4D97-AF65-F5344CB8AC3E}">
-        <p14:creationId xmlns="" xmlns:p14="http://schemas.microsoft.com/office/powerpoint/2010/main" val="2835272453"/>
+        <p14:creationId xmlns:p14="http://schemas.microsoft.com/office/powerpoint/2010/main" val="2835272453"/>
       </p:ext>
     </p:extLst>
   </p:cSld>
   <p:clrMapOvr>
     <a:masterClrMapping/>
   </p:clrMapOvr>
-  <mc:AlternateContent xmlns:mc="http://schemas.openxmlformats.org/markup-compatibility/2006">
-    <mc:Choice xmlns="" xmlns:p14="http://schemas.microsoft.com/office/powerpoint/2010/main" Requires="p14">
+  <mc:AlternateContent xmlns:mc="http://schemas.openxmlformats.org/markup-compatibility/2006" xmlns:p14="http://schemas.microsoft.com/office/powerpoint/2010/main">
+    <mc:Choice Requires="p14">
       <p:transition spd="med" p14:dur="700">
         <p:fade/>
       </p:transition>
     </mc:Choice>
-    <mc:Fallback>
+    <mc:Fallback xmlns="">
       <p:transition spd="med">
         <p:fade/>
       </p:transition>
     </mc:Fallback>
   </mc:AlternateContent>
-  <p:timing>
-    <p:tnLst>
-      <p:par>
-        <p:cTn id="1" dur="indefinite" restart="never" nodeType="tmRoot"/>
-      </p:par>
-    </p:tnLst>
-  </p:timing>
 </p:sld>
 </file>
 
@@ -33426,20 +33410,13 @@
     </p:spTree>
     <p:extLst>
       <p:ext uri="{BB962C8B-B14F-4D97-AF65-F5344CB8AC3E}">
-        <p14:creationId xmlns="" xmlns:p14="http://schemas.microsoft.com/office/powerpoint/2010/main" val="1331351567"/>
+        <p14:creationId xmlns:p14="http://schemas.microsoft.com/office/powerpoint/2010/main" val="1331351567"/>
       </p:ext>
     </p:extLst>
   </p:cSld>
   <p:clrMapOvr>
     <a:masterClrMapping/>
   </p:clrMapOvr>
-  <p:timing>
-    <p:tnLst>
-      <p:par>
-        <p:cTn id="1" dur="indefinite" restart="never" nodeType="tmRoot"/>
-      </p:par>
-    </p:tnLst>
-  </p:timing>
 </p:sld>
 </file>
 
@@ -33465,7 +33442,7 @@
           <p:cNvPr id="5" name="TextBox 4">
             <a:extLst>
               <a:ext uri="{FF2B5EF4-FFF2-40B4-BE49-F238E27FC236}">
-                <a16:creationId xmlns="" xmlns:a16="http://schemas.microsoft.com/office/drawing/2014/main" id="{83CC51E3-E419-4AB1-8316-5C2835430B1C}"/>
+                <a16:creationId xmlns:a16="http://schemas.microsoft.com/office/drawing/2014/main" id="{83CC51E3-E419-4AB1-8316-5C2835430B1C}"/>
               </a:ext>
             </a:extLst>
           </p:cNvPr>
@@ -33515,7 +33492,7 @@
           <p:cNvPr id="14" name="Rectangle 13">
             <a:extLst>
               <a:ext uri="{FF2B5EF4-FFF2-40B4-BE49-F238E27FC236}">
-                <a16:creationId xmlns="" xmlns:a16="http://schemas.microsoft.com/office/drawing/2014/main" id="{A33384C4-2658-4867-9748-8E3E227C174C}"/>
+                <a16:creationId xmlns:a16="http://schemas.microsoft.com/office/drawing/2014/main" id="{A33384C4-2658-4867-9748-8E3E227C174C}"/>
               </a:ext>
             </a:extLst>
           </p:cNvPr>
@@ -33551,7 +33528,7 @@
           <a:p>
             <a:pPr algn="l"/>
             <a:r>
-              <a:rPr lang="en-US" sz="1800" dirty="0" smtClean="0">
+              <a:rPr lang="en-US" sz="1800" dirty="0">
                 <a:cs typeface="Arial" panose="020B0604020202020204" pitchFamily="34" charset="0"/>
               </a:rPr>
               <a:t>There is a lot of focus on the regression testing efforts to be rightly spend on the critical areas of Ops Risk product development in GRC/MRM/Losses due to pace in development with parallel releases happening in Containerization and non-Containerization areas. Approximately 3 to 4 parallel releases and branches reach the production box in ECS and non ECS areas every month thereby making it extremely critical for the testers to focus on the hotspot modules during testing. As of today the testers are unable to identify the critical hotspots to focus on the right areas of testing. Similarly developers takes a lot of time to analyze the production defects and fix due to complexity in the code.</a:t>
@@ -33562,22 +33539,10 @@
               <a:buAutoNum type="alphaUcPeriod"/>
             </a:pPr>
             <a:r>
-              <a:rPr lang="en-US" sz="1800" dirty="0" smtClean="0">
-                <a:cs typeface="Arial" panose="020B0604020202020204" pitchFamily="34" charset="0"/>
-              </a:rPr>
-              <a:t>To </a:t>
-            </a:r>
-            <a:r>
               <a:rPr lang="en-US" sz="1800" dirty="0">
                 <a:cs typeface="Arial" panose="020B0604020202020204" pitchFamily="34" charset="0"/>
               </a:rPr>
-              <a:t>identify hotspots within the application which requires high degree of attention during regression </a:t>
-            </a:r>
-            <a:r>
-              <a:rPr lang="en-US" sz="1800" dirty="0" smtClean="0">
-                <a:cs typeface="Arial" panose="020B0604020202020204" pitchFamily="34" charset="0"/>
-              </a:rPr>
-              <a:t>testing.</a:t>
+              <a:t>To identify hotspots within the application which requires high degree of attention during regression testing.</a:t>
             </a:r>
           </a:p>
           <a:p>
@@ -33585,16 +33550,10 @@
               <a:buAutoNum type="alphaUcPeriod"/>
             </a:pPr>
             <a:r>
-              <a:rPr lang="en-US" sz="1800" dirty="0" smtClean="0">
-                <a:cs typeface="Arial" panose="020B0604020202020204" pitchFamily="34" charset="0"/>
-              </a:rPr>
-              <a:t>To </a:t>
-            </a:r>
-            <a:r>
               <a:rPr lang="en-US" sz="1800" dirty="0">
                 <a:cs typeface="Arial" panose="020B0604020202020204" pitchFamily="34" charset="0"/>
               </a:rPr>
-              <a:t>identify defect patterns to give list of defects &amp; solutions already occurred in past similar to the one in question for quick turnaround for developers.</a:t>
+              <a:t>To identify defect patterns to give list of defects &amp; solutions already occurred in past similar to the one in question for quick turnaround for developers.</a:t>
             </a:r>
           </a:p>
         </p:txBody>
@@ -33602,20 +33561,13 @@
     </p:spTree>
     <p:extLst>
       <p:ext uri="{BB962C8B-B14F-4D97-AF65-F5344CB8AC3E}">
-        <p14:creationId xmlns="" xmlns:p14="http://schemas.microsoft.com/office/powerpoint/2010/main" val="2725289697"/>
+        <p14:creationId xmlns:p14="http://schemas.microsoft.com/office/powerpoint/2010/main" val="2725289697"/>
       </p:ext>
     </p:extLst>
   </p:cSld>
   <p:clrMapOvr>
     <a:masterClrMapping/>
   </p:clrMapOvr>
-  <p:timing>
-    <p:tnLst>
-      <p:par>
-        <p:cTn id="1" dur="indefinite" restart="never" nodeType="tmRoot"/>
-      </p:par>
-    </p:tnLst>
-  </p:timing>
 </p:sld>
 </file>
 
@@ -33646,7 +33598,7 @@
           <p:cNvPr id="5" name="TextBox 4">
             <a:extLst>
               <a:ext uri="{FF2B5EF4-FFF2-40B4-BE49-F238E27FC236}">
-                <a16:creationId xmlns="" xmlns:a16="http://schemas.microsoft.com/office/drawing/2014/main" id="{83CC51E3-E419-4AB1-8316-5C2835430B1C}"/>
+                <a16:creationId xmlns:a16="http://schemas.microsoft.com/office/drawing/2014/main" id="{83CC51E3-E419-4AB1-8316-5C2835430B1C}"/>
               </a:ext>
             </a:extLst>
           </p:cNvPr>
@@ -33683,14 +33635,11 @@
           <a:lstStyle/>
           <a:p>
             <a:r>
-              <a:rPr lang="en-US" sz="1800" dirty="0" smtClean="0">
+              <a:rPr lang="en-US" sz="1800" dirty="0">
                 <a:latin typeface="+mn-lt"/>
               </a:rPr>
               <a:t>Technology Stack used</a:t>
             </a:r>
-            <a:endParaRPr lang="en-US" sz="1800" dirty="0">
-              <a:latin typeface="+mn-lt"/>
-            </a:endParaRPr>
           </a:p>
         </p:txBody>
       </p:sp>
@@ -33699,7 +33648,7 @@
           <p:cNvPr id="9" name="Rectangle 8">
             <a:extLst>
               <a:ext uri="{FF2B5EF4-FFF2-40B4-BE49-F238E27FC236}">
-                <a16:creationId xmlns="" xmlns:a16="http://schemas.microsoft.com/office/drawing/2014/main" id="{CCB79F84-A71F-4C90-A599-76F7E8C3FDCA}"/>
+                <a16:creationId xmlns:a16="http://schemas.microsoft.com/office/drawing/2014/main" id="{CCB79F84-A71F-4C90-A599-76F7E8C3FDCA}"/>
               </a:ext>
             </a:extLst>
           </p:cNvPr>
@@ -33738,7 +33687,7 @@
               <a:buAutoNum type="arabicPeriod"/>
             </a:pPr>
             <a:r>
-              <a:rPr lang="en-US" sz="1100" dirty="0" smtClean="0"/>
+              <a:rPr lang="en-US" sz="1100" dirty="0"/>
               <a:t>Python</a:t>
             </a:r>
           </a:p>
@@ -33748,7 +33697,7 @@
               <a:buAutoNum type="arabicPeriod"/>
             </a:pPr>
             <a:r>
-              <a:rPr lang="en-US" sz="1100" dirty="0" smtClean="0"/>
+              <a:rPr lang="en-US" sz="1100" dirty="0"/>
               <a:t>CSV files</a:t>
             </a:r>
           </a:p>
@@ -33758,7 +33707,7 @@
               <a:buAutoNum type="arabicPeriod"/>
             </a:pPr>
             <a:r>
-              <a:rPr lang="en-US" sz="1100" dirty="0" smtClean="0"/>
+              <a:rPr lang="en-US" sz="1100" dirty="0"/>
               <a:t>K-Means clustering algorithm</a:t>
             </a:r>
           </a:p>
@@ -33768,7 +33717,7 @@
               <a:buAutoNum type="arabicPeriod"/>
             </a:pPr>
             <a:r>
-              <a:rPr lang="en-US" sz="1100" dirty="0" smtClean="0"/>
+              <a:rPr lang="en-US" sz="1100" dirty="0"/>
               <a:t>Cognos Analytical Dashboard</a:t>
             </a:r>
           </a:p>
@@ -33778,7 +33727,7 @@
               <a:buAutoNum type="arabicPeriod"/>
             </a:pPr>
             <a:r>
-              <a:rPr lang="en-US" sz="1100" dirty="0" smtClean="0"/>
+              <a:rPr lang="en-US" sz="1100" dirty="0"/>
               <a:t>Natural Language Understanding</a:t>
             </a:r>
           </a:p>
@@ -33796,7 +33745,7 @@
           <p:cNvPr id="4" name="TextBox 3">
             <a:extLst>
               <a:ext uri="{FF2B5EF4-FFF2-40B4-BE49-F238E27FC236}">
-                <a16:creationId xmlns="" xmlns:a16="http://schemas.microsoft.com/office/drawing/2014/main" id="{83CC51E3-E419-4AB1-8316-5C2835430B1C}"/>
+                <a16:creationId xmlns:a16="http://schemas.microsoft.com/office/drawing/2014/main" id="{83CC51E3-E419-4AB1-8316-5C2835430B1C}"/>
               </a:ext>
             </a:extLst>
           </p:cNvPr>
@@ -33833,14 +33782,11 @@
           <a:lstStyle/>
           <a:p>
             <a:r>
-              <a:rPr lang="en-US" sz="1800" dirty="0" smtClean="0">
+              <a:rPr lang="en-US" sz="1800" dirty="0">
                 <a:latin typeface="+mn-lt"/>
               </a:rPr>
               <a:t>Describe your solution</a:t>
             </a:r>
-            <a:endParaRPr lang="en-US" sz="1800" dirty="0">
-              <a:latin typeface="+mn-lt"/>
-            </a:endParaRPr>
           </a:p>
         </p:txBody>
       </p:sp>
@@ -33849,7 +33795,7 @@
           <p:cNvPr id="6" name="Rectangle 5">
             <a:extLst>
               <a:ext uri="{FF2B5EF4-FFF2-40B4-BE49-F238E27FC236}">
-                <a16:creationId xmlns="" xmlns:a16="http://schemas.microsoft.com/office/drawing/2014/main" id="{CCB79F84-A71F-4C90-A599-76F7E8C3FDCA}"/>
+                <a16:creationId xmlns:a16="http://schemas.microsoft.com/office/drawing/2014/main" id="{CCB79F84-A71F-4C90-A599-76F7E8C3FDCA}"/>
               </a:ext>
             </a:extLst>
           </p:cNvPr>
@@ -33885,25 +33831,25 @@
           <a:p>
             <a:pPr lvl="0" algn="l"/>
             <a:r>
-              <a:rPr lang="en-US" sz="1100" b="1" dirty="0" smtClean="0"/>
+              <a:rPr lang="en-US" sz="1100" b="1" dirty="0"/>
               <a:t>Part A</a:t>
             </a:r>
             <a:r>
-              <a:rPr lang="en-US" sz="1100" dirty="0" smtClean="0"/>
+              <a:rPr lang="en-US" sz="1100" dirty="0"/>
               <a:t>: Reducing task for testers and developers, by introducing hotspots that can conclude the most affected modules. Which makes it easier for them to identify the higher priority testing modules. This will help both the testers and developers as the tester would know where and what to test and the developer would know which module is most affected and can work upon resolving it. It can be used for impact analysis after getting a requirement and makes it a lot easier for all. The data is refined and clusters are created using machine learning model which generates the output to be stored in .csv files. This output will be integrated with Cognos for visualization of the key hotspot areas and the modules to be worked upon. </a:t>
             </a:r>
           </a:p>
           <a:p>
             <a:pPr algn="l"/>
             <a:r>
-              <a:rPr lang="en-US" sz="1100" b="1" dirty="0" smtClean="0"/>
+              <a:rPr lang="en-US" sz="1100" b="1" dirty="0"/>
               <a:t>Part B</a:t>
             </a:r>
             <a:r>
-              <a:rPr lang="en-US" sz="1100" dirty="0" smtClean="0"/>
+              <a:rPr lang="en-US" sz="1100" dirty="0"/>
               <a:t>: The UI is provided with data description which is mainly text data, transformed using NLP tokenization (Bag of Words) for providing key data words like Outlook, Mail, Yahoo which can be configured under Mail related issues. This refined data is passed in the model to train it.</a:t>
             </a:r>
-            <a:endParaRPr lang="en-IN" sz="1100" dirty="0" smtClean="0"/>
+            <a:endParaRPr lang="en-IN" sz="1100" dirty="0"/>
           </a:p>
           <a:p>
             <a:pPr lvl="0"/>
@@ -33914,31 +33860,19 @@
     </p:spTree>
     <p:extLst>
       <p:ext uri="{BB962C8B-B14F-4D97-AF65-F5344CB8AC3E}">
-        <p14:creationId xmlns="" xmlns:p14="http://schemas.microsoft.com/office/powerpoint/2010/main" val="2675218721"/>
+        <p14:creationId xmlns:p14="http://schemas.microsoft.com/office/powerpoint/2010/main" val="2675218721"/>
       </p:ext>
     </p:extLst>
   </p:cSld>
   <p:clrMapOvr>
     <a:overrideClrMapping bg1="lt1" tx1="dk1" bg2="lt2" tx2="dk2" accent1="accent1" accent2="accent2" accent3="accent3" accent4="accent4" accent5="accent5" accent6="accent6" hlink="hlink" folHlink="folHlink"/>
   </p:clrMapOvr>
-  <p:timing>
-    <p:tnLst>
-      <p:par>
-        <p:cTn id="1" dur="indefinite" restart="never" nodeType="tmRoot"/>
-      </p:par>
-    </p:tnLst>
-  </p:timing>
 </p:sld>
 </file>
 
 <file path=ppt/slides/slide4.xml><?xml version="1.0" encoding="utf-8"?>
 <p:sld xmlns:a="http://schemas.openxmlformats.org/drawingml/2006/main" xmlns:r="http://schemas.openxmlformats.org/officeDocument/2006/relationships" xmlns:p="http://schemas.openxmlformats.org/presentationml/2006/main">
   <p:cSld>
-    <p:bg>
-      <p:bgRef idx="1001">
-        <a:schemeClr val="bg1"/>
-      </p:bgRef>
-    </p:bg>
     <p:spTree>
       <p:nvGrpSpPr>
         <p:cNvPr id="1" name=""/>
@@ -33958,7 +33892,7 @@
           <p:cNvPr id="4" name="TextBox 3">
             <a:extLst>
               <a:ext uri="{FF2B5EF4-FFF2-40B4-BE49-F238E27FC236}">
-                <a16:creationId xmlns="" xmlns:a16="http://schemas.microsoft.com/office/drawing/2014/main" id="{83CC51E3-E419-4AB1-8316-5C2835430B1C}"/>
+                <a16:creationId xmlns:a16="http://schemas.microsoft.com/office/drawing/2014/main" id="{83CC51E3-E419-4AB1-8316-5C2835430B1C}"/>
               </a:ext>
             </a:extLst>
           </p:cNvPr>
@@ -33995,14 +33929,11 @@
           <a:lstStyle/>
           <a:p>
             <a:r>
-              <a:rPr lang="en-US" sz="1800" dirty="0" smtClean="0">
+              <a:rPr lang="en-US" sz="1800" dirty="0">
                 <a:latin typeface="+mn-lt"/>
               </a:rPr>
               <a:t>Architecture</a:t>
             </a:r>
-            <a:endParaRPr lang="en-US" sz="1800" dirty="0">
-              <a:latin typeface="+mn-lt"/>
-            </a:endParaRPr>
           </a:p>
         </p:txBody>
       </p:sp>
@@ -34011,7 +33942,7 @@
           <p:cNvPr id="6" name="Rectangle 5">
             <a:extLst>
               <a:ext uri="{FF2B5EF4-FFF2-40B4-BE49-F238E27FC236}">
-                <a16:creationId xmlns="" xmlns:a16="http://schemas.microsoft.com/office/drawing/2014/main" id="{CCB79F84-A71F-4C90-A599-76F7E8C3FDCA}"/>
+                <a16:creationId xmlns:a16="http://schemas.microsoft.com/office/drawing/2014/main" id="{CCB79F84-A71F-4C90-A599-76F7E8C3FDCA}"/>
               </a:ext>
             </a:extLst>
           </p:cNvPr>
@@ -34020,7 +33951,7 @@
         </p:nvSpPr>
         <p:spPr>
           <a:xfrm>
-            <a:off x="533398" y="785735"/>
+            <a:off x="465104" y="707914"/>
             <a:ext cx="8067675" cy="3849639"/>
           </a:xfrm>
           <a:prstGeom prst="rect">
@@ -34029,13 +33960,13 @@
         </p:spPr>
         <p:style>
           <a:lnRef idx="2">
-            <a:schemeClr val="accent5"/>
+            <a:schemeClr val="accent3"/>
           </a:lnRef>
           <a:fillRef idx="1">
             <a:schemeClr val="lt1"/>
           </a:fillRef>
           <a:effectRef idx="0">
-            <a:schemeClr val="accent5"/>
+            <a:schemeClr val="accent3"/>
           </a:effectRef>
           <a:fontRef idx="minor">
             <a:schemeClr val="dk1"/>
@@ -34045,28 +33976,1050 @@
           <a:bodyPr rtlCol="0" anchor="t"/>
           <a:lstStyle/>
           <a:p>
-            <a:pPr lvl="0"/>
+            <a:pPr lvl="0" algn="l"/>
+            <a:r>
+              <a:rPr lang="en-IN" sz="1100" b="1" dirty="0"/>
+              <a:t>Identifying Defect Pattern:</a:t>
+            </a:r>
+          </a:p>
+          <a:p>
+            <a:pPr lvl="0" algn="l"/>
+            <a:r>
+              <a:rPr lang="en-IN" sz="1100" b="1" dirty="0"/>
+              <a:t>Part A: </a:t>
+            </a:r>
+          </a:p>
+          <a:p>
+            <a:pPr lvl="0" algn="l"/>
             <a:endParaRPr lang="en-IN" sz="1100" dirty="0"/>
+          </a:p>
+          <a:p>
+            <a:pPr lvl="0" algn="l"/>
+            <a:endParaRPr lang="en-IN" sz="1100" dirty="0"/>
+          </a:p>
+          <a:p>
+            <a:pPr lvl="0" algn="l"/>
+            <a:endParaRPr lang="en-IN" sz="1100" dirty="0"/>
+          </a:p>
+          <a:p>
+            <a:pPr lvl="0" algn="l"/>
+            <a:endParaRPr lang="en-IN" sz="1100" dirty="0"/>
+          </a:p>
+          <a:p>
+            <a:pPr lvl="0" algn="l"/>
+            <a:endParaRPr lang="en-IN" sz="1100" dirty="0"/>
+          </a:p>
+          <a:p>
+            <a:pPr lvl="0" algn="l"/>
+            <a:endParaRPr lang="en-IN" sz="1100" dirty="0"/>
+          </a:p>
+          <a:p>
+            <a:pPr lvl="0" algn="l"/>
+            <a:endParaRPr lang="en-IN" sz="1100" dirty="0"/>
+          </a:p>
+          <a:p>
+            <a:pPr lvl="0" algn="l"/>
+            <a:r>
+              <a:rPr lang="en-IN" sz="1100" b="1" dirty="0"/>
+              <a:t>Part B:</a:t>
+            </a:r>
+          </a:p>
+          <a:p>
+            <a:pPr lvl="0" algn="l"/>
+            <a:endParaRPr lang="en-IN" sz="1100" b="1" dirty="0"/>
+          </a:p>
+        </p:txBody>
+      </p:sp>
+      <p:sp>
+        <p:nvSpPr>
+          <p:cNvPr id="3" name="Rectangle 2"/>
+          <p:cNvSpPr/>
+          <p:nvPr/>
+        </p:nvSpPr>
+        <p:spPr>
+          <a:xfrm>
+            <a:off x="661482" y="1177047"/>
+            <a:ext cx="1245142" cy="749030"/>
+          </a:xfrm>
+          <a:prstGeom prst="rect">
+            <a:avLst/>
+          </a:prstGeom>
+        </p:spPr>
+        <p:style>
+          <a:lnRef idx="2">
+            <a:schemeClr val="accent6"/>
+          </a:lnRef>
+          <a:fillRef idx="1">
+            <a:schemeClr val="lt1"/>
+          </a:fillRef>
+          <a:effectRef idx="0">
+            <a:schemeClr val="accent6"/>
+          </a:effectRef>
+          <a:fontRef idx="minor">
+            <a:schemeClr val="dk1"/>
+          </a:fontRef>
+        </p:style>
+        <p:txBody>
+          <a:bodyPr rtlCol="0" anchor="ctr"/>
+          <a:lstStyle/>
+          <a:p>
+            <a:pPr algn="ctr"/>
+            <a:r>
+              <a:rPr lang="en-US" dirty="0"/>
+              <a:t>Collate Input Dataset</a:t>
+            </a:r>
+          </a:p>
+          <a:p>
+            <a:pPr algn="ctr"/>
+            <a:r>
+              <a:rPr lang="en-US" dirty="0"/>
+              <a:t>(Defect Summary)</a:t>
+            </a:r>
+          </a:p>
+        </p:txBody>
+      </p:sp>
+      <p:sp>
+        <p:nvSpPr>
+          <p:cNvPr id="5" name="Right Arrow 4"/>
+          <p:cNvSpPr/>
+          <p:nvPr/>
+        </p:nvSpPr>
+        <p:spPr>
+          <a:xfrm>
+            <a:off x="1914729" y="1488332"/>
+            <a:ext cx="340468" cy="175098"/>
+          </a:xfrm>
+          <a:prstGeom prst="rightArrow">
+            <a:avLst/>
+          </a:prstGeom>
+        </p:spPr>
+        <p:style>
+          <a:lnRef idx="2">
+            <a:schemeClr val="dk1">
+              <a:shade val="50000"/>
+            </a:schemeClr>
+          </a:lnRef>
+          <a:fillRef idx="1">
+            <a:schemeClr val="dk1"/>
+          </a:fillRef>
+          <a:effectRef idx="0">
+            <a:schemeClr val="dk1"/>
+          </a:effectRef>
+          <a:fontRef idx="minor">
+            <a:schemeClr val="lt1"/>
+          </a:fontRef>
+        </p:style>
+        <p:txBody>
+          <a:bodyPr rtlCol="0" anchor="ctr"/>
+          <a:lstStyle/>
+          <a:p>
+            <a:pPr algn="ctr"/>
+            <a:endParaRPr lang="en-US"/>
+          </a:p>
+        </p:txBody>
+      </p:sp>
+      <p:sp>
+        <p:nvSpPr>
+          <p:cNvPr id="7" name="Rectangle 6"/>
+          <p:cNvSpPr/>
+          <p:nvPr/>
+        </p:nvSpPr>
+        <p:spPr>
+          <a:xfrm>
+            <a:off x="2255197" y="1177047"/>
+            <a:ext cx="1031131" cy="749030"/>
+          </a:xfrm>
+          <a:prstGeom prst="rect">
+            <a:avLst/>
+          </a:prstGeom>
+        </p:spPr>
+        <p:style>
+          <a:lnRef idx="2">
+            <a:schemeClr val="accent6"/>
+          </a:lnRef>
+          <a:fillRef idx="1">
+            <a:schemeClr val="lt1"/>
+          </a:fillRef>
+          <a:effectRef idx="0">
+            <a:schemeClr val="accent6"/>
+          </a:effectRef>
+          <a:fontRef idx="minor">
+            <a:schemeClr val="dk1"/>
+          </a:fontRef>
+        </p:style>
+        <p:txBody>
+          <a:bodyPr rtlCol="0" anchor="ctr"/>
+          <a:lstStyle/>
+          <a:p>
+            <a:pPr algn="ctr"/>
+            <a:r>
+              <a:rPr lang="en-US" dirty="0"/>
+              <a:t>Process/Train Data &amp; Upload Sample File</a:t>
+            </a:r>
+          </a:p>
+        </p:txBody>
+      </p:sp>
+      <p:sp>
+        <p:nvSpPr>
+          <p:cNvPr id="8" name="Right Arrow 7"/>
+          <p:cNvSpPr/>
+          <p:nvPr/>
+        </p:nvSpPr>
+        <p:spPr>
+          <a:xfrm>
+            <a:off x="3294433" y="1488332"/>
+            <a:ext cx="340468" cy="175098"/>
+          </a:xfrm>
+          <a:prstGeom prst="rightArrow">
+            <a:avLst/>
+          </a:prstGeom>
+        </p:spPr>
+        <p:style>
+          <a:lnRef idx="2">
+            <a:schemeClr val="dk1">
+              <a:shade val="50000"/>
+            </a:schemeClr>
+          </a:lnRef>
+          <a:fillRef idx="1">
+            <a:schemeClr val="dk1"/>
+          </a:fillRef>
+          <a:effectRef idx="0">
+            <a:schemeClr val="dk1"/>
+          </a:effectRef>
+          <a:fontRef idx="minor">
+            <a:schemeClr val="lt1"/>
+          </a:fontRef>
+        </p:style>
+        <p:txBody>
+          <a:bodyPr rtlCol="0" anchor="ctr"/>
+          <a:lstStyle/>
+          <a:p>
+            <a:pPr algn="ctr"/>
+            <a:endParaRPr lang="en-US"/>
+          </a:p>
+        </p:txBody>
+      </p:sp>
+      <p:sp>
+        <p:nvSpPr>
+          <p:cNvPr id="9" name="Rectangle 8"/>
+          <p:cNvSpPr/>
+          <p:nvPr/>
+        </p:nvSpPr>
+        <p:spPr>
+          <a:xfrm>
+            <a:off x="3643006" y="1173287"/>
+            <a:ext cx="1151911" cy="752790"/>
+          </a:xfrm>
+          <a:prstGeom prst="rect">
+            <a:avLst/>
+          </a:prstGeom>
+        </p:spPr>
+        <p:style>
+          <a:lnRef idx="2">
+            <a:schemeClr val="accent6"/>
+          </a:lnRef>
+          <a:fillRef idx="1">
+            <a:schemeClr val="lt1"/>
+          </a:fillRef>
+          <a:effectRef idx="0">
+            <a:schemeClr val="accent6"/>
+          </a:effectRef>
+          <a:fontRef idx="minor">
+            <a:schemeClr val="dk1"/>
+          </a:fontRef>
+        </p:style>
+        <p:txBody>
+          <a:bodyPr rtlCol="0" anchor="ctr"/>
+          <a:lstStyle/>
+          <a:p>
+            <a:pPr algn="ctr"/>
+            <a:r>
+              <a:rPr lang="en-US" dirty="0"/>
+              <a:t>Create Model with NLTK + Linear SVC Algorithm</a:t>
+            </a:r>
+          </a:p>
+        </p:txBody>
+      </p:sp>
+      <p:sp>
+        <p:nvSpPr>
+          <p:cNvPr id="10" name="Right Arrow 9"/>
+          <p:cNvSpPr/>
+          <p:nvPr/>
+        </p:nvSpPr>
+        <p:spPr>
+          <a:xfrm>
+            <a:off x="4794917" y="1488332"/>
+            <a:ext cx="340468" cy="175098"/>
+          </a:xfrm>
+          <a:prstGeom prst="rightArrow">
+            <a:avLst/>
+          </a:prstGeom>
+        </p:spPr>
+        <p:style>
+          <a:lnRef idx="2">
+            <a:schemeClr val="dk1">
+              <a:shade val="50000"/>
+            </a:schemeClr>
+          </a:lnRef>
+          <a:fillRef idx="1">
+            <a:schemeClr val="dk1"/>
+          </a:fillRef>
+          <a:effectRef idx="0">
+            <a:schemeClr val="dk1"/>
+          </a:effectRef>
+          <a:fontRef idx="minor">
+            <a:schemeClr val="lt1"/>
+          </a:fontRef>
+        </p:style>
+        <p:txBody>
+          <a:bodyPr rtlCol="0" anchor="ctr"/>
+          <a:lstStyle/>
+          <a:p>
+            <a:pPr algn="ctr"/>
+            <a:endParaRPr lang="en-US"/>
+          </a:p>
+        </p:txBody>
+      </p:sp>
+      <p:sp>
+        <p:nvSpPr>
+          <p:cNvPr id="11" name="Rectangle 10"/>
+          <p:cNvSpPr/>
+          <p:nvPr/>
+        </p:nvSpPr>
+        <p:spPr>
+          <a:xfrm>
+            <a:off x="6531299" y="1173287"/>
+            <a:ext cx="1163279" cy="752790"/>
+          </a:xfrm>
+          <a:prstGeom prst="rect">
+            <a:avLst/>
+          </a:prstGeom>
+        </p:spPr>
+        <p:style>
+          <a:lnRef idx="2">
+            <a:schemeClr val="accent6"/>
+          </a:lnRef>
+          <a:fillRef idx="1">
+            <a:schemeClr val="lt1"/>
+          </a:fillRef>
+          <a:effectRef idx="0">
+            <a:schemeClr val="accent6"/>
+          </a:effectRef>
+          <a:fontRef idx="minor">
+            <a:schemeClr val="dk1"/>
+          </a:fontRef>
+        </p:style>
+        <p:txBody>
+          <a:bodyPr rtlCol="0" anchor="ctr"/>
+          <a:lstStyle/>
+          <a:p>
+            <a:pPr algn="ctr"/>
+            <a:r>
+              <a:rPr lang="en-US" dirty="0"/>
+              <a:t>Navigate to Dashboard and Check Visualization</a:t>
+            </a:r>
+          </a:p>
+        </p:txBody>
+      </p:sp>
+      <p:sp>
+        <p:nvSpPr>
+          <p:cNvPr id="17" name="Right Arrow 16"/>
+          <p:cNvSpPr/>
+          <p:nvPr/>
+        </p:nvSpPr>
+        <p:spPr>
+          <a:xfrm>
+            <a:off x="6177064" y="1488332"/>
+            <a:ext cx="340468" cy="175098"/>
+          </a:xfrm>
+          <a:prstGeom prst="rightArrow">
+            <a:avLst/>
+          </a:prstGeom>
+        </p:spPr>
+        <p:style>
+          <a:lnRef idx="2">
+            <a:schemeClr val="dk1">
+              <a:shade val="50000"/>
+            </a:schemeClr>
+          </a:lnRef>
+          <a:fillRef idx="1">
+            <a:schemeClr val="dk1"/>
+          </a:fillRef>
+          <a:effectRef idx="0">
+            <a:schemeClr val="dk1"/>
+          </a:effectRef>
+          <a:fontRef idx="minor">
+            <a:schemeClr val="lt1"/>
+          </a:fontRef>
+        </p:style>
+        <p:txBody>
+          <a:bodyPr rtlCol="0" anchor="ctr"/>
+          <a:lstStyle/>
+          <a:p>
+            <a:pPr algn="ctr"/>
+            <a:endParaRPr lang="en-US"/>
+          </a:p>
+        </p:txBody>
+      </p:sp>
+      <p:sp>
+        <p:nvSpPr>
+          <p:cNvPr id="18" name="Rectangle 17"/>
+          <p:cNvSpPr/>
+          <p:nvPr/>
+        </p:nvSpPr>
+        <p:spPr>
+          <a:xfrm>
+            <a:off x="669587" y="2619245"/>
+            <a:ext cx="867383" cy="622570"/>
+          </a:xfrm>
+          <a:prstGeom prst="rect">
+            <a:avLst/>
+          </a:prstGeom>
+        </p:spPr>
+        <p:style>
+          <a:lnRef idx="2">
+            <a:schemeClr val="accent6"/>
+          </a:lnRef>
+          <a:fillRef idx="1">
+            <a:schemeClr val="lt1"/>
+          </a:fillRef>
+          <a:effectRef idx="0">
+            <a:schemeClr val="accent6"/>
+          </a:effectRef>
+          <a:fontRef idx="minor">
+            <a:schemeClr val="dk1"/>
+          </a:fontRef>
+        </p:style>
+        <p:txBody>
+          <a:bodyPr rtlCol="0" anchor="ctr"/>
+          <a:lstStyle/>
+          <a:p>
+            <a:pPr algn="ctr"/>
+            <a:r>
+              <a:rPr lang="en-US" dirty="0"/>
+              <a:t>Collate Data</a:t>
+            </a:r>
+          </a:p>
+        </p:txBody>
+      </p:sp>
+      <p:sp>
+        <p:nvSpPr>
+          <p:cNvPr id="19" name="Rectangle 18"/>
+          <p:cNvSpPr/>
+          <p:nvPr/>
+        </p:nvSpPr>
+        <p:spPr>
+          <a:xfrm>
+            <a:off x="5135385" y="1173287"/>
+            <a:ext cx="1041679" cy="752790"/>
+          </a:xfrm>
+          <a:prstGeom prst="rect">
+            <a:avLst/>
+          </a:prstGeom>
+        </p:spPr>
+        <p:style>
+          <a:lnRef idx="2">
+            <a:schemeClr val="accent6"/>
+          </a:lnRef>
+          <a:fillRef idx="1">
+            <a:schemeClr val="lt1"/>
+          </a:fillRef>
+          <a:effectRef idx="0">
+            <a:schemeClr val="accent6"/>
+          </a:effectRef>
+          <a:fontRef idx="minor">
+            <a:schemeClr val="dk1"/>
+          </a:fontRef>
+        </p:style>
+        <p:txBody>
+          <a:bodyPr rtlCol="0" anchor="ctr"/>
+          <a:lstStyle/>
+          <a:p>
+            <a:pPr algn="ctr"/>
+            <a:r>
+              <a:rPr lang="en-US" dirty="0"/>
+              <a:t>Get Output and Store in .CSV file</a:t>
+            </a:r>
+          </a:p>
+        </p:txBody>
+      </p:sp>
+      <p:sp>
+        <p:nvSpPr>
+          <p:cNvPr id="20" name="Right Arrow 19"/>
+          <p:cNvSpPr/>
+          <p:nvPr/>
+        </p:nvSpPr>
+        <p:spPr>
+          <a:xfrm>
+            <a:off x="1536970" y="2847845"/>
+            <a:ext cx="282102" cy="165370"/>
+          </a:xfrm>
+          <a:prstGeom prst="rightArrow">
+            <a:avLst/>
+          </a:prstGeom>
+        </p:spPr>
+        <p:style>
+          <a:lnRef idx="2">
+            <a:schemeClr val="dk1">
+              <a:shade val="50000"/>
+            </a:schemeClr>
+          </a:lnRef>
+          <a:fillRef idx="1">
+            <a:schemeClr val="dk1"/>
+          </a:fillRef>
+          <a:effectRef idx="0">
+            <a:schemeClr val="dk1"/>
+          </a:effectRef>
+          <a:fontRef idx="minor">
+            <a:schemeClr val="lt1"/>
+          </a:fontRef>
+        </p:style>
+        <p:txBody>
+          <a:bodyPr rtlCol="0" anchor="ctr"/>
+          <a:lstStyle/>
+          <a:p>
+            <a:pPr algn="ctr"/>
+            <a:endParaRPr lang="en-US"/>
+          </a:p>
+        </p:txBody>
+      </p:sp>
+      <p:sp>
+        <p:nvSpPr>
+          <p:cNvPr id="21" name="Rectangle 20"/>
+          <p:cNvSpPr/>
+          <p:nvPr/>
+        </p:nvSpPr>
+        <p:spPr>
+          <a:xfrm>
+            <a:off x="1819072" y="2619245"/>
+            <a:ext cx="951690" cy="622570"/>
+          </a:xfrm>
+          <a:prstGeom prst="rect">
+            <a:avLst/>
+          </a:prstGeom>
+        </p:spPr>
+        <p:style>
+          <a:lnRef idx="2">
+            <a:schemeClr val="accent6"/>
+          </a:lnRef>
+          <a:fillRef idx="1">
+            <a:schemeClr val="lt1"/>
+          </a:fillRef>
+          <a:effectRef idx="0">
+            <a:schemeClr val="accent6"/>
+          </a:effectRef>
+          <a:fontRef idx="minor">
+            <a:schemeClr val="dk1"/>
+          </a:fontRef>
+        </p:style>
+        <p:txBody>
+          <a:bodyPr rtlCol="0" anchor="ctr"/>
+          <a:lstStyle/>
+          <a:p>
+            <a:pPr algn="ctr"/>
+            <a:r>
+              <a:rPr lang="en-US" dirty="0"/>
+              <a:t>Process Data using NLP</a:t>
+            </a:r>
+          </a:p>
+        </p:txBody>
+      </p:sp>
+      <p:sp>
+        <p:nvSpPr>
+          <p:cNvPr id="22" name="Right Arrow 21"/>
+          <p:cNvSpPr/>
+          <p:nvPr/>
+        </p:nvSpPr>
+        <p:spPr>
+          <a:xfrm>
+            <a:off x="2770762" y="2847845"/>
+            <a:ext cx="303178" cy="165370"/>
+          </a:xfrm>
+          <a:prstGeom prst="rightArrow">
+            <a:avLst/>
+          </a:prstGeom>
+        </p:spPr>
+        <p:style>
+          <a:lnRef idx="2">
+            <a:schemeClr val="dk1">
+              <a:shade val="50000"/>
+            </a:schemeClr>
+          </a:lnRef>
+          <a:fillRef idx="1">
+            <a:schemeClr val="dk1"/>
+          </a:fillRef>
+          <a:effectRef idx="0">
+            <a:schemeClr val="dk1"/>
+          </a:effectRef>
+          <a:fontRef idx="minor">
+            <a:schemeClr val="lt1"/>
+          </a:fontRef>
+        </p:style>
+        <p:txBody>
+          <a:bodyPr rtlCol="0" anchor="ctr"/>
+          <a:lstStyle/>
+          <a:p>
+            <a:pPr algn="ctr"/>
+            <a:endParaRPr lang="en-US"/>
+          </a:p>
+        </p:txBody>
+      </p:sp>
+      <p:sp>
+        <p:nvSpPr>
+          <p:cNvPr id="23" name="Rectangle 22"/>
+          <p:cNvSpPr/>
+          <p:nvPr/>
+        </p:nvSpPr>
+        <p:spPr>
+          <a:xfrm>
+            <a:off x="3073940" y="2619245"/>
+            <a:ext cx="936272" cy="622570"/>
+          </a:xfrm>
+          <a:prstGeom prst="rect">
+            <a:avLst/>
+          </a:prstGeom>
+        </p:spPr>
+        <p:style>
+          <a:lnRef idx="2">
+            <a:schemeClr val="accent6"/>
+          </a:lnRef>
+          <a:fillRef idx="1">
+            <a:schemeClr val="lt1"/>
+          </a:fillRef>
+          <a:effectRef idx="0">
+            <a:schemeClr val="accent6"/>
+          </a:effectRef>
+          <a:fontRef idx="minor">
+            <a:schemeClr val="dk1"/>
+          </a:fontRef>
+        </p:style>
+        <p:txBody>
+          <a:bodyPr rtlCol="0" anchor="ctr"/>
+          <a:lstStyle/>
+          <a:p>
+            <a:pPr algn="ctr"/>
+            <a:r>
+              <a:rPr lang="en-US" dirty="0"/>
+              <a:t>Refined Textual Data</a:t>
+            </a:r>
+          </a:p>
+        </p:txBody>
+      </p:sp>
+      <p:sp>
+        <p:nvSpPr>
+          <p:cNvPr id="24" name="Right Arrow 23"/>
+          <p:cNvSpPr/>
+          <p:nvPr/>
+        </p:nvSpPr>
+        <p:spPr>
+          <a:xfrm>
+            <a:off x="4010213" y="2847845"/>
+            <a:ext cx="303178" cy="165370"/>
+          </a:xfrm>
+          <a:prstGeom prst="rightArrow">
+            <a:avLst/>
+          </a:prstGeom>
+        </p:spPr>
+        <p:style>
+          <a:lnRef idx="2">
+            <a:schemeClr val="dk1">
+              <a:shade val="50000"/>
+            </a:schemeClr>
+          </a:lnRef>
+          <a:fillRef idx="1">
+            <a:schemeClr val="dk1"/>
+          </a:fillRef>
+          <a:effectRef idx="0">
+            <a:schemeClr val="dk1"/>
+          </a:effectRef>
+          <a:fontRef idx="minor">
+            <a:schemeClr val="lt1"/>
+          </a:fontRef>
+        </p:style>
+        <p:txBody>
+          <a:bodyPr rtlCol="0" anchor="ctr"/>
+          <a:lstStyle/>
+          <a:p>
+            <a:pPr algn="ctr"/>
+            <a:endParaRPr lang="en-US"/>
+          </a:p>
+        </p:txBody>
+      </p:sp>
+      <p:sp>
+        <p:nvSpPr>
+          <p:cNvPr id="25" name="Rectangle 24"/>
+          <p:cNvSpPr/>
+          <p:nvPr/>
+        </p:nvSpPr>
+        <p:spPr>
+          <a:xfrm>
+            <a:off x="4313390" y="2619245"/>
+            <a:ext cx="821995" cy="622570"/>
+          </a:xfrm>
+          <a:prstGeom prst="rect">
+            <a:avLst/>
+          </a:prstGeom>
+        </p:spPr>
+        <p:style>
+          <a:lnRef idx="2">
+            <a:schemeClr val="accent6"/>
+          </a:lnRef>
+          <a:fillRef idx="1">
+            <a:schemeClr val="lt1"/>
+          </a:fillRef>
+          <a:effectRef idx="0">
+            <a:schemeClr val="accent6"/>
+          </a:effectRef>
+          <a:fontRef idx="minor">
+            <a:schemeClr val="dk1"/>
+          </a:fontRef>
+        </p:style>
+        <p:txBody>
+          <a:bodyPr rtlCol="0" anchor="ctr"/>
+          <a:lstStyle/>
+          <a:p>
+            <a:pPr algn="ctr"/>
+            <a:r>
+              <a:rPr lang="en-US" dirty="0"/>
+              <a:t>Pass Data and Train Model</a:t>
+            </a:r>
+          </a:p>
+        </p:txBody>
+      </p:sp>
+      <p:sp>
+        <p:nvSpPr>
+          <p:cNvPr id="26" name="Right Arrow 25"/>
+          <p:cNvSpPr/>
+          <p:nvPr/>
+        </p:nvSpPr>
+        <p:spPr>
+          <a:xfrm>
+            <a:off x="5135386" y="2847845"/>
+            <a:ext cx="303178" cy="165370"/>
+          </a:xfrm>
+          <a:prstGeom prst="rightArrow">
+            <a:avLst/>
+          </a:prstGeom>
+        </p:spPr>
+        <p:style>
+          <a:lnRef idx="2">
+            <a:schemeClr val="dk1">
+              <a:shade val="50000"/>
+            </a:schemeClr>
+          </a:lnRef>
+          <a:fillRef idx="1">
+            <a:schemeClr val="dk1"/>
+          </a:fillRef>
+          <a:effectRef idx="0">
+            <a:schemeClr val="dk1"/>
+          </a:effectRef>
+          <a:fontRef idx="minor">
+            <a:schemeClr val="lt1"/>
+          </a:fontRef>
+        </p:style>
+        <p:txBody>
+          <a:bodyPr rtlCol="0" anchor="ctr"/>
+          <a:lstStyle/>
+          <a:p>
+            <a:pPr algn="ctr"/>
+            <a:endParaRPr lang="en-US"/>
+          </a:p>
+        </p:txBody>
+      </p:sp>
+      <p:sp>
+        <p:nvSpPr>
+          <p:cNvPr id="27" name="Rectangle 26"/>
+          <p:cNvSpPr/>
+          <p:nvPr/>
+        </p:nvSpPr>
+        <p:spPr>
+          <a:xfrm>
+            <a:off x="5438564" y="2619245"/>
+            <a:ext cx="1092735" cy="622570"/>
+          </a:xfrm>
+          <a:prstGeom prst="rect">
+            <a:avLst/>
+          </a:prstGeom>
+        </p:spPr>
+        <p:style>
+          <a:lnRef idx="2">
+            <a:schemeClr val="accent6"/>
+          </a:lnRef>
+          <a:fillRef idx="1">
+            <a:schemeClr val="lt1"/>
+          </a:fillRef>
+          <a:effectRef idx="0">
+            <a:schemeClr val="accent6"/>
+          </a:effectRef>
+          <a:fontRef idx="minor">
+            <a:schemeClr val="dk1"/>
+          </a:fontRef>
+        </p:style>
+        <p:txBody>
+          <a:bodyPr rtlCol="0" anchor="ctr"/>
+          <a:lstStyle/>
+          <a:p>
+            <a:pPr algn="ctr"/>
+            <a:r>
+              <a:rPr lang="en-US" dirty="0"/>
+              <a:t>Generate Pickle file and Pass Test Data</a:t>
+            </a:r>
+          </a:p>
+        </p:txBody>
+      </p:sp>
+      <p:sp>
+        <p:nvSpPr>
+          <p:cNvPr id="28" name="Right Arrow 27"/>
+          <p:cNvSpPr/>
+          <p:nvPr/>
+        </p:nvSpPr>
+        <p:spPr>
+          <a:xfrm>
+            <a:off x="6531299" y="2847845"/>
+            <a:ext cx="278063" cy="165370"/>
+          </a:xfrm>
+          <a:prstGeom prst="rightArrow">
+            <a:avLst/>
+          </a:prstGeom>
+        </p:spPr>
+        <p:style>
+          <a:lnRef idx="2">
+            <a:schemeClr val="dk1">
+              <a:shade val="50000"/>
+            </a:schemeClr>
+          </a:lnRef>
+          <a:fillRef idx="1">
+            <a:schemeClr val="dk1"/>
+          </a:fillRef>
+          <a:effectRef idx="0">
+            <a:schemeClr val="dk1"/>
+          </a:effectRef>
+          <a:fontRef idx="minor">
+            <a:schemeClr val="lt1"/>
+          </a:fontRef>
+        </p:style>
+        <p:txBody>
+          <a:bodyPr rtlCol="0" anchor="ctr"/>
+          <a:lstStyle/>
+          <a:p>
+            <a:pPr algn="ctr"/>
+            <a:endParaRPr lang="en-US"/>
+          </a:p>
+        </p:txBody>
+      </p:sp>
+      <p:sp>
+        <p:nvSpPr>
+          <p:cNvPr id="29" name="Rectangle 28"/>
+          <p:cNvSpPr/>
+          <p:nvPr/>
+        </p:nvSpPr>
+        <p:spPr>
+          <a:xfrm>
+            <a:off x="6809362" y="2619245"/>
+            <a:ext cx="972766" cy="622570"/>
+          </a:xfrm>
+          <a:prstGeom prst="rect">
+            <a:avLst/>
+          </a:prstGeom>
+        </p:spPr>
+        <p:style>
+          <a:lnRef idx="2">
+            <a:schemeClr val="accent6"/>
+          </a:lnRef>
+          <a:fillRef idx="1">
+            <a:schemeClr val="lt1"/>
+          </a:fillRef>
+          <a:effectRef idx="0">
+            <a:schemeClr val="accent6"/>
+          </a:effectRef>
+          <a:fontRef idx="minor">
+            <a:schemeClr val="dk1"/>
+          </a:fontRef>
+        </p:style>
+        <p:txBody>
+          <a:bodyPr rtlCol="0" anchor="ctr"/>
+          <a:lstStyle/>
+          <a:p>
+            <a:pPr algn="ctr"/>
+            <a:r>
+              <a:rPr lang="en-US" dirty="0"/>
+              <a:t>Navigate to Project</a:t>
+            </a:r>
+          </a:p>
+        </p:txBody>
+      </p:sp>
+      <p:sp>
+        <p:nvSpPr>
+          <p:cNvPr id="30" name="Down Arrow 29"/>
+          <p:cNvSpPr/>
+          <p:nvPr/>
+        </p:nvSpPr>
+        <p:spPr>
+          <a:xfrm>
+            <a:off x="7203332" y="3241815"/>
+            <a:ext cx="184826" cy="337964"/>
+          </a:xfrm>
+          <a:prstGeom prst="downArrow">
+            <a:avLst/>
+          </a:prstGeom>
+        </p:spPr>
+        <p:style>
+          <a:lnRef idx="2">
+            <a:schemeClr val="dk1">
+              <a:shade val="50000"/>
+            </a:schemeClr>
+          </a:lnRef>
+          <a:fillRef idx="1">
+            <a:schemeClr val="dk1"/>
+          </a:fillRef>
+          <a:effectRef idx="0">
+            <a:schemeClr val="dk1"/>
+          </a:effectRef>
+          <a:fontRef idx="minor">
+            <a:schemeClr val="lt1"/>
+          </a:fontRef>
+        </p:style>
+        <p:txBody>
+          <a:bodyPr rtlCol="0" anchor="ctr"/>
+          <a:lstStyle/>
+          <a:p>
+            <a:pPr algn="ctr"/>
+            <a:endParaRPr lang="en-US"/>
+          </a:p>
+        </p:txBody>
+      </p:sp>
+      <p:sp>
+        <p:nvSpPr>
+          <p:cNvPr id="31" name="Rectangle 30"/>
+          <p:cNvSpPr/>
+          <p:nvPr/>
+        </p:nvSpPr>
+        <p:spPr>
+          <a:xfrm>
+            <a:off x="6809362" y="3579779"/>
+            <a:ext cx="972766" cy="573932"/>
+          </a:xfrm>
+          <a:prstGeom prst="rect">
+            <a:avLst/>
+          </a:prstGeom>
+        </p:spPr>
+        <p:style>
+          <a:lnRef idx="2">
+            <a:schemeClr val="accent6"/>
+          </a:lnRef>
+          <a:fillRef idx="1">
+            <a:schemeClr val="lt1"/>
+          </a:fillRef>
+          <a:effectRef idx="0">
+            <a:schemeClr val="accent6"/>
+          </a:effectRef>
+          <a:fontRef idx="minor">
+            <a:schemeClr val="dk1"/>
+          </a:fontRef>
+        </p:style>
+        <p:txBody>
+          <a:bodyPr rtlCol="0" anchor="ctr"/>
+          <a:lstStyle/>
+          <a:p>
+            <a:pPr algn="ctr"/>
+            <a:r>
+              <a:rPr lang="en-US" dirty="0"/>
+              <a:t>Select predicted_out.csv</a:t>
+            </a:r>
+          </a:p>
+        </p:txBody>
+      </p:sp>
+      <p:sp>
+        <p:nvSpPr>
+          <p:cNvPr id="32" name="Right Arrow 31"/>
+          <p:cNvSpPr/>
+          <p:nvPr/>
+        </p:nvSpPr>
+        <p:spPr>
+          <a:xfrm rot="10800000">
+            <a:off x="6517532" y="3786492"/>
+            <a:ext cx="291830" cy="160506"/>
+          </a:xfrm>
+          <a:prstGeom prst="rightArrow">
+            <a:avLst/>
+          </a:prstGeom>
+        </p:spPr>
+        <p:style>
+          <a:lnRef idx="2">
+            <a:schemeClr val="dk1">
+              <a:shade val="50000"/>
+            </a:schemeClr>
+          </a:lnRef>
+          <a:fillRef idx="1">
+            <a:schemeClr val="dk1"/>
+          </a:fillRef>
+          <a:effectRef idx="0">
+            <a:schemeClr val="dk1"/>
+          </a:effectRef>
+          <a:fontRef idx="minor">
+            <a:schemeClr val="lt1"/>
+          </a:fontRef>
+        </p:style>
+        <p:txBody>
+          <a:bodyPr rtlCol="0" anchor="ctr"/>
+          <a:lstStyle/>
+          <a:p>
+            <a:pPr algn="ctr"/>
+            <a:endParaRPr lang="en-US"/>
+          </a:p>
+        </p:txBody>
+      </p:sp>
+      <p:sp>
+        <p:nvSpPr>
+          <p:cNvPr id="33" name="Rectangle 32"/>
+          <p:cNvSpPr/>
+          <p:nvPr/>
+        </p:nvSpPr>
+        <p:spPr>
+          <a:xfrm>
+            <a:off x="5438564" y="3579779"/>
+            <a:ext cx="1078967" cy="573932"/>
+          </a:xfrm>
+          <a:prstGeom prst="rect">
+            <a:avLst/>
+          </a:prstGeom>
+        </p:spPr>
+        <p:style>
+          <a:lnRef idx="2">
+            <a:schemeClr val="accent6"/>
+          </a:lnRef>
+          <a:fillRef idx="1">
+            <a:schemeClr val="lt1"/>
+          </a:fillRef>
+          <a:effectRef idx="0">
+            <a:schemeClr val="accent6"/>
+          </a:effectRef>
+          <a:fontRef idx="minor">
+            <a:schemeClr val="dk1"/>
+          </a:fontRef>
+        </p:style>
+        <p:txBody>
+          <a:bodyPr rtlCol="0" anchor="ctr"/>
+          <a:lstStyle/>
+          <a:p>
+            <a:pPr algn="ctr"/>
+            <a:r>
+              <a:rPr lang="en-US" dirty="0"/>
+              <a:t>Resolutions displayed</a:t>
+            </a:r>
           </a:p>
         </p:txBody>
       </p:sp>
     </p:spTree>
     <p:extLst>
       <p:ext uri="{BB962C8B-B14F-4D97-AF65-F5344CB8AC3E}">
-        <p14:creationId xmlns="" xmlns:p14="http://schemas.microsoft.com/office/powerpoint/2010/main" val="2675218721"/>
+        <p14:creationId xmlns:p14="http://schemas.microsoft.com/office/powerpoint/2010/main" val="3565653544"/>
       </p:ext>
     </p:extLst>
   </p:cSld>
   <p:clrMapOvr>
-    <a:overrideClrMapping bg1="lt1" tx1="dk1" bg2="lt2" tx2="dk2" accent1="accent1" accent2="accent2" accent3="accent3" accent4="accent4" accent5="accent5" accent6="accent6" hlink="hlink" folHlink="folHlink"/>
+    <a:masterClrMapping/>
   </p:clrMapOvr>
-  <p:timing>
-    <p:tnLst>
-      <p:par>
-        <p:cTn id="1" dur="indefinite" restart="never" nodeType="tmRoot"/>
-      </p:par>
-    </p:tnLst>
-  </p:timing>
 </p:sld>
 </file>
 
@@ -34097,7 +35050,7 @@
           <p:cNvPr id="4" name="TextBox 3">
             <a:extLst>
               <a:ext uri="{FF2B5EF4-FFF2-40B4-BE49-F238E27FC236}">
-                <a16:creationId xmlns="" xmlns:a16="http://schemas.microsoft.com/office/drawing/2014/main" id="{83CC51E3-E419-4AB1-8316-5C2835430B1C}"/>
+                <a16:creationId xmlns:a16="http://schemas.microsoft.com/office/drawing/2014/main" id="{83CC51E3-E419-4AB1-8316-5C2835430B1C}"/>
               </a:ext>
             </a:extLst>
           </p:cNvPr>
@@ -34134,7 +35087,7 @@
           <a:lstStyle/>
           <a:p>
             <a:r>
-              <a:rPr lang="en-US" sz="1800" dirty="0" smtClean="0"/>
+              <a:rPr lang="en-US" sz="1800" dirty="0"/>
               <a:t>Salient Features</a:t>
             </a:r>
           </a:p>
@@ -34145,7 +35098,7 @@
           <p:cNvPr id="6" name="Rectangle 5">
             <a:extLst>
               <a:ext uri="{FF2B5EF4-FFF2-40B4-BE49-F238E27FC236}">
-                <a16:creationId xmlns="" xmlns:a16="http://schemas.microsoft.com/office/drawing/2014/main" id="{CCB79F84-A71F-4C90-A599-76F7E8C3FDCA}"/>
+                <a16:creationId xmlns:a16="http://schemas.microsoft.com/office/drawing/2014/main" id="{CCB79F84-A71F-4C90-A599-76F7E8C3FDCA}"/>
               </a:ext>
             </a:extLst>
           </p:cNvPr>
@@ -34181,25 +35134,25 @@
           <a:p>
             <a:pPr lvl="0" algn="l"/>
             <a:r>
-              <a:rPr lang="en-US" sz="1100" b="1" dirty="0" smtClean="0"/>
+              <a:rPr lang="en-US" sz="1100" b="1" dirty="0"/>
               <a:t>Part A</a:t>
             </a:r>
             <a:r>
-              <a:rPr lang="en-US" sz="1100" dirty="0" smtClean="0"/>
+              <a:rPr lang="en-US" sz="1100" dirty="0"/>
               <a:t>: Reducing task for testers and developers, by introducing hotspots that can conclude the most affected modules. Which makes it easier for them to identify the higher priority testing modules. This will help both the testers and developers as the tester would know where and what to test and the developer would know which module is most affected and can work upon resolving it. It can be used for impact analysis after getting a requirement and makes it a lot easier for all. The data is refined and clusters are created using machine learning model which generates the output to be stored in .csv files. This output will be integrated with Cognos for visualization of the key hotspot areas and the modules to be worked upon. </a:t>
             </a:r>
           </a:p>
           <a:p>
             <a:pPr algn="l"/>
             <a:r>
-              <a:rPr lang="en-US" sz="1100" b="1" dirty="0" smtClean="0"/>
+              <a:rPr lang="en-US" sz="1100" b="1" dirty="0"/>
               <a:t>Part B</a:t>
             </a:r>
             <a:r>
-              <a:rPr lang="en-US" sz="1100" dirty="0" smtClean="0"/>
+              <a:rPr lang="en-US" sz="1100" dirty="0"/>
               <a:t>: The UI is provided with data description which is mainly text data, transformed using NLP tokenization (Bag of Words) for providing key data words like Outlook, Mail, Yahoo which can be configured under Mail related issues. This refined data is passed in the model to train it.</a:t>
             </a:r>
-            <a:endParaRPr lang="en-IN" sz="1100" dirty="0" smtClean="0"/>
+            <a:endParaRPr lang="en-IN" sz="1100" dirty="0"/>
           </a:p>
           <a:p>
             <a:pPr lvl="0"/>
@@ -34210,20 +35163,13 @@
     </p:spTree>
     <p:extLst>
       <p:ext uri="{BB962C8B-B14F-4D97-AF65-F5344CB8AC3E}">
-        <p14:creationId xmlns="" xmlns:p14="http://schemas.microsoft.com/office/powerpoint/2010/main" val="2675218721"/>
+        <p14:creationId xmlns:p14="http://schemas.microsoft.com/office/powerpoint/2010/main" val="2675218721"/>
       </p:ext>
     </p:extLst>
   </p:cSld>
   <p:clrMapOvr>
     <a:overrideClrMapping bg1="lt1" tx1="dk1" bg2="lt2" tx2="dk2" accent1="accent1" accent2="accent2" accent3="accent3" accent4="accent4" accent5="accent5" accent6="accent6" hlink="hlink" folHlink="folHlink"/>
   </p:clrMapOvr>
-  <p:timing>
-    <p:tnLst>
-      <p:par>
-        <p:cTn id="1" dur="indefinite" restart="never" nodeType="tmRoot"/>
-      </p:par>
-    </p:tnLst>
-  </p:timing>
 </p:sld>
 </file>
 
@@ -34254,7 +35200,7 @@
           <p:cNvPr id="4" name="TextBox 3">
             <a:extLst>
               <a:ext uri="{FF2B5EF4-FFF2-40B4-BE49-F238E27FC236}">
-                <a16:creationId xmlns="" xmlns:a16="http://schemas.microsoft.com/office/drawing/2014/main" id="{83CC51E3-E419-4AB1-8316-5C2835430B1C}"/>
+                <a16:creationId xmlns:a16="http://schemas.microsoft.com/office/drawing/2014/main" id="{83CC51E3-E419-4AB1-8316-5C2835430B1C}"/>
               </a:ext>
             </a:extLst>
           </p:cNvPr>
@@ -34291,7 +35237,7 @@
           <a:lstStyle/>
           <a:p>
             <a:r>
-              <a:rPr lang="en-US" sz="1800" dirty="0" smtClean="0"/>
+              <a:rPr lang="en-US" sz="1800" dirty="0"/>
               <a:t>Use Cases &amp; Business Value of the solution</a:t>
             </a:r>
             <a:endParaRPr lang="en-US" sz="1800" dirty="0">
@@ -34305,7 +35251,7 @@
           <p:cNvPr id="6" name="Rectangle 5">
             <a:extLst>
               <a:ext uri="{FF2B5EF4-FFF2-40B4-BE49-F238E27FC236}">
-                <a16:creationId xmlns="" xmlns:a16="http://schemas.microsoft.com/office/drawing/2014/main" id="{CCB79F84-A71F-4C90-A599-76F7E8C3FDCA}"/>
+                <a16:creationId xmlns:a16="http://schemas.microsoft.com/office/drawing/2014/main" id="{CCB79F84-A71F-4C90-A599-76F7E8C3FDCA}"/>
               </a:ext>
             </a:extLst>
           </p:cNvPr>
@@ -34341,105 +35287,89 @@
           <a:p>
             <a:pPr marL="342900" indent="-342900" algn="l"/>
             <a:r>
-              <a:rPr lang="en-IN" sz="1800" dirty="0" smtClean="0"/>
+              <a:rPr lang="en-IN" sz="1800" dirty="0"/>
               <a:t>Find Hotspot: Run a k-means clustering algorithm on the input dataset to predict the module belonging to each cluster.</a:t>
             </a:r>
           </a:p>
           <a:p>
             <a:pPr marL="342900" indent="-342900" algn="l"/>
             <a:r>
-              <a:rPr lang="en-IN" sz="1800" dirty="0" smtClean="0"/>
+              <a:rPr lang="en-IN" sz="1800" dirty="0"/>
               <a:t>	Merge the cluster with the input data and load it to .csv file</a:t>
             </a:r>
           </a:p>
           <a:p>
             <a:pPr marL="342900" indent="-342900" algn="l"/>
             <a:r>
-              <a:rPr lang="en-IN" sz="1800" dirty="0" smtClean="0"/>
-              <a:t>	Plot the result in the </a:t>
-            </a:r>
-            <a:r>
               <a:rPr lang="en-IN" sz="1800" dirty="0"/>
-              <a:t>C</a:t>
-            </a:r>
-            <a:r>
-              <a:rPr lang="en-IN" sz="1800" dirty="0" smtClean="0"/>
-              <a:t>ognos dashboard using the generated .csv output.</a:t>
+              <a:t>	Plot the result in the Cognos dashboard using the generated .csv output.</a:t>
             </a:r>
           </a:p>
           <a:p>
             <a:pPr marL="342900" indent="-342900" algn="l"/>
             <a:r>
-              <a:rPr lang="en-IN" sz="1800" dirty="0" smtClean="0"/>
+              <a:rPr lang="en-IN" sz="1800" dirty="0"/>
               <a:t>Predict Resolution: Use the nltk library to clean the input summary data for which resolution is to be predicted.</a:t>
             </a:r>
           </a:p>
           <a:p>
             <a:pPr marL="342900" indent="-342900" algn="l"/>
             <a:r>
-              <a:rPr lang="en-IN" sz="1800" dirty="0" smtClean="0"/>
+              <a:rPr lang="en-IN" sz="1800" dirty="0"/>
               <a:t>	Factorise the dependent value and load it to .csv.</a:t>
             </a:r>
           </a:p>
           <a:p>
             <a:pPr marL="342900" indent="-342900" algn="l"/>
             <a:r>
-              <a:rPr lang="en-IN" sz="1800" dirty="0" smtClean="0"/>
+              <a:rPr lang="en-IN" sz="1800" dirty="0"/>
               <a:t>	Use TFIDF vectorizer to convert raw cleaned text into matrix of features.</a:t>
             </a:r>
           </a:p>
           <a:p>
             <a:pPr marL="342900" indent="-342900" algn="l"/>
             <a:r>
-              <a:rPr lang="en-IN" sz="1800" dirty="0" smtClean="0"/>
+              <a:rPr lang="en-IN" sz="1800" dirty="0"/>
               <a:t>	Train the LinearSVC Classifier using the generated matrix of features and the factorised dependent value.</a:t>
             </a:r>
           </a:p>
           <a:p>
             <a:pPr marL="342900" indent="-342900" algn="l"/>
             <a:r>
-              <a:rPr lang="en-IN" sz="1800" dirty="0" smtClean="0"/>
+              <a:rPr lang="en-IN" sz="1800" dirty="0"/>
               <a:t>	Save the trained classifier and vectorizer object as pickle file to reuse for future prediction</a:t>
             </a:r>
           </a:p>
           <a:p>
             <a:pPr marL="342900" indent="-342900" algn="l"/>
             <a:r>
-              <a:rPr lang="en-IN" sz="1800" dirty="0" smtClean="0"/>
+              <a:rPr lang="en-IN" sz="1800" dirty="0"/>
               <a:t>	Clean the any new text and use the saved objects to predict the resolution for new values.</a:t>
             </a:r>
           </a:p>
           <a:p>
             <a:pPr algn="l"/>
-            <a:endParaRPr lang="en-IN" sz="1800" dirty="0" smtClean="0"/>
+            <a:endParaRPr lang="en-IN" sz="1800" dirty="0"/>
           </a:p>
           <a:p>
             <a:pPr algn="l"/>
             <a:r>
-              <a:rPr lang="en-US" sz="1800" dirty="0" smtClean="0"/>
+              <a:rPr lang="en-US" sz="1800" dirty="0"/>
               <a:t> </a:t>
             </a:r>
-            <a:endParaRPr lang="en-US" sz="1800" dirty="0"/>
           </a:p>
         </p:txBody>
       </p:sp>
     </p:spTree>
     <p:extLst>
       <p:ext uri="{BB962C8B-B14F-4D97-AF65-F5344CB8AC3E}">
-        <p14:creationId xmlns="" xmlns:p14="http://schemas.microsoft.com/office/powerpoint/2010/main" val="245440417"/>
+        <p14:creationId xmlns:p14="http://schemas.microsoft.com/office/powerpoint/2010/main" val="245440417"/>
       </p:ext>
     </p:extLst>
   </p:cSld>
   <p:clrMapOvr>
     <a:overrideClrMapping bg1="lt1" tx1="dk1" bg2="lt2" tx2="dk2" accent1="accent1" accent2="accent2" accent3="accent3" accent4="accent4" accent5="accent5" accent6="accent6" hlink="hlink" folHlink="folHlink"/>
   </p:clrMapOvr>
-  <p:timing>
-    <p:tnLst>
-      <p:par>
-        <p:cTn id="1" dur="indefinite" restart="never" nodeType="tmRoot"/>
-      </p:par>
-    </p:tnLst>
-  </p:timing>
 </p:sld>
 </file>
 
@@ -34465,7 +35395,7 @@
           <p:cNvPr id="5" name="TextBox 4">
             <a:extLst>
               <a:ext uri="{FF2B5EF4-FFF2-40B4-BE49-F238E27FC236}">
-                <a16:creationId xmlns="" xmlns:a16="http://schemas.microsoft.com/office/drawing/2014/main" id="{83CC51E3-E419-4AB1-8316-5C2835430B1C}"/>
+                <a16:creationId xmlns:a16="http://schemas.microsoft.com/office/drawing/2014/main" id="{83CC51E3-E419-4AB1-8316-5C2835430B1C}"/>
               </a:ext>
             </a:extLst>
           </p:cNvPr>
@@ -34515,7 +35445,7 @@
           <p:cNvPr id="14" name="Rectangle 13">
             <a:extLst>
               <a:ext uri="{FF2B5EF4-FFF2-40B4-BE49-F238E27FC236}">
-                <a16:creationId xmlns="" xmlns:a16="http://schemas.microsoft.com/office/drawing/2014/main" id="{A33384C4-2658-4867-9748-8E3E227C174C}"/>
+                <a16:creationId xmlns:a16="http://schemas.microsoft.com/office/drawing/2014/main" id="{A33384C4-2658-4867-9748-8E3E227C174C}"/>
               </a:ext>
             </a:extLst>
           </p:cNvPr>
@@ -34554,7 +35484,7 @@
               <a:buAutoNum type="arabicPeriod"/>
             </a:pPr>
             <a:r>
-              <a:rPr lang="en-US" sz="1800" dirty="0" smtClean="0"/>
+              <a:rPr lang="en-US" sz="1800" dirty="0"/>
               <a:t>Testers’ delight - Scramble through huge defects which historically accumulated, and making good use of it is a challenging task. Our application will gorge the file, mark the hotspot modules, which are more prone to get defects. So, the testers get an indicator before hand which are the modules they need to be more concerned about. </a:t>
             </a:r>
           </a:p>
@@ -34564,30 +35494,22 @@
               <a:buAutoNum type="arabicPeriod"/>
             </a:pPr>
             <a:r>
-              <a:rPr lang="en-US" sz="1800" dirty="0" smtClean="0"/>
+              <a:rPr lang="en-US" sz="1800" dirty="0"/>
               <a:t>Developers’ fortune – Testers hand over to the developers list of defect. Developer can make use of our application to reduce his effort, in lieu of hard work done earlier. For a defect what was or were the resolutions, if fed into the application in the form of csv file, application will directly provide the possible resolution, using natural language keyword search. It may not be 100% correct always, but can save a good percentage of tasks at developers’ end. </a:t>
             </a:r>
-            <a:endParaRPr lang="en-US" sz="1800" dirty="0"/>
           </a:p>
         </p:txBody>
       </p:sp>
     </p:spTree>
     <p:extLst>
       <p:ext uri="{BB962C8B-B14F-4D97-AF65-F5344CB8AC3E}">
-        <p14:creationId xmlns="" xmlns:p14="http://schemas.microsoft.com/office/powerpoint/2010/main" val="392771585"/>
+        <p14:creationId xmlns:p14="http://schemas.microsoft.com/office/powerpoint/2010/main" val="392771585"/>
       </p:ext>
     </p:extLst>
   </p:cSld>
   <p:clrMapOvr>
     <a:masterClrMapping/>
   </p:clrMapOvr>
-  <p:timing>
-    <p:tnLst>
-      <p:par>
-        <p:cTn id="1" dur="indefinite" restart="never" nodeType="tmRoot"/>
-      </p:par>
-    </p:tnLst>
-  </p:timing>
 </p:sld>
 </file>
 
@@ -34613,7 +35535,7 @@
           <p:cNvPr id="5" name="TextBox 4">
             <a:extLst>
               <a:ext uri="{FF2B5EF4-FFF2-40B4-BE49-F238E27FC236}">
-                <a16:creationId xmlns="" xmlns:a16="http://schemas.microsoft.com/office/drawing/2014/main" id="{83CC51E3-E419-4AB1-8316-5C2835430B1C}"/>
+                <a16:creationId xmlns:a16="http://schemas.microsoft.com/office/drawing/2014/main" id="{83CC51E3-E419-4AB1-8316-5C2835430B1C}"/>
               </a:ext>
             </a:extLst>
           </p:cNvPr>
@@ -34663,7 +35585,7 @@
           <p:cNvPr id="14" name="Rectangle 13">
             <a:extLst>
               <a:ext uri="{FF2B5EF4-FFF2-40B4-BE49-F238E27FC236}">
-                <a16:creationId xmlns="" xmlns:a16="http://schemas.microsoft.com/office/drawing/2014/main" id="{A33384C4-2658-4867-9748-8E3E227C174C}"/>
+                <a16:creationId xmlns:a16="http://schemas.microsoft.com/office/drawing/2014/main" id="{A33384C4-2658-4867-9748-8E3E227C174C}"/>
               </a:ext>
             </a:extLst>
           </p:cNvPr>
@@ -34744,7 +35666,7 @@
               <a:t>Team we constituted, were from discrete teams, and separated by thousand miles with pandemic impact. But still managed to stitch the whole concert together, in the pretext of </a:t>
             </a:r>
             <a:r>
-              <a:rPr lang="en-US" sz="1800" dirty="0" err="1" smtClean="0"/>
+              <a:rPr lang="en-US" sz="1800" dirty="0" err="1"/>
               <a:t>Hackathon</a:t>
             </a:r>
             <a:r>
@@ -34757,20 +35679,13 @@
     </p:spTree>
     <p:extLst>
       <p:ext uri="{BB962C8B-B14F-4D97-AF65-F5344CB8AC3E}">
-        <p14:creationId xmlns="" xmlns:p14="http://schemas.microsoft.com/office/powerpoint/2010/main" val="3645423041"/>
+        <p14:creationId xmlns:p14="http://schemas.microsoft.com/office/powerpoint/2010/main" val="3645423041"/>
       </p:ext>
     </p:extLst>
   </p:cSld>
   <p:clrMapOvr>
     <a:masterClrMapping/>
   </p:clrMapOvr>
-  <p:timing>
-    <p:tnLst>
-      <p:par>
-        <p:cTn id="1" dur="indefinite" restart="never" nodeType="tmRoot"/>
-      </p:par>
-    </p:tnLst>
-  </p:timing>
 </p:sld>
 </file>
 
@@ -34796,7 +35711,7 @@
           <p:cNvPr id="5" name="TextBox 4">
             <a:extLst>
               <a:ext uri="{FF2B5EF4-FFF2-40B4-BE49-F238E27FC236}">
-                <a16:creationId xmlns="" xmlns:a16="http://schemas.microsoft.com/office/drawing/2014/main" id="{83CC51E3-E419-4AB1-8316-5C2835430B1C}"/>
+                <a16:creationId xmlns:a16="http://schemas.microsoft.com/office/drawing/2014/main" id="{83CC51E3-E419-4AB1-8316-5C2835430B1C}"/>
               </a:ext>
             </a:extLst>
           </p:cNvPr>
@@ -34833,14 +35748,11 @@
           <a:lstStyle/>
           <a:p>
             <a:r>
-              <a:rPr lang="en-US" sz="1800" dirty="0" smtClean="0">
+              <a:rPr lang="en-US" sz="1800" dirty="0">
                 <a:latin typeface="+mn-lt"/>
               </a:rPr>
               <a:t>Screenshots (if any applicable)</a:t>
             </a:r>
-            <a:endParaRPr lang="en-US" sz="1800" dirty="0">
-              <a:latin typeface="+mn-lt"/>
-            </a:endParaRPr>
           </a:p>
         </p:txBody>
       </p:sp>
@@ -34849,7 +35761,7 @@
           <p:cNvPr id="14" name="Rectangle 13">
             <a:extLst>
               <a:ext uri="{FF2B5EF4-FFF2-40B4-BE49-F238E27FC236}">
-                <a16:creationId xmlns="" xmlns:a16="http://schemas.microsoft.com/office/drawing/2014/main" id="{A33384C4-2658-4867-9748-8E3E227C174C}"/>
+                <a16:creationId xmlns:a16="http://schemas.microsoft.com/office/drawing/2014/main" id="{A33384C4-2658-4867-9748-8E3E227C174C}"/>
               </a:ext>
             </a:extLst>
           </p:cNvPr>
@@ -34891,20 +35803,13 @@
     </p:spTree>
     <p:extLst>
       <p:ext uri="{BB962C8B-B14F-4D97-AF65-F5344CB8AC3E}">
-        <p14:creationId xmlns="" xmlns:p14="http://schemas.microsoft.com/office/powerpoint/2010/main" val="2442003819"/>
+        <p14:creationId xmlns:p14="http://schemas.microsoft.com/office/powerpoint/2010/main" val="2442003819"/>
       </p:ext>
     </p:extLst>
   </p:cSld>
   <p:clrMapOvr>
     <a:masterClrMapping/>
   </p:clrMapOvr>
-  <p:timing>
-    <p:tnLst>
-      <p:par>
-        <p:cTn id="1" dur="indefinite" restart="never" nodeType="tmRoot"/>
-      </p:par>
-    </p:tnLst>
-  </p:timing>
 </p:sld>
 </file>
 
@@ -35189,7 +36094,7 @@
   <a:extraClrSchemeLst/>
   <a:extLst>
     <a:ext uri="{05A4C25C-085E-4340-85A3-A5531E510DB2}">
-      <thm15:themeFamily xmlns="" xmlns:thm15="http://schemas.microsoft.com/office/thememl/2012/main" name="Office Theme" id="{62F939B6-93AF-4DB8-9C6B-D6C7DFDC589F}" vid="{4A3C46E8-61CC-4603-A589-7422A47A8E4A}"/>
+      <thm15:themeFamily xmlns:thm15="http://schemas.microsoft.com/office/thememl/2012/main" name="Office Theme" id="{62F939B6-93AF-4DB8-9C6B-D6C7DFDC589F}" vid="{4A3C46E8-61CC-4603-A589-7422A47A8E4A}"/>
     </a:ext>
   </a:extLst>
 </a:theme>
@@ -35450,7 +36355,7 @@
   <a:extraClrSchemeLst/>
   <a:extLst>
     <a:ext uri="{05A4C25C-085E-4340-85A3-A5531E510DB2}">
-      <thm15:themeFamily xmlns="" xmlns:thm15="http://schemas.microsoft.com/office/thememl/2012/main" name="Office Theme" id="{62F939B6-93AF-4DB8-9C6B-D6C7DFDC589F}" vid="{AE6F2518-B084-4896-AF52-66CC2144AA26}"/>
+      <thm15:themeFamily xmlns:thm15="http://schemas.microsoft.com/office/thememl/2012/main" name="Office Theme" id="{62F939B6-93AF-4DB8-9C6B-D6C7DFDC589F}" vid="{AE6F2518-B084-4896-AF52-66CC2144AA26}"/>
     </a:ext>
   </a:extLst>
 </a:theme>
@@ -36027,9 +36932,12 @@
 </file>
 
 <file path=customXml/item1.xml><?xml version="1.0" encoding="utf-8"?>
-<p:properties xmlns:p="http://schemas.microsoft.com/office/2006/metadata/properties" xmlns:xsi="http://www.w3.org/2001/XMLSchema-instance">
-  <documentManagement/>
-</p:properties>
+<?mso-contentType ?>
+<FormTemplates xmlns="http://schemas.microsoft.com/sharepoint/v3/contenttype/forms">
+  <Display>DocumentLibraryForm</Display>
+  <Edit>DocumentLibraryForm</Edit>
+  <New>DocumentLibraryForm</New>
+</FormTemplates>
 </file>
 
 <file path=customXml/item2.xml><?xml version="1.0" encoding="utf-8"?>
@@ -36165,26 +37073,15 @@
 </file>
 
 <file path=customXml/item3.xml><?xml version="1.0" encoding="utf-8"?>
-<?mso-contentType ?>
-<FormTemplates xmlns="http://schemas.microsoft.com/sharepoint/v3/contenttype/forms">
-  <Display>DocumentLibraryForm</Display>
-  <Edit>DocumentLibraryForm</Edit>
-  <New>DocumentLibraryForm</New>
-</FormTemplates>
+<p:properties xmlns:p="http://schemas.microsoft.com/office/2006/metadata/properties" xmlns:xsi="http://www.w3.org/2001/XMLSchema-instance">
+  <documentManagement/>
+</p:properties>
 </file>
 
 <file path=customXml/itemProps1.xml><?xml version="1.0" encoding="utf-8"?>
-<ds:datastoreItem xmlns:ds="http://schemas.openxmlformats.org/officeDocument/2006/customXml" ds:itemID="{24559248-63FA-4C6E-A37D-96FF4426E5C5}">
+<ds:datastoreItem xmlns:ds="http://schemas.openxmlformats.org/officeDocument/2006/customXml" ds:itemID="{8ABB6DC8-0142-4676-96FE-F1693BA95046}">
   <ds:schemaRefs>
-    <ds:schemaRef ds:uri="http://schemas.microsoft.com/office/2006/documentManagement/types"/>
-    <ds:schemaRef ds:uri="http://purl.org/dc/dcmitype/"/>
-    <ds:schemaRef ds:uri="http://schemas.microsoft.com/office/2006/metadata/properties"/>
-    <ds:schemaRef ds:uri="http://purl.org/dc/elements/1.1/"/>
-    <ds:schemaRef ds:uri="http://purl.org/dc/terms/"/>
-    <ds:schemaRef ds:uri="http://schemas.openxmlformats.org/package/2006/metadata/core-properties"/>
-    <ds:schemaRef ds:uri="http://schemas.microsoft.com/office/infopath/2007/PartnerControls"/>
-    <ds:schemaRef ds:uri="59adf32a-ef96-4ec2-94c8-876cf435d4ef"/>
-    <ds:schemaRef ds:uri="http://www.w3.org/XML/1998/namespace"/>
+    <ds:schemaRef ds:uri="http://schemas.microsoft.com/sharepoint/v3/contenttype/forms"/>
   </ds:schemaRefs>
 </ds:datastoreItem>
 </file>
@@ -36208,9 +37105,17 @@
 </file>
 
 <file path=customXml/itemProps3.xml><?xml version="1.0" encoding="utf-8"?>
-<ds:datastoreItem xmlns:ds="http://schemas.openxmlformats.org/officeDocument/2006/customXml" ds:itemID="{8ABB6DC8-0142-4676-96FE-F1693BA95046}">
+<ds:datastoreItem xmlns:ds="http://schemas.openxmlformats.org/officeDocument/2006/customXml" ds:itemID="{24559248-63FA-4C6E-A37D-96FF4426E5C5}">
   <ds:schemaRefs>
-    <ds:schemaRef ds:uri="http://schemas.microsoft.com/sharepoint/v3/contenttype/forms"/>
+    <ds:schemaRef ds:uri="http://schemas.microsoft.com/office/2006/documentManagement/types"/>
+    <ds:schemaRef ds:uri="http://purl.org/dc/dcmitype/"/>
+    <ds:schemaRef ds:uri="http://schemas.microsoft.com/office/2006/metadata/properties"/>
+    <ds:schemaRef ds:uri="http://purl.org/dc/elements/1.1/"/>
+    <ds:schemaRef ds:uri="http://purl.org/dc/terms/"/>
+    <ds:schemaRef ds:uri="http://schemas.openxmlformats.org/package/2006/metadata/core-properties"/>
+    <ds:schemaRef ds:uri="http://schemas.microsoft.com/office/infopath/2007/PartnerControls"/>
+    <ds:schemaRef ds:uri="59adf32a-ef96-4ec2-94c8-876cf435d4ef"/>
+    <ds:schemaRef ds:uri="http://www.w3.org/XML/1998/namespace"/>
   </ds:schemaRefs>
 </ds:datastoreItem>
 </file>